--- a/figure/figure.pptx
+++ b/figure/figure.pptx
@@ -104,6 +104,11 @@
       </a:defRPr>
     </a:lvl9pPr>
   </p:defaultTextStyle>
+  <p:extLst>
+    <p:ext uri="{EFAFB233-063F-42B5-8137-9DF3F51BA10A}">
+      <p15:sldGuideLst xmlns:p15="http://schemas.microsoft.com/office/powerpoint/2012/main"/>
+    </p:ext>
+  </p:extLst>
 </p:presentation>
 </file>
 
@@ -254,7 +259,7 @@
           <a:p>
             <a:fld id="{D3EDB8CA-71FD-4DC9-833D-24632F66BB79}" type="datetimeFigureOut">
               <a:rPr lang="zh-TW" altLang="en-US" smtClean="0"/>
-              <a:t>2022/2/9</a:t>
+              <a:t>2022/6/3</a:t>
             </a:fld>
             <a:endParaRPr lang="zh-TW" altLang="en-US"/>
           </a:p>
@@ -452,7 +457,7 @@
           <a:p>
             <a:fld id="{D3EDB8CA-71FD-4DC9-833D-24632F66BB79}" type="datetimeFigureOut">
               <a:rPr lang="zh-TW" altLang="en-US" smtClean="0"/>
-              <a:t>2022/2/9</a:t>
+              <a:t>2022/6/3</a:t>
             </a:fld>
             <a:endParaRPr lang="zh-TW" altLang="en-US"/>
           </a:p>
@@ -660,7 +665,7 @@
           <a:p>
             <a:fld id="{D3EDB8CA-71FD-4DC9-833D-24632F66BB79}" type="datetimeFigureOut">
               <a:rPr lang="zh-TW" altLang="en-US" smtClean="0"/>
-              <a:t>2022/2/9</a:t>
+              <a:t>2022/6/3</a:t>
             </a:fld>
             <a:endParaRPr lang="zh-TW" altLang="en-US"/>
           </a:p>
@@ -858,7 +863,7 @@
           <a:p>
             <a:fld id="{D3EDB8CA-71FD-4DC9-833D-24632F66BB79}" type="datetimeFigureOut">
               <a:rPr lang="zh-TW" altLang="en-US" smtClean="0"/>
-              <a:t>2022/2/9</a:t>
+              <a:t>2022/6/3</a:t>
             </a:fld>
             <a:endParaRPr lang="zh-TW" altLang="en-US"/>
           </a:p>
@@ -1133,7 +1138,7 @@
           <a:p>
             <a:fld id="{D3EDB8CA-71FD-4DC9-833D-24632F66BB79}" type="datetimeFigureOut">
               <a:rPr lang="zh-TW" altLang="en-US" smtClean="0"/>
-              <a:t>2022/2/9</a:t>
+              <a:t>2022/6/3</a:t>
             </a:fld>
             <a:endParaRPr lang="zh-TW" altLang="en-US"/>
           </a:p>
@@ -1398,7 +1403,7 @@
           <a:p>
             <a:fld id="{D3EDB8CA-71FD-4DC9-833D-24632F66BB79}" type="datetimeFigureOut">
               <a:rPr lang="zh-TW" altLang="en-US" smtClean="0"/>
-              <a:t>2022/2/9</a:t>
+              <a:t>2022/6/3</a:t>
             </a:fld>
             <a:endParaRPr lang="zh-TW" altLang="en-US"/>
           </a:p>
@@ -1810,7 +1815,7 @@
           <a:p>
             <a:fld id="{D3EDB8CA-71FD-4DC9-833D-24632F66BB79}" type="datetimeFigureOut">
               <a:rPr lang="zh-TW" altLang="en-US" smtClean="0"/>
-              <a:t>2022/2/9</a:t>
+              <a:t>2022/6/3</a:t>
             </a:fld>
             <a:endParaRPr lang="zh-TW" altLang="en-US"/>
           </a:p>
@@ -1951,7 +1956,7 @@
           <a:p>
             <a:fld id="{D3EDB8CA-71FD-4DC9-833D-24632F66BB79}" type="datetimeFigureOut">
               <a:rPr lang="zh-TW" altLang="en-US" smtClean="0"/>
-              <a:t>2022/2/9</a:t>
+              <a:t>2022/6/3</a:t>
             </a:fld>
             <a:endParaRPr lang="zh-TW" altLang="en-US"/>
           </a:p>
@@ -2064,7 +2069,7 @@
           <a:p>
             <a:fld id="{D3EDB8CA-71FD-4DC9-833D-24632F66BB79}" type="datetimeFigureOut">
               <a:rPr lang="zh-TW" altLang="en-US" smtClean="0"/>
-              <a:t>2022/2/9</a:t>
+              <a:t>2022/6/3</a:t>
             </a:fld>
             <a:endParaRPr lang="zh-TW" altLang="en-US"/>
           </a:p>
@@ -2375,7 +2380,7 @@
           <a:p>
             <a:fld id="{D3EDB8CA-71FD-4DC9-833D-24632F66BB79}" type="datetimeFigureOut">
               <a:rPr lang="zh-TW" altLang="en-US" smtClean="0"/>
-              <a:t>2022/2/9</a:t>
+              <a:t>2022/6/3</a:t>
             </a:fld>
             <a:endParaRPr lang="zh-TW" altLang="en-US"/>
           </a:p>
@@ -2663,7 +2668,7 @@
           <a:p>
             <a:fld id="{D3EDB8CA-71FD-4DC9-833D-24632F66BB79}" type="datetimeFigureOut">
               <a:rPr lang="zh-TW" altLang="en-US" smtClean="0"/>
-              <a:t>2022/2/9</a:t>
+              <a:t>2022/6/3</a:t>
             </a:fld>
             <a:endParaRPr lang="zh-TW" altLang="en-US"/>
           </a:p>
@@ -2904,7 +2909,7 @@
           <a:p>
             <a:fld id="{D3EDB8CA-71FD-4DC9-833D-24632F66BB79}" type="datetimeFigureOut">
               <a:rPr lang="zh-TW" altLang="en-US" smtClean="0"/>
-              <a:t>2022/2/9</a:t>
+              <a:t>2022/6/3</a:t>
             </a:fld>
             <a:endParaRPr lang="zh-TW" altLang="en-US"/>
           </a:p>
@@ -3377,10 +3382,10 @@
       </p:sp>
       <p:pic>
         <p:nvPicPr>
-          <p:cNvPr id="5" name="圖片 4">
-            <a:extLst>
-              <a:ext uri="{FF2B5EF4-FFF2-40B4-BE49-F238E27FC236}">
-                <a16:creationId xmlns:a16="http://schemas.microsoft.com/office/drawing/2014/main" id="{6A9CA9E8-0EBD-4767-9CFB-012B913F57B5}"/>
+          <p:cNvPr id="7" name="圖片 6">
+            <a:extLst>
+              <a:ext uri="{FF2B5EF4-FFF2-40B4-BE49-F238E27FC236}">
+                <a16:creationId xmlns:a16="http://schemas.microsoft.com/office/drawing/2014/main" id="{67EB584A-F5AE-44D9-8AEF-3C3C26B1FB2F}"/>
               </a:ext>
             </a:extLst>
           </p:cNvPr>
@@ -3397,8 +3402,8 @@
         </p:blipFill>
         <p:spPr>
           <a:xfrm>
-            <a:off x="4458841" y="1017662"/>
-            <a:ext cx="3743847" cy="885949"/>
+            <a:off x="2508109" y="2505461"/>
+            <a:ext cx="3431933" cy="840150"/>
           </a:xfrm>
           <a:prstGeom prst="rect">
             <a:avLst/>
@@ -3407,10 +3412,10 @@
       </p:pic>
       <p:pic>
         <p:nvPicPr>
-          <p:cNvPr id="7" name="圖片 6">
-            <a:extLst>
-              <a:ext uri="{FF2B5EF4-FFF2-40B4-BE49-F238E27FC236}">
-                <a16:creationId xmlns:a16="http://schemas.microsoft.com/office/drawing/2014/main" id="{67EB584A-F5AE-44D9-8AEF-3C3C26B1FB2F}"/>
+          <p:cNvPr id="9" name="圖片 8">
+            <a:extLst>
+              <a:ext uri="{FF2B5EF4-FFF2-40B4-BE49-F238E27FC236}">
+                <a16:creationId xmlns:a16="http://schemas.microsoft.com/office/drawing/2014/main" id="{BDD51638-F118-4E4B-8540-E5DA1E0E9208}"/>
               </a:ext>
             </a:extLst>
           </p:cNvPr>
@@ -3427,8 +3432,8 @@
         </p:blipFill>
         <p:spPr>
           <a:xfrm>
-            <a:off x="2508109" y="2300986"/>
-            <a:ext cx="3431933" cy="840150"/>
+            <a:off x="2489304" y="3648964"/>
+            <a:ext cx="3953427" cy="590632"/>
           </a:xfrm>
           <a:prstGeom prst="rect">
             <a:avLst/>
@@ -3437,10 +3442,10 @@
       </p:pic>
       <p:pic>
         <p:nvPicPr>
-          <p:cNvPr id="9" name="圖片 8">
-            <a:extLst>
-              <a:ext uri="{FF2B5EF4-FFF2-40B4-BE49-F238E27FC236}">
-                <a16:creationId xmlns:a16="http://schemas.microsoft.com/office/drawing/2014/main" id="{BDD51638-F118-4E4B-8540-E5DA1E0E9208}"/>
+          <p:cNvPr id="11" name="圖片 10">
+            <a:extLst>
+              <a:ext uri="{FF2B5EF4-FFF2-40B4-BE49-F238E27FC236}">
+                <a16:creationId xmlns:a16="http://schemas.microsoft.com/office/drawing/2014/main" id="{0E7D40C1-3127-4C5D-B929-52893BFC4582}"/>
               </a:ext>
             </a:extLst>
           </p:cNvPr>
@@ -3457,37 +3462,7 @@
         </p:blipFill>
         <p:spPr>
           <a:xfrm>
-            <a:off x="2489304" y="3536656"/>
-            <a:ext cx="3953427" cy="590632"/>
-          </a:xfrm>
-          <a:prstGeom prst="rect">
-            <a:avLst/>
-          </a:prstGeom>
-        </p:spPr>
-      </p:pic>
-      <p:pic>
-        <p:nvPicPr>
-          <p:cNvPr id="11" name="圖片 10">
-            <a:extLst>
-              <a:ext uri="{FF2B5EF4-FFF2-40B4-BE49-F238E27FC236}">
-                <a16:creationId xmlns:a16="http://schemas.microsoft.com/office/drawing/2014/main" id="{0E7D40C1-3127-4C5D-B929-52893BFC4582}"/>
-              </a:ext>
-            </a:extLst>
-          </p:cNvPr>
-          <p:cNvPicPr>
-            <a:picLocks noChangeAspect="1"/>
-          </p:cNvPicPr>
-          <p:nvPr/>
-        </p:nvPicPr>
-        <p:blipFill>
-          <a:blip r:embed="rId5"/>
-          <a:stretch>
-            <a:fillRect/>
-          </a:stretch>
-        </p:blipFill>
-        <p:spPr>
-          <a:xfrm>
-            <a:off x="6521266" y="3371755"/>
+            <a:off x="6521266" y="3484063"/>
             <a:ext cx="3412925" cy="755533"/>
           </a:xfrm>
           <a:prstGeom prst="rect">
@@ -3510,7 +3485,7 @@
           <p:nvPr/>
         </p:nvPicPr>
         <p:blipFill>
-          <a:blip r:embed="rId6"/>
+          <a:blip r:embed="rId5"/>
           <a:stretch>
             <a:fillRect/>
           </a:stretch>
@@ -3540,15 +3515,51 @@
           <p:nvPr/>
         </p:nvPicPr>
         <p:blipFill>
-          <a:blip r:embed="rId7"/>
+          <a:blip r:embed="rId6"/>
           <a:stretch>
             <a:fillRect/>
           </a:stretch>
         </p:blipFill>
         <p:spPr>
           <a:xfrm>
-            <a:off x="6116059" y="2485641"/>
+            <a:off x="6116059" y="2690116"/>
             <a:ext cx="3871832" cy="501241"/>
+          </a:xfrm>
+          <a:prstGeom prst="rect">
+            <a:avLst/>
+          </a:prstGeom>
+        </p:spPr>
+      </p:pic>
+      <p:pic>
+        <p:nvPicPr>
+          <p:cNvPr id="3" name="圖片 2">
+            <a:extLst>
+              <a:ext uri="{FF2B5EF4-FFF2-40B4-BE49-F238E27FC236}">
+                <a16:creationId xmlns:a16="http://schemas.microsoft.com/office/drawing/2014/main" id="{665A4F30-E6D8-F61B-F96A-9154C8D9085B}"/>
+              </a:ext>
+            </a:extLst>
+          </p:cNvPr>
+          <p:cNvPicPr>
+            <a:picLocks noChangeAspect="1"/>
+          </p:cNvPicPr>
+          <p:nvPr/>
+        </p:nvPicPr>
+        <p:blipFill>
+          <a:blip r:embed="rId7">
+            <a:extLst>
+              <a:ext uri="{28A0092B-C50C-407E-A947-70E740481C1C}">
+                <a14:useLocalDpi xmlns:a14="http://schemas.microsoft.com/office/drawing/2010/main" val="0"/>
+              </a:ext>
+            </a:extLst>
+          </a:blip>
+          <a:stretch>
+            <a:fillRect/>
+          </a:stretch>
+        </p:blipFill>
+        <p:spPr>
+          <a:xfrm>
+            <a:off x="3862403" y="1537105"/>
+            <a:ext cx="4936723" cy="763881"/>
           </a:xfrm>
           <a:prstGeom prst="rect">
             <a:avLst/>

--- a/figure/figure.pptx
+++ b/figure/figure.pptx
@@ -6,6 +6,7 @@
   </p:sldMasterIdLst>
   <p:sldIdLst>
     <p:sldId id="256" r:id="rId2"/>
+    <p:sldId id="257" r:id="rId3"/>
   </p:sldIdLst>
   <p:sldSz cx="12192000" cy="6858000"/>
   <p:notesSz cx="6858000" cy="9144000"/>
@@ -112,6 +113,251 @@
 </p:presentation>
 </file>
 
+<file path=ppt/revisionInfo.xml><?xml version="1.0" encoding="utf-8"?>
+<p1510:revInfo xmlns:a="http://schemas.openxmlformats.org/drawingml/2006/main" xmlns:r="http://schemas.openxmlformats.org/officeDocument/2006/relationships" xmlns:p1510="http://schemas.microsoft.com/office/powerpoint/2015/10/main">
+  <p1510:revLst>
+    <p1510:client id="{03E5F488-4AE7-44EC-BCC8-445D3528E1AB}" v="29" dt="2023-09-05T12:11:47.249"/>
+  </p1510:revLst>
+</p1510:revInfo>
+</file>
+
+<file path=ppt/changesInfos/changesInfo1.xml><?xml version="1.0" encoding="utf-8"?>
+<pc:chgInfo xmlns:a="http://schemas.openxmlformats.org/drawingml/2006/main" xmlns:r="http://schemas.openxmlformats.org/officeDocument/2006/relationships" xmlns:ac="http://schemas.microsoft.com/office/drawing/2013/main/command" xmlns:pc="http://schemas.microsoft.com/office/powerpoint/2013/main/command">
+  <pc:docChgLst>
+    <pc:chgData name="Chia-jung Yeh" userId="f328d6f4-0757-42dc-943f-c4685e047ee8" providerId="ADAL" clId="{03E5F488-4AE7-44EC-BCC8-445D3528E1AB}"/>
+    <pc:docChg chg="undo custSel addSld modSld">
+      <pc:chgData name="Chia-jung Yeh" userId="f328d6f4-0757-42dc-943f-c4685e047ee8" providerId="ADAL" clId="{03E5F488-4AE7-44EC-BCC8-445D3528E1AB}" dt="2023-09-05T12:11:54.408" v="156" actId="207"/>
+      <pc:docMkLst>
+        <pc:docMk/>
+      </pc:docMkLst>
+      <pc:sldChg chg="addSp delSp modSp add mod">
+        <pc:chgData name="Chia-jung Yeh" userId="f328d6f4-0757-42dc-943f-c4685e047ee8" providerId="ADAL" clId="{03E5F488-4AE7-44EC-BCC8-445D3528E1AB}" dt="2023-09-05T12:11:54.408" v="156" actId="207"/>
+        <pc:sldMkLst>
+          <pc:docMk/>
+          <pc:sldMk cId="2631405588" sldId="257"/>
+        </pc:sldMkLst>
+        <pc:spChg chg="add del">
+          <ac:chgData name="Chia-jung Yeh" userId="f328d6f4-0757-42dc-943f-c4685e047ee8" providerId="ADAL" clId="{03E5F488-4AE7-44EC-BCC8-445D3528E1AB}" dt="2023-09-05T06:41:52.876" v="38" actId="22"/>
+          <ac:spMkLst>
+            <pc:docMk/>
+            <pc:sldMk cId="2631405588" sldId="257"/>
+            <ac:spMk id="10" creationId="{4C78819E-0721-16EC-D472-16FF0BB60F90}"/>
+          </ac:spMkLst>
+        </pc:spChg>
+        <pc:spChg chg="mod">
+          <ac:chgData name="Chia-jung Yeh" userId="f328d6f4-0757-42dc-943f-c4685e047ee8" providerId="ADAL" clId="{03E5F488-4AE7-44EC-BCC8-445D3528E1AB}" dt="2023-09-05T12:11:54.408" v="156" actId="207"/>
+          <ac:spMkLst>
+            <pc:docMk/>
+            <pc:sldMk cId="2631405588" sldId="257"/>
+            <ac:spMk id="16" creationId="{7A29A141-0B07-4780-B4D4-5F3AA8D031A8}"/>
+          </ac:spMkLst>
+        </pc:spChg>
+        <pc:picChg chg="add del mod modCrop">
+          <ac:chgData name="Chia-jung Yeh" userId="f328d6f4-0757-42dc-943f-c4685e047ee8" providerId="ADAL" clId="{03E5F488-4AE7-44EC-BCC8-445D3528E1AB}" dt="2023-09-05T06:40:44.104" v="21" actId="478"/>
+          <ac:picMkLst>
+            <pc:docMk/>
+            <pc:sldMk cId="2631405588" sldId="257"/>
+            <ac:picMk id="2" creationId="{3A804686-8507-FD95-61B5-BD40B982353E}"/>
+          </ac:picMkLst>
+        </pc:picChg>
+        <pc:picChg chg="mod">
+          <ac:chgData name="Chia-jung Yeh" userId="f328d6f4-0757-42dc-943f-c4685e047ee8" providerId="ADAL" clId="{03E5F488-4AE7-44EC-BCC8-445D3528E1AB}" dt="2023-09-05T06:42:50.284" v="60" actId="1076"/>
+          <ac:picMkLst>
+            <pc:docMk/>
+            <pc:sldMk cId="2631405588" sldId="257"/>
+            <ac:picMk id="3" creationId="{665A4F30-E6D8-F61B-F96A-9154C8D9085B}"/>
+          </ac:picMkLst>
+        </pc:picChg>
+        <pc:picChg chg="add mod">
+          <ac:chgData name="Chia-jung Yeh" userId="f328d6f4-0757-42dc-943f-c4685e047ee8" providerId="ADAL" clId="{03E5F488-4AE7-44EC-BCC8-445D3528E1AB}" dt="2023-09-05T06:42:50.284" v="60" actId="1076"/>
+          <ac:picMkLst>
+            <pc:docMk/>
+            <pc:sldMk cId="2631405588" sldId="257"/>
+            <ac:picMk id="4" creationId="{C96DC01E-0E92-678A-0213-09AA00C74566}"/>
+          </ac:picMkLst>
+        </pc:picChg>
+        <pc:picChg chg="add mod">
+          <ac:chgData name="Chia-jung Yeh" userId="f328d6f4-0757-42dc-943f-c4685e047ee8" providerId="ADAL" clId="{03E5F488-4AE7-44EC-BCC8-445D3528E1AB}" dt="2023-09-05T12:11:29.116" v="153" actId="1076"/>
+          <ac:picMkLst>
+            <pc:docMk/>
+            <pc:sldMk cId="2631405588" sldId="257"/>
+            <ac:picMk id="5" creationId="{3512C094-2330-43EC-ADE0-E3612976ED76}"/>
+          </ac:picMkLst>
+        </pc:picChg>
+        <pc:picChg chg="add mod">
+          <ac:chgData name="Chia-jung Yeh" userId="f328d6f4-0757-42dc-943f-c4685e047ee8" providerId="ADAL" clId="{03E5F488-4AE7-44EC-BCC8-445D3528E1AB}" dt="2023-09-05T12:09:51.523" v="133" actId="1076"/>
+          <ac:picMkLst>
+            <pc:docMk/>
+            <pc:sldMk cId="2631405588" sldId="257"/>
+            <ac:picMk id="6" creationId="{C07FB392-267E-04EC-751E-6B1B41A03DD0}"/>
+          </ac:picMkLst>
+        </pc:picChg>
+        <pc:picChg chg="del">
+          <ac:chgData name="Chia-jung Yeh" userId="f328d6f4-0757-42dc-943f-c4685e047ee8" providerId="ADAL" clId="{03E5F488-4AE7-44EC-BCC8-445D3528E1AB}" dt="2023-09-05T06:39:45.326" v="1" actId="478"/>
+          <ac:picMkLst>
+            <pc:docMk/>
+            <pc:sldMk cId="2631405588" sldId="257"/>
+            <ac:picMk id="7" creationId="{67EB584A-F5AE-44D9-8AEF-3C3C26B1FB2F}"/>
+          </ac:picMkLst>
+        </pc:picChg>
+        <pc:picChg chg="del">
+          <ac:chgData name="Chia-jung Yeh" userId="f328d6f4-0757-42dc-943f-c4685e047ee8" providerId="ADAL" clId="{03E5F488-4AE7-44EC-BCC8-445D3528E1AB}" dt="2023-09-05T06:39:45.886" v="2" actId="478"/>
+          <ac:picMkLst>
+            <pc:docMk/>
+            <pc:sldMk cId="2631405588" sldId="257"/>
+            <ac:picMk id="9" creationId="{BDD51638-F118-4E4B-8540-E5DA1E0E9208}"/>
+          </ac:picMkLst>
+        </pc:picChg>
+        <pc:picChg chg="del">
+          <ac:chgData name="Chia-jung Yeh" userId="f328d6f4-0757-42dc-943f-c4685e047ee8" providerId="ADAL" clId="{03E5F488-4AE7-44EC-BCC8-445D3528E1AB}" dt="2023-09-05T06:39:46.597" v="4" actId="478"/>
+          <ac:picMkLst>
+            <pc:docMk/>
+            <pc:sldMk cId="2631405588" sldId="257"/>
+            <ac:picMk id="11" creationId="{0E7D40C1-3127-4C5D-B929-52893BFC4582}"/>
+          </ac:picMkLst>
+        </pc:picChg>
+        <pc:picChg chg="del">
+          <ac:chgData name="Chia-jung Yeh" userId="f328d6f4-0757-42dc-943f-c4685e047ee8" providerId="ADAL" clId="{03E5F488-4AE7-44EC-BCC8-445D3528E1AB}" dt="2023-09-05T06:39:46.203" v="3" actId="478"/>
+          <ac:picMkLst>
+            <pc:docMk/>
+            <pc:sldMk cId="2631405588" sldId="257"/>
+            <ac:picMk id="13" creationId="{1BBA55F7-01E4-440B-8302-E26910BCB86F}"/>
+          </ac:picMkLst>
+        </pc:picChg>
+        <pc:picChg chg="add mod">
+          <ac:chgData name="Chia-jung Yeh" userId="f328d6f4-0757-42dc-943f-c4685e047ee8" providerId="ADAL" clId="{03E5F488-4AE7-44EC-BCC8-445D3528E1AB}" dt="2023-09-05T06:42:47.829" v="59" actId="1076"/>
+          <ac:picMkLst>
+            <pc:docMk/>
+            <pc:sldMk cId="2631405588" sldId="257"/>
+            <ac:picMk id="14" creationId="{433D52B1-39F2-02FC-BA9E-9BE8B2AE4230}"/>
+          </ac:picMkLst>
+        </pc:picChg>
+        <pc:picChg chg="del">
+          <ac:chgData name="Chia-jung Yeh" userId="f328d6f4-0757-42dc-943f-c4685e047ee8" providerId="ADAL" clId="{03E5F488-4AE7-44EC-BCC8-445D3528E1AB}" dt="2023-09-05T06:39:46.854" v="5" actId="478"/>
+          <ac:picMkLst>
+            <pc:docMk/>
+            <pc:sldMk cId="2631405588" sldId="257"/>
+            <ac:picMk id="15" creationId="{EC60231B-7F02-44A0-98E0-C5FD52864BC8}"/>
+          </ac:picMkLst>
+        </pc:picChg>
+        <pc:picChg chg="add mod modCrop">
+          <ac:chgData name="Chia-jung Yeh" userId="f328d6f4-0757-42dc-943f-c4685e047ee8" providerId="ADAL" clId="{03E5F488-4AE7-44EC-BCC8-445D3528E1AB}" dt="2023-09-05T06:43:45.132" v="72" actId="732"/>
+          <ac:picMkLst>
+            <pc:docMk/>
+            <pc:sldMk cId="2631405588" sldId="257"/>
+            <ac:picMk id="17" creationId="{F818FF75-8F7F-2B77-0FCB-15FD7648B8EC}"/>
+          </ac:picMkLst>
+        </pc:picChg>
+        <pc:picChg chg="add mod">
+          <ac:chgData name="Chia-jung Yeh" userId="f328d6f4-0757-42dc-943f-c4685e047ee8" providerId="ADAL" clId="{03E5F488-4AE7-44EC-BCC8-445D3528E1AB}" dt="2023-09-05T12:06:59.331" v="102" actId="14100"/>
+          <ac:picMkLst>
+            <pc:docMk/>
+            <pc:sldMk cId="2631405588" sldId="257"/>
+            <ac:picMk id="18" creationId="{C0C35C07-0D1E-24FE-664F-194F55A30AF4}"/>
+          </ac:picMkLst>
+        </pc:picChg>
+        <pc:picChg chg="add mod">
+          <ac:chgData name="Chia-jung Yeh" userId="f328d6f4-0757-42dc-943f-c4685e047ee8" providerId="ADAL" clId="{03E5F488-4AE7-44EC-BCC8-445D3528E1AB}" dt="2023-09-05T06:44:54.949" v="92" actId="1076"/>
+          <ac:picMkLst>
+            <pc:docMk/>
+            <pc:sldMk cId="2631405588" sldId="257"/>
+            <ac:picMk id="19" creationId="{2991778D-765B-1635-3E31-9471073CA8A4}"/>
+          </ac:picMkLst>
+        </pc:picChg>
+        <pc:picChg chg="add mod">
+          <ac:chgData name="Chia-jung Yeh" userId="f328d6f4-0757-42dc-943f-c4685e047ee8" providerId="ADAL" clId="{03E5F488-4AE7-44EC-BCC8-445D3528E1AB}" dt="2023-09-05T06:44:47.310" v="90" actId="14100"/>
+          <ac:picMkLst>
+            <pc:docMk/>
+            <pc:sldMk cId="2631405588" sldId="257"/>
+            <ac:picMk id="20" creationId="{0FDE7BEF-572A-A767-E4B5-073BA16481BD}"/>
+          </ac:picMkLst>
+        </pc:picChg>
+        <pc:picChg chg="add mod">
+          <ac:chgData name="Chia-jung Yeh" userId="f328d6f4-0757-42dc-943f-c4685e047ee8" providerId="ADAL" clId="{03E5F488-4AE7-44EC-BCC8-445D3528E1AB}" dt="2023-09-05T06:45:40.106" v="100" actId="1076"/>
+          <ac:picMkLst>
+            <pc:docMk/>
+            <pc:sldMk cId="2631405588" sldId="257"/>
+            <ac:picMk id="21" creationId="{E035B0D7-CBD3-3BE3-27A5-30B2E95798D3}"/>
+          </ac:picMkLst>
+        </pc:picChg>
+        <pc:picChg chg="add mod">
+          <ac:chgData name="Chia-jung Yeh" userId="f328d6f4-0757-42dc-943f-c4685e047ee8" providerId="ADAL" clId="{03E5F488-4AE7-44EC-BCC8-445D3528E1AB}" dt="2023-09-05T12:09:57.521" v="138" actId="1076"/>
+          <ac:picMkLst>
+            <pc:docMk/>
+            <pc:sldMk cId="2631405588" sldId="257"/>
+            <ac:picMk id="22" creationId="{C82BF798-E421-D0AC-FCED-2D0DA55F1702}"/>
+          </ac:picMkLst>
+        </pc:picChg>
+        <pc:picChg chg="add mod modCrop">
+          <ac:chgData name="Chia-jung Yeh" userId="f328d6f4-0757-42dc-943f-c4685e047ee8" providerId="ADAL" clId="{03E5F488-4AE7-44EC-BCC8-445D3528E1AB}" dt="2023-09-05T12:11:24.348" v="152" actId="1366"/>
+          <ac:picMkLst>
+            <pc:docMk/>
+            <pc:sldMk cId="2631405588" sldId="257"/>
+            <ac:picMk id="23" creationId="{0F171819-CEE4-D820-5C8B-CE4A34472A3A}"/>
+          </ac:picMkLst>
+        </pc:picChg>
+        <pc:picChg chg="add mod">
+          <ac:chgData name="Chia-jung Yeh" userId="f328d6f4-0757-42dc-943f-c4685e047ee8" providerId="ADAL" clId="{03E5F488-4AE7-44EC-BCC8-445D3528E1AB}" dt="2023-09-05T12:09:14.185" v="127" actId="1076"/>
+          <ac:picMkLst>
+            <pc:docMk/>
+            <pc:sldMk cId="2631405588" sldId="257"/>
+            <ac:picMk id="24" creationId="{B76EC948-3549-148B-9EAE-C53E72AFB885}"/>
+          </ac:picMkLst>
+        </pc:picChg>
+        <pc:picChg chg="add mod">
+          <ac:chgData name="Chia-jung Yeh" userId="f328d6f4-0757-42dc-943f-c4685e047ee8" providerId="ADAL" clId="{03E5F488-4AE7-44EC-BCC8-445D3528E1AB}" dt="2023-09-05T12:09:30.804" v="128" actId="571"/>
+          <ac:picMkLst>
+            <pc:docMk/>
+            <pc:sldMk cId="2631405588" sldId="257"/>
+            <ac:picMk id="25" creationId="{E2B52532-7ACB-8B84-5B71-4957D036EB3B}"/>
+          </ac:picMkLst>
+        </pc:picChg>
+        <pc:picChg chg="add mod">
+          <ac:chgData name="Chia-jung Yeh" userId="f328d6f4-0757-42dc-943f-c4685e047ee8" providerId="ADAL" clId="{03E5F488-4AE7-44EC-BCC8-445D3528E1AB}" dt="2023-09-05T12:09:53.521" v="135" actId="1076"/>
+          <ac:picMkLst>
+            <pc:docMk/>
+            <pc:sldMk cId="2631405588" sldId="257"/>
+            <ac:picMk id="26" creationId="{F0E457FB-C0E9-C553-0B2B-712E8D7B9F40}"/>
+          </ac:picMkLst>
+        </pc:picChg>
+        <pc:picChg chg="add mod">
+          <ac:chgData name="Chia-jung Yeh" userId="f328d6f4-0757-42dc-943f-c4685e047ee8" providerId="ADAL" clId="{03E5F488-4AE7-44EC-BCC8-445D3528E1AB}" dt="2023-09-05T12:09:55.793" v="137" actId="571"/>
+          <ac:picMkLst>
+            <pc:docMk/>
+            <pc:sldMk cId="2631405588" sldId="257"/>
+            <ac:picMk id="27" creationId="{692B0BE1-3D30-543D-4F6B-55817FFB2744}"/>
+          </ac:picMkLst>
+        </pc:picChg>
+        <pc:picChg chg="add del mod">
+          <ac:chgData name="Chia-jung Yeh" userId="f328d6f4-0757-42dc-943f-c4685e047ee8" providerId="ADAL" clId="{03E5F488-4AE7-44EC-BCC8-445D3528E1AB}" dt="2023-09-05T12:10:18.772" v="142" actId="478"/>
+          <ac:picMkLst>
+            <pc:docMk/>
+            <pc:sldMk cId="2631405588" sldId="257"/>
+            <ac:picMk id="28" creationId="{9C47E6AB-C4A8-6B0B-F67D-F3DD25D834AC}"/>
+          </ac:picMkLst>
+        </pc:picChg>
+        <pc:picChg chg="add mod modCrop">
+          <ac:chgData name="Chia-jung Yeh" userId="f328d6f4-0757-42dc-943f-c4685e047ee8" providerId="ADAL" clId="{03E5F488-4AE7-44EC-BCC8-445D3528E1AB}" dt="2023-09-05T12:10:42.096" v="151" actId="1076"/>
+          <ac:picMkLst>
+            <pc:docMk/>
+            <pc:sldMk cId="2631405588" sldId="257"/>
+            <ac:picMk id="29" creationId="{4B465AF3-1735-02BF-36FA-B438A0A45631}"/>
+          </ac:picMkLst>
+        </pc:picChg>
+        <pc:picChg chg="add del">
+          <ac:chgData name="Chia-jung Yeh" userId="f328d6f4-0757-42dc-943f-c4685e047ee8" providerId="ADAL" clId="{03E5F488-4AE7-44EC-BCC8-445D3528E1AB}" dt="2023-09-05T12:11:47.673" v="155" actId="21"/>
+          <ac:picMkLst>
+            <pc:docMk/>
+            <pc:sldMk cId="2631405588" sldId="257"/>
+            <ac:picMk id="30" creationId="{80BD8885-2D7A-4EEE-6016-19F979E13F63}"/>
+          </ac:picMkLst>
+        </pc:picChg>
+      </pc:sldChg>
+    </pc:docChg>
+  </pc:docChgLst>
+</pc:chgInfo>
+</file>
+
 <file path=ppt/slideLayouts/slideLayout1.xml><?xml version="1.0" encoding="utf-8"?>
 <p:sldLayout xmlns:a="http://schemas.openxmlformats.org/drawingml/2006/main" xmlns:r="http://schemas.openxmlformats.org/officeDocument/2006/relationships" xmlns:p="http://schemas.openxmlformats.org/presentationml/2006/main" type="title" preserve="1">
   <p:cSld name="標題投影片">
@@ -259,7 +505,7 @@
           <a:p>
             <a:fld id="{D3EDB8CA-71FD-4DC9-833D-24632F66BB79}" type="datetimeFigureOut">
               <a:rPr lang="zh-TW" altLang="en-US" smtClean="0"/>
-              <a:t>2022/6/3</a:t>
+              <a:t>2023/9/5</a:t>
             </a:fld>
             <a:endParaRPr lang="zh-TW" altLang="en-US"/>
           </a:p>
@@ -457,7 +703,7 @@
           <a:p>
             <a:fld id="{D3EDB8CA-71FD-4DC9-833D-24632F66BB79}" type="datetimeFigureOut">
               <a:rPr lang="zh-TW" altLang="en-US" smtClean="0"/>
-              <a:t>2022/6/3</a:t>
+              <a:t>2023/9/5</a:t>
             </a:fld>
             <a:endParaRPr lang="zh-TW" altLang="en-US"/>
           </a:p>
@@ -665,7 +911,7 @@
           <a:p>
             <a:fld id="{D3EDB8CA-71FD-4DC9-833D-24632F66BB79}" type="datetimeFigureOut">
               <a:rPr lang="zh-TW" altLang="en-US" smtClean="0"/>
-              <a:t>2022/6/3</a:t>
+              <a:t>2023/9/5</a:t>
             </a:fld>
             <a:endParaRPr lang="zh-TW" altLang="en-US"/>
           </a:p>
@@ -863,7 +1109,7 @@
           <a:p>
             <a:fld id="{D3EDB8CA-71FD-4DC9-833D-24632F66BB79}" type="datetimeFigureOut">
               <a:rPr lang="zh-TW" altLang="en-US" smtClean="0"/>
-              <a:t>2022/6/3</a:t>
+              <a:t>2023/9/5</a:t>
             </a:fld>
             <a:endParaRPr lang="zh-TW" altLang="en-US"/>
           </a:p>
@@ -1138,7 +1384,7 @@
           <a:p>
             <a:fld id="{D3EDB8CA-71FD-4DC9-833D-24632F66BB79}" type="datetimeFigureOut">
               <a:rPr lang="zh-TW" altLang="en-US" smtClean="0"/>
-              <a:t>2022/6/3</a:t>
+              <a:t>2023/9/5</a:t>
             </a:fld>
             <a:endParaRPr lang="zh-TW" altLang="en-US"/>
           </a:p>
@@ -1403,7 +1649,7 @@
           <a:p>
             <a:fld id="{D3EDB8CA-71FD-4DC9-833D-24632F66BB79}" type="datetimeFigureOut">
               <a:rPr lang="zh-TW" altLang="en-US" smtClean="0"/>
-              <a:t>2022/6/3</a:t>
+              <a:t>2023/9/5</a:t>
             </a:fld>
             <a:endParaRPr lang="zh-TW" altLang="en-US"/>
           </a:p>
@@ -1815,7 +2061,7 @@
           <a:p>
             <a:fld id="{D3EDB8CA-71FD-4DC9-833D-24632F66BB79}" type="datetimeFigureOut">
               <a:rPr lang="zh-TW" altLang="en-US" smtClean="0"/>
-              <a:t>2022/6/3</a:t>
+              <a:t>2023/9/5</a:t>
             </a:fld>
             <a:endParaRPr lang="zh-TW" altLang="en-US"/>
           </a:p>
@@ -1956,7 +2202,7 @@
           <a:p>
             <a:fld id="{D3EDB8CA-71FD-4DC9-833D-24632F66BB79}" type="datetimeFigureOut">
               <a:rPr lang="zh-TW" altLang="en-US" smtClean="0"/>
-              <a:t>2022/6/3</a:t>
+              <a:t>2023/9/5</a:t>
             </a:fld>
             <a:endParaRPr lang="zh-TW" altLang="en-US"/>
           </a:p>
@@ -2069,7 +2315,7 @@
           <a:p>
             <a:fld id="{D3EDB8CA-71FD-4DC9-833D-24632F66BB79}" type="datetimeFigureOut">
               <a:rPr lang="zh-TW" altLang="en-US" smtClean="0"/>
-              <a:t>2022/6/3</a:t>
+              <a:t>2023/9/5</a:t>
             </a:fld>
             <a:endParaRPr lang="zh-TW" altLang="en-US"/>
           </a:p>
@@ -2380,7 +2626,7 @@
           <a:p>
             <a:fld id="{D3EDB8CA-71FD-4DC9-833D-24632F66BB79}" type="datetimeFigureOut">
               <a:rPr lang="zh-TW" altLang="en-US" smtClean="0"/>
-              <a:t>2022/6/3</a:t>
+              <a:t>2023/9/5</a:t>
             </a:fld>
             <a:endParaRPr lang="zh-TW" altLang="en-US"/>
           </a:p>
@@ -2668,7 +2914,7 @@
           <a:p>
             <a:fld id="{D3EDB8CA-71FD-4DC9-833D-24632F66BB79}" type="datetimeFigureOut">
               <a:rPr lang="zh-TW" altLang="en-US" smtClean="0"/>
-              <a:t>2022/6/3</a:t>
+              <a:t>2023/9/5</a:t>
             </a:fld>
             <a:endParaRPr lang="zh-TW" altLang="en-US"/>
           </a:p>
@@ -2909,7 +3155,7 @@
           <a:p>
             <a:fld id="{D3EDB8CA-71FD-4DC9-833D-24632F66BB79}" type="datetimeFigureOut">
               <a:rPr lang="zh-TW" altLang="en-US" smtClean="0"/>
-              <a:t>2022/6/3</a:t>
+              <a:t>2023/9/5</a:t>
             </a:fld>
             <a:endParaRPr lang="zh-TW" altLang="en-US"/>
           </a:p>
@@ -3579,6 +3825,631 @@
 </p:sld>
 </file>
 
+<file path=ppt/slides/slide2.xml><?xml version="1.0" encoding="utf-8"?>
+<p:sld xmlns:a="http://schemas.openxmlformats.org/drawingml/2006/main" xmlns:r="http://schemas.openxmlformats.org/officeDocument/2006/relationships" xmlns:p="http://schemas.openxmlformats.org/presentationml/2006/main">
+  <p:cSld>
+    <p:spTree>
+      <p:nvGrpSpPr>
+        <p:cNvPr id="1" name=""/>
+        <p:cNvGrpSpPr/>
+        <p:nvPr/>
+      </p:nvGrpSpPr>
+      <p:grpSpPr>
+        <a:xfrm>
+          <a:off x="0" y="0"/>
+          <a:ext cx="0" cy="0"/>
+          <a:chOff x="0" y="0"/>
+          <a:chExt cx="0" cy="0"/>
+        </a:xfrm>
+      </p:grpSpPr>
+      <p:sp>
+        <p:nvSpPr>
+          <p:cNvPr id="16" name="矩形: 圓角 15">
+            <a:extLst>
+              <a:ext uri="{FF2B5EF4-FFF2-40B4-BE49-F238E27FC236}">
+                <a16:creationId xmlns:a16="http://schemas.microsoft.com/office/drawing/2014/main" id="{7A29A141-0B07-4780-B4D4-5F3AA8D031A8}"/>
+              </a:ext>
+            </a:extLst>
+          </p:cNvPr>
+          <p:cNvSpPr/>
+          <p:nvPr/>
+        </p:nvSpPr>
+        <p:spPr>
+          <a:xfrm>
+            <a:off x="2347546" y="1905466"/>
+            <a:ext cx="7816362" cy="3460186"/>
+          </a:xfrm>
+          <a:prstGeom prst="roundRect">
+            <a:avLst>
+              <a:gd name="adj" fmla="val 8021"/>
+            </a:avLst>
+          </a:prstGeom>
+          <a:solidFill>
+            <a:schemeClr val="bg1"/>
+          </a:solidFill>
+          <a:ln w="28575">
+            <a:solidFill>
+              <a:srgbClr val="3A4768"/>
+            </a:solidFill>
+          </a:ln>
+        </p:spPr>
+        <p:style>
+          <a:lnRef idx="2">
+            <a:schemeClr val="accent1">
+              <a:shade val="50000"/>
+            </a:schemeClr>
+          </a:lnRef>
+          <a:fillRef idx="1">
+            <a:schemeClr val="accent1"/>
+          </a:fillRef>
+          <a:effectRef idx="0">
+            <a:schemeClr val="accent1"/>
+          </a:effectRef>
+          <a:fontRef idx="minor">
+            <a:schemeClr val="lt1"/>
+          </a:fontRef>
+        </p:style>
+        <p:txBody>
+          <a:bodyPr rtlCol="0" anchor="ctr"/>
+          <a:lstStyle/>
+          <a:p>
+            <a:pPr algn="ctr"/>
+            <a:endParaRPr lang="zh-TW" altLang="en-US" dirty="0"/>
+          </a:p>
+        </p:txBody>
+      </p:sp>
+      <p:pic>
+        <p:nvPicPr>
+          <p:cNvPr id="3" name="圖片 2">
+            <a:extLst>
+              <a:ext uri="{FF2B5EF4-FFF2-40B4-BE49-F238E27FC236}">
+                <a16:creationId xmlns:a16="http://schemas.microsoft.com/office/drawing/2014/main" id="{665A4F30-E6D8-F61B-F96A-9154C8D9085B}"/>
+              </a:ext>
+            </a:extLst>
+          </p:cNvPr>
+          <p:cNvPicPr>
+            <a:picLocks noChangeAspect="1"/>
+          </p:cNvPicPr>
+          <p:nvPr/>
+        </p:nvPicPr>
+        <p:blipFill>
+          <a:blip r:embed="rId2">
+            <a:extLst>
+              <a:ext uri="{28A0092B-C50C-407E-A947-70E740481C1C}">
+                <a14:useLocalDpi xmlns:a14="http://schemas.microsoft.com/office/drawing/2010/main" val="0"/>
+              </a:ext>
+            </a:extLst>
+          </a:blip>
+          <a:stretch>
+            <a:fillRect/>
+          </a:stretch>
+        </p:blipFill>
+        <p:spPr>
+          <a:xfrm>
+            <a:off x="2766697" y="2255589"/>
+            <a:ext cx="3032919" cy="469297"/>
+          </a:xfrm>
+          <a:prstGeom prst="rect">
+            <a:avLst/>
+          </a:prstGeom>
+        </p:spPr>
+      </p:pic>
+      <p:pic>
+        <p:nvPicPr>
+          <p:cNvPr id="4" name="圖片 10">
+            <a:extLst>
+              <a:ext uri="{FF2B5EF4-FFF2-40B4-BE49-F238E27FC236}">
+                <a16:creationId xmlns:a16="http://schemas.microsoft.com/office/drawing/2014/main" id="{C96DC01E-0E92-678A-0213-09AA00C74566}"/>
+              </a:ext>
+            </a:extLst>
+          </p:cNvPr>
+          <p:cNvPicPr>
+            <a:picLocks noChangeAspect="1"/>
+          </p:cNvPicPr>
+          <p:nvPr/>
+        </p:nvPicPr>
+        <p:blipFill>
+          <a:blip r:embed="rId3"/>
+          <a:stretch>
+            <a:fillRect/>
+          </a:stretch>
+        </p:blipFill>
+        <p:spPr>
+          <a:xfrm>
+            <a:off x="6218767" y="2144267"/>
+            <a:ext cx="3125654" cy="691939"/>
+          </a:xfrm>
+          <a:prstGeom prst="rect">
+            <a:avLst/>
+          </a:prstGeom>
+        </p:spPr>
+      </p:pic>
+      <p:pic>
+        <p:nvPicPr>
+          <p:cNvPr id="5" name="Picture 4">
+            <a:extLst>
+              <a:ext uri="{FF2B5EF4-FFF2-40B4-BE49-F238E27FC236}">
+                <a16:creationId xmlns:a16="http://schemas.microsoft.com/office/drawing/2014/main" id="{3512C094-2330-43EC-ADE0-E3612976ED76}"/>
+              </a:ext>
+            </a:extLst>
+          </p:cNvPr>
+          <p:cNvPicPr>
+            <a:picLocks noChangeAspect="1"/>
+          </p:cNvPicPr>
+          <p:nvPr/>
+        </p:nvPicPr>
+        <p:blipFill>
+          <a:blip r:embed="rId4"/>
+          <a:stretch>
+            <a:fillRect/>
+          </a:stretch>
+        </p:blipFill>
+        <p:spPr>
+          <a:xfrm>
+            <a:off x="3822382" y="3383000"/>
+            <a:ext cx="4547235" cy="470138"/>
+          </a:xfrm>
+          <a:prstGeom prst="rect">
+            <a:avLst/>
+          </a:prstGeom>
+        </p:spPr>
+      </p:pic>
+      <p:pic>
+        <p:nvPicPr>
+          <p:cNvPr id="6" name="Picture 5">
+            <a:extLst>
+              <a:ext uri="{FF2B5EF4-FFF2-40B4-BE49-F238E27FC236}">
+                <a16:creationId xmlns:a16="http://schemas.microsoft.com/office/drawing/2014/main" id="{C07FB392-267E-04EC-751E-6B1B41A03DD0}"/>
+              </a:ext>
+            </a:extLst>
+          </p:cNvPr>
+          <p:cNvPicPr>
+            <a:picLocks noChangeAspect="1"/>
+          </p:cNvPicPr>
+          <p:nvPr/>
+        </p:nvPicPr>
+        <p:blipFill>
+          <a:blip r:embed="rId5"/>
+          <a:stretch>
+            <a:fillRect/>
+          </a:stretch>
+        </p:blipFill>
+        <p:spPr>
+          <a:xfrm>
+            <a:off x="6832562" y="4358840"/>
+            <a:ext cx="2713774" cy="533709"/>
+          </a:xfrm>
+          <a:prstGeom prst="rect">
+            <a:avLst/>
+          </a:prstGeom>
+        </p:spPr>
+      </p:pic>
+      <p:pic>
+        <p:nvPicPr>
+          <p:cNvPr id="14" name="Picture 13">
+            <a:extLst>
+              <a:ext uri="{FF2B5EF4-FFF2-40B4-BE49-F238E27FC236}">
+                <a16:creationId xmlns:a16="http://schemas.microsoft.com/office/drawing/2014/main" id="{433D52B1-39F2-02FC-BA9E-9BE8B2AE4230}"/>
+              </a:ext>
+            </a:extLst>
+          </p:cNvPr>
+          <p:cNvPicPr>
+            <a:picLocks noChangeAspect="1"/>
+          </p:cNvPicPr>
+          <p:nvPr/>
+        </p:nvPicPr>
+        <p:blipFill>
+          <a:blip r:embed="rId6"/>
+          <a:stretch>
+            <a:fillRect/>
+          </a:stretch>
+        </p:blipFill>
+        <p:spPr>
+          <a:xfrm>
+            <a:off x="2734726" y="4330575"/>
+            <a:ext cx="3629960" cy="561974"/>
+          </a:xfrm>
+          <a:prstGeom prst="rect">
+            <a:avLst/>
+          </a:prstGeom>
+        </p:spPr>
+      </p:pic>
+      <p:pic>
+        <p:nvPicPr>
+          <p:cNvPr id="17" name="Picture 16">
+            <a:extLst>
+              <a:ext uri="{FF2B5EF4-FFF2-40B4-BE49-F238E27FC236}">
+                <a16:creationId xmlns:a16="http://schemas.microsoft.com/office/drawing/2014/main" id="{F818FF75-8F7F-2B77-0FCB-15FD7648B8EC}"/>
+              </a:ext>
+            </a:extLst>
+          </p:cNvPr>
+          <p:cNvPicPr>
+            <a:picLocks noChangeAspect="1"/>
+          </p:cNvPicPr>
+          <p:nvPr/>
+        </p:nvPicPr>
+        <p:blipFill rotWithShape="1">
+          <a:blip r:embed="rId7">
+            <a:clrChange>
+              <a:clrFrom>
+                <a:srgbClr val="FFFFFF"/>
+              </a:clrFrom>
+              <a:clrTo>
+                <a:srgbClr val="FFFFFF">
+                  <a:alpha val="0"/>
+                </a:srgbClr>
+              </a:clrTo>
+            </a:clrChange>
+          </a:blip>
+          <a:srcRect l="13553" t="13514" r="9872" b="16245"/>
+          <a:stretch/>
+        </p:blipFill>
+        <p:spPr>
+          <a:xfrm>
+            <a:off x="3121899" y="2774124"/>
+            <a:ext cx="511619" cy="469298"/>
+          </a:xfrm>
+          <a:prstGeom prst="rect">
+            <a:avLst/>
+          </a:prstGeom>
+        </p:spPr>
+      </p:pic>
+      <p:pic>
+        <p:nvPicPr>
+          <p:cNvPr id="18" name="Picture 17">
+            <a:extLst>
+              <a:ext uri="{FF2B5EF4-FFF2-40B4-BE49-F238E27FC236}">
+                <a16:creationId xmlns:a16="http://schemas.microsoft.com/office/drawing/2014/main" id="{C0C35C07-0D1E-24FE-664F-194F55A30AF4}"/>
+              </a:ext>
+            </a:extLst>
+          </p:cNvPr>
+          <p:cNvPicPr>
+            <a:picLocks noChangeAspect="1"/>
+          </p:cNvPicPr>
+          <p:nvPr/>
+        </p:nvPicPr>
+        <p:blipFill>
+          <a:blip r:embed="rId8"/>
+          <a:stretch>
+            <a:fillRect/>
+          </a:stretch>
+        </p:blipFill>
+        <p:spPr>
+          <a:xfrm>
+            <a:off x="3709034" y="2791166"/>
+            <a:ext cx="272415" cy="409530"/>
+          </a:xfrm>
+          <a:prstGeom prst="rect">
+            <a:avLst/>
+          </a:prstGeom>
+        </p:spPr>
+      </p:pic>
+      <p:pic>
+        <p:nvPicPr>
+          <p:cNvPr id="19" name="Picture 18">
+            <a:extLst>
+              <a:ext uri="{FF2B5EF4-FFF2-40B4-BE49-F238E27FC236}">
+                <a16:creationId xmlns:a16="http://schemas.microsoft.com/office/drawing/2014/main" id="{2991778D-765B-1635-3E31-9471073CA8A4}"/>
+              </a:ext>
+            </a:extLst>
+          </p:cNvPr>
+          <p:cNvPicPr>
+            <a:picLocks noChangeAspect="1"/>
+          </p:cNvPicPr>
+          <p:nvPr/>
+        </p:nvPicPr>
+        <p:blipFill>
+          <a:blip r:embed="rId9">
+            <a:clrChange>
+              <a:clrFrom>
+                <a:srgbClr val="FFFFFF"/>
+              </a:clrFrom>
+              <a:clrTo>
+                <a:srgbClr val="FFFFFF">
+                  <a:alpha val="0"/>
+                </a:srgbClr>
+              </a:clrTo>
+            </a:clrChange>
+          </a:blip>
+          <a:stretch>
+            <a:fillRect/>
+          </a:stretch>
+        </p:blipFill>
+        <p:spPr>
+          <a:xfrm>
+            <a:off x="4006805" y="2697038"/>
+            <a:ext cx="595623" cy="595623"/>
+          </a:xfrm>
+          <a:prstGeom prst="rect">
+            <a:avLst/>
+          </a:prstGeom>
+        </p:spPr>
+      </p:pic>
+      <p:pic>
+        <p:nvPicPr>
+          <p:cNvPr id="20" name="Picture 19">
+            <a:extLst>
+              <a:ext uri="{FF2B5EF4-FFF2-40B4-BE49-F238E27FC236}">
+                <a16:creationId xmlns:a16="http://schemas.microsoft.com/office/drawing/2014/main" id="{0FDE7BEF-572A-A767-E4B5-073BA16481BD}"/>
+              </a:ext>
+            </a:extLst>
+          </p:cNvPr>
+          <p:cNvPicPr>
+            <a:picLocks noChangeAspect="1"/>
+          </p:cNvPicPr>
+          <p:nvPr/>
+        </p:nvPicPr>
+        <p:blipFill>
+          <a:blip r:embed="rId10">
+            <a:clrChange>
+              <a:clrFrom>
+                <a:srgbClr val="FFFFFF"/>
+              </a:clrFrom>
+              <a:clrTo>
+                <a:srgbClr val="FFFFFF">
+                  <a:alpha val="0"/>
+                </a:srgbClr>
+              </a:clrTo>
+            </a:clrChange>
+          </a:blip>
+          <a:stretch>
+            <a:fillRect/>
+          </a:stretch>
+        </p:blipFill>
+        <p:spPr>
+          <a:xfrm>
+            <a:off x="4646866" y="2807918"/>
+            <a:ext cx="373424" cy="373424"/>
+          </a:xfrm>
+          <a:prstGeom prst="rect">
+            <a:avLst/>
+          </a:prstGeom>
+        </p:spPr>
+      </p:pic>
+      <p:pic>
+        <p:nvPicPr>
+          <p:cNvPr id="21" name="Picture 20">
+            <a:extLst>
+              <a:ext uri="{FF2B5EF4-FFF2-40B4-BE49-F238E27FC236}">
+                <a16:creationId xmlns:a16="http://schemas.microsoft.com/office/drawing/2014/main" id="{E035B0D7-CBD3-3BE3-27A5-30B2E95798D3}"/>
+              </a:ext>
+            </a:extLst>
+          </p:cNvPr>
+          <p:cNvPicPr>
+            <a:picLocks noChangeAspect="1"/>
+          </p:cNvPicPr>
+          <p:nvPr/>
+        </p:nvPicPr>
+        <p:blipFill>
+          <a:blip r:embed="rId11">
+            <a:clrChange>
+              <a:clrFrom>
+                <a:srgbClr val="FFFFFF"/>
+              </a:clrFrom>
+              <a:clrTo>
+                <a:srgbClr val="FFFFFF">
+                  <a:alpha val="0"/>
+                </a:srgbClr>
+              </a:clrTo>
+            </a:clrChange>
+          </a:blip>
+          <a:stretch>
+            <a:fillRect/>
+          </a:stretch>
+        </p:blipFill>
+        <p:spPr>
+          <a:xfrm>
+            <a:off x="5129721" y="2871420"/>
+            <a:ext cx="489807" cy="302973"/>
+          </a:xfrm>
+          <a:prstGeom prst="rect">
+            <a:avLst/>
+          </a:prstGeom>
+        </p:spPr>
+      </p:pic>
+      <p:pic>
+        <p:nvPicPr>
+          <p:cNvPr id="22" name="Picture 21">
+            <a:extLst>
+              <a:ext uri="{FF2B5EF4-FFF2-40B4-BE49-F238E27FC236}">
+                <a16:creationId xmlns:a16="http://schemas.microsoft.com/office/drawing/2014/main" id="{C82BF798-E421-D0AC-FCED-2D0DA55F1702}"/>
+              </a:ext>
+            </a:extLst>
+          </p:cNvPr>
+          <p:cNvPicPr>
+            <a:picLocks noChangeAspect="1"/>
+          </p:cNvPicPr>
+          <p:nvPr/>
+        </p:nvPicPr>
+        <p:blipFill>
+          <a:blip r:embed="rId12"/>
+          <a:stretch>
+            <a:fillRect/>
+          </a:stretch>
+        </p:blipFill>
+        <p:spPr>
+          <a:xfrm rot="5400000">
+            <a:off x="5362347" y="3698394"/>
+            <a:ext cx="734466" cy="734466"/>
+          </a:xfrm>
+          <a:prstGeom prst="rect">
+            <a:avLst/>
+          </a:prstGeom>
+        </p:spPr>
+      </p:pic>
+      <p:pic>
+        <p:nvPicPr>
+          <p:cNvPr id="23" name="Picture 22">
+            <a:extLst>
+              <a:ext uri="{FF2B5EF4-FFF2-40B4-BE49-F238E27FC236}">
+                <a16:creationId xmlns:a16="http://schemas.microsoft.com/office/drawing/2014/main" id="{0F171819-CEE4-D820-5C8B-CE4A34472A3A}"/>
+              </a:ext>
+            </a:extLst>
+          </p:cNvPr>
+          <p:cNvPicPr>
+            <a:picLocks noChangeAspect="1"/>
+          </p:cNvPicPr>
+          <p:nvPr/>
+        </p:nvPicPr>
+        <p:blipFill rotWithShape="1">
+          <a:blip r:embed="rId13">
+            <a:grayscl/>
+          </a:blip>
+          <a:srcRect b="58107"/>
+          <a:stretch/>
+        </p:blipFill>
+        <p:spPr>
+          <a:xfrm>
+            <a:off x="6278531" y="3936644"/>
+            <a:ext cx="880962" cy="220538"/>
+          </a:xfrm>
+          <a:prstGeom prst="rect">
+            <a:avLst/>
+          </a:prstGeom>
+        </p:spPr>
+      </p:pic>
+      <p:pic>
+        <p:nvPicPr>
+          <p:cNvPr id="24" name="Picture 23">
+            <a:extLst>
+              <a:ext uri="{FF2B5EF4-FFF2-40B4-BE49-F238E27FC236}">
+                <a16:creationId xmlns:a16="http://schemas.microsoft.com/office/drawing/2014/main" id="{B76EC948-3549-148B-9EAE-C53E72AFB885}"/>
+              </a:ext>
+            </a:extLst>
+          </p:cNvPr>
+          <p:cNvPicPr>
+            <a:picLocks noChangeAspect="1"/>
+          </p:cNvPicPr>
+          <p:nvPr/>
+        </p:nvPicPr>
+        <p:blipFill>
+          <a:blip r:embed="rId14"/>
+          <a:stretch>
+            <a:fillRect/>
+          </a:stretch>
+        </p:blipFill>
+        <p:spPr>
+          <a:xfrm>
+            <a:off x="4290724" y="4863288"/>
+            <a:ext cx="519994" cy="519994"/>
+          </a:xfrm>
+          <a:prstGeom prst="rect">
+            <a:avLst/>
+          </a:prstGeom>
+        </p:spPr>
+      </p:pic>
+      <p:pic>
+        <p:nvPicPr>
+          <p:cNvPr id="25" name="Picture 24">
+            <a:extLst>
+              <a:ext uri="{FF2B5EF4-FFF2-40B4-BE49-F238E27FC236}">
+                <a16:creationId xmlns:a16="http://schemas.microsoft.com/office/drawing/2014/main" id="{E2B52532-7ACB-8B84-5B71-4957D036EB3B}"/>
+              </a:ext>
+            </a:extLst>
+          </p:cNvPr>
+          <p:cNvPicPr>
+            <a:picLocks noChangeAspect="1"/>
+          </p:cNvPicPr>
+          <p:nvPr/>
+        </p:nvPicPr>
+        <p:blipFill rotWithShape="1">
+          <a:blip r:embed="rId7">
+            <a:clrChange>
+              <a:clrFrom>
+                <a:srgbClr val="FFFFFF"/>
+              </a:clrFrom>
+              <a:clrTo>
+                <a:srgbClr val="FFFFFF">
+                  <a:alpha val="0"/>
+                </a:srgbClr>
+              </a:clrTo>
+            </a:clrChange>
+          </a:blip>
+          <a:srcRect l="13553" t="13514" r="9872" b="16245"/>
+          <a:stretch/>
+        </p:blipFill>
+        <p:spPr>
+          <a:xfrm>
+            <a:off x="7380098" y="2774124"/>
+            <a:ext cx="511619" cy="469298"/>
+          </a:xfrm>
+          <a:prstGeom prst="rect">
+            <a:avLst/>
+          </a:prstGeom>
+        </p:spPr>
+      </p:pic>
+      <p:pic>
+        <p:nvPicPr>
+          <p:cNvPr id="26" name="Picture 25">
+            <a:extLst>
+              <a:ext uri="{FF2B5EF4-FFF2-40B4-BE49-F238E27FC236}">
+                <a16:creationId xmlns:a16="http://schemas.microsoft.com/office/drawing/2014/main" id="{F0E457FB-C0E9-C553-0B2B-712E8D7B9F40}"/>
+              </a:ext>
+            </a:extLst>
+          </p:cNvPr>
+          <p:cNvPicPr>
+            <a:picLocks noChangeAspect="1"/>
+          </p:cNvPicPr>
+          <p:nvPr/>
+        </p:nvPicPr>
+        <p:blipFill>
+          <a:blip r:embed="rId15"/>
+          <a:stretch>
+            <a:fillRect/>
+          </a:stretch>
+        </p:blipFill>
+        <p:spPr>
+          <a:xfrm>
+            <a:off x="7978513" y="4892549"/>
+            <a:ext cx="421872" cy="421872"/>
+          </a:xfrm>
+          <a:prstGeom prst="rect">
+            <a:avLst/>
+          </a:prstGeom>
+        </p:spPr>
+      </p:pic>
+      <p:pic>
+        <p:nvPicPr>
+          <p:cNvPr id="29" name="Picture 28">
+            <a:extLst>
+              <a:ext uri="{FF2B5EF4-FFF2-40B4-BE49-F238E27FC236}">
+                <a16:creationId xmlns:a16="http://schemas.microsoft.com/office/drawing/2014/main" id="{4B465AF3-1735-02BF-36FA-B438A0A45631}"/>
+              </a:ext>
+            </a:extLst>
+          </p:cNvPr>
+          <p:cNvPicPr>
+            <a:picLocks noChangeAspect="1"/>
+          </p:cNvPicPr>
+          <p:nvPr/>
+        </p:nvPicPr>
+        <p:blipFill rotWithShape="1">
+          <a:blip r:embed="rId16"/>
+          <a:srcRect t="27747" b="27290"/>
+          <a:stretch/>
+        </p:blipFill>
+        <p:spPr>
+          <a:xfrm>
+            <a:off x="8052436" y="2805240"/>
+            <a:ext cx="842425" cy="378779"/>
+          </a:xfrm>
+          <a:prstGeom prst="rect">
+            <a:avLst/>
+          </a:prstGeom>
+        </p:spPr>
+      </p:pic>
+    </p:spTree>
+    <p:extLst>
+      <p:ext uri="{BB962C8B-B14F-4D97-AF65-F5344CB8AC3E}">
+        <p14:creationId xmlns:p14="http://schemas.microsoft.com/office/powerpoint/2010/main" val="2631405588"/>
+      </p:ext>
+    </p:extLst>
+  </p:cSld>
+  <p:clrMapOvr>
+    <a:masterClrMapping/>
+  </p:clrMapOvr>
+</p:sld>
+</file>
+
 <file path=ppt/theme/theme1.xml><?xml version="1.0" encoding="utf-8"?>
 <a:theme xmlns:a="http://schemas.openxmlformats.org/drawingml/2006/main" name="Office 佈景主題">
   <a:themeElements>

--- a/figure/figure.pptx
+++ b/figure/figure.pptx
@@ -4,9 +4,13 @@
   <p:sldMasterIdLst>
     <p:sldMasterId id="2147483648" r:id="rId1"/>
   </p:sldMasterIdLst>
+  <p:notesMasterIdLst>
+    <p:notesMasterId r:id="rId5"/>
+  </p:notesMasterIdLst>
   <p:sldIdLst>
     <p:sldId id="256" r:id="rId2"/>
     <p:sldId id="257" r:id="rId3"/>
+    <p:sldId id="258" r:id="rId4"/>
   </p:sldIdLst>
   <p:sldSz cx="12192000" cy="6858000"/>
   <p:notesSz cx="6858000" cy="9144000"/>
@@ -116,7 +120,7 @@
 <file path=ppt/revisionInfo.xml><?xml version="1.0" encoding="utf-8"?>
 <p1510:revInfo xmlns:a="http://schemas.openxmlformats.org/drawingml/2006/main" xmlns:r="http://schemas.openxmlformats.org/officeDocument/2006/relationships" xmlns:p1510="http://schemas.microsoft.com/office/powerpoint/2015/10/main">
   <p1510:revLst>
-    <p1510:client id="{03E5F488-4AE7-44EC-BCC8-445D3528E1AB}" v="29" dt="2023-09-05T12:11:47.249"/>
+    <p1510:client id="{03E5F488-4AE7-44EC-BCC8-445D3528E1AB}" v="136" dt="2023-09-06T05:28:35.542"/>
   </p1510:revLst>
 </p1510:revInfo>
 </file>
@@ -125,8 +129,8 @@
 <pc:chgInfo xmlns:a="http://schemas.openxmlformats.org/drawingml/2006/main" xmlns:r="http://schemas.openxmlformats.org/officeDocument/2006/relationships" xmlns:ac="http://schemas.microsoft.com/office/drawing/2013/main/command" xmlns:pc="http://schemas.microsoft.com/office/powerpoint/2013/main/command">
   <pc:docChgLst>
     <pc:chgData name="Chia-jung Yeh" userId="f328d6f4-0757-42dc-943f-c4685e047ee8" providerId="ADAL" clId="{03E5F488-4AE7-44EC-BCC8-445D3528E1AB}"/>
-    <pc:docChg chg="undo custSel addSld modSld">
-      <pc:chgData name="Chia-jung Yeh" userId="f328d6f4-0757-42dc-943f-c4685e047ee8" providerId="ADAL" clId="{03E5F488-4AE7-44EC-BCC8-445D3528E1AB}" dt="2023-09-05T12:11:54.408" v="156" actId="207"/>
+    <pc:docChg chg="undo redo custSel addSld modSld">
+      <pc:chgData name="Chia-jung Yeh" userId="f328d6f4-0757-42dc-943f-c4685e047ee8" providerId="ADAL" clId="{03E5F488-4AE7-44EC-BCC8-445D3528E1AB}" dt="2023-09-06T05:30:19.919" v="611" actId="255"/>
       <pc:docMkLst>
         <pc:docMk/>
       </pc:docMkLst>
@@ -353,9 +357,1990 @@
           </ac:picMkLst>
         </pc:picChg>
       </pc:sldChg>
+      <pc:sldChg chg="addSp delSp modSp new mod">
+        <pc:chgData name="Chia-jung Yeh" userId="f328d6f4-0757-42dc-943f-c4685e047ee8" providerId="ADAL" clId="{03E5F488-4AE7-44EC-BCC8-445D3528E1AB}" dt="2023-09-06T05:30:19.919" v="611" actId="255"/>
+        <pc:sldMkLst>
+          <pc:docMk/>
+          <pc:sldMk cId="908935971" sldId="258"/>
+        </pc:sldMkLst>
+        <pc:spChg chg="del">
+          <ac:chgData name="Chia-jung Yeh" userId="f328d6f4-0757-42dc-943f-c4685e047ee8" providerId="ADAL" clId="{03E5F488-4AE7-44EC-BCC8-445D3528E1AB}" dt="2023-09-06T04:37:38.451" v="158" actId="478"/>
+          <ac:spMkLst>
+            <pc:docMk/>
+            <pc:sldMk cId="908935971" sldId="258"/>
+            <ac:spMk id="2" creationId="{ECF66D80-B128-F776-AFA2-D9F4D3FCE16A}"/>
+          </ac:spMkLst>
+        </pc:spChg>
+        <pc:spChg chg="del">
+          <ac:chgData name="Chia-jung Yeh" userId="f328d6f4-0757-42dc-943f-c4685e047ee8" providerId="ADAL" clId="{03E5F488-4AE7-44EC-BCC8-445D3528E1AB}" dt="2023-09-06T04:37:38.451" v="158" actId="478"/>
+          <ac:spMkLst>
+            <pc:docMk/>
+            <pc:sldMk cId="908935971" sldId="258"/>
+            <ac:spMk id="3" creationId="{AF1699E1-7268-5A8E-BF0F-9193065F4775}"/>
+          </ac:spMkLst>
+        </pc:spChg>
+        <pc:spChg chg="add mod ord">
+          <ac:chgData name="Chia-jung Yeh" userId="f328d6f4-0757-42dc-943f-c4685e047ee8" providerId="ADAL" clId="{03E5F488-4AE7-44EC-BCC8-445D3528E1AB}" dt="2023-09-06T05:03:11.573" v="483" actId="166"/>
+          <ac:spMkLst>
+            <pc:docMk/>
+            <pc:sldMk cId="908935971" sldId="258"/>
+            <ac:spMk id="6" creationId="{AB9CFA94-F98F-1C81-2D7C-4439E815F687}"/>
+          </ac:spMkLst>
+        </pc:spChg>
+        <pc:spChg chg="add mod ord">
+          <ac:chgData name="Chia-jung Yeh" userId="f328d6f4-0757-42dc-943f-c4685e047ee8" providerId="ADAL" clId="{03E5F488-4AE7-44EC-BCC8-445D3528E1AB}" dt="2023-09-06T05:03:11.573" v="483" actId="166"/>
+          <ac:spMkLst>
+            <pc:docMk/>
+            <pc:sldMk cId="908935971" sldId="258"/>
+            <ac:spMk id="7" creationId="{46973C76-4CD1-79DA-1FB5-F94F1DFA6718}"/>
+          </ac:spMkLst>
+        </pc:spChg>
+        <pc:spChg chg="add mod ord">
+          <ac:chgData name="Chia-jung Yeh" userId="f328d6f4-0757-42dc-943f-c4685e047ee8" providerId="ADAL" clId="{03E5F488-4AE7-44EC-BCC8-445D3528E1AB}" dt="2023-09-06T05:03:11.573" v="483" actId="166"/>
+          <ac:spMkLst>
+            <pc:docMk/>
+            <pc:sldMk cId="908935971" sldId="258"/>
+            <ac:spMk id="8" creationId="{FD75703D-7E40-EF62-6BA0-1A2CC5DA72D8}"/>
+          </ac:spMkLst>
+        </pc:spChg>
+        <pc:spChg chg="add del mod">
+          <ac:chgData name="Chia-jung Yeh" userId="f328d6f4-0757-42dc-943f-c4685e047ee8" providerId="ADAL" clId="{03E5F488-4AE7-44EC-BCC8-445D3528E1AB}" dt="2023-09-06T04:40:22.571" v="216" actId="478"/>
+          <ac:spMkLst>
+            <pc:docMk/>
+            <pc:sldMk cId="908935971" sldId="258"/>
+            <ac:spMk id="10" creationId="{D7F333A3-0B3D-8BD1-12AD-8F895AEEE096}"/>
+          </ac:spMkLst>
+        </pc:spChg>
+        <pc:spChg chg="add del mod">
+          <ac:chgData name="Chia-jung Yeh" userId="f328d6f4-0757-42dc-943f-c4685e047ee8" providerId="ADAL" clId="{03E5F488-4AE7-44EC-BCC8-445D3528E1AB}" dt="2023-09-06T04:40:23.614" v="217" actId="478"/>
+          <ac:spMkLst>
+            <pc:docMk/>
+            <pc:sldMk cId="908935971" sldId="258"/>
+            <ac:spMk id="11" creationId="{55AF55DF-8BDE-C2E6-A42C-A22F093A370C}"/>
+          </ac:spMkLst>
+        </pc:spChg>
+        <pc:spChg chg="add del mod">
+          <ac:chgData name="Chia-jung Yeh" userId="f328d6f4-0757-42dc-943f-c4685e047ee8" providerId="ADAL" clId="{03E5F488-4AE7-44EC-BCC8-445D3528E1AB}" dt="2023-09-06T04:40:24.106" v="218" actId="478"/>
+          <ac:spMkLst>
+            <pc:docMk/>
+            <pc:sldMk cId="908935971" sldId="258"/>
+            <ac:spMk id="12" creationId="{E3929A24-477E-0E8D-7C25-56E8A5F668DF}"/>
+          </ac:spMkLst>
+        </pc:spChg>
+        <pc:spChg chg="add mod ord">
+          <ac:chgData name="Chia-jung Yeh" userId="f328d6f4-0757-42dc-943f-c4685e047ee8" providerId="ADAL" clId="{03E5F488-4AE7-44EC-BCC8-445D3528E1AB}" dt="2023-09-06T05:03:11.573" v="483" actId="166"/>
+          <ac:spMkLst>
+            <pc:docMk/>
+            <pc:sldMk cId="908935971" sldId="258"/>
+            <ac:spMk id="13" creationId="{58FFD43F-DD9E-320D-A889-ECF34185732B}"/>
+          </ac:spMkLst>
+        </pc:spChg>
+        <pc:spChg chg="add mod">
+          <ac:chgData name="Chia-jung Yeh" userId="f328d6f4-0757-42dc-943f-c4685e047ee8" providerId="ADAL" clId="{03E5F488-4AE7-44EC-BCC8-445D3528E1AB}" dt="2023-09-06T04:39:57.104" v="202" actId="571"/>
+          <ac:spMkLst>
+            <pc:docMk/>
+            <pc:sldMk cId="908935971" sldId="258"/>
+            <ac:spMk id="14" creationId="{5F6138D0-01E4-46DC-8483-95C674C11E3E}"/>
+          </ac:spMkLst>
+        </pc:spChg>
+        <pc:spChg chg="add mod">
+          <ac:chgData name="Chia-jung Yeh" userId="f328d6f4-0757-42dc-943f-c4685e047ee8" providerId="ADAL" clId="{03E5F488-4AE7-44EC-BCC8-445D3528E1AB}" dt="2023-09-06T04:39:57.104" v="202" actId="571"/>
+          <ac:spMkLst>
+            <pc:docMk/>
+            <pc:sldMk cId="908935971" sldId="258"/>
+            <ac:spMk id="16" creationId="{59352C95-7D9A-6AC8-4DED-69C9EF849E6D}"/>
+          </ac:spMkLst>
+        </pc:spChg>
+        <pc:spChg chg="add mod">
+          <ac:chgData name="Chia-jung Yeh" userId="f328d6f4-0757-42dc-943f-c4685e047ee8" providerId="ADAL" clId="{03E5F488-4AE7-44EC-BCC8-445D3528E1AB}" dt="2023-09-06T04:39:57.104" v="202" actId="571"/>
+          <ac:spMkLst>
+            <pc:docMk/>
+            <pc:sldMk cId="908935971" sldId="258"/>
+            <ac:spMk id="17" creationId="{56433DC9-6AC7-1D60-2076-420B4379E304}"/>
+          </ac:spMkLst>
+        </pc:spChg>
+        <pc:spChg chg="add mod">
+          <ac:chgData name="Chia-jung Yeh" userId="f328d6f4-0757-42dc-943f-c4685e047ee8" providerId="ADAL" clId="{03E5F488-4AE7-44EC-BCC8-445D3528E1AB}" dt="2023-09-06T04:39:57.104" v="202" actId="571"/>
+          <ac:spMkLst>
+            <pc:docMk/>
+            <pc:sldMk cId="908935971" sldId="258"/>
+            <ac:spMk id="18" creationId="{F5C99B23-ED48-9A2F-032E-96E59EDDE8B4}"/>
+          </ac:spMkLst>
+        </pc:spChg>
+        <pc:spChg chg="add mod">
+          <ac:chgData name="Chia-jung Yeh" userId="f328d6f4-0757-42dc-943f-c4685e047ee8" providerId="ADAL" clId="{03E5F488-4AE7-44EC-BCC8-445D3528E1AB}" dt="2023-09-06T04:39:57.104" v="202" actId="571"/>
+          <ac:spMkLst>
+            <pc:docMk/>
+            <pc:sldMk cId="908935971" sldId="258"/>
+            <ac:spMk id="19" creationId="{30ADB593-CA2A-DDA6-049D-E281A796BB3B}"/>
+          </ac:spMkLst>
+        </pc:spChg>
+        <pc:spChg chg="add mod">
+          <ac:chgData name="Chia-jung Yeh" userId="f328d6f4-0757-42dc-943f-c4685e047ee8" providerId="ADAL" clId="{03E5F488-4AE7-44EC-BCC8-445D3528E1AB}" dt="2023-09-06T04:39:57.104" v="202" actId="571"/>
+          <ac:spMkLst>
+            <pc:docMk/>
+            <pc:sldMk cId="908935971" sldId="258"/>
+            <ac:spMk id="20" creationId="{B083D2BD-A609-774D-ED51-8F79795615C6}"/>
+          </ac:spMkLst>
+        </pc:spChg>
+        <pc:spChg chg="add mod">
+          <ac:chgData name="Chia-jung Yeh" userId="f328d6f4-0757-42dc-943f-c4685e047ee8" providerId="ADAL" clId="{03E5F488-4AE7-44EC-BCC8-445D3528E1AB}" dt="2023-09-06T04:39:57.104" v="202" actId="571"/>
+          <ac:spMkLst>
+            <pc:docMk/>
+            <pc:sldMk cId="908935971" sldId="258"/>
+            <ac:spMk id="21" creationId="{AB8AB8D5-ABEA-58C9-0A78-29028EB809D1}"/>
+          </ac:spMkLst>
+        </pc:spChg>
+        <pc:spChg chg="add del mod">
+          <ac:chgData name="Chia-jung Yeh" userId="f328d6f4-0757-42dc-943f-c4685e047ee8" providerId="ADAL" clId="{03E5F488-4AE7-44EC-BCC8-445D3528E1AB}" dt="2023-09-06T04:43:51.747" v="289" actId="478"/>
+          <ac:spMkLst>
+            <pc:docMk/>
+            <pc:sldMk cId="908935971" sldId="258"/>
+            <ac:spMk id="22" creationId="{1D998DFE-DEAC-7F47-55DA-FC679B384380}"/>
+          </ac:spMkLst>
+        </pc:spChg>
+        <pc:spChg chg="add del mod">
+          <ac:chgData name="Chia-jung Yeh" userId="f328d6f4-0757-42dc-943f-c4685e047ee8" providerId="ADAL" clId="{03E5F488-4AE7-44EC-BCC8-445D3528E1AB}" dt="2023-09-06T05:01:38.249" v="433" actId="478"/>
+          <ac:spMkLst>
+            <pc:docMk/>
+            <pc:sldMk cId="908935971" sldId="258"/>
+            <ac:spMk id="24" creationId="{3935A1C1-D4BE-93A5-D3C1-CD4297EE0532}"/>
+          </ac:spMkLst>
+        </pc:spChg>
+        <pc:spChg chg="add del mod">
+          <ac:chgData name="Chia-jung Yeh" userId="f328d6f4-0757-42dc-943f-c4685e047ee8" providerId="ADAL" clId="{03E5F488-4AE7-44EC-BCC8-445D3528E1AB}" dt="2023-09-06T05:01:38.249" v="433" actId="478"/>
+          <ac:spMkLst>
+            <pc:docMk/>
+            <pc:sldMk cId="908935971" sldId="258"/>
+            <ac:spMk id="25" creationId="{06A58838-1F34-45EE-60BD-822942E91851}"/>
+          </ac:spMkLst>
+        </pc:spChg>
+        <pc:spChg chg="add del mod">
+          <ac:chgData name="Chia-jung Yeh" userId="f328d6f4-0757-42dc-943f-c4685e047ee8" providerId="ADAL" clId="{03E5F488-4AE7-44EC-BCC8-445D3528E1AB}" dt="2023-09-06T05:01:38.249" v="433" actId="478"/>
+          <ac:spMkLst>
+            <pc:docMk/>
+            <pc:sldMk cId="908935971" sldId="258"/>
+            <ac:spMk id="26" creationId="{4FDBBD52-F49A-61C7-571F-59ADB7E596E5}"/>
+          </ac:spMkLst>
+        </pc:spChg>
+        <pc:spChg chg="add mod ord">
+          <ac:chgData name="Chia-jung Yeh" userId="f328d6f4-0757-42dc-943f-c4685e047ee8" providerId="ADAL" clId="{03E5F488-4AE7-44EC-BCC8-445D3528E1AB}" dt="2023-09-06T05:00:59.129" v="424" actId="1036"/>
+          <ac:spMkLst>
+            <pc:docMk/>
+            <pc:sldMk cId="908935971" sldId="258"/>
+            <ac:spMk id="27" creationId="{76605679-2901-BD59-5C47-0A56147395F2}"/>
+          </ac:spMkLst>
+        </pc:spChg>
+        <pc:spChg chg="add mod ord">
+          <ac:chgData name="Chia-jung Yeh" userId="f328d6f4-0757-42dc-943f-c4685e047ee8" providerId="ADAL" clId="{03E5F488-4AE7-44EC-BCC8-445D3528E1AB}" dt="2023-09-06T05:01:22.608" v="429" actId="1076"/>
+          <ac:spMkLst>
+            <pc:docMk/>
+            <pc:sldMk cId="908935971" sldId="258"/>
+            <ac:spMk id="28" creationId="{EEA8B980-EAF5-7367-5B91-D9C18D278EA3}"/>
+          </ac:spMkLst>
+        </pc:spChg>
+        <pc:spChg chg="add mod ord">
+          <ac:chgData name="Chia-jung Yeh" userId="f328d6f4-0757-42dc-943f-c4685e047ee8" providerId="ADAL" clId="{03E5F488-4AE7-44EC-BCC8-445D3528E1AB}" dt="2023-09-06T05:01:36.346" v="432" actId="1076"/>
+          <ac:spMkLst>
+            <pc:docMk/>
+            <pc:sldMk cId="908935971" sldId="258"/>
+            <ac:spMk id="29" creationId="{70DBDF08-FF69-F80F-75E0-BD42774DDB14}"/>
+          </ac:spMkLst>
+        </pc:spChg>
+        <pc:spChg chg="add del mod">
+          <ac:chgData name="Chia-jung Yeh" userId="f328d6f4-0757-42dc-943f-c4685e047ee8" providerId="ADAL" clId="{03E5F488-4AE7-44EC-BCC8-445D3528E1AB}" dt="2023-09-06T04:44:13.613" v="295" actId="478"/>
+          <ac:spMkLst>
+            <pc:docMk/>
+            <pc:sldMk cId="908935971" sldId="258"/>
+            <ac:spMk id="30" creationId="{75B0A299-4803-418D-DC75-732D6D20E6F5}"/>
+          </ac:spMkLst>
+        </pc:spChg>
+        <pc:spChg chg="add del mod">
+          <ac:chgData name="Chia-jung Yeh" userId="f328d6f4-0757-42dc-943f-c4685e047ee8" providerId="ADAL" clId="{03E5F488-4AE7-44EC-BCC8-445D3528E1AB}" dt="2023-09-06T04:41:19.650" v="239" actId="478"/>
+          <ac:spMkLst>
+            <pc:docMk/>
+            <pc:sldMk cId="908935971" sldId="258"/>
+            <ac:spMk id="32" creationId="{EB425A37-1428-8D19-DC5D-50AFB7F3BA86}"/>
+          </ac:spMkLst>
+        </pc:spChg>
+        <pc:spChg chg="add del mod">
+          <ac:chgData name="Chia-jung Yeh" userId="f328d6f4-0757-42dc-943f-c4685e047ee8" providerId="ADAL" clId="{03E5F488-4AE7-44EC-BCC8-445D3528E1AB}" dt="2023-09-06T04:41:20.572" v="240" actId="478"/>
+          <ac:spMkLst>
+            <pc:docMk/>
+            <pc:sldMk cId="908935971" sldId="258"/>
+            <ac:spMk id="33" creationId="{1EDFC4B0-8E2F-1252-0B39-35EDA4066C45}"/>
+          </ac:spMkLst>
+        </pc:spChg>
+        <pc:spChg chg="add del mod">
+          <ac:chgData name="Chia-jung Yeh" userId="f328d6f4-0757-42dc-943f-c4685e047ee8" providerId="ADAL" clId="{03E5F488-4AE7-44EC-BCC8-445D3528E1AB}" dt="2023-09-06T04:41:21.099" v="241" actId="478"/>
+          <ac:spMkLst>
+            <pc:docMk/>
+            <pc:sldMk cId="908935971" sldId="258"/>
+            <ac:spMk id="34" creationId="{DB36EC4D-1EA0-3666-F8C1-FB4BA8F8559B}"/>
+          </ac:spMkLst>
+        </pc:spChg>
+        <pc:spChg chg="add del mod">
+          <ac:chgData name="Chia-jung Yeh" userId="f328d6f4-0757-42dc-943f-c4685e047ee8" providerId="ADAL" clId="{03E5F488-4AE7-44EC-BCC8-445D3528E1AB}" dt="2023-09-06T04:44:13.613" v="295" actId="478"/>
+          <ac:spMkLst>
+            <pc:docMk/>
+            <pc:sldMk cId="908935971" sldId="258"/>
+            <ac:spMk id="35" creationId="{E729F265-B6CE-4BB4-936D-A760B9C65B96}"/>
+          </ac:spMkLst>
+        </pc:spChg>
+        <pc:spChg chg="add del mod">
+          <ac:chgData name="Chia-jung Yeh" userId="f328d6f4-0757-42dc-943f-c4685e047ee8" providerId="ADAL" clId="{03E5F488-4AE7-44EC-BCC8-445D3528E1AB}" dt="2023-09-06T04:44:13.613" v="295" actId="478"/>
+          <ac:spMkLst>
+            <pc:docMk/>
+            <pc:sldMk cId="908935971" sldId="258"/>
+            <ac:spMk id="36" creationId="{464EB58F-443E-067C-9495-BBAD2C6CE992}"/>
+          </ac:spMkLst>
+        </pc:spChg>
+        <pc:spChg chg="add del mod">
+          <ac:chgData name="Chia-jung Yeh" userId="f328d6f4-0757-42dc-943f-c4685e047ee8" providerId="ADAL" clId="{03E5F488-4AE7-44EC-BCC8-445D3528E1AB}" dt="2023-09-06T04:44:13.613" v="295" actId="478"/>
+          <ac:spMkLst>
+            <pc:docMk/>
+            <pc:sldMk cId="908935971" sldId="258"/>
+            <ac:spMk id="37" creationId="{6AE36BCB-5D94-A3BB-7BD6-0362EFADDC76}"/>
+          </ac:spMkLst>
+        </pc:spChg>
+        <pc:spChg chg="add del mod">
+          <ac:chgData name="Chia-jung Yeh" userId="f328d6f4-0757-42dc-943f-c4685e047ee8" providerId="ADAL" clId="{03E5F488-4AE7-44EC-BCC8-445D3528E1AB}" dt="2023-09-06T04:44:14.659" v="296" actId="478"/>
+          <ac:spMkLst>
+            <pc:docMk/>
+            <pc:sldMk cId="908935971" sldId="258"/>
+            <ac:spMk id="38" creationId="{0FFB3FF6-85A8-B6C9-09EF-82EB7E30CAF5}"/>
+          </ac:spMkLst>
+        </pc:spChg>
+        <pc:spChg chg="add del mod">
+          <ac:chgData name="Chia-jung Yeh" userId="f328d6f4-0757-42dc-943f-c4685e047ee8" providerId="ADAL" clId="{03E5F488-4AE7-44EC-BCC8-445D3528E1AB}" dt="2023-09-06T04:41:22.102" v="242" actId="478"/>
+          <ac:spMkLst>
+            <pc:docMk/>
+            <pc:sldMk cId="908935971" sldId="258"/>
+            <ac:spMk id="40" creationId="{9CEBE232-0BC1-DCF0-2AF3-AB07D26DF13D}"/>
+          </ac:spMkLst>
+        </pc:spChg>
+        <pc:spChg chg="add del mod">
+          <ac:chgData name="Chia-jung Yeh" userId="f328d6f4-0757-42dc-943f-c4685e047ee8" providerId="ADAL" clId="{03E5F488-4AE7-44EC-BCC8-445D3528E1AB}" dt="2023-09-06T04:41:23.057" v="243" actId="478"/>
+          <ac:spMkLst>
+            <pc:docMk/>
+            <pc:sldMk cId="908935971" sldId="258"/>
+            <ac:spMk id="41" creationId="{21B70F17-AD62-4FC8-FBE1-2BC2BBFB56EB}"/>
+          </ac:spMkLst>
+        </pc:spChg>
+        <pc:spChg chg="add del mod">
+          <ac:chgData name="Chia-jung Yeh" userId="f328d6f4-0757-42dc-943f-c4685e047ee8" providerId="ADAL" clId="{03E5F488-4AE7-44EC-BCC8-445D3528E1AB}" dt="2023-09-06T04:41:23.607" v="244" actId="478"/>
+          <ac:spMkLst>
+            <pc:docMk/>
+            <pc:sldMk cId="908935971" sldId="258"/>
+            <ac:spMk id="42" creationId="{611C71F2-CB30-2F58-0B77-2EE70AAFBFAF}"/>
+          </ac:spMkLst>
+        </pc:spChg>
+        <pc:spChg chg="add del mod">
+          <ac:chgData name="Chia-jung Yeh" userId="f328d6f4-0757-42dc-943f-c4685e047ee8" providerId="ADAL" clId="{03E5F488-4AE7-44EC-BCC8-445D3528E1AB}" dt="2023-09-06T04:44:14.659" v="296" actId="478"/>
+          <ac:spMkLst>
+            <pc:docMk/>
+            <pc:sldMk cId="908935971" sldId="258"/>
+            <ac:spMk id="43" creationId="{7BCBE174-425E-7D42-E9C1-C69D906503A9}"/>
+          </ac:spMkLst>
+        </pc:spChg>
+        <pc:spChg chg="add del mod">
+          <ac:chgData name="Chia-jung Yeh" userId="f328d6f4-0757-42dc-943f-c4685e047ee8" providerId="ADAL" clId="{03E5F488-4AE7-44EC-BCC8-445D3528E1AB}" dt="2023-09-06T04:44:14.659" v="296" actId="478"/>
+          <ac:spMkLst>
+            <pc:docMk/>
+            <pc:sldMk cId="908935971" sldId="258"/>
+            <ac:spMk id="44" creationId="{D850C298-3642-7FDA-F561-6C912AF1CC67}"/>
+          </ac:spMkLst>
+        </pc:spChg>
+        <pc:spChg chg="add del mod">
+          <ac:chgData name="Chia-jung Yeh" userId="f328d6f4-0757-42dc-943f-c4685e047ee8" providerId="ADAL" clId="{03E5F488-4AE7-44EC-BCC8-445D3528E1AB}" dt="2023-09-06T04:44:14.659" v="296" actId="478"/>
+          <ac:spMkLst>
+            <pc:docMk/>
+            <pc:sldMk cId="908935971" sldId="258"/>
+            <ac:spMk id="45" creationId="{D442610F-0FFC-19CB-66BA-A97093F0AEA1}"/>
+          </ac:spMkLst>
+        </pc:spChg>
+        <pc:spChg chg="add mod">
+          <ac:chgData name="Chia-jung Yeh" userId="f328d6f4-0757-42dc-943f-c4685e047ee8" providerId="ADAL" clId="{03E5F488-4AE7-44EC-BCC8-445D3528E1AB}" dt="2023-09-06T04:40:12.547" v="213" actId="571"/>
+          <ac:spMkLst>
+            <pc:docMk/>
+            <pc:sldMk cId="908935971" sldId="258"/>
+            <ac:spMk id="46" creationId="{C80E933A-2412-4DDF-0B4A-F0AA445C6A6B}"/>
+          </ac:spMkLst>
+        </pc:spChg>
+        <pc:spChg chg="add mod">
+          <ac:chgData name="Chia-jung Yeh" userId="f328d6f4-0757-42dc-943f-c4685e047ee8" providerId="ADAL" clId="{03E5F488-4AE7-44EC-BCC8-445D3528E1AB}" dt="2023-09-06T04:40:12.031" v="212" actId="571"/>
+          <ac:spMkLst>
+            <pc:docMk/>
+            <pc:sldMk cId="908935971" sldId="258"/>
+            <ac:spMk id="47" creationId="{A38DA4AA-441A-87B9-3E0C-D6910A510E8B}"/>
+          </ac:spMkLst>
+        </pc:spChg>
+        <pc:spChg chg="add del mod">
+          <ac:chgData name="Chia-jung Yeh" userId="f328d6f4-0757-42dc-943f-c4685e047ee8" providerId="ADAL" clId="{03E5F488-4AE7-44EC-BCC8-445D3528E1AB}" dt="2023-09-06T04:42:00.745" v="259" actId="478"/>
+          <ac:spMkLst>
+            <pc:docMk/>
+            <pc:sldMk cId="908935971" sldId="258"/>
+            <ac:spMk id="48" creationId="{AB8D4E50-ED38-B987-AF98-7475A22F087D}"/>
+          </ac:spMkLst>
+        </pc:spChg>
+        <pc:spChg chg="add del mod">
+          <ac:chgData name="Chia-jung Yeh" userId="f328d6f4-0757-42dc-943f-c4685e047ee8" providerId="ADAL" clId="{03E5F488-4AE7-44EC-BCC8-445D3528E1AB}" dt="2023-09-06T04:42:00.745" v="259" actId="478"/>
+          <ac:spMkLst>
+            <pc:docMk/>
+            <pc:sldMk cId="908935971" sldId="258"/>
+            <ac:spMk id="50" creationId="{F4B5D358-95E2-974B-B25B-2FA4EDAA4870}"/>
+          </ac:spMkLst>
+        </pc:spChg>
+        <pc:spChg chg="add del mod">
+          <ac:chgData name="Chia-jung Yeh" userId="f328d6f4-0757-42dc-943f-c4685e047ee8" providerId="ADAL" clId="{03E5F488-4AE7-44EC-BCC8-445D3528E1AB}" dt="2023-09-06T04:42:00.745" v="259" actId="478"/>
+          <ac:spMkLst>
+            <pc:docMk/>
+            <pc:sldMk cId="908935971" sldId="258"/>
+            <ac:spMk id="51" creationId="{08C713B9-8A98-06BB-8ADC-6D3A56060BE0}"/>
+          </ac:spMkLst>
+        </pc:spChg>
+        <pc:spChg chg="add del mod">
+          <ac:chgData name="Chia-jung Yeh" userId="f328d6f4-0757-42dc-943f-c4685e047ee8" providerId="ADAL" clId="{03E5F488-4AE7-44EC-BCC8-445D3528E1AB}" dt="2023-09-06T04:42:00.745" v="259" actId="478"/>
+          <ac:spMkLst>
+            <pc:docMk/>
+            <pc:sldMk cId="908935971" sldId="258"/>
+            <ac:spMk id="52" creationId="{5F575289-AE95-CC7A-A4EC-ECEB02286272}"/>
+          </ac:spMkLst>
+        </pc:spChg>
+        <pc:spChg chg="add del mod">
+          <ac:chgData name="Chia-jung Yeh" userId="f328d6f4-0757-42dc-943f-c4685e047ee8" providerId="ADAL" clId="{03E5F488-4AE7-44EC-BCC8-445D3528E1AB}" dt="2023-09-06T04:42:00.745" v="259" actId="478"/>
+          <ac:spMkLst>
+            <pc:docMk/>
+            <pc:sldMk cId="908935971" sldId="258"/>
+            <ac:spMk id="53" creationId="{376B02D6-D07B-63C0-3F18-6349656E72DD}"/>
+          </ac:spMkLst>
+        </pc:spChg>
+        <pc:spChg chg="add del mod">
+          <ac:chgData name="Chia-jung Yeh" userId="f328d6f4-0757-42dc-943f-c4685e047ee8" providerId="ADAL" clId="{03E5F488-4AE7-44EC-BCC8-445D3528E1AB}" dt="2023-09-06T04:42:00.745" v="259" actId="478"/>
+          <ac:spMkLst>
+            <pc:docMk/>
+            <pc:sldMk cId="908935971" sldId="258"/>
+            <ac:spMk id="54" creationId="{707F6BF0-1479-C26D-63F9-2481BEB801F2}"/>
+          </ac:spMkLst>
+        </pc:spChg>
+        <pc:spChg chg="add del mod">
+          <ac:chgData name="Chia-jung Yeh" userId="f328d6f4-0757-42dc-943f-c4685e047ee8" providerId="ADAL" clId="{03E5F488-4AE7-44EC-BCC8-445D3528E1AB}" dt="2023-09-06T04:42:00.745" v="259" actId="478"/>
+          <ac:spMkLst>
+            <pc:docMk/>
+            <pc:sldMk cId="908935971" sldId="258"/>
+            <ac:spMk id="55" creationId="{16971DDF-1065-CE34-6A1D-A7DB67169E45}"/>
+          </ac:spMkLst>
+        </pc:spChg>
+        <pc:spChg chg="add del mod">
+          <ac:chgData name="Chia-jung Yeh" userId="f328d6f4-0757-42dc-943f-c4685e047ee8" providerId="ADAL" clId="{03E5F488-4AE7-44EC-BCC8-445D3528E1AB}" dt="2023-09-06T04:42:00.745" v="259" actId="478"/>
+          <ac:spMkLst>
+            <pc:docMk/>
+            <pc:sldMk cId="908935971" sldId="258"/>
+            <ac:spMk id="56" creationId="{F447BE92-C262-5DE1-EEB7-920D43AD3DF7}"/>
+          </ac:spMkLst>
+        </pc:spChg>
+        <pc:spChg chg="add del mod">
+          <ac:chgData name="Chia-jung Yeh" userId="f328d6f4-0757-42dc-943f-c4685e047ee8" providerId="ADAL" clId="{03E5F488-4AE7-44EC-BCC8-445D3528E1AB}" dt="2023-09-06T04:42:00.745" v="259" actId="478"/>
+          <ac:spMkLst>
+            <pc:docMk/>
+            <pc:sldMk cId="908935971" sldId="258"/>
+            <ac:spMk id="58" creationId="{72E7B89D-AEB8-5672-85B2-26C5D0493464}"/>
+          </ac:spMkLst>
+        </pc:spChg>
+        <pc:spChg chg="add del mod">
+          <ac:chgData name="Chia-jung Yeh" userId="f328d6f4-0757-42dc-943f-c4685e047ee8" providerId="ADAL" clId="{03E5F488-4AE7-44EC-BCC8-445D3528E1AB}" dt="2023-09-06T04:42:00.745" v="259" actId="478"/>
+          <ac:spMkLst>
+            <pc:docMk/>
+            <pc:sldMk cId="908935971" sldId="258"/>
+            <ac:spMk id="59" creationId="{39592151-3F67-7DD2-AAE4-638761C94360}"/>
+          </ac:spMkLst>
+        </pc:spChg>
+        <pc:spChg chg="add del mod">
+          <ac:chgData name="Chia-jung Yeh" userId="f328d6f4-0757-42dc-943f-c4685e047ee8" providerId="ADAL" clId="{03E5F488-4AE7-44EC-BCC8-445D3528E1AB}" dt="2023-09-06T04:42:00.745" v="259" actId="478"/>
+          <ac:spMkLst>
+            <pc:docMk/>
+            <pc:sldMk cId="908935971" sldId="258"/>
+            <ac:spMk id="60" creationId="{F1098F3A-B56C-BFE1-9C16-2A7628898B7C}"/>
+          </ac:spMkLst>
+        </pc:spChg>
+        <pc:spChg chg="add del mod">
+          <ac:chgData name="Chia-jung Yeh" userId="f328d6f4-0757-42dc-943f-c4685e047ee8" providerId="ADAL" clId="{03E5F488-4AE7-44EC-BCC8-445D3528E1AB}" dt="2023-09-06T04:42:00.745" v="259" actId="478"/>
+          <ac:spMkLst>
+            <pc:docMk/>
+            <pc:sldMk cId="908935971" sldId="258"/>
+            <ac:spMk id="61" creationId="{889C7D9E-10E2-0711-1661-A7D580473BEB}"/>
+          </ac:spMkLst>
+        </pc:spChg>
+        <pc:spChg chg="add del mod">
+          <ac:chgData name="Chia-jung Yeh" userId="f328d6f4-0757-42dc-943f-c4685e047ee8" providerId="ADAL" clId="{03E5F488-4AE7-44EC-BCC8-445D3528E1AB}" dt="2023-09-06T04:42:00.745" v="259" actId="478"/>
+          <ac:spMkLst>
+            <pc:docMk/>
+            <pc:sldMk cId="908935971" sldId="258"/>
+            <ac:spMk id="62" creationId="{7C72D437-8596-316D-CDB2-F02B886CE157}"/>
+          </ac:spMkLst>
+        </pc:spChg>
+        <pc:spChg chg="add del mod">
+          <ac:chgData name="Chia-jung Yeh" userId="f328d6f4-0757-42dc-943f-c4685e047ee8" providerId="ADAL" clId="{03E5F488-4AE7-44EC-BCC8-445D3528E1AB}" dt="2023-09-06T04:42:00.745" v="259" actId="478"/>
+          <ac:spMkLst>
+            <pc:docMk/>
+            <pc:sldMk cId="908935971" sldId="258"/>
+            <ac:spMk id="63" creationId="{5A87EE07-7098-1E87-5CCF-D0A7E71A8F5F}"/>
+          </ac:spMkLst>
+        </pc:spChg>
+        <pc:spChg chg="add del mod">
+          <ac:chgData name="Chia-jung Yeh" userId="f328d6f4-0757-42dc-943f-c4685e047ee8" providerId="ADAL" clId="{03E5F488-4AE7-44EC-BCC8-445D3528E1AB}" dt="2023-09-06T04:44:14.659" v="296" actId="478"/>
+          <ac:spMkLst>
+            <pc:docMk/>
+            <pc:sldMk cId="908935971" sldId="258"/>
+            <ac:spMk id="73" creationId="{4627EBF6-7FF4-7D38-41B0-5C19E38A5130}"/>
+          </ac:spMkLst>
+        </pc:spChg>
+        <pc:spChg chg="add mod">
+          <ac:chgData name="Chia-jung Yeh" userId="f328d6f4-0757-42dc-943f-c4685e047ee8" providerId="ADAL" clId="{03E5F488-4AE7-44EC-BCC8-445D3528E1AB}" dt="2023-09-06T04:41:52.050" v="256" actId="571"/>
+          <ac:spMkLst>
+            <pc:docMk/>
+            <pc:sldMk cId="908935971" sldId="258"/>
+            <ac:spMk id="74" creationId="{1EB3B191-74AE-1E91-DDD4-D948EFB12B75}"/>
+          </ac:spMkLst>
+        </pc:spChg>
+        <pc:spChg chg="add mod">
+          <ac:chgData name="Chia-jung Yeh" userId="f328d6f4-0757-42dc-943f-c4685e047ee8" providerId="ADAL" clId="{03E5F488-4AE7-44EC-BCC8-445D3528E1AB}" dt="2023-09-06T04:41:52.050" v="256" actId="571"/>
+          <ac:spMkLst>
+            <pc:docMk/>
+            <pc:sldMk cId="908935971" sldId="258"/>
+            <ac:spMk id="75" creationId="{185307C3-05A8-B775-0C32-41041FB225D7}"/>
+          </ac:spMkLst>
+        </pc:spChg>
+        <pc:spChg chg="add del mod">
+          <ac:chgData name="Chia-jung Yeh" userId="f328d6f4-0757-42dc-943f-c4685e047ee8" providerId="ADAL" clId="{03E5F488-4AE7-44EC-BCC8-445D3528E1AB}" dt="2023-09-06T04:41:57.351" v="258" actId="478"/>
+          <ac:spMkLst>
+            <pc:docMk/>
+            <pc:sldMk cId="908935971" sldId="258"/>
+            <ac:spMk id="76" creationId="{7EDF600A-3193-DB2F-B4D6-D30A8258553D}"/>
+          </ac:spMkLst>
+        </pc:spChg>
+        <pc:spChg chg="add del mod">
+          <ac:chgData name="Chia-jung Yeh" userId="f328d6f4-0757-42dc-943f-c4685e047ee8" providerId="ADAL" clId="{03E5F488-4AE7-44EC-BCC8-445D3528E1AB}" dt="2023-09-06T04:44:14.659" v="296" actId="478"/>
+          <ac:spMkLst>
+            <pc:docMk/>
+            <pc:sldMk cId="908935971" sldId="258"/>
+            <ac:spMk id="77" creationId="{A9E52555-8994-5960-9E2F-0EF43618608F}"/>
+          </ac:spMkLst>
+        </pc:spChg>
+        <pc:spChg chg="add mod ord">
+          <ac:chgData name="Chia-jung Yeh" userId="f328d6f4-0757-42dc-943f-c4685e047ee8" providerId="ADAL" clId="{03E5F488-4AE7-44EC-BCC8-445D3528E1AB}" dt="2023-09-06T05:03:11.573" v="483" actId="166"/>
+          <ac:spMkLst>
+            <pc:docMk/>
+            <pc:sldMk cId="908935971" sldId="258"/>
+            <ac:spMk id="78" creationId="{745DF0FC-53A3-C241-B303-998C049E0619}"/>
+          </ac:spMkLst>
+        </pc:spChg>
+        <pc:spChg chg="add mod ord">
+          <ac:chgData name="Chia-jung Yeh" userId="f328d6f4-0757-42dc-943f-c4685e047ee8" providerId="ADAL" clId="{03E5F488-4AE7-44EC-BCC8-445D3528E1AB}" dt="2023-09-06T05:03:11.573" v="483" actId="166"/>
+          <ac:spMkLst>
+            <pc:docMk/>
+            <pc:sldMk cId="908935971" sldId="258"/>
+            <ac:spMk id="79" creationId="{5BBF184A-A636-0033-5264-0F7224ACD48A}"/>
+          </ac:spMkLst>
+        </pc:spChg>
+        <pc:spChg chg="add mod ord">
+          <ac:chgData name="Chia-jung Yeh" userId="f328d6f4-0757-42dc-943f-c4685e047ee8" providerId="ADAL" clId="{03E5F488-4AE7-44EC-BCC8-445D3528E1AB}" dt="2023-09-06T05:03:11.573" v="483" actId="166"/>
+          <ac:spMkLst>
+            <pc:docMk/>
+            <pc:sldMk cId="908935971" sldId="258"/>
+            <ac:spMk id="80" creationId="{699D9B08-F37B-4684-530F-DC7F0E9BAA20}"/>
+          </ac:spMkLst>
+        </pc:spChg>
+        <pc:spChg chg="add del mod">
+          <ac:chgData name="Chia-jung Yeh" userId="f328d6f4-0757-42dc-943f-c4685e047ee8" providerId="ADAL" clId="{03E5F488-4AE7-44EC-BCC8-445D3528E1AB}" dt="2023-09-06T04:42:56.694" v="280" actId="478"/>
+          <ac:spMkLst>
+            <pc:docMk/>
+            <pc:sldMk cId="908935971" sldId="258"/>
+            <ac:spMk id="81" creationId="{B2426B87-0DC6-7EC1-8025-9E5983B2C287}"/>
+          </ac:spMkLst>
+        </pc:spChg>
+        <pc:spChg chg="add del mod">
+          <ac:chgData name="Chia-jung Yeh" userId="f328d6f4-0757-42dc-943f-c4685e047ee8" providerId="ADAL" clId="{03E5F488-4AE7-44EC-BCC8-445D3528E1AB}" dt="2023-09-06T04:42:56.193" v="279" actId="478"/>
+          <ac:spMkLst>
+            <pc:docMk/>
+            <pc:sldMk cId="908935971" sldId="258"/>
+            <ac:spMk id="82" creationId="{7B5A4A8B-643E-D77E-4AF3-C78265B84CA4}"/>
+          </ac:spMkLst>
+        </pc:spChg>
+        <pc:spChg chg="add del mod">
+          <ac:chgData name="Chia-jung Yeh" userId="f328d6f4-0757-42dc-943f-c4685e047ee8" providerId="ADAL" clId="{03E5F488-4AE7-44EC-BCC8-445D3528E1AB}" dt="2023-09-06T04:42:55.163" v="278" actId="478"/>
+          <ac:spMkLst>
+            <pc:docMk/>
+            <pc:sldMk cId="908935971" sldId="258"/>
+            <ac:spMk id="83" creationId="{BEB23735-7E73-0B74-942A-A8EAEB573872}"/>
+          </ac:spMkLst>
+        </pc:spChg>
+        <pc:spChg chg="add del mod">
+          <ac:chgData name="Chia-jung Yeh" userId="f328d6f4-0757-42dc-943f-c4685e047ee8" providerId="ADAL" clId="{03E5F488-4AE7-44EC-BCC8-445D3528E1AB}" dt="2023-09-06T05:01:38.249" v="433" actId="478"/>
+          <ac:spMkLst>
+            <pc:docMk/>
+            <pc:sldMk cId="908935971" sldId="258"/>
+            <ac:spMk id="84" creationId="{7CFC09F3-F624-2037-2311-D15F0C9CCA4F}"/>
+          </ac:spMkLst>
+        </pc:spChg>
+        <pc:spChg chg="add del mod">
+          <ac:chgData name="Chia-jung Yeh" userId="f328d6f4-0757-42dc-943f-c4685e047ee8" providerId="ADAL" clId="{03E5F488-4AE7-44EC-BCC8-445D3528E1AB}" dt="2023-09-06T05:01:38.249" v="433" actId="478"/>
+          <ac:spMkLst>
+            <pc:docMk/>
+            <pc:sldMk cId="908935971" sldId="258"/>
+            <ac:spMk id="85" creationId="{5CFD0A11-3CA1-0789-10CE-B8BA16D697D0}"/>
+          </ac:spMkLst>
+        </pc:spChg>
+        <pc:spChg chg="add del mod">
+          <ac:chgData name="Chia-jung Yeh" userId="f328d6f4-0757-42dc-943f-c4685e047ee8" providerId="ADAL" clId="{03E5F488-4AE7-44EC-BCC8-445D3528E1AB}" dt="2023-09-06T04:43:15.271" v="282" actId="478"/>
+          <ac:spMkLst>
+            <pc:docMk/>
+            <pc:sldMk cId="908935971" sldId="258"/>
+            <ac:spMk id="86" creationId="{904EFF1D-7909-7880-4392-6FD544D6EE65}"/>
+          </ac:spMkLst>
+        </pc:spChg>
+        <pc:spChg chg="add del mod">
+          <ac:chgData name="Chia-jung Yeh" userId="f328d6f4-0757-42dc-943f-c4685e047ee8" providerId="ADAL" clId="{03E5F488-4AE7-44EC-BCC8-445D3528E1AB}" dt="2023-09-06T05:01:38.249" v="433" actId="478"/>
+          <ac:spMkLst>
+            <pc:docMk/>
+            <pc:sldMk cId="908935971" sldId="258"/>
+            <ac:spMk id="87" creationId="{60426DB0-41D6-61E3-FBD0-8511167082AD}"/>
+          </ac:spMkLst>
+        </pc:spChg>
+        <pc:spChg chg="add mod">
+          <ac:chgData name="Chia-jung Yeh" userId="f328d6f4-0757-42dc-943f-c4685e047ee8" providerId="ADAL" clId="{03E5F488-4AE7-44EC-BCC8-445D3528E1AB}" dt="2023-09-06T04:43:49.036" v="288" actId="571"/>
+          <ac:spMkLst>
+            <pc:docMk/>
+            <pc:sldMk cId="908935971" sldId="258"/>
+            <ac:spMk id="88" creationId="{23DF8047-1FC8-0A54-000F-E43216390CFD}"/>
+          </ac:spMkLst>
+        </pc:spChg>
+        <pc:spChg chg="add mod">
+          <ac:chgData name="Chia-jung Yeh" userId="f328d6f4-0757-42dc-943f-c4685e047ee8" providerId="ADAL" clId="{03E5F488-4AE7-44EC-BCC8-445D3528E1AB}" dt="2023-09-06T04:43:49.036" v="288" actId="571"/>
+          <ac:spMkLst>
+            <pc:docMk/>
+            <pc:sldMk cId="908935971" sldId="258"/>
+            <ac:spMk id="90" creationId="{22D94D7C-1897-C9D9-0510-90191712136E}"/>
+          </ac:spMkLst>
+        </pc:spChg>
+        <pc:spChg chg="add mod">
+          <ac:chgData name="Chia-jung Yeh" userId="f328d6f4-0757-42dc-943f-c4685e047ee8" providerId="ADAL" clId="{03E5F488-4AE7-44EC-BCC8-445D3528E1AB}" dt="2023-09-06T04:43:49.036" v="288" actId="571"/>
+          <ac:spMkLst>
+            <pc:docMk/>
+            <pc:sldMk cId="908935971" sldId="258"/>
+            <ac:spMk id="91" creationId="{449552DF-C64A-618D-F5A8-FD77A9F6B5D3}"/>
+          </ac:spMkLst>
+        </pc:spChg>
+        <pc:spChg chg="add mod">
+          <ac:chgData name="Chia-jung Yeh" userId="f328d6f4-0757-42dc-943f-c4685e047ee8" providerId="ADAL" clId="{03E5F488-4AE7-44EC-BCC8-445D3528E1AB}" dt="2023-09-06T04:43:49.036" v="288" actId="571"/>
+          <ac:spMkLst>
+            <pc:docMk/>
+            <pc:sldMk cId="908935971" sldId="258"/>
+            <ac:spMk id="92" creationId="{3F057D72-8520-D3EA-73E7-446B54F67A6C}"/>
+          </ac:spMkLst>
+        </pc:spChg>
+        <pc:spChg chg="add mod">
+          <ac:chgData name="Chia-jung Yeh" userId="f328d6f4-0757-42dc-943f-c4685e047ee8" providerId="ADAL" clId="{03E5F488-4AE7-44EC-BCC8-445D3528E1AB}" dt="2023-09-06T04:43:49.036" v="288" actId="571"/>
+          <ac:spMkLst>
+            <pc:docMk/>
+            <pc:sldMk cId="908935971" sldId="258"/>
+            <ac:spMk id="93" creationId="{ED5AF906-03DC-8890-A3EF-5699C0E855DB}"/>
+          </ac:spMkLst>
+        </pc:spChg>
+        <pc:spChg chg="add mod">
+          <ac:chgData name="Chia-jung Yeh" userId="f328d6f4-0757-42dc-943f-c4685e047ee8" providerId="ADAL" clId="{03E5F488-4AE7-44EC-BCC8-445D3528E1AB}" dt="2023-09-06T04:43:49.036" v="288" actId="571"/>
+          <ac:spMkLst>
+            <pc:docMk/>
+            <pc:sldMk cId="908935971" sldId="258"/>
+            <ac:spMk id="94" creationId="{2317A3FE-5AB7-691F-CE0F-9409B2D1A435}"/>
+          </ac:spMkLst>
+        </pc:spChg>
+        <pc:spChg chg="add mod">
+          <ac:chgData name="Chia-jung Yeh" userId="f328d6f4-0757-42dc-943f-c4685e047ee8" providerId="ADAL" clId="{03E5F488-4AE7-44EC-BCC8-445D3528E1AB}" dt="2023-09-06T04:43:49.036" v="288" actId="571"/>
+          <ac:spMkLst>
+            <pc:docMk/>
+            <pc:sldMk cId="908935971" sldId="258"/>
+            <ac:spMk id="95" creationId="{145D6321-CEFD-57E2-AF76-0115173DDA44}"/>
+          </ac:spMkLst>
+        </pc:spChg>
+        <pc:spChg chg="add del mod ord">
+          <ac:chgData name="Chia-jung Yeh" userId="f328d6f4-0757-42dc-943f-c4685e047ee8" providerId="ADAL" clId="{03E5F488-4AE7-44EC-BCC8-445D3528E1AB}" dt="2023-09-06T05:01:04.568" v="427" actId="478"/>
+          <ac:spMkLst>
+            <pc:docMk/>
+            <pc:sldMk cId="908935971" sldId="258"/>
+            <ac:spMk id="96" creationId="{B2D5E5A7-2234-F0FB-D562-CA5374EA4076}"/>
+          </ac:spMkLst>
+        </pc:spChg>
+        <pc:spChg chg="add del mod">
+          <ac:chgData name="Chia-jung Yeh" userId="f328d6f4-0757-42dc-943f-c4685e047ee8" providerId="ADAL" clId="{03E5F488-4AE7-44EC-BCC8-445D3528E1AB}" dt="2023-09-06T04:44:04.795" v="292" actId="478"/>
+          <ac:spMkLst>
+            <pc:docMk/>
+            <pc:sldMk cId="908935971" sldId="258"/>
+            <ac:spMk id="97" creationId="{FF6E5FA9-7A35-00ED-6345-FDA2BC423C15}"/>
+          </ac:spMkLst>
+        </pc:spChg>
+        <pc:spChg chg="add del mod">
+          <ac:chgData name="Chia-jung Yeh" userId="f328d6f4-0757-42dc-943f-c4685e047ee8" providerId="ADAL" clId="{03E5F488-4AE7-44EC-BCC8-445D3528E1AB}" dt="2023-09-06T05:02:22.495" v="458" actId="478"/>
+          <ac:spMkLst>
+            <pc:docMk/>
+            <pc:sldMk cId="908935971" sldId="258"/>
+            <ac:spMk id="98" creationId="{857F4B9A-D077-B7B6-049E-E55E5BDDE77F}"/>
+          </ac:spMkLst>
+        </pc:spChg>
+        <pc:spChg chg="add del mod">
+          <ac:chgData name="Chia-jung Yeh" userId="f328d6f4-0757-42dc-943f-c4685e047ee8" providerId="ADAL" clId="{03E5F488-4AE7-44EC-BCC8-445D3528E1AB}" dt="2023-09-06T05:02:22.495" v="458" actId="478"/>
+          <ac:spMkLst>
+            <pc:docMk/>
+            <pc:sldMk cId="908935971" sldId="258"/>
+            <ac:spMk id="100" creationId="{CBECE3D6-C400-5E56-D565-04EF026B32BE}"/>
+          </ac:spMkLst>
+        </pc:spChg>
+        <pc:spChg chg="add del mod">
+          <ac:chgData name="Chia-jung Yeh" userId="f328d6f4-0757-42dc-943f-c4685e047ee8" providerId="ADAL" clId="{03E5F488-4AE7-44EC-BCC8-445D3528E1AB}" dt="2023-09-06T05:02:22.495" v="458" actId="478"/>
+          <ac:spMkLst>
+            <pc:docMk/>
+            <pc:sldMk cId="908935971" sldId="258"/>
+            <ac:spMk id="101" creationId="{EAB78A0C-1725-5918-A075-80996546316F}"/>
+          </ac:spMkLst>
+        </pc:spChg>
+        <pc:spChg chg="add del mod">
+          <ac:chgData name="Chia-jung Yeh" userId="f328d6f4-0757-42dc-943f-c4685e047ee8" providerId="ADAL" clId="{03E5F488-4AE7-44EC-BCC8-445D3528E1AB}" dt="2023-09-06T05:02:22.495" v="458" actId="478"/>
+          <ac:spMkLst>
+            <pc:docMk/>
+            <pc:sldMk cId="908935971" sldId="258"/>
+            <ac:spMk id="102" creationId="{9611D2D7-B4A5-BE4F-1882-179D38452524}"/>
+          </ac:spMkLst>
+        </pc:spChg>
+        <pc:spChg chg="add del mod">
+          <ac:chgData name="Chia-jung Yeh" userId="f328d6f4-0757-42dc-943f-c4685e047ee8" providerId="ADAL" clId="{03E5F488-4AE7-44EC-BCC8-445D3528E1AB}" dt="2023-09-06T05:02:22.495" v="458" actId="478"/>
+          <ac:spMkLst>
+            <pc:docMk/>
+            <pc:sldMk cId="908935971" sldId="258"/>
+            <ac:spMk id="103" creationId="{89AE2D62-3E95-6D90-8A41-F8CE00F4A5AD}"/>
+          </ac:spMkLst>
+        </pc:spChg>
+        <pc:spChg chg="add del mod">
+          <ac:chgData name="Chia-jung Yeh" userId="f328d6f4-0757-42dc-943f-c4685e047ee8" providerId="ADAL" clId="{03E5F488-4AE7-44EC-BCC8-445D3528E1AB}" dt="2023-09-06T05:02:22.495" v="458" actId="478"/>
+          <ac:spMkLst>
+            <pc:docMk/>
+            <pc:sldMk cId="908935971" sldId="258"/>
+            <ac:spMk id="104" creationId="{DE61B32C-123D-9E71-D711-4321CA361D8F}"/>
+          </ac:spMkLst>
+        </pc:spChg>
+        <pc:spChg chg="add del mod">
+          <ac:chgData name="Chia-jung Yeh" userId="f328d6f4-0757-42dc-943f-c4685e047ee8" providerId="ADAL" clId="{03E5F488-4AE7-44EC-BCC8-445D3528E1AB}" dt="2023-09-06T05:02:22.495" v="458" actId="478"/>
+          <ac:spMkLst>
+            <pc:docMk/>
+            <pc:sldMk cId="908935971" sldId="258"/>
+            <ac:spMk id="105" creationId="{9DA13D11-4183-884D-DFEC-E597EE82B67B}"/>
+          </ac:spMkLst>
+        </pc:spChg>
+        <pc:spChg chg="add del mod ord">
+          <ac:chgData name="Chia-jung Yeh" userId="f328d6f4-0757-42dc-943f-c4685e047ee8" providerId="ADAL" clId="{03E5F488-4AE7-44EC-BCC8-445D3528E1AB}" dt="2023-09-06T05:05:04.294" v="495" actId="1076"/>
+          <ac:spMkLst>
+            <pc:docMk/>
+            <pc:sldMk cId="908935971" sldId="258"/>
+            <ac:spMk id="109" creationId="{C797C29C-5EB4-95E9-C7CC-69B1FA81134C}"/>
+          </ac:spMkLst>
+        </pc:spChg>
+        <pc:spChg chg="add del mod">
+          <ac:chgData name="Chia-jung Yeh" userId="f328d6f4-0757-42dc-943f-c4685e047ee8" providerId="ADAL" clId="{03E5F488-4AE7-44EC-BCC8-445D3528E1AB}" dt="2023-09-06T04:44:50.460" v="315" actId="478"/>
+          <ac:spMkLst>
+            <pc:docMk/>
+            <pc:sldMk cId="908935971" sldId="258"/>
+            <ac:spMk id="110" creationId="{169768DF-C111-A1B9-2996-DBFA2D7C1C71}"/>
+          </ac:spMkLst>
+        </pc:spChg>
+        <pc:spChg chg="add del mod">
+          <ac:chgData name="Chia-jung Yeh" userId="f328d6f4-0757-42dc-943f-c4685e047ee8" providerId="ADAL" clId="{03E5F488-4AE7-44EC-BCC8-445D3528E1AB}" dt="2023-09-06T04:44:20.947" v="300" actId="478"/>
+          <ac:spMkLst>
+            <pc:docMk/>
+            <pc:sldMk cId="908935971" sldId="258"/>
+            <ac:spMk id="111" creationId="{A584FFD0-C3FF-7634-B6AD-7BE3D3916E0E}"/>
+          </ac:spMkLst>
+        </pc:spChg>
+        <pc:spChg chg="add del mod ord">
+          <ac:chgData name="Chia-jung Yeh" userId="f328d6f4-0757-42dc-943f-c4685e047ee8" providerId="ADAL" clId="{03E5F488-4AE7-44EC-BCC8-445D3528E1AB}" dt="2023-09-06T05:06:09.980" v="507" actId="14100"/>
+          <ac:spMkLst>
+            <pc:docMk/>
+            <pc:sldMk cId="908935971" sldId="258"/>
+            <ac:spMk id="113" creationId="{645207D6-1191-AC32-C3DB-BEA0A694B93B}"/>
+          </ac:spMkLst>
+        </pc:spChg>
+        <pc:spChg chg="add del mod ord">
+          <ac:chgData name="Chia-jung Yeh" userId="f328d6f4-0757-42dc-943f-c4685e047ee8" providerId="ADAL" clId="{03E5F488-4AE7-44EC-BCC8-445D3528E1AB}" dt="2023-09-06T05:05:04.294" v="495" actId="1076"/>
+          <ac:spMkLst>
+            <pc:docMk/>
+            <pc:sldMk cId="908935971" sldId="258"/>
+            <ac:spMk id="114" creationId="{B16EB35A-789D-4E37-8F46-8A48E30D07FB}"/>
+          </ac:spMkLst>
+        </pc:spChg>
+        <pc:spChg chg="add del mod">
+          <ac:chgData name="Chia-jung Yeh" userId="f328d6f4-0757-42dc-943f-c4685e047ee8" providerId="ADAL" clId="{03E5F488-4AE7-44EC-BCC8-445D3528E1AB}" dt="2023-09-06T05:02:36.159" v="466" actId="478"/>
+          <ac:spMkLst>
+            <pc:docMk/>
+            <pc:sldMk cId="908935971" sldId="258"/>
+            <ac:spMk id="115" creationId="{163D9982-7ABC-6A06-C862-B70C76FFF3AD}"/>
+          </ac:spMkLst>
+        </pc:spChg>
+        <pc:spChg chg="add del mod">
+          <ac:chgData name="Chia-jung Yeh" userId="f328d6f4-0757-42dc-943f-c4685e047ee8" providerId="ADAL" clId="{03E5F488-4AE7-44EC-BCC8-445D3528E1AB}" dt="2023-09-06T04:45:04.968" v="318" actId="478"/>
+          <ac:spMkLst>
+            <pc:docMk/>
+            <pc:sldMk cId="908935971" sldId="258"/>
+            <ac:spMk id="117" creationId="{03A42E4E-AF60-4F59-3405-67700A489586}"/>
+          </ac:spMkLst>
+        </pc:spChg>
+        <pc:spChg chg="add del mod">
+          <ac:chgData name="Chia-jung Yeh" userId="f328d6f4-0757-42dc-943f-c4685e047ee8" providerId="ADAL" clId="{03E5F488-4AE7-44EC-BCC8-445D3528E1AB}" dt="2023-09-06T04:45:05.960" v="319" actId="478"/>
+          <ac:spMkLst>
+            <pc:docMk/>
+            <pc:sldMk cId="908935971" sldId="258"/>
+            <ac:spMk id="118" creationId="{9357CD9E-0AAF-CC9D-B7A2-D1D1247686DD}"/>
+          </ac:spMkLst>
+        </pc:spChg>
+        <pc:spChg chg="add del mod">
+          <ac:chgData name="Chia-jung Yeh" userId="f328d6f4-0757-42dc-943f-c4685e047ee8" providerId="ADAL" clId="{03E5F488-4AE7-44EC-BCC8-445D3528E1AB}" dt="2023-09-06T04:45:06.420" v="320" actId="478"/>
+          <ac:spMkLst>
+            <pc:docMk/>
+            <pc:sldMk cId="908935971" sldId="258"/>
+            <ac:spMk id="119" creationId="{6DD4965E-A24C-191C-9F64-DF3AFB5C830B}"/>
+          </ac:spMkLst>
+        </pc:spChg>
+        <pc:spChg chg="add del mod">
+          <ac:chgData name="Chia-jung Yeh" userId="f328d6f4-0757-42dc-943f-c4685e047ee8" providerId="ADAL" clId="{03E5F488-4AE7-44EC-BCC8-445D3528E1AB}" dt="2023-09-06T05:02:49.878" v="474" actId="478"/>
+          <ac:spMkLst>
+            <pc:docMk/>
+            <pc:sldMk cId="908935971" sldId="258"/>
+            <ac:spMk id="120" creationId="{9662C3E5-ED69-11BE-E656-3498259F01E0}"/>
+          </ac:spMkLst>
+        </pc:spChg>
+        <pc:spChg chg="add del mod">
+          <ac:chgData name="Chia-jung Yeh" userId="f328d6f4-0757-42dc-943f-c4685e047ee8" providerId="ADAL" clId="{03E5F488-4AE7-44EC-BCC8-445D3528E1AB}" dt="2023-09-06T05:02:50.500" v="475" actId="478"/>
+          <ac:spMkLst>
+            <pc:docMk/>
+            <pc:sldMk cId="908935971" sldId="258"/>
+            <ac:spMk id="121" creationId="{530244D1-DC03-F19D-E1EB-361AA23F4DB4}"/>
+          </ac:spMkLst>
+        </pc:spChg>
+        <pc:spChg chg="add del mod">
+          <ac:chgData name="Chia-jung Yeh" userId="f328d6f4-0757-42dc-943f-c4685e047ee8" providerId="ADAL" clId="{03E5F488-4AE7-44EC-BCC8-445D3528E1AB}" dt="2023-09-06T05:02:51.990" v="476" actId="478"/>
+          <ac:spMkLst>
+            <pc:docMk/>
+            <pc:sldMk cId="908935971" sldId="258"/>
+            <ac:spMk id="122" creationId="{EE6A7A39-64E8-F729-2BF3-C9C79D697F64}"/>
+          </ac:spMkLst>
+        </pc:spChg>
+        <pc:spChg chg="add del mod">
+          <ac:chgData name="Chia-jung Yeh" userId="f328d6f4-0757-42dc-943f-c4685e047ee8" providerId="ADAL" clId="{03E5F488-4AE7-44EC-BCC8-445D3528E1AB}" dt="2023-09-06T05:02:53.454" v="477" actId="478"/>
+          <ac:spMkLst>
+            <pc:docMk/>
+            <pc:sldMk cId="908935971" sldId="258"/>
+            <ac:spMk id="123" creationId="{1652B4E1-FC2F-A00A-1DCC-AA35EE5CF984}"/>
+          </ac:spMkLst>
+        </pc:spChg>
+        <pc:spChg chg="add del mod">
+          <ac:chgData name="Chia-jung Yeh" userId="f328d6f4-0757-42dc-943f-c4685e047ee8" providerId="ADAL" clId="{03E5F488-4AE7-44EC-BCC8-445D3528E1AB}" dt="2023-09-06T05:02:36.159" v="466" actId="478"/>
+          <ac:spMkLst>
+            <pc:docMk/>
+            <pc:sldMk cId="908935971" sldId="258"/>
+            <ac:spMk id="124" creationId="{E42FD648-F2CF-CAB3-00D3-1408ED903347}"/>
+          </ac:spMkLst>
+        </pc:spChg>
+        <pc:spChg chg="add del mod">
+          <ac:chgData name="Chia-jung Yeh" userId="f328d6f4-0757-42dc-943f-c4685e047ee8" providerId="ADAL" clId="{03E5F488-4AE7-44EC-BCC8-445D3528E1AB}" dt="2023-09-06T05:02:36.159" v="466" actId="478"/>
+          <ac:spMkLst>
+            <pc:docMk/>
+            <pc:sldMk cId="908935971" sldId="258"/>
+            <ac:spMk id="125" creationId="{1FE6C137-0C3F-A722-A78B-A360D3662B38}"/>
+          </ac:spMkLst>
+        </pc:spChg>
+        <pc:spChg chg="add del mod ord">
+          <ac:chgData name="Chia-jung Yeh" userId="f328d6f4-0757-42dc-943f-c4685e047ee8" providerId="ADAL" clId="{03E5F488-4AE7-44EC-BCC8-445D3528E1AB}" dt="2023-09-06T05:07:27.195" v="526" actId="1076"/>
+          <ac:spMkLst>
+            <pc:docMk/>
+            <pc:sldMk cId="908935971" sldId="258"/>
+            <ac:spMk id="126" creationId="{E8BD1002-B5AB-F3F8-EAAB-1DD63A5743CB}"/>
+          </ac:spMkLst>
+        </pc:spChg>
+        <pc:spChg chg="add mod">
+          <ac:chgData name="Chia-jung Yeh" userId="f328d6f4-0757-42dc-943f-c4685e047ee8" providerId="ADAL" clId="{03E5F488-4AE7-44EC-BCC8-445D3528E1AB}" dt="2023-09-06T04:45:36.722" v="335" actId="571"/>
+          <ac:spMkLst>
+            <pc:docMk/>
+            <pc:sldMk cId="908935971" sldId="258"/>
+            <ac:spMk id="127" creationId="{282AB228-E961-3549-4003-03BA2EA4A1EC}"/>
+          </ac:spMkLst>
+        </pc:spChg>
+        <pc:spChg chg="add mod ord">
+          <ac:chgData name="Chia-jung Yeh" userId="f328d6f4-0757-42dc-943f-c4685e047ee8" providerId="ADAL" clId="{03E5F488-4AE7-44EC-BCC8-445D3528E1AB}" dt="2023-09-06T05:07:27.195" v="526" actId="1076"/>
+          <ac:spMkLst>
+            <pc:docMk/>
+            <pc:sldMk cId="908935971" sldId="258"/>
+            <ac:spMk id="128" creationId="{4A10F197-6492-EEB4-F445-B3B39C5440B4}"/>
+          </ac:spMkLst>
+        </pc:spChg>
+        <pc:spChg chg="add mod ord">
+          <ac:chgData name="Chia-jung Yeh" userId="f328d6f4-0757-42dc-943f-c4685e047ee8" providerId="ADAL" clId="{03E5F488-4AE7-44EC-BCC8-445D3528E1AB}" dt="2023-09-06T05:07:27.195" v="526" actId="1076"/>
+          <ac:spMkLst>
+            <pc:docMk/>
+            <pc:sldMk cId="908935971" sldId="258"/>
+            <ac:spMk id="129" creationId="{C7ED75B0-536C-88B7-1E3B-2E8721BEE356}"/>
+          </ac:spMkLst>
+        </pc:spChg>
+        <pc:spChg chg="add mod">
+          <ac:chgData name="Chia-jung Yeh" userId="f328d6f4-0757-42dc-943f-c4685e047ee8" providerId="ADAL" clId="{03E5F488-4AE7-44EC-BCC8-445D3528E1AB}" dt="2023-09-06T04:46:52.107" v="386" actId="571"/>
+          <ac:spMkLst>
+            <pc:docMk/>
+            <pc:sldMk cId="908935971" sldId="258"/>
+            <ac:spMk id="130" creationId="{46E28084-3F29-4003-4E09-88CDD41C885F}"/>
+          </ac:spMkLst>
+        </pc:spChg>
+        <pc:spChg chg="add mod ord">
+          <ac:chgData name="Chia-jung Yeh" userId="f328d6f4-0757-42dc-943f-c4685e047ee8" providerId="ADAL" clId="{03E5F488-4AE7-44EC-BCC8-445D3528E1AB}" dt="2023-09-06T05:07:27.195" v="526" actId="1076"/>
+          <ac:spMkLst>
+            <pc:docMk/>
+            <pc:sldMk cId="908935971" sldId="258"/>
+            <ac:spMk id="131" creationId="{CC8107D0-0F2C-29BC-9E1E-6563A73B5277}"/>
+          </ac:spMkLst>
+        </pc:spChg>
+        <pc:spChg chg="add del mod">
+          <ac:chgData name="Chia-jung Yeh" userId="f328d6f4-0757-42dc-943f-c4685e047ee8" providerId="ADAL" clId="{03E5F488-4AE7-44EC-BCC8-445D3528E1AB}" dt="2023-09-06T04:55:55.637" v="400" actId="478"/>
+          <ac:spMkLst>
+            <pc:docMk/>
+            <pc:sldMk cId="908935971" sldId="258"/>
+            <ac:spMk id="132" creationId="{FF0023A8-FC5D-71D7-753B-BD42982EC2A1}"/>
+          </ac:spMkLst>
+        </pc:spChg>
+        <pc:spChg chg="add mod">
+          <ac:chgData name="Chia-jung Yeh" userId="f328d6f4-0757-42dc-943f-c4685e047ee8" providerId="ADAL" clId="{03E5F488-4AE7-44EC-BCC8-445D3528E1AB}" dt="2023-09-06T05:00:29.558" v="410" actId="571"/>
+          <ac:spMkLst>
+            <pc:docMk/>
+            <pc:sldMk cId="908935971" sldId="258"/>
+            <ac:spMk id="133" creationId="{67BC267B-DBC8-8B20-E32B-0C604EF28184}"/>
+          </ac:spMkLst>
+        </pc:spChg>
+        <pc:spChg chg="add mod">
+          <ac:chgData name="Chia-jung Yeh" userId="f328d6f4-0757-42dc-943f-c4685e047ee8" providerId="ADAL" clId="{03E5F488-4AE7-44EC-BCC8-445D3528E1AB}" dt="2023-09-06T05:00:29.558" v="410" actId="571"/>
+          <ac:spMkLst>
+            <pc:docMk/>
+            <pc:sldMk cId="908935971" sldId="258"/>
+            <ac:spMk id="135" creationId="{DAD4716A-7EEA-2584-9F3D-0F9702AEFD04}"/>
+          </ac:spMkLst>
+        </pc:spChg>
+        <pc:spChg chg="add mod">
+          <ac:chgData name="Chia-jung Yeh" userId="f328d6f4-0757-42dc-943f-c4685e047ee8" providerId="ADAL" clId="{03E5F488-4AE7-44EC-BCC8-445D3528E1AB}" dt="2023-09-06T05:00:29.558" v="410" actId="571"/>
+          <ac:spMkLst>
+            <pc:docMk/>
+            <pc:sldMk cId="908935971" sldId="258"/>
+            <ac:spMk id="136" creationId="{17C27C44-AE2A-90F4-AFB5-C522A481ECA2}"/>
+          </ac:spMkLst>
+        </pc:spChg>
+        <pc:spChg chg="add mod">
+          <ac:chgData name="Chia-jung Yeh" userId="f328d6f4-0757-42dc-943f-c4685e047ee8" providerId="ADAL" clId="{03E5F488-4AE7-44EC-BCC8-445D3528E1AB}" dt="2023-09-06T05:00:29.558" v="410" actId="571"/>
+          <ac:spMkLst>
+            <pc:docMk/>
+            <pc:sldMk cId="908935971" sldId="258"/>
+            <ac:spMk id="137" creationId="{290CDA8C-57C9-01AB-3C79-3C8F478FAAA5}"/>
+          </ac:spMkLst>
+        </pc:spChg>
+        <pc:spChg chg="add del mod">
+          <ac:chgData name="Chia-jung Yeh" userId="f328d6f4-0757-42dc-943f-c4685e047ee8" providerId="ADAL" clId="{03E5F488-4AE7-44EC-BCC8-445D3528E1AB}" dt="2023-09-06T05:01:38.249" v="433" actId="478"/>
+          <ac:spMkLst>
+            <pc:docMk/>
+            <pc:sldMk cId="908935971" sldId="258"/>
+            <ac:spMk id="138" creationId="{6A24B80C-AAF1-3B9B-FFE0-F3B9733B7614}"/>
+          </ac:spMkLst>
+        </pc:spChg>
+        <pc:spChg chg="add del mod">
+          <ac:chgData name="Chia-jung Yeh" userId="f328d6f4-0757-42dc-943f-c4685e047ee8" providerId="ADAL" clId="{03E5F488-4AE7-44EC-BCC8-445D3528E1AB}" dt="2023-09-06T05:01:38.249" v="433" actId="478"/>
+          <ac:spMkLst>
+            <pc:docMk/>
+            <pc:sldMk cId="908935971" sldId="258"/>
+            <ac:spMk id="139" creationId="{45834C2E-E553-A826-AC99-A96274C87C03}"/>
+          </ac:spMkLst>
+        </pc:spChg>
+        <pc:spChg chg="add mod">
+          <ac:chgData name="Chia-jung Yeh" userId="f328d6f4-0757-42dc-943f-c4685e047ee8" providerId="ADAL" clId="{03E5F488-4AE7-44EC-BCC8-445D3528E1AB}" dt="2023-09-06T05:00:29.558" v="410" actId="571"/>
+          <ac:spMkLst>
+            <pc:docMk/>
+            <pc:sldMk cId="908935971" sldId="258"/>
+            <ac:spMk id="141" creationId="{38F305DD-D53B-5320-0CEC-F9D8755A1759}"/>
+          </ac:spMkLst>
+        </pc:spChg>
+        <pc:spChg chg="add mod">
+          <ac:chgData name="Chia-jung Yeh" userId="f328d6f4-0757-42dc-943f-c4685e047ee8" providerId="ADAL" clId="{03E5F488-4AE7-44EC-BCC8-445D3528E1AB}" dt="2023-09-06T05:00:29.558" v="410" actId="571"/>
+          <ac:spMkLst>
+            <pc:docMk/>
+            <pc:sldMk cId="908935971" sldId="258"/>
+            <ac:spMk id="142" creationId="{F0AED5A3-1E9B-EE10-B686-3526AD0BF817}"/>
+          </ac:spMkLst>
+        </pc:spChg>
+        <pc:spChg chg="add mod">
+          <ac:chgData name="Chia-jung Yeh" userId="f328d6f4-0757-42dc-943f-c4685e047ee8" providerId="ADAL" clId="{03E5F488-4AE7-44EC-BCC8-445D3528E1AB}" dt="2023-09-06T05:00:29.558" v="410" actId="571"/>
+          <ac:spMkLst>
+            <pc:docMk/>
+            <pc:sldMk cId="908935971" sldId="258"/>
+            <ac:spMk id="143" creationId="{4B1FC4B4-CF70-05C2-7BB0-BD2857FEF4E4}"/>
+          </ac:spMkLst>
+        </pc:spChg>
+        <pc:spChg chg="add del mod">
+          <ac:chgData name="Chia-jung Yeh" userId="f328d6f4-0757-42dc-943f-c4685e047ee8" providerId="ADAL" clId="{03E5F488-4AE7-44EC-BCC8-445D3528E1AB}" dt="2023-09-06T05:01:38.249" v="433" actId="478"/>
+          <ac:spMkLst>
+            <pc:docMk/>
+            <pc:sldMk cId="908935971" sldId="258"/>
+            <ac:spMk id="144" creationId="{164C8B57-2C1E-B9F0-D1CD-561C9CE7262A}"/>
+          </ac:spMkLst>
+        </pc:spChg>
+        <pc:spChg chg="add del mod ord">
+          <ac:chgData name="Chia-jung Yeh" userId="f328d6f4-0757-42dc-943f-c4685e047ee8" providerId="ADAL" clId="{03E5F488-4AE7-44EC-BCC8-445D3528E1AB}" dt="2023-09-06T05:06:18.397" v="511" actId="478"/>
+          <ac:spMkLst>
+            <pc:docMk/>
+            <pc:sldMk cId="908935971" sldId="258"/>
+            <ac:spMk id="146" creationId="{F7AE6493-2E0F-8719-C9E2-FBD93C67CE4A}"/>
+          </ac:spMkLst>
+        </pc:spChg>
+        <pc:spChg chg="add del mod ord">
+          <ac:chgData name="Chia-jung Yeh" userId="f328d6f4-0757-42dc-943f-c4685e047ee8" providerId="ADAL" clId="{03E5F488-4AE7-44EC-BCC8-445D3528E1AB}" dt="2023-09-06T05:06:12.757" v="508" actId="478"/>
+          <ac:spMkLst>
+            <pc:docMk/>
+            <pc:sldMk cId="908935971" sldId="258"/>
+            <ac:spMk id="148" creationId="{400B3F44-BD3E-610C-E0F3-76E617FAAE70}"/>
+          </ac:spMkLst>
+        </pc:spChg>
+        <pc:spChg chg="add del mod ord">
+          <ac:chgData name="Chia-jung Yeh" userId="f328d6f4-0757-42dc-943f-c4685e047ee8" providerId="ADAL" clId="{03E5F488-4AE7-44EC-BCC8-445D3528E1AB}" dt="2023-09-06T05:06:12.757" v="508" actId="478"/>
+          <ac:spMkLst>
+            <pc:docMk/>
+            <pc:sldMk cId="908935971" sldId="258"/>
+            <ac:spMk id="149" creationId="{6A58E83E-71E2-4A0C-4E41-C07C61D5AB3C}"/>
+          </ac:spMkLst>
+        </pc:spChg>
+        <pc:spChg chg="add del mod ord">
+          <ac:chgData name="Chia-jung Yeh" userId="f328d6f4-0757-42dc-943f-c4685e047ee8" providerId="ADAL" clId="{03E5F488-4AE7-44EC-BCC8-445D3528E1AB}" dt="2023-09-06T05:06:12.757" v="508" actId="478"/>
+          <ac:spMkLst>
+            <pc:docMk/>
+            <pc:sldMk cId="908935971" sldId="258"/>
+            <ac:spMk id="150" creationId="{59A944A8-0D92-F5A8-810B-B38CB482ABA8}"/>
+          </ac:spMkLst>
+        </pc:spChg>
+        <pc:spChg chg="add del mod">
+          <ac:chgData name="Chia-jung Yeh" userId="f328d6f4-0757-42dc-943f-c4685e047ee8" providerId="ADAL" clId="{03E5F488-4AE7-44EC-BCC8-445D3528E1AB}" dt="2023-09-06T05:02:26.005" v="460" actId="478"/>
+          <ac:spMkLst>
+            <pc:docMk/>
+            <pc:sldMk cId="908935971" sldId="258"/>
+            <ac:spMk id="151" creationId="{B6F1D529-BEDD-51A9-1B62-567BBD510938}"/>
+          </ac:spMkLst>
+        </pc:spChg>
+        <pc:spChg chg="add del mod">
+          <ac:chgData name="Chia-jung Yeh" userId="f328d6f4-0757-42dc-943f-c4685e047ee8" providerId="ADAL" clId="{03E5F488-4AE7-44EC-BCC8-445D3528E1AB}" dt="2023-09-06T05:02:27.335" v="461" actId="478"/>
+          <ac:spMkLst>
+            <pc:docMk/>
+            <pc:sldMk cId="908935971" sldId="258"/>
+            <ac:spMk id="152" creationId="{951FE5F7-44C4-B3A9-D5AF-2F61C6813B55}"/>
+          </ac:spMkLst>
+        </pc:spChg>
+        <pc:spChg chg="add del mod">
+          <ac:chgData name="Chia-jung Yeh" userId="f328d6f4-0757-42dc-943f-c4685e047ee8" providerId="ADAL" clId="{03E5F488-4AE7-44EC-BCC8-445D3528E1AB}" dt="2023-09-06T05:02:28.892" v="464" actId="478"/>
+          <ac:spMkLst>
+            <pc:docMk/>
+            <pc:sldMk cId="908935971" sldId="258"/>
+            <ac:spMk id="153" creationId="{917BB7DC-7976-0041-00D5-70A4D2159702}"/>
+          </ac:spMkLst>
+        </pc:spChg>
+        <pc:spChg chg="add del mod ord">
+          <ac:chgData name="Chia-jung Yeh" userId="f328d6f4-0757-42dc-943f-c4685e047ee8" providerId="ADAL" clId="{03E5F488-4AE7-44EC-BCC8-445D3528E1AB}" dt="2023-09-06T05:06:12.757" v="508" actId="478"/>
+          <ac:spMkLst>
+            <pc:docMk/>
+            <pc:sldMk cId="908935971" sldId="258"/>
+            <ac:spMk id="154" creationId="{9B70305D-3CAC-59C0-EF44-F5128C687334}"/>
+          </ac:spMkLst>
+        </pc:spChg>
+        <pc:spChg chg="add del mod ord">
+          <ac:chgData name="Chia-jung Yeh" userId="f328d6f4-0757-42dc-943f-c4685e047ee8" providerId="ADAL" clId="{03E5F488-4AE7-44EC-BCC8-445D3528E1AB}" dt="2023-09-06T05:06:12.757" v="508" actId="478"/>
+          <ac:spMkLst>
+            <pc:docMk/>
+            <pc:sldMk cId="908935971" sldId="258"/>
+            <ac:spMk id="156" creationId="{F2A66A4A-EB66-61AA-4617-4C6F4C74A76C}"/>
+          </ac:spMkLst>
+        </pc:spChg>
+        <pc:spChg chg="add del mod ord">
+          <ac:chgData name="Chia-jung Yeh" userId="f328d6f4-0757-42dc-943f-c4685e047ee8" providerId="ADAL" clId="{03E5F488-4AE7-44EC-BCC8-445D3528E1AB}" dt="2023-09-06T05:06:12.757" v="508" actId="478"/>
+          <ac:spMkLst>
+            <pc:docMk/>
+            <pc:sldMk cId="908935971" sldId="258"/>
+            <ac:spMk id="158" creationId="{4A65EA4E-C280-1163-036D-9162367908D1}"/>
+          </ac:spMkLst>
+        </pc:spChg>
+        <pc:spChg chg="add del mod">
+          <ac:chgData name="Chia-jung Yeh" userId="f328d6f4-0757-42dc-943f-c4685e047ee8" providerId="ADAL" clId="{03E5F488-4AE7-44EC-BCC8-445D3528E1AB}" dt="2023-09-06T05:06:59.357" v="518" actId="478"/>
+          <ac:spMkLst>
+            <pc:docMk/>
+            <pc:sldMk cId="908935971" sldId="258"/>
+            <ac:spMk id="160" creationId="{CD0B7CB5-F36E-E9C9-B221-B9F639114722}"/>
+          </ac:spMkLst>
+        </pc:spChg>
+        <pc:spChg chg="add del mod">
+          <ac:chgData name="Chia-jung Yeh" userId="f328d6f4-0757-42dc-943f-c4685e047ee8" providerId="ADAL" clId="{03E5F488-4AE7-44EC-BCC8-445D3528E1AB}" dt="2023-09-06T05:02:40.906" v="468" actId="478"/>
+          <ac:spMkLst>
+            <pc:docMk/>
+            <pc:sldMk cId="908935971" sldId="258"/>
+            <ac:spMk id="162" creationId="{884E64C1-E5C4-A53E-DDDB-830657433309}"/>
+          </ac:spMkLst>
+        </pc:spChg>
+        <pc:spChg chg="add del mod">
+          <ac:chgData name="Chia-jung Yeh" userId="f328d6f4-0757-42dc-943f-c4685e047ee8" providerId="ADAL" clId="{03E5F488-4AE7-44EC-BCC8-445D3528E1AB}" dt="2023-09-06T05:02:41.541" v="469" actId="478"/>
+          <ac:spMkLst>
+            <pc:docMk/>
+            <pc:sldMk cId="908935971" sldId="258"/>
+            <ac:spMk id="163" creationId="{A8E369CA-C708-B006-DF66-AF48AEBCD369}"/>
+          </ac:spMkLst>
+        </pc:spChg>
+        <pc:spChg chg="add del mod">
+          <ac:chgData name="Chia-jung Yeh" userId="f328d6f4-0757-42dc-943f-c4685e047ee8" providerId="ADAL" clId="{03E5F488-4AE7-44EC-BCC8-445D3528E1AB}" dt="2023-09-06T05:02:42.122" v="470" actId="478"/>
+          <ac:spMkLst>
+            <pc:docMk/>
+            <pc:sldMk cId="908935971" sldId="258"/>
+            <ac:spMk id="164" creationId="{3662AE64-F14D-BD08-8839-5A3195BE9129}"/>
+          </ac:spMkLst>
+        </pc:spChg>
+        <pc:spChg chg="add del mod">
+          <ac:chgData name="Chia-jung Yeh" userId="f328d6f4-0757-42dc-943f-c4685e047ee8" providerId="ADAL" clId="{03E5F488-4AE7-44EC-BCC8-445D3528E1AB}" dt="2023-09-06T05:06:58.969" v="517" actId="478"/>
+          <ac:spMkLst>
+            <pc:docMk/>
+            <pc:sldMk cId="908935971" sldId="258"/>
+            <ac:spMk id="165" creationId="{697BD1D7-4B3C-3D0D-4301-BBAF72F6A77D}"/>
+          </ac:spMkLst>
+        </pc:spChg>
+        <pc:spChg chg="add del mod">
+          <ac:chgData name="Chia-jung Yeh" userId="f328d6f4-0757-42dc-943f-c4685e047ee8" providerId="ADAL" clId="{03E5F488-4AE7-44EC-BCC8-445D3528E1AB}" dt="2023-09-06T05:06:58.969" v="517" actId="478"/>
+          <ac:spMkLst>
+            <pc:docMk/>
+            <pc:sldMk cId="908935971" sldId="258"/>
+            <ac:spMk id="166" creationId="{69663AE9-7AE4-0863-36A0-B8B582B4918B}"/>
+          </ac:spMkLst>
+        </pc:spChg>
+        <pc:spChg chg="add del mod">
+          <ac:chgData name="Chia-jung Yeh" userId="f328d6f4-0757-42dc-943f-c4685e047ee8" providerId="ADAL" clId="{03E5F488-4AE7-44EC-BCC8-445D3528E1AB}" dt="2023-09-06T05:06:58.969" v="517" actId="478"/>
+          <ac:spMkLst>
+            <pc:docMk/>
+            <pc:sldMk cId="908935971" sldId="258"/>
+            <ac:spMk id="167" creationId="{A6A3D776-0787-5CE4-2202-876D73D27A05}"/>
+          </ac:spMkLst>
+        </pc:spChg>
+        <pc:spChg chg="add del mod">
+          <ac:chgData name="Chia-jung Yeh" userId="f328d6f4-0757-42dc-943f-c4685e047ee8" providerId="ADAL" clId="{03E5F488-4AE7-44EC-BCC8-445D3528E1AB}" dt="2023-09-06T05:06:58.969" v="517" actId="478"/>
+          <ac:spMkLst>
+            <pc:docMk/>
+            <pc:sldMk cId="908935971" sldId="258"/>
+            <ac:spMk id="168" creationId="{99D320E5-35CD-5E51-719C-BA353058D352}"/>
+          </ac:spMkLst>
+        </pc:spChg>
+        <pc:spChg chg="add del mod">
+          <ac:chgData name="Chia-jung Yeh" userId="f328d6f4-0757-42dc-943f-c4685e047ee8" providerId="ADAL" clId="{03E5F488-4AE7-44EC-BCC8-445D3528E1AB}" dt="2023-09-06T05:06:58.969" v="517" actId="478"/>
+          <ac:spMkLst>
+            <pc:docMk/>
+            <pc:sldMk cId="908935971" sldId="258"/>
+            <ac:spMk id="169" creationId="{E702E40C-57D8-8E3E-D9C4-8B51CE4F6C6F}"/>
+          </ac:spMkLst>
+        </pc:spChg>
+        <pc:spChg chg="add del mod">
+          <ac:chgData name="Chia-jung Yeh" userId="f328d6f4-0757-42dc-943f-c4685e047ee8" providerId="ADAL" clId="{03E5F488-4AE7-44EC-BCC8-445D3528E1AB}" dt="2023-09-06T05:06:58.969" v="517" actId="478"/>
+          <ac:spMkLst>
+            <pc:docMk/>
+            <pc:sldMk cId="908935971" sldId="258"/>
+            <ac:spMk id="170" creationId="{3FE2E280-E07E-4FBE-F9B5-AF42266155EC}"/>
+          </ac:spMkLst>
+        </pc:spChg>
+        <pc:spChg chg="add mod">
+          <ac:chgData name="Chia-jung Yeh" userId="f328d6f4-0757-42dc-943f-c4685e047ee8" providerId="ADAL" clId="{03E5F488-4AE7-44EC-BCC8-445D3528E1AB}" dt="2023-09-06T05:04:40.091" v="491" actId="571"/>
+          <ac:spMkLst>
+            <pc:docMk/>
+            <pc:sldMk cId="908935971" sldId="258"/>
+            <ac:spMk id="172" creationId="{C9A6DB80-B250-5CFD-3E0A-1B26DCC1D62A}"/>
+          </ac:spMkLst>
+        </pc:spChg>
+        <pc:spChg chg="add mod">
+          <ac:chgData name="Chia-jung Yeh" userId="f328d6f4-0757-42dc-943f-c4685e047ee8" providerId="ADAL" clId="{03E5F488-4AE7-44EC-BCC8-445D3528E1AB}" dt="2023-09-06T05:04:40.091" v="491" actId="571"/>
+          <ac:spMkLst>
+            <pc:docMk/>
+            <pc:sldMk cId="908935971" sldId="258"/>
+            <ac:spMk id="174" creationId="{E6164B2D-EA13-3B07-3FF3-217D635895A8}"/>
+          </ac:spMkLst>
+        </pc:spChg>
+        <pc:spChg chg="add mod">
+          <ac:chgData name="Chia-jung Yeh" userId="f328d6f4-0757-42dc-943f-c4685e047ee8" providerId="ADAL" clId="{03E5F488-4AE7-44EC-BCC8-445D3528E1AB}" dt="2023-09-06T05:04:40.091" v="491" actId="571"/>
+          <ac:spMkLst>
+            <pc:docMk/>
+            <pc:sldMk cId="908935971" sldId="258"/>
+            <ac:spMk id="175" creationId="{98F13200-2EC0-ECD9-48D5-52C070F16E37}"/>
+          </ac:spMkLst>
+        </pc:spChg>
+        <pc:spChg chg="add mod">
+          <ac:chgData name="Chia-jung Yeh" userId="f328d6f4-0757-42dc-943f-c4685e047ee8" providerId="ADAL" clId="{03E5F488-4AE7-44EC-BCC8-445D3528E1AB}" dt="2023-09-06T05:04:40.091" v="491" actId="571"/>
+          <ac:spMkLst>
+            <pc:docMk/>
+            <pc:sldMk cId="908935971" sldId="258"/>
+            <ac:spMk id="176" creationId="{164E8829-D84E-24A8-E359-06DC9F1461F8}"/>
+          </ac:spMkLst>
+        </pc:spChg>
+        <pc:spChg chg="add mod ord">
+          <ac:chgData name="Chia-jung Yeh" userId="f328d6f4-0757-42dc-943f-c4685e047ee8" providerId="ADAL" clId="{03E5F488-4AE7-44EC-BCC8-445D3528E1AB}" dt="2023-09-06T05:07:07.494" v="519" actId="167"/>
+          <ac:spMkLst>
+            <pc:docMk/>
+            <pc:sldMk cId="908935971" sldId="258"/>
+            <ac:spMk id="177" creationId="{5A793BF2-B65F-F148-F66E-315168C7FFE9}"/>
+          </ac:spMkLst>
+        </pc:spChg>
+        <pc:spChg chg="add del mod ord">
+          <ac:chgData name="Chia-jung Yeh" userId="f328d6f4-0757-42dc-943f-c4685e047ee8" providerId="ADAL" clId="{03E5F488-4AE7-44EC-BCC8-445D3528E1AB}" dt="2023-09-06T05:06:07.001" v="506" actId="167"/>
+          <ac:spMkLst>
+            <pc:docMk/>
+            <pc:sldMk cId="908935971" sldId="258"/>
+            <ac:spMk id="178" creationId="{0128ED80-2470-50F1-B805-EC11ECADC485}"/>
+          </ac:spMkLst>
+        </pc:spChg>
+        <pc:spChg chg="add mod ord">
+          <ac:chgData name="Chia-jung Yeh" userId="f328d6f4-0757-42dc-943f-c4685e047ee8" providerId="ADAL" clId="{03E5F488-4AE7-44EC-BCC8-445D3528E1AB}" dt="2023-09-06T05:07:07.494" v="519" actId="167"/>
+          <ac:spMkLst>
+            <pc:docMk/>
+            <pc:sldMk cId="908935971" sldId="258"/>
+            <ac:spMk id="179" creationId="{14391C2B-1A3B-E16D-B098-71348BB70078}"/>
+          </ac:spMkLst>
+        </pc:spChg>
+        <pc:spChg chg="add mod">
+          <ac:chgData name="Chia-jung Yeh" userId="f328d6f4-0757-42dc-943f-c4685e047ee8" providerId="ADAL" clId="{03E5F488-4AE7-44EC-BCC8-445D3528E1AB}" dt="2023-09-06T05:04:40.091" v="491" actId="571"/>
+          <ac:spMkLst>
+            <pc:docMk/>
+            <pc:sldMk cId="908935971" sldId="258"/>
+            <ac:spMk id="180" creationId="{39911AAE-4BCA-F6DF-A49D-E32E9AEA7465}"/>
+          </ac:spMkLst>
+        </pc:spChg>
+        <pc:spChg chg="add mod">
+          <ac:chgData name="Chia-jung Yeh" userId="f328d6f4-0757-42dc-943f-c4685e047ee8" providerId="ADAL" clId="{03E5F488-4AE7-44EC-BCC8-445D3528E1AB}" dt="2023-09-06T05:04:40.091" v="491" actId="571"/>
+          <ac:spMkLst>
+            <pc:docMk/>
+            <pc:sldMk cId="908935971" sldId="258"/>
+            <ac:spMk id="182" creationId="{360F9966-6B0E-45A1-1E52-46C63C04AA15}"/>
+          </ac:spMkLst>
+        </pc:spChg>
+        <pc:spChg chg="add mod">
+          <ac:chgData name="Chia-jung Yeh" userId="f328d6f4-0757-42dc-943f-c4685e047ee8" providerId="ADAL" clId="{03E5F488-4AE7-44EC-BCC8-445D3528E1AB}" dt="2023-09-06T05:04:40.091" v="491" actId="571"/>
+          <ac:spMkLst>
+            <pc:docMk/>
+            <pc:sldMk cId="908935971" sldId="258"/>
+            <ac:spMk id="184" creationId="{F4C84F43-C381-7B2E-1015-98CDC580778D}"/>
+          </ac:spMkLst>
+        </pc:spChg>
+        <pc:spChg chg="add del mod">
+          <ac:chgData name="Chia-jung Yeh" userId="f328d6f4-0757-42dc-943f-c4685e047ee8" providerId="ADAL" clId="{03E5F488-4AE7-44EC-BCC8-445D3528E1AB}" dt="2023-09-06T05:06:16.259" v="510" actId="478"/>
+          <ac:spMkLst>
+            <pc:docMk/>
+            <pc:sldMk cId="908935971" sldId="258"/>
+            <ac:spMk id="186" creationId="{21D0AA44-E134-7488-7A4F-9C36C1E32B0B}"/>
+          </ac:spMkLst>
+        </pc:spChg>
+        <pc:spChg chg="add mod">
+          <ac:chgData name="Chia-jung Yeh" userId="f328d6f4-0757-42dc-943f-c4685e047ee8" providerId="ADAL" clId="{03E5F488-4AE7-44EC-BCC8-445D3528E1AB}" dt="2023-09-06T05:06:33.739" v="513" actId="571"/>
+          <ac:spMkLst>
+            <pc:docMk/>
+            <pc:sldMk cId="908935971" sldId="258"/>
+            <ac:spMk id="188" creationId="{6CB36A2C-F879-4F08-908C-C2B515E9573E}"/>
+          </ac:spMkLst>
+        </pc:spChg>
+        <pc:spChg chg="add mod">
+          <ac:chgData name="Chia-jung Yeh" userId="f328d6f4-0757-42dc-943f-c4685e047ee8" providerId="ADAL" clId="{03E5F488-4AE7-44EC-BCC8-445D3528E1AB}" dt="2023-09-06T05:06:50.875" v="515" actId="571"/>
+          <ac:spMkLst>
+            <pc:docMk/>
+            <pc:sldMk cId="908935971" sldId="258"/>
+            <ac:spMk id="189" creationId="{778B7C97-627D-3E15-5436-821CED2D067C}"/>
+          </ac:spMkLst>
+        </pc:spChg>
+        <pc:spChg chg="add mod">
+          <ac:chgData name="Chia-jung Yeh" userId="f328d6f4-0757-42dc-943f-c4685e047ee8" providerId="ADAL" clId="{03E5F488-4AE7-44EC-BCC8-445D3528E1AB}" dt="2023-09-06T05:06:50.875" v="515" actId="571"/>
+          <ac:spMkLst>
+            <pc:docMk/>
+            <pc:sldMk cId="908935971" sldId="258"/>
+            <ac:spMk id="190" creationId="{CE2D392C-22F8-E285-6D65-53FA702E55E6}"/>
+          </ac:spMkLst>
+        </pc:spChg>
+        <pc:spChg chg="add mod">
+          <ac:chgData name="Chia-jung Yeh" userId="f328d6f4-0757-42dc-943f-c4685e047ee8" providerId="ADAL" clId="{03E5F488-4AE7-44EC-BCC8-445D3528E1AB}" dt="2023-09-06T05:06:50.875" v="515" actId="571"/>
+          <ac:spMkLst>
+            <pc:docMk/>
+            <pc:sldMk cId="908935971" sldId="258"/>
+            <ac:spMk id="191" creationId="{53497EF1-5DC2-F05D-5517-D6C8A23212FF}"/>
+          </ac:spMkLst>
+        </pc:spChg>
+        <pc:spChg chg="add mod">
+          <ac:chgData name="Chia-jung Yeh" userId="f328d6f4-0757-42dc-943f-c4685e047ee8" providerId="ADAL" clId="{03E5F488-4AE7-44EC-BCC8-445D3528E1AB}" dt="2023-09-06T05:06:50.875" v="515" actId="571"/>
+          <ac:spMkLst>
+            <pc:docMk/>
+            <pc:sldMk cId="908935971" sldId="258"/>
+            <ac:spMk id="192" creationId="{47C8B512-2CB7-C7AE-1283-916866946728}"/>
+          </ac:spMkLst>
+        </pc:spChg>
+        <pc:spChg chg="add mod">
+          <ac:chgData name="Chia-jung Yeh" userId="f328d6f4-0757-42dc-943f-c4685e047ee8" providerId="ADAL" clId="{03E5F488-4AE7-44EC-BCC8-445D3528E1AB}" dt="2023-09-06T05:07:09.751" v="520" actId="571"/>
+          <ac:spMkLst>
+            <pc:docMk/>
+            <pc:sldMk cId="908935971" sldId="258"/>
+            <ac:spMk id="193" creationId="{C18EB9D6-FEBD-5CD7-CBA0-666AE1617CBC}"/>
+          </ac:spMkLst>
+        </pc:spChg>
+        <pc:spChg chg="add mod">
+          <ac:chgData name="Chia-jung Yeh" userId="f328d6f4-0757-42dc-943f-c4685e047ee8" providerId="ADAL" clId="{03E5F488-4AE7-44EC-BCC8-445D3528E1AB}" dt="2023-09-06T05:07:09.751" v="520" actId="571"/>
+          <ac:spMkLst>
+            <pc:docMk/>
+            <pc:sldMk cId="908935971" sldId="258"/>
+            <ac:spMk id="194" creationId="{2BD40E0A-0AA0-6257-8FDE-7C01BFCB5444}"/>
+          </ac:spMkLst>
+        </pc:spChg>
+        <pc:spChg chg="add mod">
+          <ac:chgData name="Chia-jung Yeh" userId="f328d6f4-0757-42dc-943f-c4685e047ee8" providerId="ADAL" clId="{03E5F488-4AE7-44EC-BCC8-445D3528E1AB}" dt="2023-09-06T05:07:09.751" v="520" actId="571"/>
+          <ac:spMkLst>
+            <pc:docMk/>
+            <pc:sldMk cId="908935971" sldId="258"/>
+            <ac:spMk id="195" creationId="{0B75A8B0-8268-6020-E052-E9D9A53F473A}"/>
+          </ac:spMkLst>
+        </pc:spChg>
+        <pc:spChg chg="add mod">
+          <ac:chgData name="Chia-jung Yeh" userId="f328d6f4-0757-42dc-943f-c4685e047ee8" providerId="ADAL" clId="{03E5F488-4AE7-44EC-BCC8-445D3528E1AB}" dt="2023-09-06T05:07:09.751" v="520" actId="571"/>
+          <ac:spMkLst>
+            <pc:docMk/>
+            <pc:sldMk cId="908935971" sldId="258"/>
+            <ac:spMk id="196" creationId="{5A283689-D68C-C1C9-385A-FFC3D8CEC2DA}"/>
+          </ac:spMkLst>
+        </pc:spChg>
+        <pc:spChg chg="add del mod">
+          <ac:chgData name="Chia-jung Yeh" userId="f328d6f4-0757-42dc-943f-c4685e047ee8" providerId="ADAL" clId="{03E5F488-4AE7-44EC-BCC8-445D3528E1AB}" dt="2023-09-06T05:07:12.772" v="521" actId="478"/>
+          <ac:spMkLst>
+            <pc:docMk/>
+            <pc:sldMk cId="908935971" sldId="258"/>
+            <ac:spMk id="198" creationId="{58F3BA78-CD49-56F4-A8AD-91EF7C87E5C3}"/>
+          </ac:spMkLst>
+        </pc:spChg>
+        <pc:spChg chg="add del mod">
+          <ac:chgData name="Chia-jung Yeh" userId="f328d6f4-0757-42dc-943f-c4685e047ee8" providerId="ADAL" clId="{03E5F488-4AE7-44EC-BCC8-445D3528E1AB}" dt="2023-09-06T05:07:13.370" v="522" actId="478"/>
+          <ac:spMkLst>
+            <pc:docMk/>
+            <pc:sldMk cId="908935971" sldId="258"/>
+            <ac:spMk id="199" creationId="{A61550DA-C4AE-4895-EF56-BB2120D304F0}"/>
+          </ac:spMkLst>
+        </pc:spChg>
+        <pc:spChg chg="add del mod">
+          <ac:chgData name="Chia-jung Yeh" userId="f328d6f4-0757-42dc-943f-c4685e047ee8" providerId="ADAL" clId="{03E5F488-4AE7-44EC-BCC8-445D3528E1AB}" dt="2023-09-06T05:07:13.907" v="523" actId="478"/>
+          <ac:spMkLst>
+            <pc:docMk/>
+            <pc:sldMk cId="908935971" sldId="258"/>
+            <ac:spMk id="200" creationId="{CE80C98C-BEA4-6E6E-8F36-B1CCE0036753}"/>
+          </ac:spMkLst>
+        </pc:spChg>
+        <pc:spChg chg="add mod">
+          <ac:chgData name="Chia-jung Yeh" userId="f328d6f4-0757-42dc-943f-c4685e047ee8" providerId="ADAL" clId="{03E5F488-4AE7-44EC-BCC8-445D3528E1AB}" dt="2023-09-06T05:07:09.751" v="520" actId="571"/>
+          <ac:spMkLst>
+            <pc:docMk/>
+            <pc:sldMk cId="908935971" sldId="258"/>
+            <ac:spMk id="201" creationId="{C95BAA38-2FAB-20A0-6D7E-435EF12C78BC}"/>
+          </ac:spMkLst>
+        </pc:spChg>
+        <pc:spChg chg="add mod">
+          <ac:chgData name="Chia-jung Yeh" userId="f328d6f4-0757-42dc-943f-c4685e047ee8" providerId="ADAL" clId="{03E5F488-4AE7-44EC-BCC8-445D3528E1AB}" dt="2023-09-06T05:07:09.751" v="520" actId="571"/>
+          <ac:spMkLst>
+            <pc:docMk/>
+            <pc:sldMk cId="908935971" sldId="258"/>
+            <ac:spMk id="202" creationId="{8CAA3C7D-3AF0-7198-A5CC-AFFF931D47C3}"/>
+          </ac:spMkLst>
+        </pc:spChg>
+        <pc:spChg chg="add mod">
+          <ac:chgData name="Chia-jung Yeh" userId="f328d6f4-0757-42dc-943f-c4685e047ee8" providerId="ADAL" clId="{03E5F488-4AE7-44EC-BCC8-445D3528E1AB}" dt="2023-09-06T05:07:09.751" v="520" actId="571"/>
+          <ac:spMkLst>
+            <pc:docMk/>
+            <pc:sldMk cId="908935971" sldId="258"/>
+            <ac:spMk id="203" creationId="{D872A862-6477-B8B6-80F1-703914EDCE75}"/>
+          </ac:spMkLst>
+        </pc:spChg>
+        <pc:spChg chg="add mod">
+          <ac:chgData name="Chia-jung Yeh" userId="f328d6f4-0757-42dc-943f-c4685e047ee8" providerId="ADAL" clId="{03E5F488-4AE7-44EC-BCC8-445D3528E1AB}" dt="2023-09-06T05:07:09.751" v="520" actId="571"/>
+          <ac:spMkLst>
+            <pc:docMk/>
+            <pc:sldMk cId="908935971" sldId="258"/>
+            <ac:spMk id="204" creationId="{9E2E79AA-E9D4-880F-814D-3FF28ABE55CD}"/>
+          </ac:spMkLst>
+        </pc:spChg>
+        <pc:spChg chg="add mod">
+          <ac:chgData name="Chia-jung Yeh" userId="f328d6f4-0757-42dc-943f-c4685e047ee8" providerId="ADAL" clId="{03E5F488-4AE7-44EC-BCC8-445D3528E1AB}" dt="2023-09-06T05:07:09.751" v="520" actId="571"/>
+          <ac:spMkLst>
+            <pc:docMk/>
+            <pc:sldMk cId="908935971" sldId="258"/>
+            <ac:spMk id="205" creationId="{B9B24B5A-281B-49BE-43D8-BC4E0C226652}"/>
+          </ac:spMkLst>
+        </pc:spChg>
+        <pc:spChg chg="add mod">
+          <ac:chgData name="Chia-jung Yeh" userId="f328d6f4-0757-42dc-943f-c4685e047ee8" providerId="ADAL" clId="{03E5F488-4AE7-44EC-BCC8-445D3528E1AB}" dt="2023-09-06T05:07:09.751" v="520" actId="571"/>
+          <ac:spMkLst>
+            <pc:docMk/>
+            <pc:sldMk cId="908935971" sldId="258"/>
+            <ac:spMk id="206" creationId="{BC0C6A99-78D8-A00E-CD1D-108E29FE5CC9}"/>
+          </ac:spMkLst>
+        </pc:spChg>
+        <pc:spChg chg="add mod">
+          <ac:chgData name="Chia-jung Yeh" userId="f328d6f4-0757-42dc-943f-c4685e047ee8" providerId="ADAL" clId="{03E5F488-4AE7-44EC-BCC8-445D3528E1AB}" dt="2023-09-06T05:26:55.987" v="531"/>
+          <ac:spMkLst>
+            <pc:docMk/>
+            <pc:sldMk cId="908935971" sldId="258"/>
+            <ac:spMk id="207" creationId="{0989DF36-C570-FBC0-88DF-0BBEAB1E16E5}"/>
+          </ac:spMkLst>
+        </pc:spChg>
+        <pc:spChg chg="add mod">
+          <ac:chgData name="Chia-jung Yeh" userId="f328d6f4-0757-42dc-943f-c4685e047ee8" providerId="ADAL" clId="{03E5F488-4AE7-44EC-BCC8-445D3528E1AB}" dt="2023-09-06T05:30:19.919" v="611" actId="255"/>
+          <ac:spMkLst>
+            <pc:docMk/>
+            <pc:sldMk cId="908935971" sldId="258"/>
+            <ac:spMk id="208" creationId="{489ECCAC-B0D7-4D23-EAB0-AF006FB88AEB}"/>
+          </ac:spMkLst>
+        </pc:spChg>
+        <pc:spChg chg="add mod">
+          <ac:chgData name="Chia-jung Yeh" userId="f328d6f4-0757-42dc-943f-c4685e047ee8" providerId="ADAL" clId="{03E5F488-4AE7-44EC-BCC8-445D3528E1AB}" dt="2023-09-06T05:28:05.695" v="564" actId="571"/>
+          <ac:spMkLst>
+            <pc:docMk/>
+            <pc:sldMk cId="908935971" sldId="258"/>
+            <ac:spMk id="209" creationId="{D99C7068-24D0-2E6E-E11F-F8C05B522237}"/>
+          </ac:spMkLst>
+        </pc:spChg>
+        <pc:spChg chg="add mod">
+          <ac:chgData name="Chia-jung Yeh" userId="f328d6f4-0757-42dc-943f-c4685e047ee8" providerId="ADAL" clId="{03E5F488-4AE7-44EC-BCC8-445D3528E1AB}" dt="2023-09-06T05:28:03.816" v="561" actId="571"/>
+          <ac:spMkLst>
+            <pc:docMk/>
+            <pc:sldMk cId="908935971" sldId="258"/>
+            <ac:spMk id="210" creationId="{9180C259-193D-3155-DDF3-8C34DC382CF1}"/>
+          </ac:spMkLst>
+        </pc:spChg>
+        <pc:spChg chg="add mod">
+          <ac:chgData name="Chia-jung Yeh" userId="f328d6f4-0757-42dc-943f-c4685e047ee8" providerId="ADAL" clId="{03E5F488-4AE7-44EC-BCC8-445D3528E1AB}" dt="2023-09-06T05:30:19.919" v="611" actId="255"/>
+          <ac:spMkLst>
+            <pc:docMk/>
+            <pc:sldMk cId="908935971" sldId="258"/>
+            <ac:spMk id="211" creationId="{ABB54927-5268-FD83-E6C5-D0FEAFB8676A}"/>
+          </ac:spMkLst>
+        </pc:spChg>
+        <pc:spChg chg="add mod">
+          <ac:chgData name="Chia-jung Yeh" userId="f328d6f4-0757-42dc-943f-c4685e047ee8" providerId="ADAL" clId="{03E5F488-4AE7-44EC-BCC8-445D3528E1AB}" dt="2023-09-06T05:30:19.919" v="611" actId="255"/>
+          <ac:spMkLst>
+            <pc:docMk/>
+            <pc:sldMk cId="908935971" sldId="258"/>
+            <ac:spMk id="212" creationId="{8C77E5D0-9DB9-5608-1A19-432471CBD53E}"/>
+          </ac:spMkLst>
+        </pc:spChg>
+        <pc:spChg chg="add mod">
+          <ac:chgData name="Chia-jung Yeh" userId="f328d6f4-0757-42dc-943f-c4685e047ee8" providerId="ADAL" clId="{03E5F488-4AE7-44EC-BCC8-445D3528E1AB}" dt="2023-09-06T05:30:19.919" v="611" actId="255"/>
+          <ac:spMkLst>
+            <pc:docMk/>
+            <pc:sldMk cId="908935971" sldId="258"/>
+            <ac:spMk id="213" creationId="{99BC7EF5-1975-E5DB-7D12-50410256A690}"/>
+          </ac:spMkLst>
+        </pc:spChg>
+        <pc:cxnChg chg="add mod ord">
+          <ac:chgData name="Chia-jung Yeh" userId="f328d6f4-0757-42dc-943f-c4685e047ee8" providerId="ADAL" clId="{03E5F488-4AE7-44EC-BCC8-445D3528E1AB}" dt="2023-09-06T05:03:11.573" v="483" actId="166"/>
+          <ac:cxnSpMkLst>
+            <pc:docMk/>
+            <pc:sldMk cId="908935971" sldId="258"/>
+            <ac:cxnSpMk id="5" creationId="{1E76265B-28E2-77BF-08EF-B459D5CE20FF}"/>
+          </ac:cxnSpMkLst>
+        </pc:cxnChg>
+        <pc:cxnChg chg="add mod">
+          <ac:chgData name="Chia-jung Yeh" userId="f328d6f4-0757-42dc-943f-c4685e047ee8" providerId="ADAL" clId="{03E5F488-4AE7-44EC-BCC8-445D3528E1AB}" dt="2023-09-06T04:39:57.104" v="202" actId="571"/>
+          <ac:cxnSpMkLst>
+            <pc:docMk/>
+            <pc:sldMk cId="908935971" sldId="258"/>
+            <ac:cxnSpMk id="15" creationId="{2DFD86FE-99E7-9656-4BC1-B63C456DDFA4}"/>
+          </ac:cxnSpMkLst>
+        </pc:cxnChg>
+        <pc:cxnChg chg="add del mod">
+          <ac:chgData name="Chia-jung Yeh" userId="f328d6f4-0757-42dc-943f-c4685e047ee8" providerId="ADAL" clId="{03E5F488-4AE7-44EC-BCC8-445D3528E1AB}" dt="2023-09-06T05:01:38.249" v="433" actId="478"/>
+          <ac:cxnSpMkLst>
+            <pc:docMk/>
+            <pc:sldMk cId="908935971" sldId="258"/>
+            <ac:cxnSpMk id="23" creationId="{052D3D69-2274-BE61-E875-0E4D3B34A79F}"/>
+          </ac:cxnSpMkLst>
+        </pc:cxnChg>
+        <pc:cxnChg chg="add del mod">
+          <ac:chgData name="Chia-jung Yeh" userId="f328d6f4-0757-42dc-943f-c4685e047ee8" providerId="ADAL" clId="{03E5F488-4AE7-44EC-BCC8-445D3528E1AB}" dt="2023-09-06T04:44:13.613" v="295" actId="478"/>
+          <ac:cxnSpMkLst>
+            <pc:docMk/>
+            <pc:sldMk cId="908935971" sldId="258"/>
+            <ac:cxnSpMk id="31" creationId="{00EA3D98-BDC7-2DEC-1B91-3AD2321834A7}"/>
+          </ac:cxnSpMkLst>
+        </pc:cxnChg>
+        <pc:cxnChg chg="add del mod">
+          <ac:chgData name="Chia-jung Yeh" userId="f328d6f4-0757-42dc-943f-c4685e047ee8" providerId="ADAL" clId="{03E5F488-4AE7-44EC-BCC8-445D3528E1AB}" dt="2023-09-06T04:44:14.659" v="296" actId="478"/>
+          <ac:cxnSpMkLst>
+            <pc:docMk/>
+            <pc:sldMk cId="908935971" sldId="258"/>
+            <ac:cxnSpMk id="39" creationId="{79573E4D-AB5D-05D4-3AD1-B706891BEF21}"/>
+          </ac:cxnSpMkLst>
+        </pc:cxnChg>
+        <pc:cxnChg chg="add del mod">
+          <ac:chgData name="Chia-jung Yeh" userId="f328d6f4-0757-42dc-943f-c4685e047ee8" providerId="ADAL" clId="{03E5F488-4AE7-44EC-BCC8-445D3528E1AB}" dt="2023-09-06T04:42:00.745" v="259" actId="478"/>
+          <ac:cxnSpMkLst>
+            <pc:docMk/>
+            <pc:sldMk cId="908935971" sldId="258"/>
+            <ac:cxnSpMk id="49" creationId="{DE13B925-BCE5-2A66-FCBF-4364F75E2DA8}"/>
+          </ac:cxnSpMkLst>
+        </pc:cxnChg>
+        <pc:cxnChg chg="add del mod">
+          <ac:chgData name="Chia-jung Yeh" userId="f328d6f4-0757-42dc-943f-c4685e047ee8" providerId="ADAL" clId="{03E5F488-4AE7-44EC-BCC8-445D3528E1AB}" dt="2023-09-06T04:42:00.745" v="259" actId="478"/>
+          <ac:cxnSpMkLst>
+            <pc:docMk/>
+            <pc:sldMk cId="908935971" sldId="258"/>
+            <ac:cxnSpMk id="57" creationId="{894F34C9-2111-B988-E6B0-4E795A224E9D}"/>
+          </ac:cxnSpMkLst>
+        </pc:cxnChg>
+        <pc:cxnChg chg="add mod ord">
+          <ac:chgData name="Chia-jung Yeh" userId="f328d6f4-0757-42dc-943f-c4685e047ee8" providerId="ADAL" clId="{03E5F488-4AE7-44EC-BCC8-445D3528E1AB}" dt="2023-09-06T05:00:59.129" v="424" actId="1036"/>
+          <ac:cxnSpMkLst>
+            <pc:docMk/>
+            <pc:sldMk cId="908935971" sldId="258"/>
+            <ac:cxnSpMk id="65" creationId="{F6BAC0E7-D45A-389B-3689-3D413E52D3CF}"/>
+          </ac:cxnSpMkLst>
+        </pc:cxnChg>
+        <pc:cxnChg chg="add mod ord">
+          <ac:chgData name="Chia-jung Yeh" userId="f328d6f4-0757-42dc-943f-c4685e047ee8" providerId="ADAL" clId="{03E5F488-4AE7-44EC-BCC8-445D3528E1AB}" dt="2023-09-06T05:01:22.608" v="429" actId="1076"/>
+          <ac:cxnSpMkLst>
+            <pc:docMk/>
+            <pc:sldMk cId="908935971" sldId="258"/>
+            <ac:cxnSpMk id="66" creationId="{6229606E-76E9-1139-E88C-77523B05BFD3}"/>
+          </ac:cxnSpMkLst>
+        </pc:cxnChg>
+        <pc:cxnChg chg="add mod ord">
+          <ac:chgData name="Chia-jung Yeh" userId="f328d6f4-0757-42dc-943f-c4685e047ee8" providerId="ADAL" clId="{03E5F488-4AE7-44EC-BCC8-445D3528E1AB}" dt="2023-09-06T05:01:36.346" v="432" actId="1076"/>
+          <ac:cxnSpMkLst>
+            <pc:docMk/>
+            <pc:sldMk cId="908935971" sldId="258"/>
+            <ac:cxnSpMk id="71" creationId="{92250442-9E4B-8697-E145-04AD819CC916}"/>
+          </ac:cxnSpMkLst>
+        </pc:cxnChg>
+        <pc:cxnChg chg="add mod">
+          <ac:chgData name="Chia-jung Yeh" userId="f328d6f4-0757-42dc-943f-c4685e047ee8" providerId="ADAL" clId="{03E5F488-4AE7-44EC-BCC8-445D3528E1AB}" dt="2023-09-06T04:43:49.036" v="288" actId="571"/>
+          <ac:cxnSpMkLst>
+            <pc:docMk/>
+            <pc:sldMk cId="908935971" sldId="258"/>
+            <ac:cxnSpMk id="89" creationId="{83A868E8-E3C4-C690-7187-DD505144FE6C}"/>
+          </ac:cxnSpMkLst>
+        </pc:cxnChg>
+        <pc:cxnChg chg="add del mod">
+          <ac:chgData name="Chia-jung Yeh" userId="f328d6f4-0757-42dc-943f-c4685e047ee8" providerId="ADAL" clId="{03E5F488-4AE7-44EC-BCC8-445D3528E1AB}" dt="2023-09-06T05:02:22.495" v="458" actId="478"/>
+          <ac:cxnSpMkLst>
+            <pc:docMk/>
+            <pc:sldMk cId="908935971" sldId="258"/>
+            <ac:cxnSpMk id="99" creationId="{2F219B7B-0AE0-7541-605D-DCE6A1234327}"/>
+          </ac:cxnSpMkLst>
+        </pc:cxnChg>
+        <pc:cxnChg chg="add del mod">
+          <ac:chgData name="Chia-jung Yeh" userId="f328d6f4-0757-42dc-943f-c4685e047ee8" providerId="ADAL" clId="{03E5F488-4AE7-44EC-BCC8-445D3528E1AB}" dt="2023-09-06T04:44:19.618" v="298" actId="478"/>
+          <ac:cxnSpMkLst>
+            <pc:docMk/>
+            <pc:sldMk cId="908935971" sldId="258"/>
+            <ac:cxnSpMk id="106" creationId="{3347DB7D-C06D-E421-6787-4B19C69D7AB4}"/>
+          </ac:cxnSpMkLst>
+        </pc:cxnChg>
+        <pc:cxnChg chg="add del mod">
+          <ac:chgData name="Chia-jung Yeh" userId="f328d6f4-0757-42dc-943f-c4685e047ee8" providerId="ADAL" clId="{03E5F488-4AE7-44EC-BCC8-445D3528E1AB}" dt="2023-09-06T04:44:20.570" v="299" actId="478"/>
+          <ac:cxnSpMkLst>
+            <pc:docMk/>
+            <pc:sldMk cId="908935971" sldId="258"/>
+            <ac:cxnSpMk id="107" creationId="{776134C1-41DF-5F9C-D6BD-1033FE9C34D5}"/>
+          </ac:cxnSpMkLst>
+        </pc:cxnChg>
+        <pc:cxnChg chg="add del mod">
+          <ac:chgData name="Chia-jung Yeh" userId="f328d6f4-0757-42dc-943f-c4685e047ee8" providerId="ADAL" clId="{03E5F488-4AE7-44EC-BCC8-445D3528E1AB}" dt="2023-09-06T04:44:24.737" v="301" actId="478"/>
+          <ac:cxnSpMkLst>
+            <pc:docMk/>
+            <pc:sldMk cId="908935971" sldId="258"/>
+            <ac:cxnSpMk id="108" creationId="{EE6CB5CE-8D78-150F-8BBE-4BC425B633FE}"/>
+          </ac:cxnSpMkLst>
+        </pc:cxnChg>
+        <pc:cxnChg chg="add mod">
+          <ac:chgData name="Chia-jung Yeh" userId="f328d6f4-0757-42dc-943f-c4685e047ee8" providerId="ADAL" clId="{03E5F488-4AE7-44EC-BCC8-445D3528E1AB}" dt="2023-09-06T04:44:38.031" v="310" actId="571"/>
+          <ac:cxnSpMkLst>
+            <pc:docMk/>
+            <pc:sldMk cId="908935971" sldId="258"/>
+            <ac:cxnSpMk id="112" creationId="{340A3904-A604-987A-B08F-802140BD3D90}"/>
+          </ac:cxnSpMkLst>
+        </pc:cxnChg>
+        <pc:cxnChg chg="add del mod">
+          <ac:chgData name="Chia-jung Yeh" userId="f328d6f4-0757-42dc-943f-c4685e047ee8" providerId="ADAL" clId="{03E5F488-4AE7-44EC-BCC8-445D3528E1AB}" dt="2023-09-06T05:02:45.051" v="471" actId="478"/>
+          <ac:cxnSpMkLst>
+            <pc:docMk/>
+            <pc:sldMk cId="908935971" sldId="258"/>
+            <ac:cxnSpMk id="116" creationId="{8334F045-8C9C-B3C8-24CD-2F81BE1411E5}"/>
+          </ac:cxnSpMkLst>
+        </pc:cxnChg>
+        <pc:cxnChg chg="add mod">
+          <ac:chgData name="Chia-jung Yeh" userId="f328d6f4-0757-42dc-943f-c4685e047ee8" providerId="ADAL" clId="{03E5F488-4AE7-44EC-BCC8-445D3528E1AB}" dt="2023-09-06T05:00:29.558" v="410" actId="571"/>
+          <ac:cxnSpMkLst>
+            <pc:docMk/>
+            <pc:sldMk cId="908935971" sldId="258"/>
+            <ac:cxnSpMk id="134" creationId="{005C03CA-C964-E1F6-ECA5-04C4824AB10D}"/>
+          </ac:cxnSpMkLst>
+        </pc:cxnChg>
+        <pc:cxnChg chg="add del mod">
+          <ac:chgData name="Chia-jung Yeh" userId="f328d6f4-0757-42dc-943f-c4685e047ee8" providerId="ADAL" clId="{03E5F488-4AE7-44EC-BCC8-445D3528E1AB}" dt="2023-09-06T05:01:38.249" v="433" actId="478"/>
+          <ac:cxnSpMkLst>
+            <pc:docMk/>
+            <pc:sldMk cId="908935971" sldId="258"/>
+            <ac:cxnSpMk id="140" creationId="{AC383FF6-BED7-6CD0-5A11-5BB348A5092E}"/>
+          </ac:cxnSpMkLst>
+        </pc:cxnChg>
+        <pc:cxnChg chg="add del mod ord">
+          <ac:chgData name="Chia-jung Yeh" userId="f328d6f4-0757-42dc-943f-c4685e047ee8" providerId="ADAL" clId="{03E5F488-4AE7-44EC-BCC8-445D3528E1AB}" dt="2023-09-06T05:06:18.397" v="511" actId="478"/>
+          <ac:cxnSpMkLst>
+            <pc:docMk/>
+            <pc:sldMk cId="908935971" sldId="258"/>
+            <ac:cxnSpMk id="147" creationId="{10D1CDBB-55E9-1DF6-D709-6FF75B5983D9}"/>
+          </ac:cxnSpMkLst>
+        </pc:cxnChg>
+        <pc:cxnChg chg="add del mod">
+          <ac:chgData name="Chia-jung Yeh" userId="f328d6f4-0757-42dc-943f-c4685e047ee8" providerId="ADAL" clId="{03E5F488-4AE7-44EC-BCC8-445D3528E1AB}" dt="2023-09-06T05:02:25.052" v="459" actId="478"/>
+          <ac:cxnSpMkLst>
+            <pc:docMk/>
+            <pc:sldMk cId="908935971" sldId="258"/>
+            <ac:cxnSpMk id="155" creationId="{480D65E3-7785-854B-D438-8CB4BE32041B}"/>
+          </ac:cxnSpMkLst>
+        </pc:cxnChg>
+        <pc:cxnChg chg="add del mod">
+          <ac:chgData name="Chia-jung Yeh" userId="f328d6f4-0757-42dc-943f-c4685e047ee8" providerId="ADAL" clId="{03E5F488-4AE7-44EC-BCC8-445D3528E1AB}" dt="2023-09-06T05:02:27.703" v="462" actId="478"/>
+          <ac:cxnSpMkLst>
+            <pc:docMk/>
+            <pc:sldMk cId="908935971" sldId="258"/>
+            <ac:cxnSpMk id="157" creationId="{E9C462D4-3D7A-C352-1907-744AD06F94F6}"/>
+          </ac:cxnSpMkLst>
+        </pc:cxnChg>
+        <pc:cxnChg chg="add del mod">
+          <ac:chgData name="Chia-jung Yeh" userId="f328d6f4-0757-42dc-943f-c4685e047ee8" providerId="ADAL" clId="{03E5F488-4AE7-44EC-BCC8-445D3528E1AB}" dt="2023-09-06T05:02:28.478" v="463" actId="478"/>
+          <ac:cxnSpMkLst>
+            <pc:docMk/>
+            <pc:sldMk cId="908935971" sldId="258"/>
+            <ac:cxnSpMk id="159" creationId="{8DDF7D9D-D08F-1E72-11B0-E72C486451A9}"/>
+          </ac:cxnSpMkLst>
+        </pc:cxnChg>
+        <pc:cxnChg chg="add del mod">
+          <ac:chgData name="Chia-jung Yeh" userId="f328d6f4-0757-42dc-943f-c4685e047ee8" providerId="ADAL" clId="{03E5F488-4AE7-44EC-BCC8-445D3528E1AB}" dt="2023-09-06T05:06:58.969" v="517" actId="478"/>
+          <ac:cxnSpMkLst>
+            <pc:docMk/>
+            <pc:sldMk cId="908935971" sldId="258"/>
+            <ac:cxnSpMk id="161" creationId="{6D631462-1ADD-A149-3F8B-E044DD64E412}"/>
+          </ac:cxnSpMkLst>
+        </pc:cxnChg>
+        <pc:cxnChg chg="add mod">
+          <ac:chgData name="Chia-jung Yeh" userId="f328d6f4-0757-42dc-943f-c4685e047ee8" providerId="ADAL" clId="{03E5F488-4AE7-44EC-BCC8-445D3528E1AB}" dt="2023-09-06T05:04:02.275" v="488" actId="571"/>
+          <ac:cxnSpMkLst>
+            <pc:docMk/>
+            <pc:sldMk cId="908935971" sldId="258"/>
+            <ac:cxnSpMk id="171" creationId="{B822B374-3D02-CFA2-F04F-D502D65496E7}"/>
+          </ac:cxnSpMkLst>
+        </pc:cxnChg>
+        <pc:cxnChg chg="add mod">
+          <ac:chgData name="Chia-jung Yeh" userId="f328d6f4-0757-42dc-943f-c4685e047ee8" providerId="ADAL" clId="{03E5F488-4AE7-44EC-BCC8-445D3528E1AB}" dt="2023-09-06T05:04:40.091" v="491" actId="571"/>
+          <ac:cxnSpMkLst>
+            <pc:docMk/>
+            <pc:sldMk cId="908935971" sldId="258"/>
+            <ac:cxnSpMk id="173" creationId="{3140FAD0-62E1-C106-F503-4C8B45F0A813}"/>
+          </ac:cxnSpMkLst>
+        </pc:cxnChg>
+        <pc:cxnChg chg="add del mod">
+          <ac:chgData name="Chia-jung Yeh" userId="f328d6f4-0757-42dc-943f-c4685e047ee8" providerId="ADAL" clId="{03E5F488-4AE7-44EC-BCC8-445D3528E1AB}" dt="2023-09-06T05:05:26.696" v="497" actId="478"/>
+          <ac:cxnSpMkLst>
+            <pc:docMk/>
+            <pc:sldMk cId="908935971" sldId="258"/>
+            <ac:cxnSpMk id="181" creationId="{A2D56521-B6DD-51E0-3F95-BA82A5D8AB9A}"/>
+          </ac:cxnSpMkLst>
+        </pc:cxnChg>
+        <pc:cxnChg chg="add del mod">
+          <ac:chgData name="Chia-jung Yeh" userId="f328d6f4-0757-42dc-943f-c4685e047ee8" providerId="ADAL" clId="{03E5F488-4AE7-44EC-BCC8-445D3528E1AB}" dt="2023-09-06T05:05:28.857" v="500" actId="478"/>
+          <ac:cxnSpMkLst>
+            <pc:docMk/>
+            <pc:sldMk cId="908935971" sldId="258"/>
+            <ac:cxnSpMk id="183" creationId="{F70B59DB-8C17-7A72-5480-2279E5271AB7}"/>
+          </ac:cxnSpMkLst>
+        </pc:cxnChg>
+        <pc:cxnChg chg="add del mod">
+          <ac:chgData name="Chia-jung Yeh" userId="f328d6f4-0757-42dc-943f-c4685e047ee8" providerId="ADAL" clId="{03E5F488-4AE7-44EC-BCC8-445D3528E1AB}" dt="2023-09-06T05:05:30.568" v="501" actId="478"/>
+          <ac:cxnSpMkLst>
+            <pc:docMk/>
+            <pc:sldMk cId="908935971" sldId="258"/>
+            <ac:cxnSpMk id="185" creationId="{05F6B3F7-9D1D-EF50-03DB-E1DFF381342B}"/>
+          </ac:cxnSpMkLst>
+        </pc:cxnChg>
+        <pc:cxnChg chg="add del mod">
+          <ac:chgData name="Chia-jung Yeh" userId="f328d6f4-0757-42dc-943f-c4685e047ee8" providerId="ADAL" clId="{03E5F488-4AE7-44EC-BCC8-445D3528E1AB}" dt="2023-09-06T05:06:16.259" v="510" actId="478"/>
+          <ac:cxnSpMkLst>
+            <pc:docMk/>
+            <pc:sldMk cId="908935971" sldId="258"/>
+            <ac:cxnSpMk id="187" creationId="{91963A48-AA75-ADCC-B3AB-DA94EB35B960}"/>
+          </ac:cxnSpMkLst>
+        </pc:cxnChg>
+        <pc:cxnChg chg="add mod">
+          <ac:chgData name="Chia-jung Yeh" userId="f328d6f4-0757-42dc-943f-c4685e047ee8" providerId="ADAL" clId="{03E5F488-4AE7-44EC-BCC8-445D3528E1AB}" dt="2023-09-06T05:07:09.751" v="520" actId="571"/>
+          <ac:cxnSpMkLst>
+            <pc:docMk/>
+            <pc:sldMk cId="908935971" sldId="258"/>
+            <ac:cxnSpMk id="197" creationId="{28E3266F-A33F-68E0-E71A-364590C9B5A4}"/>
+          </ac:cxnSpMkLst>
+        </pc:cxnChg>
+      </pc:sldChg>
     </pc:docChg>
   </pc:docChgLst>
 </pc:chgInfo>
+</file>
+
+<file path=ppt/notesMasters/notesMaster1.xml><?xml version="1.0" encoding="utf-8"?>
+<p:notesMaster xmlns:a="http://schemas.openxmlformats.org/drawingml/2006/main" xmlns:r="http://schemas.openxmlformats.org/officeDocument/2006/relationships" xmlns:p="http://schemas.openxmlformats.org/presentationml/2006/main">
+  <p:cSld>
+    <p:bg>
+      <p:bgRef idx="1001">
+        <a:schemeClr val="bg1"/>
+      </p:bgRef>
+    </p:bg>
+    <p:spTree>
+      <p:nvGrpSpPr>
+        <p:cNvPr id="1" name=""/>
+        <p:cNvGrpSpPr/>
+        <p:nvPr/>
+      </p:nvGrpSpPr>
+      <p:grpSpPr>
+        <a:xfrm>
+          <a:off x="0" y="0"/>
+          <a:ext cx="0" cy="0"/>
+          <a:chOff x="0" y="0"/>
+          <a:chExt cx="0" cy="0"/>
+        </a:xfrm>
+      </p:grpSpPr>
+      <p:sp>
+        <p:nvSpPr>
+          <p:cNvPr id="2" name="Header Placeholder 1"/>
+          <p:cNvSpPr>
+            <a:spLocks noGrp="1"/>
+          </p:cNvSpPr>
+          <p:nvPr>
+            <p:ph type="hdr" sz="quarter"/>
+          </p:nvPr>
+        </p:nvSpPr>
+        <p:spPr>
+          <a:xfrm>
+            <a:off x="0" y="0"/>
+            <a:ext cx="2971800" cy="458788"/>
+          </a:xfrm>
+          <a:prstGeom prst="rect">
+            <a:avLst/>
+          </a:prstGeom>
+        </p:spPr>
+        <p:txBody>
+          <a:bodyPr vert="horz" lIns="91440" tIns="45720" rIns="91440" bIns="45720" rtlCol="0"/>
+          <a:lstStyle>
+            <a:lvl1pPr algn="l">
+              <a:defRPr sz="1200"/>
+            </a:lvl1pPr>
+          </a:lstStyle>
+          <a:p>
+            <a:endParaRPr lang="en-GB"/>
+          </a:p>
+        </p:txBody>
+      </p:sp>
+      <p:sp>
+        <p:nvSpPr>
+          <p:cNvPr id="3" name="Date Placeholder 2"/>
+          <p:cNvSpPr>
+            <a:spLocks noGrp="1"/>
+          </p:cNvSpPr>
+          <p:nvPr>
+            <p:ph type="dt" idx="1"/>
+          </p:nvPr>
+        </p:nvSpPr>
+        <p:spPr>
+          <a:xfrm>
+            <a:off x="3884613" y="0"/>
+            <a:ext cx="2971800" cy="458788"/>
+          </a:xfrm>
+          <a:prstGeom prst="rect">
+            <a:avLst/>
+          </a:prstGeom>
+        </p:spPr>
+        <p:txBody>
+          <a:bodyPr vert="horz" lIns="91440" tIns="45720" rIns="91440" bIns="45720" rtlCol="0"/>
+          <a:lstStyle>
+            <a:lvl1pPr algn="r">
+              <a:defRPr sz="1200"/>
+            </a:lvl1pPr>
+          </a:lstStyle>
+          <a:p>
+            <a:fld id="{84C3027D-C01C-4C2F-B8C4-118253BF65DC}" type="datetimeFigureOut">
+              <a:rPr lang="en-GB" smtClean="0"/>
+              <a:t>06/09/2023</a:t>
+            </a:fld>
+            <a:endParaRPr lang="en-GB"/>
+          </a:p>
+        </p:txBody>
+      </p:sp>
+      <p:sp>
+        <p:nvSpPr>
+          <p:cNvPr id="4" name="Slide Image Placeholder 3"/>
+          <p:cNvSpPr>
+            <a:spLocks noGrp="1" noRot="1" noChangeAspect="1"/>
+          </p:cNvSpPr>
+          <p:nvPr>
+            <p:ph type="sldImg" idx="2"/>
+          </p:nvPr>
+        </p:nvSpPr>
+        <p:spPr>
+          <a:xfrm>
+            <a:off x="685800" y="1143000"/>
+            <a:ext cx="5486400" cy="3086100"/>
+          </a:xfrm>
+          <a:prstGeom prst="rect">
+            <a:avLst/>
+          </a:prstGeom>
+          <a:noFill/>
+          <a:ln w="12700">
+            <a:solidFill>
+              <a:prstClr val="black"/>
+            </a:solidFill>
+          </a:ln>
+        </p:spPr>
+        <p:txBody>
+          <a:bodyPr vert="horz" lIns="91440" tIns="45720" rIns="91440" bIns="45720" rtlCol="0" anchor="ctr"/>
+          <a:lstStyle/>
+          <a:p>
+            <a:endParaRPr lang="en-GB"/>
+          </a:p>
+        </p:txBody>
+      </p:sp>
+      <p:sp>
+        <p:nvSpPr>
+          <p:cNvPr id="5" name="Notes Placeholder 4"/>
+          <p:cNvSpPr>
+            <a:spLocks noGrp="1"/>
+          </p:cNvSpPr>
+          <p:nvPr>
+            <p:ph type="body" sz="quarter" idx="3"/>
+          </p:nvPr>
+        </p:nvSpPr>
+        <p:spPr>
+          <a:xfrm>
+            <a:off x="685800" y="4400550"/>
+            <a:ext cx="5486400" cy="3600450"/>
+          </a:xfrm>
+          <a:prstGeom prst="rect">
+            <a:avLst/>
+          </a:prstGeom>
+        </p:spPr>
+        <p:txBody>
+          <a:bodyPr vert="horz" lIns="91440" tIns="45720" rIns="91440" bIns="45720" rtlCol="0"/>
+          <a:lstStyle/>
+          <a:p>
+            <a:pPr lvl="0"/>
+            <a:r>
+              <a:rPr lang="en-US"/>
+              <a:t>Click to edit Master text styles</a:t>
+            </a:r>
+          </a:p>
+          <a:p>
+            <a:pPr lvl="1"/>
+            <a:r>
+              <a:rPr lang="en-US"/>
+              <a:t>Second level</a:t>
+            </a:r>
+          </a:p>
+          <a:p>
+            <a:pPr lvl="2"/>
+            <a:r>
+              <a:rPr lang="en-US"/>
+              <a:t>Third level</a:t>
+            </a:r>
+          </a:p>
+          <a:p>
+            <a:pPr lvl="3"/>
+            <a:r>
+              <a:rPr lang="en-US"/>
+              <a:t>Fourth level</a:t>
+            </a:r>
+          </a:p>
+          <a:p>
+            <a:pPr lvl="4"/>
+            <a:r>
+              <a:rPr lang="en-US"/>
+              <a:t>Fifth level</a:t>
+            </a:r>
+            <a:endParaRPr lang="en-GB"/>
+          </a:p>
+        </p:txBody>
+      </p:sp>
+      <p:sp>
+        <p:nvSpPr>
+          <p:cNvPr id="6" name="Footer Placeholder 5"/>
+          <p:cNvSpPr>
+            <a:spLocks noGrp="1"/>
+          </p:cNvSpPr>
+          <p:nvPr>
+            <p:ph type="ftr" sz="quarter" idx="4"/>
+          </p:nvPr>
+        </p:nvSpPr>
+        <p:spPr>
+          <a:xfrm>
+            <a:off x="0" y="8685213"/>
+            <a:ext cx="2971800" cy="458787"/>
+          </a:xfrm>
+          <a:prstGeom prst="rect">
+            <a:avLst/>
+          </a:prstGeom>
+        </p:spPr>
+        <p:txBody>
+          <a:bodyPr vert="horz" lIns="91440" tIns="45720" rIns="91440" bIns="45720" rtlCol="0" anchor="b"/>
+          <a:lstStyle>
+            <a:lvl1pPr algn="l">
+              <a:defRPr sz="1200"/>
+            </a:lvl1pPr>
+          </a:lstStyle>
+          <a:p>
+            <a:endParaRPr lang="en-GB"/>
+          </a:p>
+        </p:txBody>
+      </p:sp>
+      <p:sp>
+        <p:nvSpPr>
+          <p:cNvPr id="7" name="Slide Number Placeholder 6"/>
+          <p:cNvSpPr>
+            <a:spLocks noGrp="1"/>
+          </p:cNvSpPr>
+          <p:nvPr>
+            <p:ph type="sldNum" sz="quarter" idx="5"/>
+          </p:nvPr>
+        </p:nvSpPr>
+        <p:spPr>
+          <a:xfrm>
+            <a:off x="3884613" y="8685213"/>
+            <a:ext cx="2971800" cy="458787"/>
+          </a:xfrm>
+          <a:prstGeom prst="rect">
+            <a:avLst/>
+          </a:prstGeom>
+        </p:spPr>
+        <p:txBody>
+          <a:bodyPr vert="horz" lIns="91440" tIns="45720" rIns="91440" bIns="45720" rtlCol="0" anchor="b"/>
+          <a:lstStyle>
+            <a:lvl1pPr algn="r">
+              <a:defRPr sz="1200"/>
+            </a:lvl1pPr>
+          </a:lstStyle>
+          <a:p>
+            <a:fld id="{4F5BF767-385F-4669-8237-40D352977808}" type="slidenum">
+              <a:rPr lang="en-GB" smtClean="0"/>
+              <a:t>‹#›</a:t>
+            </a:fld>
+            <a:endParaRPr lang="en-GB"/>
+          </a:p>
+        </p:txBody>
+      </p:sp>
+    </p:spTree>
+    <p:extLst>
+      <p:ext uri="{BB962C8B-B14F-4D97-AF65-F5344CB8AC3E}">
+        <p14:creationId xmlns:p14="http://schemas.microsoft.com/office/powerpoint/2010/main" val="2093252309"/>
+      </p:ext>
+    </p:extLst>
+  </p:cSld>
+  <p:clrMap bg1="lt1" tx1="dk1" bg2="lt2" tx2="dk2" accent1="accent1" accent2="accent2" accent3="accent3" accent4="accent4" accent5="accent5" accent6="accent6" hlink="hlink" folHlink="folHlink"/>
+  <p:notesStyle>
+    <a:lvl1pPr marL="0" algn="l" defTabSz="914400" rtl="0" eaLnBrk="1" latinLnBrk="0" hangingPunct="1">
+      <a:defRPr sz="1200" kern="1200">
+        <a:solidFill>
+          <a:schemeClr val="tx1"/>
+        </a:solidFill>
+        <a:latin typeface="+mn-lt"/>
+        <a:ea typeface="+mn-ea"/>
+        <a:cs typeface="+mn-cs"/>
+      </a:defRPr>
+    </a:lvl1pPr>
+    <a:lvl2pPr marL="457200" algn="l" defTabSz="914400" rtl="0" eaLnBrk="1" latinLnBrk="0" hangingPunct="1">
+      <a:defRPr sz="1200" kern="1200">
+        <a:solidFill>
+          <a:schemeClr val="tx1"/>
+        </a:solidFill>
+        <a:latin typeface="+mn-lt"/>
+        <a:ea typeface="+mn-ea"/>
+        <a:cs typeface="+mn-cs"/>
+      </a:defRPr>
+    </a:lvl2pPr>
+    <a:lvl3pPr marL="914400" algn="l" defTabSz="914400" rtl="0" eaLnBrk="1" latinLnBrk="0" hangingPunct="1">
+      <a:defRPr sz="1200" kern="1200">
+        <a:solidFill>
+          <a:schemeClr val="tx1"/>
+        </a:solidFill>
+        <a:latin typeface="+mn-lt"/>
+        <a:ea typeface="+mn-ea"/>
+        <a:cs typeface="+mn-cs"/>
+      </a:defRPr>
+    </a:lvl3pPr>
+    <a:lvl4pPr marL="1371600" algn="l" defTabSz="914400" rtl="0" eaLnBrk="1" latinLnBrk="0" hangingPunct="1">
+      <a:defRPr sz="1200" kern="1200">
+        <a:solidFill>
+          <a:schemeClr val="tx1"/>
+        </a:solidFill>
+        <a:latin typeface="+mn-lt"/>
+        <a:ea typeface="+mn-ea"/>
+        <a:cs typeface="+mn-cs"/>
+      </a:defRPr>
+    </a:lvl4pPr>
+    <a:lvl5pPr marL="1828800" algn="l" defTabSz="914400" rtl="0" eaLnBrk="1" latinLnBrk="0" hangingPunct="1">
+      <a:defRPr sz="1200" kern="1200">
+        <a:solidFill>
+          <a:schemeClr val="tx1"/>
+        </a:solidFill>
+        <a:latin typeface="+mn-lt"/>
+        <a:ea typeface="+mn-ea"/>
+        <a:cs typeface="+mn-cs"/>
+      </a:defRPr>
+    </a:lvl5pPr>
+    <a:lvl6pPr marL="2286000" algn="l" defTabSz="914400" rtl="0" eaLnBrk="1" latinLnBrk="0" hangingPunct="1">
+      <a:defRPr sz="1200" kern="1200">
+        <a:solidFill>
+          <a:schemeClr val="tx1"/>
+        </a:solidFill>
+        <a:latin typeface="+mn-lt"/>
+        <a:ea typeface="+mn-ea"/>
+        <a:cs typeface="+mn-cs"/>
+      </a:defRPr>
+    </a:lvl6pPr>
+    <a:lvl7pPr marL="2743200" algn="l" defTabSz="914400" rtl="0" eaLnBrk="1" latinLnBrk="0" hangingPunct="1">
+      <a:defRPr sz="1200" kern="1200">
+        <a:solidFill>
+          <a:schemeClr val="tx1"/>
+        </a:solidFill>
+        <a:latin typeface="+mn-lt"/>
+        <a:ea typeface="+mn-ea"/>
+        <a:cs typeface="+mn-cs"/>
+      </a:defRPr>
+    </a:lvl7pPr>
+    <a:lvl8pPr marL="3200400" algn="l" defTabSz="914400" rtl="0" eaLnBrk="1" latinLnBrk="0" hangingPunct="1">
+      <a:defRPr sz="1200" kern="1200">
+        <a:solidFill>
+          <a:schemeClr val="tx1"/>
+        </a:solidFill>
+        <a:latin typeface="+mn-lt"/>
+        <a:ea typeface="+mn-ea"/>
+        <a:cs typeface="+mn-cs"/>
+      </a:defRPr>
+    </a:lvl8pPr>
+    <a:lvl9pPr marL="3657600" algn="l" defTabSz="914400" rtl="0" eaLnBrk="1" latinLnBrk="0" hangingPunct="1">
+      <a:defRPr sz="1200" kern="1200">
+        <a:solidFill>
+          <a:schemeClr val="tx1"/>
+        </a:solidFill>
+        <a:latin typeface="+mn-lt"/>
+        <a:ea typeface="+mn-ea"/>
+        <a:cs typeface="+mn-cs"/>
+      </a:defRPr>
+    </a:lvl9pPr>
+  </p:notesStyle>
+</p:notesMaster>
 </file>
 
 <file path=ppt/slideLayouts/slideLayout1.xml><?xml version="1.0" encoding="utf-8"?>
@@ -505,7 +2490,7 @@
           <a:p>
             <a:fld id="{D3EDB8CA-71FD-4DC9-833D-24632F66BB79}" type="datetimeFigureOut">
               <a:rPr lang="zh-TW" altLang="en-US" smtClean="0"/>
-              <a:t>2023/9/5</a:t>
+              <a:t>2023/9/6</a:t>
             </a:fld>
             <a:endParaRPr lang="zh-TW" altLang="en-US"/>
           </a:p>
@@ -703,7 +2688,7 @@
           <a:p>
             <a:fld id="{D3EDB8CA-71FD-4DC9-833D-24632F66BB79}" type="datetimeFigureOut">
               <a:rPr lang="zh-TW" altLang="en-US" smtClean="0"/>
-              <a:t>2023/9/5</a:t>
+              <a:t>2023/9/6</a:t>
             </a:fld>
             <a:endParaRPr lang="zh-TW" altLang="en-US"/>
           </a:p>
@@ -911,7 +2896,7 @@
           <a:p>
             <a:fld id="{D3EDB8CA-71FD-4DC9-833D-24632F66BB79}" type="datetimeFigureOut">
               <a:rPr lang="zh-TW" altLang="en-US" smtClean="0"/>
-              <a:t>2023/9/5</a:t>
+              <a:t>2023/9/6</a:t>
             </a:fld>
             <a:endParaRPr lang="zh-TW" altLang="en-US"/>
           </a:p>
@@ -1109,7 +3094,7 @@
           <a:p>
             <a:fld id="{D3EDB8CA-71FD-4DC9-833D-24632F66BB79}" type="datetimeFigureOut">
               <a:rPr lang="zh-TW" altLang="en-US" smtClean="0"/>
-              <a:t>2023/9/5</a:t>
+              <a:t>2023/9/6</a:t>
             </a:fld>
             <a:endParaRPr lang="zh-TW" altLang="en-US"/>
           </a:p>
@@ -1384,7 +3369,7 @@
           <a:p>
             <a:fld id="{D3EDB8CA-71FD-4DC9-833D-24632F66BB79}" type="datetimeFigureOut">
               <a:rPr lang="zh-TW" altLang="en-US" smtClean="0"/>
-              <a:t>2023/9/5</a:t>
+              <a:t>2023/9/6</a:t>
             </a:fld>
             <a:endParaRPr lang="zh-TW" altLang="en-US"/>
           </a:p>
@@ -1649,7 +3634,7 @@
           <a:p>
             <a:fld id="{D3EDB8CA-71FD-4DC9-833D-24632F66BB79}" type="datetimeFigureOut">
               <a:rPr lang="zh-TW" altLang="en-US" smtClean="0"/>
-              <a:t>2023/9/5</a:t>
+              <a:t>2023/9/6</a:t>
             </a:fld>
             <a:endParaRPr lang="zh-TW" altLang="en-US"/>
           </a:p>
@@ -2061,7 +4046,7 @@
           <a:p>
             <a:fld id="{D3EDB8CA-71FD-4DC9-833D-24632F66BB79}" type="datetimeFigureOut">
               <a:rPr lang="zh-TW" altLang="en-US" smtClean="0"/>
-              <a:t>2023/9/5</a:t>
+              <a:t>2023/9/6</a:t>
             </a:fld>
             <a:endParaRPr lang="zh-TW" altLang="en-US"/>
           </a:p>
@@ -2202,7 +4187,7 @@
           <a:p>
             <a:fld id="{D3EDB8CA-71FD-4DC9-833D-24632F66BB79}" type="datetimeFigureOut">
               <a:rPr lang="zh-TW" altLang="en-US" smtClean="0"/>
-              <a:t>2023/9/5</a:t>
+              <a:t>2023/9/6</a:t>
             </a:fld>
             <a:endParaRPr lang="zh-TW" altLang="en-US"/>
           </a:p>
@@ -2315,7 +4300,7 @@
           <a:p>
             <a:fld id="{D3EDB8CA-71FD-4DC9-833D-24632F66BB79}" type="datetimeFigureOut">
               <a:rPr lang="zh-TW" altLang="en-US" smtClean="0"/>
-              <a:t>2023/9/5</a:t>
+              <a:t>2023/9/6</a:t>
             </a:fld>
             <a:endParaRPr lang="zh-TW" altLang="en-US"/>
           </a:p>
@@ -2626,7 +4611,7 @@
           <a:p>
             <a:fld id="{D3EDB8CA-71FD-4DC9-833D-24632F66BB79}" type="datetimeFigureOut">
               <a:rPr lang="zh-TW" altLang="en-US" smtClean="0"/>
-              <a:t>2023/9/5</a:t>
+              <a:t>2023/9/6</a:t>
             </a:fld>
             <a:endParaRPr lang="zh-TW" altLang="en-US"/>
           </a:p>
@@ -2914,7 +4899,7 @@
           <a:p>
             <a:fld id="{D3EDB8CA-71FD-4DC9-833D-24632F66BB79}" type="datetimeFigureOut">
               <a:rPr lang="zh-TW" altLang="en-US" smtClean="0"/>
-              <a:t>2023/9/5</a:t>
+              <a:t>2023/9/6</a:t>
             </a:fld>
             <a:endParaRPr lang="zh-TW" altLang="en-US"/>
           </a:p>
@@ -3155,7 +5140,7 @@
           <a:p>
             <a:fld id="{D3EDB8CA-71FD-4DC9-833D-24632F66BB79}" type="datetimeFigureOut">
               <a:rPr lang="zh-TW" altLang="en-US" smtClean="0"/>
-              <a:t>2023/9/5</a:t>
+              <a:t>2023/9/6</a:t>
             </a:fld>
             <a:endParaRPr lang="zh-TW" altLang="en-US"/>
           </a:p>
@@ -4450,6 +6435,3142 @@
 </p:sld>
 </file>
 
+<file path=ppt/slides/slide3.xml><?xml version="1.0" encoding="utf-8"?>
+<p:sld xmlns:a="http://schemas.openxmlformats.org/drawingml/2006/main" xmlns:r="http://schemas.openxmlformats.org/officeDocument/2006/relationships" xmlns:p="http://schemas.openxmlformats.org/presentationml/2006/main">
+  <p:cSld>
+    <p:spTree>
+      <p:nvGrpSpPr>
+        <p:cNvPr id="1" name=""/>
+        <p:cNvGrpSpPr/>
+        <p:nvPr/>
+      </p:nvGrpSpPr>
+      <p:grpSpPr>
+        <a:xfrm>
+          <a:off x="0" y="0"/>
+          <a:ext cx="0" cy="0"/>
+          <a:chOff x="0" y="0"/>
+          <a:chExt cx="0" cy="0"/>
+        </a:xfrm>
+      </p:grpSpPr>
+      <p:sp>
+        <p:nvSpPr>
+          <p:cNvPr id="177" name="TextBox 176">
+            <a:extLst>
+              <a:ext uri="{FF2B5EF4-FFF2-40B4-BE49-F238E27FC236}">
+                <a16:creationId xmlns:a16="http://schemas.microsoft.com/office/drawing/2014/main" id="{5A793BF2-B65F-F148-F66E-315168C7FFE9}"/>
+              </a:ext>
+            </a:extLst>
+          </p:cNvPr>
+          <p:cNvSpPr txBox="1"/>
+          <p:nvPr/>
+        </p:nvSpPr>
+        <p:spPr>
+          <a:xfrm>
+            <a:off x="1432560" y="5511158"/>
+            <a:ext cx="467360" cy="523220"/>
+          </a:xfrm>
+          <a:prstGeom prst="rect">
+            <a:avLst/>
+          </a:prstGeom>
+          <a:noFill/>
+        </p:spPr>
+        <p:txBody>
+          <a:bodyPr wrap="square" rtlCol="0">
+            <a:spAutoFit/>
+          </a:bodyPr>
+          <a:lstStyle/>
+          <a:p>
+            <a:r>
+              <a:rPr lang="en-US" altLang="zh-TW" sz="2800" b="1" dirty="0">
+                <a:solidFill>
+                  <a:schemeClr val="accent6">
+                    <a:lumMod val="50000"/>
+                  </a:schemeClr>
+                </a:solidFill>
+                <a:latin typeface="Consolas" panose="020B0609020204030204" pitchFamily="49" charset="0"/>
+              </a:rPr>
+              <a:t>A</a:t>
+            </a:r>
+            <a:endParaRPr lang="en-GB" sz="2800" b="1" dirty="0">
+              <a:solidFill>
+                <a:schemeClr val="accent6">
+                  <a:lumMod val="50000"/>
+                </a:schemeClr>
+              </a:solidFill>
+              <a:latin typeface="Consolas" panose="020B0609020204030204" pitchFamily="49" charset="0"/>
+            </a:endParaRPr>
+          </a:p>
+        </p:txBody>
+      </p:sp>
+      <p:sp>
+        <p:nvSpPr>
+          <p:cNvPr id="179" name="TextBox 178">
+            <a:extLst>
+              <a:ext uri="{FF2B5EF4-FFF2-40B4-BE49-F238E27FC236}">
+                <a16:creationId xmlns:a16="http://schemas.microsoft.com/office/drawing/2014/main" id="{14391C2B-1A3B-E16D-B098-71348BB70078}"/>
+              </a:ext>
+            </a:extLst>
+          </p:cNvPr>
+          <p:cNvSpPr txBox="1"/>
+          <p:nvPr/>
+        </p:nvSpPr>
+        <p:spPr>
+          <a:xfrm>
+            <a:off x="6416627" y="6832909"/>
+            <a:ext cx="467360" cy="523220"/>
+          </a:xfrm>
+          <a:prstGeom prst="rect">
+            <a:avLst/>
+          </a:prstGeom>
+          <a:noFill/>
+        </p:spPr>
+        <p:txBody>
+          <a:bodyPr wrap="square" rtlCol="0">
+            <a:spAutoFit/>
+          </a:bodyPr>
+          <a:lstStyle/>
+          <a:p>
+            <a:r>
+              <a:rPr lang="en-US" altLang="zh-TW" sz="2800" b="1" dirty="0">
+                <a:solidFill>
+                  <a:schemeClr val="accent6">
+                    <a:lumMod val="50000"/>
+                  </a:schemeClr>
+                </a:solidFill>
+                <a:latin typeface="Consolas" panose="020B0609020204030204" pitchFamily="49" charset="0"/>
+              </a:rPr>
+              <a:t>C</a:t>
+            </a:r>
+            <a:endParaRPr lang="en-GB" sz="2800" b="1" dirty="0">
+              <a:solidFill>
+                <a:schemeClr val="accent6">
+                  <a:lumMod val="50000"/>
+                </a:schemeClr>
+              </a:solidFill>
+              <a:latin typeface="Consolas" panose="020B0609020204030204" pitchFamily="49" charset="0"/>
+            </a:endParaRPr>
+          </a:p>
+        </p:txBody>
+      </p:sp>
+      <p:sp>
+        <p:nvSpPr>
+          <p:cNvPr id="178" name="TextBox 177">
+            <a:extLst>
+              <a:ext uri="{FF2B5EF4-FFF2-40B4-BE49-F238E27FC236}">
+                <a16:creationId xmlns:a16="http://schemas.microsoft.com/office/drawing/2014/main" id="{0128ED80-2470-50F1-B805-EC11ECADC485}"/>
+              </a:ext>
+            </a:extLst>
+          </p:cNvPr>
+          <p:cNvSpPr txBox="1"/>
+          <p:nvPr/>
+        </p:nvSpPr>
+        <p:spPr>
+          <a:xfrm>
+            <a:off x="3941649" y="7086324"/>
+            <a:ext cx="467360" cy="523220"/>
+          </a:xfrm>
+          <a:prstGeom prst="rect">
+            <a:avLst/>
+          </a:prstGeom>
+          <a:noFill/>
+        </p:spPr>
+        <p:txBody>
+          <a:bodyPr wrap="square" rtlCol="0">
+            <a:spAutoFit/>
+          </a:bodyPr>
+          <a:lstStyle/>
+          <a:p>
+            <a:r>
+              <a:rPr lang="en-US" altLang="zh-TW" sz="2800" b="1" dirty="0">
+                <a:solidFill>
+                  <a:schemeClr val="accent6">
+                    <a:lumMod val="50000"/>
+                  </a:schemeClr>
+                </a:solidFill>
+                <a:latin typeface="Consolas" panose="020B0609020204030204" pitchFamily="49" charset="0"/>
+              </a:rPr>
+              <a:t>B</a:t>
+            </a:r>
+            <a:endParaRPr lang="en-GB" sz="2800" b="1" dirty="0">
+              <a:solidFill>
+                <a:schemeClr val="accent6">
+                  <a:lumMod val="50000"/>
+                </a:schemeClr>
+              </a:solidFill>
+              <a:latin typeface="Consolas" panose="020B0609020204030204" pitchFamily="49" charset="0"/>
+            </a:endParaRPr>
+          </a:p>
+        </p:txBody>
+      </p:sp>
+      <p:sp>
+        <p:nvSpPr>
+          <p:cNvPr id="133" name="Rectangle 132">
+            <a:extLst>
+              <a:ext uri="{FF2B5EF4-FFF2-40B4-BE49-F238E27FC236}">
+                <a16:creationId xmlns:a16="http://schemas.microsoft.com/office/drawing/2014/main" id="{67BC267B-DBC8-8B20-E32B-0C604EF28184}"/>
+              </a:ext>
+            </a:extLst>
+          </p:cNvPr>
+          <p:cNvSpPr/>
+          <p:nvPr/>
+        </p:nvSpPr>
+        <p:spPr>
+          <a:xfrm>
+            <a:off x="356805" y="2739104"/>
+            <a:ext cx="7824487" cy="2241726"/>
+          </a:xfrm>
+          <a:prstGeom prst="rect">
+            <a:avLst/>
+          </a:prstGeom>
+          <a:solidFill>
+            <a:schemeClr val="bg1">
+              <a:lumMod val="95000"/>
+            </a:schemeClr>
+          </a:solidFill>
+          <a:ln>
+            <a:noFill/>
+          </a:ln>
+        </p:spPr>
+        <p:style>
+          <a:lnRef idx="2">
+            <a:schemeClr val="accent1">
+              <a:shade val="15000"/>
+            </a:schemeClr>
+          </a:lnRef>
+          <a:fillRef idx="1">
+            <a:schemeClr val="accent1"/>
+          </a:fillRef>
+          <a:effectRef idx="0">
+            <a:schemeClr val="accent1"/>
+          </a:effectRef>
+          <a:fontRef idx="minor">
+            <a:schemeClr val="lt1"/>
+          </a:fontRef>
+        </p:style>
+        <p:txBody>
+          <a:bodyPr rtlCol="0" anchor="ctr"/>
+          <a:lstStyle/>
+          <a:p>
+            <a:pPr algn="ctr"/>
+            <a:endParaRPr lang="en-GB"/>
+          </a:p>
+        </p:txBody>
+      </p:sp>
+      <p:cxnSp>
+        <p:nvCxnSpPr>
+          <p:cNvPr id="134" name="Straight Connector 133">
+            <a:extLst>
+              <a:ext uri="{FF2B5EF4-FFF2-40B4-BE49-F238E27FC236}">
+                <a16:creationId xmlns:a16="http://schemas.microsoft.com/office/drawing/2014/main" id="{005C03CA-C964-E1F6-ECA5-04C4824AB10D}"/>
+              </a:ext>
+            </a:extLst>
+          </p:cNvPr>
+          <p:cNvCxnSpPr>
+            <a:cxnSpLocks/>
+          </p:cNvCxnSpPr>
+          <p:nvPr/>
+        </p:nvCxnSpPr>
+        <p:spPr>
+          <a:xfrm>
+            <a:off x="1021997" y="3717704"/>
+            <a:ext cx="6774024" cy="0"/>
+          </a:xfrm>
+          <a:prstGeom prst="line">
+            <a:avLst/>
+          </a:prstGeom>
+          <a:ln w="57150">
+            <a:solidFill>
+              <a:srgbClr val="002060"/>
+            </a:solidFill>
+          </a:ln>
+        </p:spPr>
+        <p:style>
+          <a:lnRef idx="1">
+            <a:schemeClr val="accent1"/>
+          </a:lnRef>
+          <a:fillRef idx="0">
+            <a:schemeClr val="accent1"/>
+          </a:fillRef>
+          <a:effectRef idx="0">
+            <a:schemeClr val="accent1"/>
+          </a:effectRef>
+          <a:fontRef idx="minor">
+            <a:schemeClr val="tx1"/>
+          </a:fontRef>
+        </p:style>
+      </p:cxnSp>
+      <p:sp>
+        <p:nvSpPr>
+          <p:cNvPr id="135" name="Rectangle 134">
+            <a:extLst>
+              <a:ext uri="{FF2B5EF4-FFF2-40B4-BE49-F238E27FC236}">
+                <a16:creationId xmlns:a16="http://schemas.microsoft.com/office/drawing/2014/main" id="{DAD4716A-7EEA-2584-9F3D-0F9702AEFD04}"/>
+              </a:ext>
+            </a:extLst>
+          </p:cNvPr>
+          <p:cNvSpPr/>
+          <p:nvPr/>
+        </p:nvSpPr>
+        <p:spPr>
+          <a:xfrm>
+            <a:off x="1497858" y="3307156"/>
+            <a:ext cx="261257" cy="261257"/>
+          </a:xfrm>
+          <a:prstGeom prst="rect">
+            <a:avLst/>
+          </a:prstGeom>
+          <a:solidFill>
+            <a:schemeClr val="accent6">
+              <a:lumMod val="75000"/>
+            </a:schemeClr>
+          </a:solidFill>
+          <a:ln>
+            <a:noFill/>
+          </a:ln>
+        </p:spPr>
+        <p:style>
+          <a:lnRef idx="2">
+            <a:schemeClr val="accent1">
+              <a:shade val="15000"/>
+            </a:schemeClr>
+          </a:lnRef>
+          <a:fillRef idx="1">
+            <a:schemeClr val="accent1"/>
+          </a:fillRef>
+          <a:effectRef idx="0">
+            <a:schemeClr val="accent1"/>
+          </a:effectRef>
+          <a:fontRef idx="minor">
+            <a:schemeClr val="lt1"/>
+          </a:fontRef>
+        </p:style>
+        <p:txBody>
+          <a:bodyPr rtlCol="0" anchor="ctr"/>
+          <a:lstStyle/>
+          <a:p>
+            <a:pPr algn="ctr"/>
+            <a:endParaRPr lang="en-GB"/>
+          </a:p>
+        </p:txBody>
+      </p:sp>
+      <p:sp>
+        <p:nvSpPr>
+          <p:cNvPr id="136" name="Rectangle 135">
+            <a:extLst>
+              <a:ext uri="{FF2B5EF4-FFF2-40B4-BE49-F238E27FC236}">
+                <a16:creationId xmlns:a16="http://schemas.microsoft.com/office/drawing/2014/main" id="{17C27C44-AE2A-90F4-AFB5-C522A481ECA2}"/>
+              </a:ext>
+            </a:extLst>
+          </p:cNvPr>
+          <p:cNvSpPr/>
+          <p:nvPr/>
+        </p:nvSpPr>
+        <p:spPr>
+          <a:xfrm>
+            <a:off x="4007792" y="4204844"/>
+            <a:ext cx="261257" cy="261257"/>
+          </a:xfrm>
+          <a:prstGeom prst="rect">
+            <a:avLst/>
+          </a:prstGeom>
+          <a:solidFill>
+            <a:schemeClr val="accent6">
+              <a:lumMod val="75000"/>
+            </a:schemeClr>
+          </a:solidFill>
+          <a:ln>
+            <a:noFill/>
+          </a:ln>
+        </p:spPr>
+        <p:style>
+          <a:lnRef idx="2">
+            <a:schemeClr val="accent1">
+              <a:shade val="15000"/>
+            </a:schemeClr>
+          </a:lnRef>
+          <a:fillRef idx="1">
+            <a:schemeClr val="accent1"/>
+          </a:fillRef>
+          <a:effectRef idx="0">
+            <a:schemeClr val="accent1"/>
+          </a:effectRef>
+          <a:fontRef idx="minor">
+            <a:schemeClr val="lt1"/>
+          </a:fontRef>
+        </p:style>
+        <p:txBody>
+          <a:bodyPr rtlCol="0" anchor="ctr"/>
+          <a:lstStyle/>
+          <a:p>
+            <a:pPr algn="ctr"/>
+            <a:endParaRPr lang="en-GB"/>
+          </a:p>
+        </p:txBody>
+      </p:sp>
+      <p:sp>
+        <p:nvSpPr>
+          <p:cNvPr id="137" name="Rectangle 136">
+            <a:extLst>
+              <a:ext uri="{FF2B5EF4-FFF2-40B4-BE49-F238E27FC236}">
+                <a16:creationId xmlns:a16="http://schemas.microsoft.com/office/drawing/2014/main" id="{290CDA8C-57C9-01AB-3C79-3C8F478FAAA5}"/>
+              </a:ext>
+            </a:extLst>
+          </p:cNvPr>
+          <p:cNvSpPr/>
+          <p:nvPr/>
+        </p:nvSpPr>
+        <p:spPr>
+          <a:xfrm>
+            <a:off x="6457079" y="3916021"/>
+            <a:ext cx="261257" cy="261257"/>
+          </a:xfrm>
+          <a:prstGeom prst="rect">
+            <a:avLst/>
+          </a:prstGeom>
+          <a:solidFill>
+            <a:schemeClr val="accent6">
+              <a:lumMod val="75000"/>
+            </a:schemeClr>
+          </a:solidFill>
+          <a:ln>
+            <a:noFill/>
+          </a:ln>
+        </p:spPr>
+        <p:style>
+          <a:lnRef idx="2">
+            <a:schemeClr val="accent1">
+              <a:shade val="15000"/>
+            </a:schemeClr>
+          </a:lnRef>
+          <a:fillRef idx="1">
+            <a:schemeClr val="accent1"/>
+          </a:fillRef>
+          <a:effectRef idx="0">
+            <a:schemeClr val="accent1"/>
+          </a:effectRef>
+          <a:fontRef idx="minor">
+            <a:schemeClr val="lt1"/>
+          </a:fontRef>
+        </p:style>
+        <p:txBody>
+          <a:bodyPr rtlCol="0" anchor="ctr"/>
+          <a:lstStyle/>
+          <a:p>
+            <a:pPr algn="ctr"/>
+            <a:endParaRPr lang="en-GB"/>
+          </a:p>
+        </p:txBody>
+      </p:sp>
+      <p:sp>
+        <p:nvSpPr>
+          <p:cNvPr id="141" name="TextBox 140">
+            <a:extLst>
+              <a:ext uri="{FF2B5EF4-FFF2-40B4-BE49-F238E27FC236}">
+                <a16:creationId xmlns:a16="http://schemas.microsoft.com/office/drawing/2014/main" id="{38F305DD-D53B-5320-0CEC-F9D8755A1759}"/>
+              </a:ext>
+            </a:extLst>
+          </p:cNvPr>
+          <p:cNvSpPr txBox="1"/>
+          <p:nvPr/>
+        </p:nvSpPr>
+        <p:spPr>
+          <a:xfrm>
+            <a:off x="1432560" y="2813070"/>
+            <a:ext cx="467360" cy="523220"/>
+          </a:xfrm>
+          <a:prstGeom prst="rect">
+            <a:avLst/>
+          </a:prstGeom>
+          <a:noFill/>
+        </p:spPr>
+        <p:txBody>
+          <a:bodyPr wrap="square" rtlCol="0">
+            <a:spAutoFit/>
+          </a:bodyPr>
+          <a:lstStyle/>
+          <a:p>
+            <a:r>
+              <a:rPr lang="en-US" altLang="zh-TW" sz="2800" b="1" dirty="0">
+                <a:solidFill>
+                  <a:schemeClr val="accent6">
+                    <a:lumMod val="50000"/>
+                  </a:schemeClr>
+                </a:solidFill>
+                <a:latin typeface="Consolas" panose="020B0609020204030204" pitchFamily="49" charset="0"/>
+              </a:rPr>
+              <a:t>A</a:t>
+            </a:r>
+            <a:endParaRPr lang="en-GB" sz="2800" b="1" dirty="0">
+              <a:solidFill>
+                <a:schemeClr val="accent6">
+                  <a:lumMod val="50000"/>
+                </a:schemeClr>
+              </a:solidFill>
+              <a:latin typeface="Consolas" panose="020B0609020204030204" pitchFamily="49" charset="0"/>
+            </a:endParaRPr>
+          </a:p>
+        </p:txBody>
+      </p:sp>
+      <p:sp>
+        <p:nvSpPr>
+          <p:cNvPr id="142" name="TextBox 141">
+            <a:extLst>
+              <a:ext uri="{FF2B5EF4-FFF2-40B4-BE49-F238E27FC236}">
+                <a16:creationId xmlns:a16="http://schemas.microsoft.com/office/drawing/2014/main" id="{F0AED5A3-1E9B-EE10-B686-3526AD0BF817}"/>
+              </a:ext>
+            </a:extLst>
+          </p:cNvPr>
+          <p:cNvSpPr txBox="1"/>
+          <p:nvPr/>
+        </p:nvSpPr>
+        <p:spPr>
+          <a:xfrm>
+            <a:off x="3941649" y="4388236"/>
+            <a:ext cx="467360" cy="523220"/>
+          </a:xfrm>
+          <a:prstGeom prst="rect">
+            <a:avLst/>
+          </a:prstGeom>
+          <a:noFill/>
+        </p:spPr>
+        <p:txBody>
+          <a:bodyPr wrap="square" rtlCol="0">
+            <a:spAutoFit/>
+          </a:bodyPr>
+          <a:lstStyle/>
+          <a:p>
+            <a:r>
+              <a:rPr lang="en-US" altLang="zh-TW" sz="2800" b="1" dirty="0">
+                <a:solidFill>
+                  <a:schemeClr val="accent6">
+                    <a:lumMod val="50000"/>
+                  </a:schemeClr>
+                </a:solidFill>
+                <a:latin typeface="Consolas" panose="020B0609020204030204" pitchFamily="49" charset="0"/>
+              </a:rPr>
+              <a:t>B</a:t>
+            </a:r>
+            <a:endParaRPr lang="en-GB" sz="2800" b="1" dirty="0">
+              <a:solidFill>
+                <a:schemeClr val="accent6">
+                  <a:lumMod val="50000"/>
+                </a:schemeClr>
+              </a:solidFill>
+              <a:latin typeface="Consolas" panose="020B0609020204030204" pitchFamily="49" charset="0"/>
+            </a:endParaRPr>
+          </a:p>
+        </p:txBody>
+      </p:sp>
+      <p:sp>
+        <p:nvSpPr>
+          <p:cNvPr id="143" name="TextBox 142">
+            <a:extLst>
+              <a:ext uri="{FF2B5EF4-FFF2-40B4-BE49-F238E27FC236}">
+                <a16:creationId xmlns:a16="http://schemas.microsoft.com/office/drawing/2014/main" id="{4B1FC4B4-CF70-05C2-7BB0-BD2857FEF4E4}"/>
+              </a:ext>
+            </a:extLst>
+          </p:cNvPr>
+          <p:cNvSpPr txBox="1"/>
+          <p:nvPr/>
+        </p:nvSpPr>
+        <p:spPr>
+          <a:xfrm>
+            <a:off x="6416627" y="4134821"/>
+            <a:ext cx="467360" cy="523220"/>
+          </a:xfrm>
+          <a:prstGeom prst="rect">
+            <a:avLst/>
+          </a:prstGeom>
+          <a:noFill/>
+        </p:spPr>
+        <p:txBody>
+          <a:bodyPr wrap="square" rtlCol="0">
+            <a:spAutoFit/>
+          </a:bodyPr>
+          <a:lstStyle/>
+          <a:p>
+            <a:r>
+              <a:rPr lang="en-US" altLang="zh-TW" sz="2800" b="1" dirty="0">
+                <a:solidFill>
+                  <a:schemeClr val="accent6">
+                    <a:lumMod val="50000"/>
+                  </a:schemeClr>
+                </a:solidFill>
+                <a:latin typeface="Consolas" panose="020B0609020204030204" pitchFamily="49" charset="0"/>
+              </a:rPr>
+              <a:t>C</a:t>
+            </a:r>
+            <a:endParaRPr lang="en-GB" sz="2800" b="1" dirty="0">
+              <a:solidFill>
+                <a:schemeClr val="accent6">
+                  <a:lumMod val="50000"/>
+                </a:schemeClr>
+              </a:solidFill>
+              <a:latin typeface="Consolas" panose="020B0609020204030204" pitchFamily="49" charset="0"/>
+            </a:endParaRPr>
+          </a:p>
+        </p:txBody>
+      </p:sp>
+      <p:sp>
+        <p:nvSpPr>
+          <p:cNvPr id="27" name="Oval 26">
+            <a:extLst>
+              <a:ext uri="{FF2B5EF4-FFF2-40B4-BE49-F238E27FC236}">
+                <a16:creationId xmlns:a16="http://schemas.microsoft.com/office/drawing/2014/main" id="{76605679-2901-BD59-5C47-0A56147395F2}"/>
+              </a:ext>
+            </a:extLst>
+          </p:cNvPr>
+          <p:cNvSpPr/>
+          <p:nvPr/>
+        </p:nvSpPr>
+        <p:spPr>
+          <a:xfrm>
+            <a:off x="1516516" y="3597048"/>
+            <a:ext cx="223939" cy="223939"/>
+          </a:xfrm>
+          <a:prstGeom prst="ellipse">
+            <a:avLst/>
+          </a:prstGeom>
+          <a:solidFill>
+            <a:srgbClr val="FF0000"/>
+          </a:solidFill>
+          <a:ln>
+            <a:noFill/>
+          </a:ln>
+        </p:spPr>
+        <p:style>
+          <a:lnRef idx="2">
+            <a:schemeClr val="accent1">
+              <a:shade val="15000"/>
+            </a:schemeClr>
+          </a:lnRef>
+          <a:fillRef idx="1">
+            <a:schemeClr val="accent1"/>
+          </a:fillRef>
+          <a:effectRef idx="0">
+            <a:schemeClr val="accent1"/>
+          </a:effectRef>
+          <a:fontRef idx="minor">
+            <a:schemeClr val="lt1"/>
+          </a:fontRef>
+        </p:style>
+        <p:txBody>
+          <a:bodyPr rtlCol="0" anchor="ctr"/>
+          <a:lstStyle/>
+          <a:p>
+            <a:pPr algn="ctr"/>
+            <a:endParaRPr lang="en-GB"/>
+          </a:p>
+        </p:txBody>
+      </p:sp>
+      <p:cxnSp>
+        <p:nvCxnSpPr>
+          <p:cNvPr id="65" name="Straight Arrow Connector 64">
+            <a:extLst>
+              <a:ext uri="{FF2B5EF4-FFF2-40B4-BE49-F238E27FC236}">
+                <a16:creationId xmlns:a16="http://schemas.microsoft.com/office/drawing/2014/main" id="{F6BAC0E7-D45A-389B-3689-3D413E52D3CF}"/>
+              </a:ext>
+            </a:extLst>
+          </p:cNvPr>
+          <p:cNvCxnSpPr>
+            <a:cxnSpLocks/>
+          </p:cNvCxnSpPr>
+          <p:nvPr/>
+        </p:nvCxnSpPr>
+        <p:spPr>
+          <a:xfrm>
+            <a:off x="1623928" y="3463939"/>
+            <a:ext cx="0" cy="266218"/>
+          </a:xfrm>
+          <a:prstGeom prst="straightConnector1">
+            <a:avLst/>
+          </a:prstGeom>
+          <a:ln w="38100">
+            <a:solidFill>
+              <a:schemeClr val="accent4">
+                <a:lumMod val="60000"/>
+                <a:lumOff val="40000"/>
+              </a:schemeClr>
+            </a:solidFill>
+            <a:prstDash val="sysDot"/>
+            <a:tailEnd type="triangle"/>
+          </a:ln>
+        </p:spPr>
+        <p:style>
+          <a:lnRef idx="1">
+            <a:schemeClr val="accent1"/>
+          </a:lnRef>
+          <a:fillRef idx="0">
+            <a:schemeClr val="accent1"/>
+          </a:fillRef>
+          <a:effectRef idx="0">
+            <a:schemeClr val="accent1"/>
+          </a:effectRef>
+          <a:fontRef idx="minor">
+            <a:schemeClr val="tx1"/>
+          </a:fontRef>
+        </p:style>
+      </p:cxnSp>
+      <p:sp>
+        <p:nvSpPr>
+          <p:cNvPr id="28" name="Oval 27">
+            <a:extLst>
+              <a:ext uri="{FF2B5EF4-FFF2-40B4-BE49-F238E27FC236}">
+                <a16:creationId xmlns:a16="http://schemas.microsoft.com/office/drawing/2014/main" id="{EEA8B980-EAF5-7367-5B91-D9C18D278EA3}"/>
+              </a:ext>
+            </a:extLst>
+          </p:cNvPr>
+          <p:cNvSpPr/>
+          <p:nvPr/>
+        </p:nvSpPr>
+        <p:spPr>
+          <a:xfrm>
+            <a:off x="4024724" y="3602824"/>
+            <a:ext cx="223939" cy="223939"/>
+          </a:xfrm>
+          <a:prstGeom prst="ellipse">
+            <a:avLst/>
+          </a:prstGeom>
+          <a:solidFill>
+            <a:srgbClr val="FF0000"/>
+          </a:solidFill>
+          <a:ln>
+            <a:noFill/>
+          </a:ln>
+        </p:spPr>
+        <p:style>
+          <a:lnRef idx="2">
+            <a:schemeClr val="accent1">
+              <a:shade val="15000"/>
+            </a:schemeClr>
+          </a:lnRef>
+          <a:fillRef idx="1">
+            <a:schemeClr val="accent1"/>
+          </a:fillRef>
+          <a:effectRef idx="0">
+            <a:schemeClr val="accent1"/>
+          </a:effectRef>
+          <a:fontRef idx="minor">
+            <a:schemeClr val="lt1"/>
+          </a:fontRef>
+        </p:style>
+        <p:txBody>
+          <a:bodyPr rtlCol="0" anchor="ctr"/>
+          <a:lstStyle/>
+          <a:p>
+            <a:pPr algn="ctr"/>
+            <a:endParaRPr lang="en-GB"/>
+          </a:p>
+        </p:txBody>
+      </p:sp>
+      <p:cxnSp>
+        <p:nvCxnSpPr>
+          <p:cNvPr id="66" name="Straight Arrow Connector 65">
+            <a:extLst>
+              <a:ext uri="{FF2B5EF4-FFF2-40B4-BE49-F238E27FC236}">
+                <a16:creationId xmlns:a16="http://schemas.microsoft.com/office/drawing/2014/main" id="{6229606E-76E9-1139-E88C-77523B05BFD3}"/>
+              </a:ext>
+            </a:extLst>
+          </p:cNvPr>
+          <p:cNvCxnSpPr>
+            <a:cxnSpLocks/>
+          </p:cNvCxnSpPr>
+          <p:nvPr/>
+        </p:nvCxnSpPr>
+        <p:spPr>
+          <a:xfrm flipH="1" flipV="1">
+            <a:off x="4136693" y="3705142"/>
+            <a:ext cx="8276" cy="616318"/>
+          </a:xfrm>
+          <a:prstGeom prst="straightConnector1">
+            <a:avLst/>
+          </a:prstGeom>
+          <a:ln w="38100">
+            <a:solidFill>
+              <a:schemeClr val="accent4">
+                <a:lumMod val="60000"/>
+                <a:lumOff val="40000"/>
+              </a:schemeClr>
+            </a:solidFill>
+            <a:prstDash val="sysDot"/>
+            <a:tailEnd type="triangle"/>
+          </a:ln>
+        </p:spPr>
+        <p:style>
+          <a:lnRef idx="1">
+            <a:schemeClr val="accent1"/>
+          </a:lnRef>
+          <a:fillRef idx="0">
+            <a:schemeClr val="accent1"/>
+          </a:fillRef>
+          <a:effectRef idx="0">
+            <a:schemeClr val="accent1"/>
+          </a:effectRef>
+          <a:fontRef idx="minor">
+            <a:schemeClr val="tx1"/>
+          </a:fontRef>
+        </p:style>
+      </p:cxnSp>
+      <p:sp>
+        <p:nvSpPr>
+          <p:cNvPr id="29" name="Oval 28">
+            <a:extLst>
+              <a:ext uri="{FF2B5EF4-FFF2-40B4-BE49-F238E27FC236}">
+                <a16:creationId xmlns:a16="http://schemas.microsoft.com/office/drawing/2014/main" id="{70DBDF08-FF69-F80F-75E0-BD42774DDB14}"/>
+              </a:ext>
+            </a:extLst>
+          </p:cNvPr>
+          <p:cNvSpPr/>
+          <p:nvPr/>
+        </p:nvSpPr>
+        <p:spPr>
+          <a:xfrm>
+            <a:off x="6475739" y="3597048"/>
+            <a:ext cx="223939" cy="223939"/>
+          </a:xfrm>
+          <a:prstGeom prst="ellipse">
+            <a:avLst/>
+          </a:prstGeom>
+          <a:solidFill>
+            <a:srgbClr val="FF0000"/>
+          </a:solidFill>
+          <a:ln>
+            <a:noFill/>
+          </a:ln>
+        </p:spPr>
+        <p:style>
+          <a:lnRef idx="2">
+            <a:schemeClr val="accent1">
+              <a:shade val="15000"/>
+            </a:schemeClr>
+          </a:lnRef>
+          <a:fillRef idx="1">
+            <a:schemeClr val="accent1"/>
+          </a:fillRef>
+          <a:effectRef idx="0">
+            <a:schemeClr val="accent1"/>
+          </a:effectRef>
+          <a:fontRef idx="minor">
+            <a:schemeClr val="lt1"/>
+          </a:fontRef>
+        </p:style>
+        <p:txBody>
+          <a:bodyPr rtlCol="0" anchor="ctr"/>
+          <a:lstStyle/>
+          <a:p>
+            <a:pPr algn="ctr"/>
+            <a:endParaRPr lang="en-GB"/>
+          </a:p>
+        </p:txBody>
+      </p:sp>
+      <p:cxnSp>
+        <p:nvCxnSpPr>
+          <p:cNvPr id="71" name="Straight Arrow Connector 70">
+            <a:extLst>
+              <a:ext uri="{FF2B5EF4-FFF2-40B4-BE49-F238E27FC236}">
+                <a16:creationId xmlns:a16="http://schemas.microsoft.com/office/drawing/2014/main" id="{92250442-9E4B-8697-E145-04AD819CC916}"/>
+              </a:ext>
+            </a:extLst>
+          </p:cNvPr>
+          <p:cNvCxnSpPr>
+            <a:cxnSpLocks/>
+          </p:cNvCxnSpPr>
+          <p:nvPr/>
+        </p:nvCxnSpPr>
+        <p:spPr>
+          <a:xfrm flipH="1" flipV="1">
+            <a:off x="6575295" y="3699366"/>
+            <a:ext cx="3305" cy="354184"/>
+          </a:xfrm>
+          <a:prstGeom prst="straightConnector1">
+            <a:avLst/>
+          </a:prstGeom>
+          <a:ln w="38100">
+            <a:solidFill>
+              <a:schemeClr val="accent4">
+                <a:lumMod val="60000"/>
+                <a:lumOff val="40000"/>
+              </a:schemeClr>
+            </a:solidFill>
+            <a:prstDash val="sysDot"/>
+            <a:tailEnd type="triangle"/>
+          </a:ln>
+        </p:spPr>
+        <p:style>
+          <a:lnRef idx="1">
+            <a:schemeClr val="accent1"/>
+          </a:lnRef>
+          <a:fillRef idx="0">
+            <a:schemeClr val="accent1"/>
+          </a:fillRef>
+          <a:effectRef idx="0">
+            <a:schemeClr val="accent1"/>
+          </a:effectRef>
+          <a:fontRef idx="minor">
+            <a:schemeClr val="tx1"/>
+          </a:fontRef>
+        </p:style>
+      </p:cxnSp>
+      <p:sp>
+        <p:nvSpPr>
+          <p:cNvPr id="13" name="Rectangle 12">
+            <a:extLst>
+              <a:ext uri="{FF2B5EF4-FFF2-40B4-BE49-F238E27FC236}">
+                <a16:creationId xmlns:a16="http://schemas.microsoft.com/office/drawing/2014/main" id="{58FFD43F-DD9E-320D-A889-ECF34185732B}"/>
+              </a:ext>
+            </a:extLst>
+          </p:cNvPr>
+          <p:cNvSpPr/>
+          <p:nvPr/>
+        </p:nvSpPr>
+        <p:spPr>
+          <a:xfrm>
+            <a:off x="356805" y="235914"/>
+            <a:ext cx="7824487" cy="2241726"/>
+          </a:xfrm>
+          <a:prstGeom prst="rect">
+            <a:avLst/>
+          </a:prstGeom>
+          <a:solidFill>
+            <a:schemeClr val="bg1">
+              <a:lumMod val="95000"/>
+            </a:schemeClr>
+          </a:solidFill>
+          <a:ln>
+            <a:noFill/>
+          </a:ln>
+        </p:spPr>
+        <p:style>
+          <a:lnRef idx="2">
+            <a:schemeClr val="accent1">
+              <a:shade val="15000"/>
+            </a:schemeClr>
+          </a:lnRef>
+          <a:fillRef idx="1">
+            <a:schemeClr val="accent1"/>
+          </a:fillRef>
+          <a:effectRef idx="0">
+            <a:schemeClr val="accent1"/>
+          </a:effectRef>
+          <a:fontRef idx="minor">
+            <a:schemeClr val="lt1"/>
+          </a:fontRef>
+        </p:style>
+        <p:txBody>
+          <a:bodyPr rtlCol="0" anchor="ctr"/>
+          <a:lstStyle/>
+          <a:p>
+            <a:pPr algn="ctr"/>
+            <a:endParaRPr lang="en-GB"/>
+          </a:p>
+        </p:txBody>
+      </p:sp>
+      <p:cxnSp>
+        <p:nvCxnSpPr>
+          <p:cNvPr id="5" name="Straight Connector 4">
+            <a:extLst>
+              <a:ext uri="{FF2B5EF4-FFF2-40B4-BE49-F238E27FC236}">
+                <a16:creationId xmlns:a16="http://schemas.microsoft.com/office/drawing/2014/main" id="{1E76265B-28E2-77BF-08EF-B459D5CE20FF}"/>
+              </a:ext>
+            </a:extLst>
+          </p:cNvPr>
+          <p:cNvCxnSpPr>
+            <a:cxnSpLocks/>
+          </p:cNvCxnSpPr>
+          <p:nvPr/>
+        </p:nvCxnSpPr>
+        <p:spPr>
+          <a:xfrm>
+            <a:off x="1021997" y="1214514"/>
+            <a:ext cx="6774024" cy="0"/>
+          </a:xfrm>
+          <a:prstGeom prst="line">
+            <a:avLst/>
+          </a:prstGeom>
+          <a:ln w="57150">
+            <a:solidFill>
+              <a:srgbClr val="002060"/>
+            </a:solidFill>
+          </a:ln>
+        </p:spPr>
+        <p:style>
+          <a:lnRef idx="1">
+            <a:schemeClr val="accent1"/>
+          </a:lnRef>
+          <a:fillRef idx="0">
+            <a:schemeClr val="accent1"/>
+          </a:fillRef>
+          <a:effectRef idx="0">
+            <a:schemeClr val="accent1"/>
+          </a:effectRef>
+          <a:fontRef idx="minor">
+            <a:schemeClr val="tx1"/>
+          </a:fontRef>
+        </p:style>
+      </p:cxnSp>
+      <p:sp>
+        <p:nvSpPr>
+          <p:cNvPr id="6" name="Rectangle 5">
+            <a:extLst>
+              <a:ext uri="{FF2B5EF4-FFF2-40B4-BE49-F238E27FC236}">
+                <a16:creationId xmlns:a16="http://schemas.microsoft.com/office/drawing/2014/main" id="{AB9CFA94-F98F-1C81-2D7C-4439E815F687}"/>
+              </a:ext>
+            </a:extLst>
+          </p:cNvPr>
+          <p:cNvSpPr/>
+          <p:nvPr/>
+        </p:nvSpPr>
+        <p:spPr>
+          <a:xfrm>
+            <a:off x="1497858" y="803966"/>
+            <a:ext cx="261257" cy="261257"/>
+          </a:xfrm>
+          <a:prstGeom prst="rect">
+            <a:avLst/>
+          </a:prstGeom>
+          <a:solidFill>
+            <a:schemeClr val="accent6">
+              <a:lumMod val="75000"/>
+            </a:schemeClr>
+          </a:solidFill>
+          <a:ln>
+            <a:noFill/>
+          </a:ln>
+        </p:spPr>
+        <p:style>
+          <a:lnRef idx="2">
+            <a:schemeClr val="accent1">
+              <a:shade val="15000"/>
+            </a:schemeClr>
+          </a:lnRef>
+          <a:fillRef idx="1">
+            <a:schemeClr val="accent1"/>
+          </a:fillRef>
+          <a:effectRef idx="0">
+            <a:schemeClr val="accent1"/>
+          </a:effectRef>
+          <a:fontRef idx="minor">
+            <a:schemeClr val="lt1"/>
+          </a:fontRef>
+        </p:style>
+        <p:txBody>
+          <a:bodyPr rtlCol="0" anchor="ctr"/>
+          <a:lstStyle/>
+          <a:p>
+            <a:pPr algn="ctr"/>
+            <a:endParaRPr lang="en-GB"/>
+          </a:p>
+        </p:txBody>
+      </p:sp>
+      <p:sp>
+        <p:nvSpPr>
+          <p:cNvPr id="7" name="Rectangle 6">
+            <a:extLst>
+              <a:ext uri="{FF2B5EF4-FFF2-40B4-BE49-F238E27FC236}">
+                <a16:creationId xmlns:a16="http://schemas.microsoft.com/office/drawing/2014/main" id="{46973C76-4CD1-79DA-1FB5-F94F1DFA6718}"/>
+              </a:ext>
+            </a:extLst>
+          </p:cNvPr>
+          <p:cNvSpPr/>
+          <p:nvPr/>
+        </p:nvSpPr>
+        <p:spPr>
+          <a:xfrm>
+            <a:off x="4007792" y="1701654"/>
+            <a:ext cx="261257" cy="261257"/>
+          </a:xfrm>
+          <a:prstGeom prst="rect">
+            <a:avLst/>
+          </a:prstGeom>
+          <a:solidFill>
+            <a:schemeClr val="accent6">
+              <a:lumMod val="75000"/>
+            </a:schemeClr>
+          </a:solidFill>
+          <a:ln>
+            <a:noFill/>
+          </a:ln>
+        </p:spPr>
+        <p:style>
+          <a:lnRef idx="2">
+            <a:schemeClr val="accent1">
+              <a:shade val="15000"/>
+            </a:schemeClr>
+          </a:lnRef>
+          <a:fillRef idx="1">
+            <a:schemeClr val="accent1"/>
+          </a:fillRef>
+          <a:effectRef idx="0">
+            <a:schemeClr val="accent1"/>
+          </a:effectRef>
+          <a:fontRef idx="minor">
+            <a:schemeClr val="lt1"/>
+          </a:fontRef>
+        </p:style>
+        <p:txBody>
+          <a:bodyPr rtlCol="0" anchor="ctr"/>
+          <a:lstStyle/>
+          <a:p>
+            <a:pPr algn="ctr"/>
+            <a:endParaRPr lang="en-GB"/>
+          </a:p>
+        </p:txBody>
+      </p:sp>
+      <p:sp>
+        <p:nvSpPr>
+          <p:cNvPr id="8" name="Rectangle 7">
+            <a:extLst>
+              <a:ext uri="{FF2B5EF4-FFF2-40B4-BE49-F238E27FC236}">
+                <a16:creationId xmlns:a16="http://schemas.microsoft.com/office/drawing/2014/main" id="{FD75703D-7E40-EF62-6BA0-1A2CC5DA72D8}"/>
+              </a:ext>
+            </a:extLst>
+          </p:cNvPr>
+          <p:cNvSpPr/>
+          <p:nvPr/>
+        </p:nvSpPr>
+        <p:spPr>
+          <a:xfrm>
+            <a:off x="6457079" y="1412831"/>
+            <a:ext cx="261257" cy="261257"/>
+          </a:xfrm>
+          <a:prstGeom prst="rect">
+            <a:avLst/>
+          </a:prstGeom>
+          <a:solidFill>
+            <a:schemeClr val="accent6">
+              <a:lumMod val="75000"/>
+            </a:schemeClr>
+          </a:solidFill>
+          <a:ln>
+            <a:noFill/>
+          </a:ln>
+        </p:spPr>
+        <p:style>
+          <a:lnRef idx="2">
+            <a:schemeClr val="accent1">
+              <a:shade val="15000"/>
+            </a:schemeClr>
+          </a:lnRef>
+          <a:fillRef idx="1">
+            <a:schemeClr val="accent1"/>
+          </a:fillRef>
+          <a:effectRef idx="0">
+            <a:schemeClr val="accent1"/>
+          </a:effectRef>
+          <a:fontRef idx="minor">
+            <a:schemeClr val="lt1"/>
+          </a:fontRef>
+        </p:style>
+        <p:txBody>
+          <a:bodyPr rtlCol="0" anchor="ctr"/>
+          <a:lstStyle/>
+          <a:p>
+            <a:pPr algn="ctr"/>
+            <a:endParaRPr lang="en-GB"/>
+          </a:p>
+        </p:txBody>
+      </p:sp>
+      <p:sp>
+        <p:nvSpPr>
+          <p:cNvPr id="78" name="TextBox 77">
+            <a:extLst>
+              <a:ext uri="{FF2B5EF4-FFF2-40B4-BE49-F238E27FC236}">
+                <a16:creationId xmlns:a16="http://schemas.microsoft.com/office/drawing/2014/main" id="{745DF0FC-53A3-C241-B303-998C049E0619}"/>
+              </a:ext>
+            </a:extLst>
+          </p:cNvPr>
+          <p:cNvSpPr txBox="1"/>
+          <p:nvPr/>
+        </p:nvSpPr>
+        <p:spPr>
+          <a:xfrm>
+            <a:off x="1432560" y="309880"/>
+            <a:ext cx="467360" cy="523220"/>
+          </a:xfrm>
+          <a:prstGeom prst="rect">
+            <a:avLst/>
+          </a:prstGeom>
+          <a:noFill/>
+        </p:spPr>
+        <p:txBody>
+          <a:bodyPr wrap="square" rtlCol="0">
+            <a:spAutoFit/>
+          </a:bodyPr>
+          <a:lstStyle/>
+          <a:p>
+            <a:r>
+              <a:rPr lang="en-US" altLang="zh-TW" sz="2800" b="1" dirty="0">
+                <a:solidFill>
+                  <a:schemeClr val="accent6">
+                    <a:lumMod val="50000"/>
+                  </a:schemeClr>
+                </a:solidFill>
+                <a:latin typeface="Consolas" panose="020B0609020204030204" pitchFamily="49" charset="0"/>
+              </a:rPr>
+              <a:t>A</a:t>
+            </a:r>
+            <a:endParaRPr lang="en-GB" sz="2800" b="1" dirty="0">
+              <a:solidFill>
+                <a:schemeClr val="accent6">
+                  <a:lumMod val="50000"/>
+                </a:schemeClr>
+              </a:solidFill>
+              <a:latin typeface="Consolas" panose="020B0609020204030204" pitchFamily="49" charset="0"/>
+            </a:endParaRPr>
+          </a:p>
+        </p:txBody>
+      </p:sp>
+      <p:sp>
+        <p:nvSpPr>
+          <p:cNvPr id="79" name="TextBox 78">
+            <a:extLst>
+              <a:ext uri="{FF2B5EF4-FFF2-40B4-BE49-F238E27FC236}">
+                <a16:creationId xmlns:a16="http://schemas.microsoft.com/office/drawing/2014/main" id="{5BBF184A-A636-0033-5264-0F7224ACD48A}"/>
+              </a:ext>
+            </a:extLst>
+          </p:cNvPr>
+          <p:cNvSpPr txBox="1"/>
+          <p:nvPr/>
+        </p:nvSpPr>
+        <p:spPr>
+          <a:xfrm>
+            <a:off x="3941649" y="1885046"/>
+            <a:ext cx="467360" cy="523220"/>
+          </a:xfrm>
+          <a:prstGeom prst="rect">
+            <a:avLst/>
+          </a:prstGeom>
+          <a:noFill/>
+        </p:spPr>
+        <p:txBody>
+          <a:bodyPr wrap="square" rtlCol="0">
+            <a:spAutoFit/>
+          </a:bodyPr>
+          <a:lstStyle/>
+          <a:p>
+            <a:r>
+              <a:rPr lang="en-US" altLang="zh-TW" sz="2800" b="1" dirty="0">
+                <a:solidFill>
+                  <a:schemeClr val="accent6">
+                    <a:lumMod val="50000"/>
+                  </a:schemeClr>
+                </a:solidFill>
+                <a:latin typeface="Consolas" panose="020B0609020204030204" pitchFamily="49" charset="0"/>
+              </a:rPr>
+              <a:t>B</a:t>
+            </a:r>
+            <a:endParaRPr lang="en-GB" sz="2800" b="1" dirty="0">
+              <a:solidFill>
+                <a:schemeClr val="accent6">
+                  <a:lumMod val="50000"/>
+                </a:schemeClr>
+              </a:solidFill>
+              <a:latin typeface="Consolas" panose="020B0609020204030204" pitchFamily="49" charset="0"/>
+            </a:endParaRPr>
+          </a:p>
+        </p:txBody>
+      </p:sp>
+      <p:sp>
+        <p:nvSpPr>
+          <p:cNvPr id="80" name="TextBox 79">
+            <a:extLst>
+              <a:ext uri="{FF2B5EF4-FFF2-40B4-BE49-F238E27FC236}">
+                <a16:creationId xmlns:a16="http://schemas.microsoft.com/office/drawing/2014/main" id="{699D9B08-F37B-4684-530F-DC7F0E9BAA20}"/>
+              </a:ext>
+            </a:extLst>
+          </p:cNvPr>
+          <p:cNvSpPr txBox="1"/>
+          <p:nvPr/>
+        </p:nvSpPr>
+        <p:spPr>
+          <a:xfrm>
+            <a:off x="6416627" y="1631631"/>
+            <a:ext cx="467360" cy="523220"/>
+          </a:xfrm>
+          <a:prstGeom prst="rect">
+            <a:avLst/>
+          </a:prstGeom>
+          <a:noFill/>
+        </p:spPr>
+        <p:txBody>
+          <a:bodyPr wrap="square" rtlCol="0">
+            <a:spAutoFit/>
+          </a:bodyPr>
+          <a:lstStyle/>
+          <a:p>
+            <a:r>
+              <a:rPr lang="en-US" altLang="zh-TW" sz="2800" b="1" dirty="0">
+                <a:solidFill>
+                  <a:schemeClr val="accent6">
+                    <a:lumMod val="50000"/>
+                  </a:schemeClr>
+                </a:solidFill>
+                <a:latin typeface="Consolas" panose="020B0609020204030204" pitchFamily="49" charset="0"/>
+              </a:rPr>
+              <a:t>C</a:t>
+            </a:r>
+            <a:endParaRPr lang="en-GB" sz="2800" b="1" dirty="0">
+              <a:solidFill>
+                <a:schemeClr val="accent6">
+                  <a:lumMod val="50000"/>
+                </a:schemeClr>
+              </a:solidFill>
+              <a:latin typeface="Consolas" panose="020B0609020204030204" pitchFamily="49" charset="0"/>
+            </a:endParaRPr>
+          </a:p>
+        </p:txBody>
+      </p:sp>
+      <p:sp>
+        <p:nvSpPr>
+          <p:cNvPr id="172" name="Rectangle 171">
+            <a:extLst>
+              <a:ext uri="{FF2B5EF4-FFF2-40B4-BE49-F238E27FC236}">
+                <a16:creationId xmlns:a16="http://schemas.microsoft.com/office/drawing/2014/main" id="{C9A6DB80-B250-5CFD-3E0A-1B26DCC1D62A}"/>
+              </a:ext>
+            </a:extLst>
+          </p:cNvPr>
+          <p:cNvSpPr/>
+          <p:nvPr/>
+        </p:nvSpPr>
+        <p:spPr>
+          <a:xfrm>
+            <a:off x="356805" y="5437192"/>
+            <a:ext cx="7824487" cy="2241726"/>
+          </a:xfrm>
+          <a:prstGeom prst="rect">
+            <a:avLst/>
+          </a:prstGeom>
+          <a:solidFill>
+            <a:schemeClr val="bg1">
+              <a:lumMod val="95000"/>
+            </a:schemeClr>
+          </a:solidFill>
+          <a:ln>
+            <a:noFill/>
+          </a:ln>
+        </p:spPr>
+        <p:style>
+          <a:lnRef idx="2">
+            <a:schemeClr val="accent1">
+              <a:shade val="15000"/>
+            </a:schemeClr>
+          </a:lnRef>
+          <a:fillRef idx="1">
+            <a:schemeClr val="accent1"/>
+          </a:fillRef>
+          <a:effectRef idx="0">
+            <a:schemeClr val="accent1"/>
+          </a:effectRef>
+          <a:fontRef idx="minor">
+            <a:schemeClr val="lt1"/>
+          </a:fontRef>
+        </p:style>
+        <p:txBody>
+          <a:bodyPr rtlCol="0" anchor="ctr"/>
+          <a:lstStyle/>
+          <a:p>
+            <a:pPr algn="ctr"/>
+            <a:endParaRPr lang="en-GB"/>
+          </a:p>
+        </p:txBody>
+      </p:sp>
+      <p:cxnSp>
+        <p:nvCxnSpPr>
+          <p:cNvPr id="173" name="Straight Connector 172">
+            <a:extLst>
+              <a:ext uri="{FF2B5EF4-FFF2-40B4-BE49-F238E27FC236}">
+                <a16:creationId xmlns:a16="http://schemas.microsoft.com/office/drawing/2014/main" id="{3140FAD0-62E1-C106-F503-4C8B45F0A813}"/>
+              </a:ext>
+            </a:extLst>
+          </p:cNvPr>
+          <p:cNvCxnSpPr>
+            <a:cxnSpLocks/>
+          </p:cNvCxnSpPr>
+          <p:nvPr/>
+        </p:nvCxnSpPr>
+        <p:spPr>
+          <a:xfrm>
+            <a:off x="1021997" y="6415792"/>
+            <a:ext cx="6774024" cy="0"/>
+          </a:xfrm>
+          <a:prstGeom prst="line">
+            <a:avLst/>
+          </a:prstGeom>
+          <a:ln w="57150">
+            <a:solidFill>
+              <a:srgbClr val="002060"/>
+            </a:solidFill>
+          </a:ln>
+        </p:spPr>
+        <p:style>
+          <a:lnRef idx="1">
+            <a:schemeClr val="accent1"/>
+          </a:lnRef>
+          <a:fillRef idx="0">
+            <a:schemeClr val="accent1"/>
+          </a:fillRef>
+          <a:effectRef idx="0">
+            <a:schemeClr val="accent1"/>
+          </a:effectRef>
+          <a:fontRef idx="minor">
+            <a:schemeClr val="tx1"/>
+          </a:fontRef>
+        </p:style>
+      </p:cxnSp>
+      <p:sp>
+        <p:nvSpPr>
+          <p:cNvPr id="174" name="Rectangle 173">
+            <a:extLst>
+              <a:ext uri="{FF2B5EF4-FFF2-40B4-BE49-F238E27FC236}">
+                <a16:creationId xmlns:a16="http://schemas.microsoft.com/office/drawing/2014/main" id="{E6164B2D-EA13-3B07-3FF3-217D635895A8}"/>
+              </a:ext>
+            </a:extLst>
+          </p:cNvPr>
+          <p:cNvSpPr/>
+          <p:nvPr/>
+        </p:nvSpPr>
+        <p:spPr>
+          <a:xfrm>
+            <a:off x="1497858" y="6005244"/>
+            <a:ext cx="261257" cy="261257"/>
+          </a:xfrm>
+          <a:prstGeom prst="rect">
+            <a:avLst/>
+          </a:prstGeom>
+          <a:solidFill>
+            <a:schemeClr val="accent6">
+              <a:lumMod val="75000"/>
+            </a:schemeClr>
+          </a:solidFill>
+          <a:ln>
+            <a:noFill/>
+          </a:ln>
+        </p:spPr>
+        <p:style>
+          <a:lnRef idx="2">
+            <a:schemeClr val="accent1">
+              <a:shade val="15000"/>
+            </a:schemeClr>
+          </a:lnRef>
+          <a:fillRef idx="1">
+            <a:schemeClr val="accent1"/>
+          </a:fillRef>
+          <a:effectRef idx="0">
+            <a:schemeClr val="accent1"/>
+          </a:effectRef>
+          <a:fontRef idx="minor">
+            <a:schemeClr val="lt1"/>
+          </a:fontRef>
+        </p:style>
+        <p:txBody>
+          <a:bodyPr rtlCol="0" anchor="ctr"/>
+          <a:lstStyle/>
+          <a:p>
+            <a:pPr algn="ctr"/>
+            <a:endParaRPr lang="en-GB"/>
+          </a:p>
+        </p:txBody>
+      </p:sp>
+      <p:sp>
+        <p:nvSpPr>
+          <p:cNvPr id="175" name="Rectangle 174">
+            <a:extLst>
+              <a:ext uri="{FF2B5EF4-FFF2-40B4-BE49-F238E27FC236}">
+                <a16:creationId xmlns:a16="http://schemas.microsoft.com/office/drawing/2014/main" id="{98F13200-2EC0-ECD9-48D5-52C070F16E37}"/>
+              </a:ext>
+            </a:extLst>
+          </p:cNvPr>
+          <p:cNvSpPr/>
+          <p:nvPr/>
+        </p:nvSpPr>
+        <p:spPr>
+          <a:xfrm>
+            <a:off x="4007792" y="6902932"/>
+            <a:ext cx="261257" cy="261257"/>
+          </a:xfrm>
+          <a:prstGeom prst="rect">
+            <a:avLst/>
+          </a:prstGeom>
+          <a:solidFill>
+            <a:schemeClr val="accent6">
+              <a:lumMod val="75000"/>
+            </a:schemeClr>
+          </a:solidFill>
+          <a:ln>
+            <a:noFill/>
+          </a:ln>
+        </p:spPr>
+        <p:style>
+          <a:lnRef idx="2">
+            <a:schemeClr val="accent1">
+              <a:shade val="15000"/>
+            </a:schemeClr>
+          </a:lnRef>
+          <a:fillRef idx="1">
+            <a:schemeClr val="accent1"/>
+          </a:fillRef>
+          <a:effectRef idx="0">
+            <a:schemeClr val="accent1"/>
+          </a:effectRef>
+          <a:fontRef idx="minor">
+            <a:schemeClr val="lt1"/>
+          </a:fontRef>
+        </p:style>
+        <p:txBody>
+          <a:bodyPr rtlCol="0" anchor="ctr"/>
+          <a:lstStyle/>
+          <a:p>
+            <a:pPr algn="ctr"/>
+            <a:endParaRPr lang="en-GB"/>
+          </a:p>
+        </p:txBody>
+      </p:sp>
+      <p:sp>
+        <p:nvSpPr>
+          <p:cNvPr id="176" name="Rectangle 175">
+            <a:extLst>
+              <a:ext uri="{FF2B5EF4-FFF2-40B4-BE49-F238E27FC236}">
+                <a16:creationId xmlns:a16="http://schemas.microsoft.com/office/drawing/2014/main" id="{164E8829-D84E-24A8-E359-06DC9F1461F8}"/>
+              </a:ext>
+            </a:extLst>
+          </p:cNvPr>
+          <p:cNvSpPr/>
+          <p:nvPr/>
+        </p:nvSpPr>
+        <p:spPr>
+          <a:xfrm>
+            <a:off x="6457079" y="6614109"/>
+            <a:ext cx="261257" cy="261257"/>
+          </a:xfrm>
+          <a:prstGeom prst="rect">
+            <a:avLst/>
+          </a:prstGeom>
+          <a:solidFill>
+            <a:schemeClr val="accent6">
+              <a:lumMod val="75000"/>
+            </a:schemeClr>
+          </a:solidFill>
+          <a:ln>
+            <a:noFill/>
+          </a:ln>
+        </p:spPr>
+        <p:style>
+          <a:lnRef idx="2">
+            <a:schemeClr val="accent1">
+              <a:shade val="15000"/>
+            </a:schemeClr>
+          </a:lnRef>
+          <a:fillRef idx="1">
+            <a:schemeClr val="accent1"/>
+          </a:fillRef>
+          <a:effectRef idx="0">
+            <a:schemeClr val="accent1"/>
+          </a:effectRef>
+          <a:fontRef idx="minor">
+            <a:schemeClr val="lt1"/>
+          </a:fontRef>
+        </p:style>
+        <p:txBody>
+          <a:bodyPr rtlCol="0" anchor="ctr"/>
+          <a:lstStyle/>
+          <a:p>
+            <a:pPr algn="ctr"/>
+            <a:endParaRPr lang="en-GB"/>
+          </a:p>
+        </p:txBody>
+      </p:sp>
+      <p:sp>
+        <p:nvSpPr>
+          <p:cNvPr id="180" name="Oval 179">
+            <a:extLst>
+              <a:ext uri="{FF2B5EF4-FFF2-40B4-BE49-F238E27FC236}">
+                <a16:creationId xmlns:a16="http://schemas.microsoft.com/office/drawing/2014/main" id="{39911AAE-4BCA-F6DF-A49D-E32E9AEA7465}"/>
+              </a:ext>
+            </a:extLst>
+          </p:cNvPr>
+          <p:cNvSpPr/>
+          <p:nvPr/>
+        </p:nvSpPr>
+        <p:spPr>
+          <a:xfrm>
+            <a:off x="1516516" y="6295136"/>
+            <a:ext cx="223939" cy="223939"/>
+          </a:xfrm>
+          <a:prstGeom prst="ellipse">
+            <a:avLst/>
+          </a:prstGeom>
+          <a:solidFill>
+            <a:srgbClr val="FF0000"/>
+          </a:solidFill>
+          <a:ln>
+            <a:noFill/>
+          </a:ln>
+        </p:spPr>
+        <p:style>
+          <a:lnRef idx="2">
+            <a:schemeClr val="accent1">
+              <a:shade val="15000"/>
+            </a:schemeClr>
+          </a:lnRef>
+          <a:fillRef idx="1">
+            <a:schemeClr val="accent1"/>
+          </a:fillRef>
+          <a:effectRef idx="0">
+            <a:schemeClr val="accent1"/>
+          </a:effectRef>
+          <a:fontRef idx="minor">
+            <a:schemeClr val="lt1"/>
+          </a:fontRef>
+        </p:style>
+        <p:txBody>
+          <a:bodyPr rtlCol="0" anchor="ctr"/>
+          <a:lstStyle/>
+          <a:p>
+            <a:pPr algn="ctr"/>
+            <a:endParaRPr lang="en-GB"/>
+          </a:p>
+        </p:txBody>
+      </p:sp>
+      <p:sp>
+        <p:nvSpPr>
+          <p:cNvPr id="182" name="Oval 181">
+            <a:extLst>
+              <a:ext uri="{FF2B5EF4-FFF2-40B4-BE49-F238E27FC236}">
+                <a16:creationId xmlns:a16="http://schemas.microsoft.com/office/drawing/2014/main" id="{360F9966-6B0E-45A1-1E52-46C63C04AA15}"/>
+              </a:ext>
+            </a:extLst>
+          </p:cNvPr>
+          <p:cNvSpPr/>
+          <p:nvPr/>
+        </p:nvSpPr>
+        <p:spPr>
+          <a:xfrm>
+            <a:off x="4024724" y="6300912"/>
+            <a:ext cx="223939" cy="223939"/>
+          </a:xfrm>
+          <a:prstGeom prst="ellipse">
+            <a:avLst/>
+          </a:prstGeom>
+          <a:solidFill>
+            <a:srgbClr val="FF0000"/>
+          </a:solidFill>
+          <a:ln>
+            <a:noFill/>
+          </a:ln>
+        </p:spPr>
+        <p:style>
+          <a:lnRef idx="2">
+            <a:schemeClr val="accent1">
+              <a:shade val="15000"/>
+            </a:schemeClr>
+          </a:lnRef>
+          <a:fillRef idx="1">
+            <a:schemeClr val="accent1"/>
+          </a:fillRef>
+          <a:effectRef idx="0">
+            <a:schemeClr val="accent1"/>
+          </a:effectRef>
+          <a:fontRef idx="minor">
+            <a:schemeClr val="lt1"/>
+          </a:fontRef>
+        </p:style>
+        <p:txBody>
+          <a:bodyPr rtlCol="0" anchor="ctr"/>
+          <a:lstStyle/>
+          <a:p>
+            <a:pPr algn="ctr"/>
+            <a:endParaRPr lang="en-GB"/>
+          </a:p>
+        </p:txBody>
+      </p:sp>
+      <p:sp>
+        <p:nvSpPr>
+          <p:cNvPr id="184" name="Oval 183">
+            <a:extLst>
+              <a:ext uri="{FF2B5EF4-FFF2-40B4-BE49-F238E27FC236}">
+                <a16:creationId xmlns:a16="http://schemas.microsoft.com/office/drawing/2014/main" id="{F4C84F43-C381-7B2E-1015-98CDC580778D}"/>
+              </a:ext>
+            </a:extLst>
+          </p:cNvPr>
+          <p:cNvSpPr/>
+          <p:nvPr/>
+        </p:nvSpPr>
+        <p:spPr>
+          <a:xfrm>
+            <a:off x="6475739" y="6295136"/>
+            <a:ext cx="223939" cy="223939"/>
+          </a:xfrm>
+          <a:prstGeom prst="ellipse">
+            <a:avLst/>
+          </a:prstGeom>
+          <a:solidFill>
+            <a:srgbClr val="FF0000"/>
+          </a:solidFill>
+          <a:ln>
+            <a:noFill/>
+          </a:ln>
+        </p:spPr>
+        <p:style>
+          <a:lnRef idx="2">
+            <a:schemeClr val="accent1">
+              <a:shade val="15000"/>
+            </a:schemeClr>
+          </a:lnRef>
+          <a:fillRef idx="1">
+            <a:schemeClr val="accent1"/>
+          </a:fillRef>
+          <a:effectRef idx="0">
+            <a:schemeClr val="accent1"/>
+          </a:effectRef>
+          <a:fontRef idx="minor">
+            <a:schemeClr val="lt1"/>
+          </a:fontRef>
+        </p:style>
+        <p:txBody>
+          <a:bodyPr rtlCol="0" anchor="ctr"/>
+          <a:lstStyle/>
+          <a:p>
+            <a:pPr algn="ctr"/>
+            <a:endParaRPr lang="en-GB"/>
+          </a:p>
+        </p:txBody>
+      </p:sp>
+      <p:sp>
+        <p:nvSpPr>
+          <p:cNvPr id="109" name="TextBox 108">
+            <a:extLst>
+              <a:ext uri="{FF2B5EF4-FFF2-40B4-BE49-F238E27FC236}">
+                <a16:creationId xmlns:a16="http://schemas.microsoft.com/office/drawing/2014/main" id="{C797C29C-5EB4-95E9-C7CC-69B1FA81134C}"/>
+              </a:ext>
+            </a:extLst>
+          </p:cNvPr>
+          <p:cNvSpPr txBox="1"/>
+          <p:nvPr/>
+        </p:nvSpPr>
+        <p:spPr>
+          <a:xfrm>
+            <a:off x="1397343" y="6464698"/>
+            <a:ext cx="467360" cy="523220"/>
+          </a:xfrm>
+          <a:prstGeom prst="rect">
+            <a:avLst/>
+          </a:prstGeom>
+          <a:noFill/>
+        </p:spPr>
+        <p:txBody>
+          <a:bodyPr wrap="square" rtlCol="0">
+            <a:spAutoFit/>
+          </a:bodyPr>
+          <a:lstStyle/>
+          <a:p>
+            <a:r>
+              <a:rPr lang="en-US" altLang="zh-TW" sz="2800" b="1" dirty="0">
+                <a:solidFill>
+                  <a:srgbClr val="FF0000"/>
+                </a:solidFill>
+                <a:latin typeface="Consolas" panose="020B0609020204030204" pitchFamily="49" charset="0"/>
+              </a:rPr>
+              <a:t>A’</a:t>
+            </a:r>
+            <a:endParaRPr lang="en-GB" sz="2800" b="1" dirty="0">
+              <a:solidFill>
+                <a:srgbClr val="FF0000"/>
+              </a:solidFill>
+              <a:latin typeface="Consolas" panose="020B0609020204030204" pitchFamily="49" charset="0"/>
+            </a:endParaRPr>
+          </a:p>
+        </p:txBody>
+      </p:sp>
+      <p:sp>
+        <p:nvSpPr>
+          <p:cNvPr id="113" name="TextBox 112">
+            <a:extLst>
+              <a:ext uri="{FF2B5EF4-FFF2-40B4-BE49-F238E27FC236}">
+                <a16:creationId xmlns:a16="http://schemas.microsoft.com/office/drawing/2014/main" id="{645207D6-1191-AC32-C3DB-BEA0A694B93B}"/>
+              </a:ext>
+            </a:extLst>
+          </p:cNvPr>
+          <p:cNvSpPr txBox="1"/>
+          <p:nvPr/>
+        </p:nvSpPr>
+        <p:spPr>
+          <a:xfrm>
+            <a:off x="3869521" y="5770591"/>
+            <a:ext cx="683429" cy="523220"/>
+          </a:xfrm>
+          <a:prstGeom prst="rect">
+            <a:avLst/>
+          </a:prstGeom>
+          <a:noFill/>
+        </p:spPr>
+        <p:txBody>
+          <a:bodyPr wrap="square" rtlCol="0">
+            <a:spAutoFit/>
+          </a:bodyPr>
+          <a:lstStyle/>
+          <a:p>
+            <a:r>
+              <a:rPr lang="en-US" altLang="zh-TW" sz="2800" b="1" dirty="0">
+                <a:solidFill>
+                  <a:srgbClr val="FF0000"/>
+                </a:solidFill>
+                <a:latin typeface="Consolas" panose="020B0609020204030204" pitchFamily="49" charset="0"/>
+              </a:rPr>
+              <a:t>B’</a:t>
+            </a:r>
+            <a:endParaRPr lang="en-GB" sz="2800" b="1" dirty="0">
+              <a:solidFill>
+                <a:srgbClr val="FF0000"/>
+              </a:solidFill>
+              <a:latin typeface="Consolas" panose="020B0609020204030204" pitchFamily="49" charset="0"/>
+            </a:endParaRPr>
+          </a:p>
+        </p:txBody>
+      </p:sp>
+      <p:sp>
+        <p:nvSpPr>
+          <p:cNvPr id="114" name="TextBox 113">
+            <a:extLst>
+              <a:ext uri="{FF2B5EF4-FFF2-40B4-BE49-F238E27FC236}">
+                <a16:creationId xmlns:a16="http://schemas.microsoft.com/office/drawing/2014/main" id="{B16EB35A-789D-4E37-8F46-8A48E30D07FB}"/>
+              </a:ext>
+            </a:extLst>
+          </p:cNvPr>
+          <p:cNvSpPr txBox="1"/>
+          <p:nvPr/>
+        </p:nvSpPr>
+        <p:spPr>
+          <a:xfrm>
+            <a:off x="6306398" y="5770591"/>
+            <a:ext cx="467360" cy="523220"/>
+          </a:xfrm>
+          <a:prstGeom prst="rect">
+            <a:avLst/>
+          </a:prstGeom>
+          <a:noFill/>
+        </p:spPr>
+        <p:txBody>
+          <a:bodyPr wrap="square" rtlCol="0">
+            <a:spAutoFit/>
+          </a:bodyPr>
+          <a:lstStyle/>
+          <a:p>
+            <a:r>
+              <a:rPr lang="en-US" altLang="zh-TW" sz="2800" b="1" dirty="0">
+                <a:solidFill>
+                  <a:srgbClr val="FF0000"/>
+                </a:solidFill>
+                <a:latin typeface="Consolas" panose="020B0609020204030204" pitchFamily="49" charset="0"/>
+              </a:rPr>
+              <a:t>C’</a:t>
+            </a:r>
+            <a:endParaRPr lang="en-GB" sz="2800" b="1" dirty="0">
+              <a:solidFill>
+                <a:srgbClr val="FF0000"/>
+              </a:solidFill>
+              <a:latin typeface="Consolas" panose="020B0609020204030204" pitchFamily="49" charset="0"/>
+            </a:endParaRPr>
+          </a:p>
+        </p:txBody>
+      </p:sp>
+      <p:sp>
+        <p:nvSpPr>
+          <p:cNvPr id="193" name="TextBox 192">
+            <a:extLst>
+              <a:ext uri="{FF2B5EF4-FFF2-40B4-BE49-F238E27FC236}">
+                <a16:creationId xmlns:a16="http://schemas.microsoft.com/office/drawing/2014/main" id="{C18EB9D6-FEBD-5CD7-CBA0-666AE1617CBC}"/>
+              </a:ext>
+            </a:extLst>
+          </p:cNvPr>
+          <p:cNvSpPr txBox="1"/>
+          <p:nvPr/>
+        </p:nvSpPr>
+        <p:spPr>
+          <a:xfrm>
+            <a:off x="1432560" y="7999867"/>
+            <a:ext cx="467360" cy="523220"/>
+          </a:xfrm>
+          <a:prstGeom prst="rect">
+            <a:avLst/>
+          </a:prstGeom>
+          <a:noFill/>
+        </p:spPr>
+        <p:txBody>
+          <a:bodyPr wrap="square" rtlCol="0">
+            <a:spAutoFit/>
+          </a:bodyPr>
+          <a:lstStyle/>
+          <a:p>
+            <a:r>
+              <a:rPr lang="en-US" altLang="zh-TW" sz="2800" b="1" dirty="0">
+                <a:solidFill>
+                  <a:schemeClr val="accent6">
+                    <a:lumMod val="50000"/>
+                  </a:schemeClr>
+                </a:solidFill>
+                <a:latin typeface="Consolas" panose="020B0609020204030204" pitchFamily="49" charset="0"/>
+              </a:rPr>
+              <a:t>A</a:t>
+            </a:r>
+            <a:endParaRPr lang="en-GB" sz="2800" b="1" dirty="0">
+              <a:solidFill>
+                <a:schemeClr val="accent6">
+                  <a:lumMod val="50000"/>
+                </a:schemeClr>
+              </a:solidFill>
+              <a:latin typeface="Consolas" panose="020B0609020204030204" pitchFamily="49" charset="0"/>
+            </a:endParaRPr>
+          </a:p>
+        </p:txBody>
+      </p:sp>
+      <p:sp>
+        <p:nvSpPr>
+          <p:cNvPr id="194" name="TextBox 193">
+            <a:extLst>
+              <a:ext uri="{FF2B5EF4-FFF2-40B4-BE49-F238E27FC236}">
+                <a16:creationId xmlns:a16="http://schemas.microsoft.com/office/drawing/2014/main" id="{2BD40E0A-0AA0-6257-8FDE-7C01BFCB5444}"/>
+              </a:ext>
+            </a:extLst>
+          </p:cNvPr>
+          <p:cNvSpPr txBox="1"/>
+          <p:nvPr/>
+        </p:nvSpPr>
+        <p:spPr>
+          <a:xfrm>
+            <a:off x="6416627" y="9321618"/>
+            <a:ext cx="467360" cy="523220"/>
+          </a:xfrm>
+          <a:prstGeom prst="rect">
+            <a:avLst/>
+          </a:prstGeom>
+          <a:noFill/>
+        </p:spPr>
+        <p:txBody>
+          <a:bodyPr wrap="square" rtlCol="0">
+            <a:spAutoFit/>
+          </a:bodyPr>
+          <a:lstStyle/>
+          <a:p>
+            <a:r>
+              <a:rPr lang="en-US" altLang="zh-TW" sz="2800" b="1" dirty="0">
+                <a:solidFill>
+                  <a:schemeClr val="accent6">
+                    <a:lumMod val="50000"/>
+                  </a:schemeClr>
+                </a:solidFill>
+                <a:latin typeface="Consolas" panose="020B0609020204030204" pitchFamily="49" charset="0"/>
+              </a:rPr>
+              <a:t>C</a:t>
+            </a:r>
+            <a:endParaRPr lang="en-GB" sz="2800" b="1" dirty="0">
+              <a:solidFill>
+                <a:schemeClr val="accent6">
+                  <a:lumMod val="50000"/>
+                </a:schemeClr>
+              </a:solidFill>
+              <a:latin typeface="Consolas" panose="020B0609020204030204" pitchFamily="49" charset="0"/>
+            </a:endParaRPr>
+          </a:p>
+        </p:txBody>
+      </p:sp>
+      <p:sp>
+        <p:nvSpPr>
+          <p:cNvPr id="195" name="TextBox 194">
+            <a:extLst>
+              <a:ext uri="{FF2B5EF4-FFF2-40B4-BE49-F238E27FC236}">
+                <a16:creationId xmlns:a16="http://schemas.microsoft.com/office/drawing/2014/main" id="{0B75A8B0-8268-6020-E052-E9D9A53F473A}"/>
+              </a:ext>
+            </a:extLst>
+          </p:cNvPr>
+          <p:cNvSpPr txBox="1"/>
+          <p:nvPr/>
+        </p:nvSpPr>
+        <p:spPr>
+          <a:xfrm>
+            <a:off x="3941649" y="9575033"/>
+            <a:ext cx="467360" cy="523220"/>
+          </a:xfrm>
+          <a:prstGeom prst="rect">
+            <a:avLst/>
+          </a:prstGeom>
+          <a:noFill/>
+        </p:spPr>
+        <p:txBody>
+          <a:bodyPr wrap="square" rtlCol="0">
+            <a:spAutoFit/>
+          </a:bodyPr>
+          <a:lstStyle/>
+          <a:p>
+            <a:r>
+              <a:rPr lang="en-US" altLang="zh-TW" sz="2800" b="1" dirty="0">
+                <a:solidFill>
+                  <a:schemeClr val="accent6">
+                    <a:lumMod val="50000"/>
+                  </a:schemeClr>
+                </a:solidFill>
+                <a:latin typeface="Consolas" panose="020B0609020204030204" pitchFamily="49" charset="0"/>
+              </a:rPr>
+              <a:t>B</a:t>
+            </a:r>
+            <a:endParaRPr lang="en-GB" sz="2800" b="1" dirty="0">
+              <a:solidFill>
+                <a:schemeClr val="accent6">
+                  <a:lumMod val="50000"/>
+                </a:schemeClr>
+              </a:solidFill>
+              <a:latin typeface="Consolas" panose="020B0609020204030204" pitchFamily="49" charset="0"/>
+            </a:endParaRPr>
+          </a:p>
+        </p:txBody>
+      </p:sp>
+      <p:sp>
+        <p:nvSpPr>
+          <p:cNvPr id="196" name="Rectangle 195">
+            <a:extLst>
+              <a:ext uri="{FF2B5EF4-FFF2-40B4-BE49-F238E27FC236}">
+                <a16:creationId xmlns:a16="http://schemas.microsoft.com/office/drawing/2014/main" id="{5A283689-D68C-C1C9-385A-FFC3D8CEC2DA}"/>
+              </a:ext>
+            </a:extLst>
+          </p:cNvPr>
+          <p:cNvSpPr/>
+          <p:nvPr/>
+        </p:nvSpPr>
+        <p:spPr>
+          <a:xfrm>
+            <a:off x="356805" y="7925901"/>
+            <a:ext cx="7824487" cy="2241726"/>
+          </a:xfrm>
+          <a:prstGeom prst="rect">
+            <a:avLst/>
+          </a:prstGeom>
+          <a:solidFill>
+            <a:schemeClr val="bg1">
+              <a:lumMod val="95000"/>
+            </a:schemeClr>
+          </a:solidFill>
+          <a:ln>
+            <a:noFill/>
+          </a:ln>
+        </p:spPr>
+        <p:style>
+          <a:lnRef idx="2">
+            <a:schemeClr val="accent1">
+              <a:shade val="15000"/>
+            </a:schemeClr>
+          </a:lnRef>
+          <a:fillRef idx="1">
+            <a:schemeClr val="accent1"/>
+          </a:fillRef>
+          <a:effectRef idx="0">
+            <a:schemeClr val="accent1"/>
+          </a:effectRef>
+          <a:fontRef idx="minor">
+            <a:schemeClr val="lt1"/>
+          </a:fontRef>
+        </p:style>
+        <p:txBody>
+          <a:bodyPr rtlCol="0" anchor="ctr"/>
+          <a:lstStyle/>
+          <a:p>
+            <a:pPr algn="ctr"/>
+            <a:endParaRPr lang="en-GB"/>
+          </a:p>
+        </p:txBody>
+      </p:sp>
+      <p:cxnSp>
+        <p:nvCxnSpPr>
+          <p:cNvPr id="197" name="Straight Connector 196">
+            <a:extLst>
+              <a:ext uri="{FF2B5EF4-FFF2-40B4-BE49-F238E27FC236}">
+                <a16:creationId xmlns:a16="http://schemas.microsoft.com/office/drawing/2014/main" id="{28E3266F-A33F-68E0-E71A-364590C9B5A4}"/>
+              </a:ext>
+            </a:extLst>
+          </p:cNvPr>
+          <p:cNvCxnSpPr>
+            <a:cxnSpLocks/>
+          </p:cNvCxnSpPr>
+          <p:nvPr/>
+        </p:nvCxnSpPr>
+        <p:spPr>
+          <a:xfrm>
+            <a:off x="1021997" y="8904501"/>
+            <a:ext cx="6774024" cy="0"/>
+          </a:xfrm>
+          <a:prstGeom prst="line">
+            <a:avLst/>
+          </a:prstGeom>
+          <a:ln w="57150">
+            <a:solidFill>
+              <a:srgbClr val="002060"/>
+            </a:solidFill>
+          </a:ln>
+        </p:spPr>
+        <p:style>
+          <a:lnRef idx="1">
+            <a:schemeClr val="accent1"/>
+          </a:lnRef>
+          <a:fillRef idx="0">
+            <a:schemeClr val="accent1"/>
+          </a:fillRef>
+          <a:effectRef idx="0">
+            <a:schemeClr val="accent1"/>
+          </a:effectRef>
+          <a:fontRef idx="minor">
+            <a:schemeClr val="tx1"/>
+          </a:fontRef>
+        </p:style>
+      </p:cxnSp>
+      <p:sp>
+        <p:nvSpPr>
+          <p:cNvPr id="201" name="Oval 200">
+            <a:extLst>
+              <a:ext uri="{FF2B5EF4-FFF2-40B4-BE49-F238E27FC236}">
+                <a16:creationId xmlns:a16="http://schemas.microsoft.com/office/drawing/2014/main" id="{C95BAA38-2FAB-20A0-6D7E-435EF12C78BC}"/>
+              </a:ext>
+            </a:extLst>
+          </p:cNvPr>
+          <p:cNvSpPr/>
+          <p:nvPr/>
+        </p:nvSpPr>
+        <p:spPr>
+          <a:xfrm>
+            <a:off x="1516516" y="8783845"/>
+            <a:ext cx="223939" cy="223939"/>
+          </a:xfrm>
+          <a:prstGeom prst="ellipse">
+            <a:avLst/>
+          </a:prstGeom>
+          <a:solidFill>
+            <a:srgbClr val="FF0000"/>
+          </a:solidFill>
+          <a:ln>
+            <a:noFill/>
+          </a:ln>
+        </p:spPr>
+        <p:style>
+          <a:lnRef idx="2">
+            <a:schemeClr val="accent1">
+              <a:shade val="15000"/>
+            </a:schemeClr>
+          </a:lnRef>
+          <a:fillRef idx="1">
+            <a:schemeClr val="accent1"/>
+          </a:fillRef>
+          <a:effectRef idx="0">
+            <a:schemeClr val="accent1"/>
+          </a:effectRef>
+          <a:fontRef idx="minor">
+            <a:schemeClr val="lt1"/>
+          </a:fontRef>
+        </p:style>
+        <p:txBody>
+          <a:bodyPr rtlCol="0" anchor="ctr"/>
+          <a:lstStyle/>
+          <a:p>
+            <a:pPr algn="ctr"/>
+            <a:endParaRPr lang="en-GB"/>
+          </a:p>
+        </p:txBody>
+      </p:sp>
+      <p:sp>
+        <p:nvSpPr>
+          <p:cNvPr id="202" name="Oval 201">
+            <a:extLst>
+              <a:ext uri="{FF2B5EF4-FFF2-40B4-BE49-F238E27FC236}">
+                <a16:creationId xmlns:a16="http://schemas.microsoft.com/office/drawing/2014/main" id="{8CAA3C7D-3AF0-7198-A5CC-AFFF931D47C3}"/>
+              </a:ext>
+            </a:extLst>
+          </p:cNvPr>
+          <p:cNvSpPr/>
+          <p:nvPr/>
+        </p:nvSpPr>
+        <p:spPr>
+          <a:xfrm>
+            <a:off x="4024724" y="8789621"/>
+            <a:ext cx="223939" cy="223939"/>
+          </a:xfrm>
+          <a:prstGeom prst="ellipse">
+            <a:avLst/>
+          </a:prstGeom>
+          <a:solidFill>
+            <a:srgbClr val="FF0000"/>
+          </a:solidFill>
+          <a:ln>
+            <a:noFill/>
+          </a:ln>
+        </p:spPr>
+        <p:style>
+          <a:lnRef idx="2">
+            <a:schemeClr val="accent1">
+              <a:shade val="15000"/>
+            </a:schemeClr>
+          </a:lnRef>
+          <a:fillRef idx="1">
+            <a:schemeClr val="accent1"/>
+          </a:fillRef>
+          <a:effectRef idx="0">
+            <a:schemeClr val="accent1"/>
+          </a:effectRef>
+          <a:fontRef idx="minor">
+            <a:schemeClr val="lt1"/>
+          </a:fontRef>
+        </p:style>
+        <p:txBody>
+          <a:bodyPr rtlCol="0" anchor="ctr"/>
+          <a:lstStyle/>
+          <a:p>
+            <a:pPr algn="ctr"/>
+            <a:endParaRPr lang="en-GB"/>
+          </a:p>
+        </p:txBody>
+      </p:sp>
+      <p:sp>
+        <p:nvSpPr>
+          <p:cNvPr id="203" name="Oval 202">
+            <a:extLst>
+              <a:ext uri="{FF2B5EF4-FFF2-40B4-BE49-F238E27FC236}">
+                <a16:creationId xmlns:a16="http://schemas.microsoft.com/office/drawing/2014/main" id="{D872A862-6477-B8B6-80F1-703914EDCE75}"/>
+              </a:ext>
+            </a:extLst>
+          </p:cNvPr>
+          <p:cNvSpPr/>
+          <p:nvPr/>
+        </p:nvSpPr>
+        <p:spPr>
+          <a:xfrm>
+            <a:off x="6475739" y="8783845"/>
+            <a:ext cx="223939" cy="223939"/>
+          </a:xfrm>
+          <a:prstGeom prst="ellipse">
+            <a:avLst/>
+          </a:prstGeom>
+          <a:solidFill>
+            <a:srgbClr val="FF0000"/>
+          </a:solidFill>
+          <a:ln>
+            <a:noFill/>
+          </a:ln>
+        </p:spPr>
+        <p:style>
+          <a:lnRef idx="2">
+            <a:schemeClr val="accent1">
+              <a:shade val="15000"/>
+            </a:schemeClr>
+          </a:lnRef>
+          <a:fillRef idx="1">
+            <a:schemeClr val="accent1"/>
+          </a:fillRef>
+          <a:effectRef idx="0">
+            <a:schemeClr val="accent1"/>
+          </a:effectRef>
+          <a:fontRef idx="minor">
+            <a:schemeClr val="lt1"/>
+          </a:fontRef>
+        </p:style>
+        <p:txBody>
+          <a:bodyPr rtlCol="0" anchor="ctr"/>
+          <a:lstStyle/>
+          <a:p>
+            <a:pPr algn="ctr"/>
+            <a:endParaRPr lang="en-GB"/>
+          </a:p>
+        </p:txBody>
+      </p:sp>
+      <p:sp>
+        <p:nvSpPr>
+          <p:cNvPr id="204" name="TextBox 203">
+            <a:extLst>
+              <a:ext uri="{FF2B5EF4-FFF2-40B4-BE49-F238E27FC236}">
+                <a16:creationId xmlns:a16="http://schemas.microsoft.com/office/drawing/2014/main" id="{9E2E79AA-E9D4-880F-814D-3FF28ABE55CD}"/>
+              </a:ext>
+            </a:extLst>
+          </p:cNvPr>
+          <p:cNvSpPr txBox="1"/>
+          <p:nvPr/>
+        </p:nvSpPr>
+        <p:spPr>
+          <a:xfrm>
+            <a:off x="1397343" y="8953407"/>
+            <a:ext cx="467360" cy="523220"/>
+          </a:xfrm>
+          <a:prstGeom prst="rect">
+            <a:avLst/>
+          </a:prstGeom>
+          <a:noFill/>
+        </p:spPr>
+        <p:txBody>
+          <a:bodyPr wrap="square" rtlCol="0">
+            <a:spAutoFit/>
+          </a:bodyPr>
+          <a:lstStyle/>
+          <a:p>
+            <a:r>
+              <a:rPr lang="en-US" altLang="zh-TW" sz="2800" b="1" dirty="0">
+                <a:solidFill>
+                  <a:srgbClr val="FF0000"/>
+                </a:solidFill>
+                <a:latin typeface="Consolas" panose="020B0609020204030204" pitchFamily="49" charset="0"/>
+              </a:rPr>
+              <a:t>A’</a:t>
+            </a:r>
+            <a:endParaRPr lang="en-GB" sz="2800" b="1" dirty="0">
+              <a:solidFill>
+                <a:srgbClr val="FF0000"/>
+              </a:solidFill>
+              <a:latin typeface="Consolas" panose="020B0609020204030204" pitchFamily="49" charset="0"/>
+            </a:endParaRPr>
+          </a:p>
+        </p:txBody>
+      </p:sp>
+      <p:sp>
+        <p:nvSpPr>
+          <p:cNvPr id="205" name="TextBox 204">
+            <a:extLst>
+              <a:ext uri="{FF2B5EF4-FFF2-40B4-BE49-F238E27FC236}">
+                <a16:creationId xmlns:a16="http://schemas.microsoft.com/office/drawing/2014/main" id="{B9B24B5A-281B-49BE-43D8-BC4E0C226652}"/>
+              </a:ext>
+            </a:extLst>
+          </p:cNvPr>
+          <p:cNvSpPr txBox="1"/>
+          <p:nvPr/>
+        </p:nvSpPr>
+        <p:spPr>
+          <a:xfrm>
+            <a:off x="3869521" y="8259300"/>
+            <a:ext cx="683429" cy="523220"/>
+          </a:xfrm>
+          <a:prstGeom prst="rect">
+            <a:avLst/>
+          </a:prstGeom>
+          <a:noFill/>
+        </p:spPr>
+        <p:txBody>
+          <a:bodyPr wrap="square" rtlCol="0">
+            <a:spAutoFit/>
+          </a:bodyPr>
+          <a:lstStyle/>
+          <a:p>
+            <a:r>
+              <a:rPr lang="en-US" altLang="zh-TW" sz="2800" b="1" dirty="0">
+                <a:solidFill>
+                  <a:srgbClr val="FF0000"/>
+                </a:solidFill>
+                <a:latin typeface="Consolas" panose="020B0609020204030204" pitchFamily="49" charset="0"/>
+              </a:rPr>
+              <a:t>B’</a:t>
+            </a:r>
+            <a:endParaRPr lang="en-GB" sz="2800" b="1" dirty="0">
+              <a:solidFill>
+                <a:srgbClr val="FF0000"/>
+              </a:solidFill>
+              <a:latin typeface="Consolas" panose="020B0609020204030204" pitchFamily="49" charset="0"/>
+            </a:endParaRPr>
+          </a:p>
+        </p:txBody>
+      </p:sp>
+      <p:sp>
+        <p:nvSpPr>
+          <p:cNvPr id="206" name="TextBox 205">
+            <a:extLst>
+              <a:ext uri="{FF2B5EF4-FFF2-40B4-BE49-F238E27FC236}">
+                <a16:creationId xmlns:a16="http://schemas.microsoft.com/office/drawing/2014/main" id="{BC0C6A99-78D8-A00E-CD1D-108E29FE5CC9}"/>
+              </a:ext>
+            </a:extLst>
+          </p:cNvPr>
+          <p:cNvSpPr txBox="1"/>
+          <p:nvPr/>
+        </p:nvSpPr>
+        <p:spPr>
+          <a:xfrm>
+            <a:off x="6306398" y="8259300"/>
+            <a:ext cx="467360" cy="523220"/>
+          </a:xfrm>
+          <a:prstGeom prst="rect">
+            <a:avLst/>
+          </a:prstGeom>
+          <a:noFill/>
+        </p:spPr>
+        <p:txBody>
+          <a:bodyPr wrap="square" rtlCol="0">
+            <a:spAutoFit/>
+          </a:bodyPr>
+          <a:lstStyle/>
+          <a:p>
+            <a:r>
+              <a:rPr lang="en-US" altLang="zh-TW" sz="2800" b="1" dirty="0">
+                <a:solidFill>
+                  <a:srgbClr val="FF0000"/>
+                </a:solidFill>
+                <a:latin typeface="Consolas" panose="020B0609020204030204" pitchFamily="49" charset="0"/>
+              </a:rPr>
+              <a:t>C’</a:t>
+            </a:r>
+            <a:endParaRPr lang="en-GB" sz="2800" b="1" dirty="0">
+              <a:solidFill>
+                <a:srgbClr val="FF0000"/>
+              </a:solidFill>
+              <a:latin typeface="Consolas" panose="020B0609020204030204" pitchFamily="49" charset="0"/>
+            </a:endParaRPr>
+          </a:p>
+        </p:txBody>
+      </p:sp>
+      <p:sp>
+        <p:nvSpPr>
+          <p:cNvPr id="126" name="Left Brace 125">
+            <a:extLst>
+              <a:ext uri="{FF2B5EF4-FFF2-40B4-BE49-F238E27FC236}">
+                <a16:creationId xmlns:a16="http://schemas.microsoft.com/office/drawing/2014/main" id="{E8BD1002-B5AB-F3F8-EAAB-1DD63A5743CB}"/>
+              </a:ext>
+            </a:extLst>
+          </p:cNvPr>
+          <p:cNvSpPr/>
+          <p:nvPr/>
+        </p:nvSpPr>
+        <p:spPr>
+          <a:xfrm rot="16200000">
+            <a:off x="2731331" y="7878815"/>
+            <a:ext cx="261257" cy="2499295"/>
+          </a:xfrm>
+          <a:prstGeom prst="leftBrace">
+            <a:avLst/>
+          </a:prstGeom>
+          <a:ln w="38100">
+            <a:solidFill>
+              <a:schemeClr val="accent2">
+                <a:lumMod val="50000"/>
+              </a:schemeClr>
+            </a:solidFill>
+          </a:ln>
+        </p:spPr>
+        <p:style>
+          <a:lnRef idx="1">
+            <a:schemeClr val="accent1"/>
+          </a:lnRef>
+          <a:fillRef idx="0">
+            <a:schemeClr val="accent1"/>
+          </a:fillRef>
+          <a:effectRef idx="0">
+            <a:schemeClr val="accent1"/>
+          </a:effectRef>
+          <a:fontRef idx="minor">
+            <a:schemeClr val="tx1"/>
+          </a:fontRef>
+        </p:style>
+        <p:txBody>
+          <a:bodyPr rtlCol="0" anchor="ctr"/>
+          <a:lstStyle/>
+          <a:p>
+            <a:pPr algn="ctr"/>
+            <a:endParaRPr lang="en-GB"/>
+          </a:p>
+        </p:txBody>
+      </p:sp>
+      <p:sp>
+        <p:nvSpPr>
+          <p:cNvPr id="128" name="Left Brace 127">
+            <a:extLst>
+              <a:ext uri="{FF2B5EF4-FFF2-40B4-BE49-F238E27FC236}">
+                <a16:creationId xmlns:a16="http://schemas.microsoft.com/office/drawing/2014/main" id="{4A10F197-6492-EEB4-F445-B3B39C5440B4}"/>
+              </a:ext>
+            </a:extLst>
+          </p:cNvPr>
+          <p:cNvSpPr/>
+          <p:nvPr/>
+        </p:nvSpPr>
+        <p:spPr>
+          <a:xfrm rot="16200000">
+            <a:off x="5254408" y="7931235"/>
+            <a:ext cx="261257" cy="2394455"/>
+          </a:xfrm>
+          <a:prstGeom prst="leftBrace">
+            <a:avLst/>
+          </a:prstGeom>
+          <a:ln w="38100">
+            <a:solidFill>
+              <a:schemeClr val="accent2">
+                <a:lumMod val="50000"/>
+              </a:schemeClr>
+            </a:solidFill>
+          </a:ln>
+        </p:spPr>
+        <p:style>
+          <a:lnRef idx="1">
+            <a:schemeClr val="accent1"/>
+          </a:lnRef>
+          <a:fillRef idx="0">
+            <a:schemeClr val="accent1"/>
+          </a:fillRef>
+          <a:effectRef idx="0">
+            <a:schemeClr val="accent1"/>
+          </a:effectRef>
+          <a:fontRef idx="minor">
+            <a:schemeClr val="tx1"/>
+          </a:fontRef>
+        </p:style>
+        <p:txBody>
+          <a:bodyPr rtlCol="0" anchor="ctr"/>
+          <a:lstStyle/>
+          <a:p>
+            <a:pPr algn="ctr"/>
+            <a:endParaRPr lang="en-GB"/>
+          </a:p>
+        </p:txBody>
+      </p:sp>
+      <mc:AlternateContent xmlns:mc="http://schemas.openxmlformats.org/markup-compatibility/2006">
+        <mc:Choice xmlns:a14="http://schemas.microsoft.com/office/drawing/2010/main" Requires="a14">
+          <p:sp>
+            <p:nvSpPr>
+              <p:cNvPr id="129" name="TextBox 128">
+                <a:extLst>
+                  <a:ext uri="{FF2B5EF4-FFF2-40B4-BE49-F238E27FC236}">
+                    <a16:creationId xmlns:a16="http://schemas.microsoft.com/office/drawing/2014/main" id="{C7ED75B0-536C-88B7-1E3B-2E8721BEE356}"/>
+                  </a:ext>
+                </a:extLst>
+              </p:cNvPr>
+              <p:cNvSpPr txBox="1"/>
+              <p:nvPr/>
+            </p:nvSpPr>
+            <p:spPr>
+              <a:xfrm>
+                <a:off x="2223739" y="9347563"/>
+                <a:ext cx="1276439" cy="309444"/>
+              </a:xfrm>
+              <a:prstGeom prst="rect">
+                <a:avLst/>
+              </a:prstGeom>
+              <a:noFill/>
+            </p:spPr>
+            <p:txBody>
+              <a:bodyPr wrap="none" lIns="0" tIns="0" rIns="0" bIns="0" rtlCol="0">
+                <a:spAutoFit/>
+              </a:bodyPr>
+              <a:lstStyle/>
+              <a:p>
+                <a14:m>
+                  <m:oMathPara xmlns:m="http://schemas.openxmlformats.org/officeDocument/2006/math">
+                    <m:oMathParaPr>
+                      <m:jc m:val="centerGroup"/>
+                    </m:oMathParaPr>
+                    <m:oMath xmlns:m="http://schemas.openxmlformats.org/officeDocument/2006/math">
+                      <m:r>
+                        <a:rPr lang="en-US" sz="2000" b="1" i="1" smtClean="0">
+                          <a:solidFill>
+                            <a:schemeClr val="accent2">
+                              <a:lumMod val="50000"/>
+                            </a:schemeClr>
+                          </a:solidFill>
+                          <a:latin typeface="Cambria Math" panose="02040503050406030204" pitchFamily="18" charset="0"/>
+                        </a:rPr>
+                        <m:t>𝒅𝒊𝒔𝒕</m:t>
+                      </m:r>
+                      <m:r>
+                        <a:rPr lang="en-US" sz="2000" b="1" i="1" smtClean="0">
+                          <a:solidFill>
+                            <a:schemeClr val="accent2">
+                              <a:lumMod val="50000"/>
+                            </a:schemeClr>
+                          </a:solidFill>
+                          <a:latin typeface="Cambria Math" panose="02040503050406030204" pitchFamily="18" charset="0"/>
+                        </a:rPr>
+                        <m:t>(</m:t>
+                      </m:r>
+                      <m:acc>
+                        <m:accPr>
+                          <m:chr m:val="̅"/>
+                          <m:ctrlPr>
+                            <a:rPr lang="en-US" sz="2000" b="1" i="1" smtClean="0">
+                              <a:solidFill>
+                                <a:schemeClr val="accent2">
+                                  <a:lumMod val="50000"/>
+                                </a:schemeClr>
+                              </a:solidFill>
+                              <a:latin typeface="Cambria Math" panose="02040503050406030204" pitchFamily="18" charset="0"/>
+                            </a:rPr>
+                          </m:ctrlPr>
+                        </m:accPr>
+                        <m:e>
+                          <m:sSup>
+                            <m:sSupPr>
+                              <m:ctrlPr>
+                                <a:rPr lang="en-US" altLang="zh-TW" sz="2000" b="1" i="1">
+                                  <a:solidFill>
+                                    <a:schemeClr val="accent2">
+                                      <a:lumMod val="50000"/>
+                                    </a:schemeClr>
+                                  </a:solidFill>
+                                  <a:latin typeface="Cambria Math" panose="02040503050406030204" pitchFamily="18" charset="0"/>
+                                </a:rPr>
+                              </m:ctrlPr>
+                            </m:sSupPr>
+                            <m:e>
+                              <m:r>
+                                <a:rPr lang="en-US" altLang="zh-TW" sz="2000" b="1" i="1">
+                                  <a:solidFill>
+                                    <a:schemeClr val="accent2">
+                                      <a:lumMod val="50000"/>
+                                    </a:schemeClr>
+                                  </a:solidFill>
+                                  <a:latin typeface="Cambria Math" panose="02040503050406030204" pitchFamily="18" charset="0"/>
+                                </a:rPr>
+                                <m:t>𝑨</m:t>
+                              </m:r>
+                            </m:e>
+                            <m:sup>
+                              <m:r>
+                                <a:rPr lang="en-US" altLang="zh-TW" sz="2000" b="1" i="1">
+                                  <a:solidFill>
+                                    <a:schemeClr val="accent2">
+                                      <a:lumMod val="50000"/>
+                                    </a:schemeClr>
+                                  </a:solidFill>
+                                  <a:latin typeface="Cambria Math" panose="02040503050406030204" pitchFamily="18" charset="0"/>
+                                </a:rPr>
+                                <m:t>′</m:t>
+                              </m:r>
+                            </m:sup>
+                          </m:sSup>
+                          <m:sSup>
+                            <m:sSupPr>
+                              <m:ctrlPr>
+                                <a:rPr lang="en-US" altLang="zh-TW" sz="2000" b="1" i="1">
+                                  <a:solidFill>
+                                    <a:schemeClr val="accent2">
+                                      <a:lumMod val="50000"/>
+                                    </a:schemeClr>
+                                  </a:solidFill>
+                                  <a:latin typeface="Cambria Math" panose="02040503050406030204" pitchFamily="18" charset="0"/>
+                                </a:rPr>
+                              </m:ctrlPr>
+                            </m:sSupPr>
+                            <m:e>
+                              <m:r>
+                                <a:rPr lang="en-US" altLang="zh-TW" sz="2000" b="1" i="1">
+                                  <a:solidFill>
+                                    <a:schemeClr val="accent2">
+                                      <a:lumMod val="50000"/>
+                                    </a:schemeClr>
+                                  </a:solidFill>
+                                  <a:latin typeface="Cambria Math" panose="02040503050406030204" pitchFamily="18" charset="0"/>
+                                </a:rPr>
+                                <m:t>𝑩</m:t>
+                              </m:r>
+                            </m:e>
+                            <m:sup>
+                              <m:r>
+                                <a:rPr lang="en-US" altLang="zh-TW" sz="2000" b="1" i="1">
+                                  <a:solidFill>
+                                    <a:schemeClr val="accent2">
+                                      <a:lumMod val="50000"/>
+                                    </a:schemeClr>
+                                  </a:solidFill>
+                                  <a:latin typeface="Cambria Math" panose="02040503050406030204" pitchFamily="18" charset="0"/>
+                                </a:rPr>
+                                <m:t>′</m:t>
+                              </m:r>
+                            </m:sup>
+                          </m:sSup>
+                        </m:e>
+                      </m:acc>
+                      <m:r>
+                        <a:rPr lang="en-US" sz="2000" b="1" i="1" smtClean="0">
+                          <a:solidFill>
+                            <a:schemeClr val="accent2">
+                              <a:lumMod val="50000"/>
+                            </a:schemeClr>
+                          </a:solidFill>
+                          <a:latin typeface="Cambria Math" panose="02040503050406030204" pitchFamily="18" charset="0"/>
+                        </a:rPr>
+                        <m:t>)</m:t>
+                      </m:r>
+                    </m:oMath>
+                  </m:oMathPara>
+                </a14:m>
+                <a:endParaRPr lang="en-GB" sz="2000" b="1" dirty="0">
+                  <a:solidFill>
+                    <a:schemeClr val="accent2">
+                      <a:lumMod val="50000"/>
+                    </a:schemeClr>
+                  </a:solidFill>
+                </a:endParaRPr>
+              </a:p>
+            </p:txBody>
+          </p:sp>
+        </mc:Choice>
+        <mc:Fallback>
+          <p:sp>
+            <p:nvSpPr>
+              <p:cNvPr id="129" name="TextBox 128">
+                <a:extLst>
+                  <a:ext uri="{FF2B5EF4-FFF2-40B4-BE49-F238E27FC236}">
+                    <a16:creationId xmlns:a16="http://schemas.microsoft.com/office/drawing/2014/main" id="{C7ED75B0-536C-88B7-1E3B-2E8721BEE356}"/>
+                  </a:ext>
+                </a:extLst>
+              </p:cNvPr>
+              <p:cNvSpPr txBox="1">
+                <a:spLocks noRot="1" noChangeAspect="1" noMove="1" noResize="1" noEditPoints="1" noAdjustHandles="1" noChangeArrowheads="1" noChangeShapeType="1" noTextEdit="1"/>
+              </p:cNvSpPr>
+              <p:nvPr/>
+            </p:nvSpPr>
+            <p:spPr>
+              <a:xfrm>
+                <a:off x="2223739" y="9347563"/>
+                <a:ext cx="1276439" cy="309444"/>
+              </a:xfrm>
+              <a:prstGeom prst="rect">
+                <a:avLst/>
+              </a:prstGeom>
+              <a:blipFill>
+                <a:blip r:embed="rId2"/>
+                <a:stretch>
+                  <a:fillRect l="-4785" r="-7177" b="-35294"/>
+                </a:stretch>
+              </a:blipFill>
+            </p:spPr>
+            <p:txBody>
+              <a:bodyPr/>
+              <a:lstStyle/>
+              <a:p>
+                <a:r>
+                  <a:rPr lang="en-GB">
+                    <a:noFill/>
+                  </a:rPr>
+                  <a:t> </a:t>
+                </a:r>
+              </a:p>
+            </p:txBody>
+          </p:sp>
+        </mc:Fallback>
+      </mc:AlternateContent>
+      <mc:AlternateContent xmlns:mc="http://schemas.openxmlformats.org/markup-compatibility/2006">
+        <mc:Choice xmlns:a14="http://schemas.microsoft.com/office/drawing/2010/main" Requires="a14">
+          <p:sp>
+            <p:nvSpPr>
+              <p:cNvPr id="131" name="TextBox 130">
+                <a:extLst>
+                  <a:ext uri="{FF2B5EF4-FFF2-40B4-BE49-F238E27FC236}">
+                    <a16:creationId xmlns:a16="http://schemas.microsoft.com/office/drawing/2014/main" id="{CC8107D0-0F2C-29BC-9E1E-6563A73B5277}"/>
+                  </a:ext>
+                </a:extLst>
+              </p:cNvPr>
+              <p:cNvSpPr txBox="1"/>
+              <p:nvPr/>
+            </p:nvSpPr>
+            <p:spPr>
+              <a:xfrm>
+                <a:off x="4746816" y="9347563"/>
+                <a:ext cx="1266821" cy="309444"/>
+              </a:xfrm>
+              <a:prstGeom prst="rect">
+                <a:avLst/>
+              </a:prstGeom>
+              <a:noFill/>
+            </p:spPr>
+            <p:txBody>
+              <a:bodyPr wrap="none" lIns="0" tIns="0" rIns="0" bIns="0" rtlCol="0">
+                <a:spAutoFit/>
+              </a:bodyPr>
+              <a:lstStyle/>
+              <a:p>
+                <a14:m>
+                  <m:oMathPara xmlns:m="http://schemas.openxmlformats.org/officeDocument/2006/math">
+                    <m:oMathParaPr>
+                      <m:jc m:val="centerGroup"/>
+                    </m:oMathParaPr>
+                    <m:oMath xmlns:m="http://schemas.openxmlformats.org/officeDocument/2006/math">
+                      <m:r>
+                        <a:rPr lang="en-US" sz="2000" b="1" i="1" smtClean="0">
+                          <a:solidFill>
+                            <a:schemeClr val="accent2">
+                              <a:lumMod val="50000"/>
+                            </a:schemeClr>
+                          </a:solidFill>
+                          <a:latin typeface="Cambria Math" panose="02040503050406030204" pitchFamily="18" charset="0"/>
+                        </a:rPr>
+                        <m:t>𝒅𝒊𝒔𝒕</m:t>
+                      </m:r>
+                      <m:r>
+                        <a:rPr lang="en-US" sz="2000" b="1" i="1" smtClean="0">
+                          <a:solidFill>
+                            <a:schemeClr val="accent2">
+                              <a:lumMod val="50000"/>
+                            </a:schemeClr>
+                          </a:solidFill>
+                          <a:latin typeface="Cambria Math" panose="02040503050406030204" pitchFamily="18" charset="0"/>
+                        </a:rPr>
+                        <m:t>(</m:t>
+                      </m:r>
+                      <m:acc>
+                        <m:accPr>
+                          <m:chr m:val="̅"/>
+                          <m:ctrlPr>
+                            <a:rPr lang="en-US" sz="2000" b="1" i="1" smtClean="0">
+                              <a:solidFill>
+                                <a:schemeClr val="accent2">
+                                  <a:lumMod val="50000"/>
+                                </a:schemeClr>
+                              </a:solidFill>
+                              <a:latin typeface="Cambria Math" panose="02040503050406030204" pitchFamily="18" charset="0"/>
+                            </a:rPr>
+                          </m:ctrlPr>
+                        </m:accPr>
+                        <m:e>
+                          <m:sSup>
+                            <m:sSupPr>
+                              <m:ctrlPr>
+                                <a:rPr lang="en-US" altLang="zh-TW" sz="2000" b="1" i="1">
+                                  <a:solidFill>
+                                    <a:schemeClr val="accent2">
+                                      <a:lumMod val="50000"/>
+                                    </a:schemeClr>
+                                  </a:solidFill>
+                                  <a:latin typeface="Cambria Math" panose="02040503050406030204" pitchFamily="18" charset="0"/>
+                                </a:rPr>
+                              </m:ctrlPr>
+                            </m:sSupPr>
+                            <m:e>
+                              <m:r>
+                                <a:rPr lang="en-US" altLang="zh-TW" sz="2000" b="1" i="1" smtClean="0">
+                                  <a:solidFill>
+                                    <a:schemeClr val="accent2">
+                                      <a:lumMod val="50000"/>
+                                    </a:schemeClr>
+                                  </a:solidFill>
+                                  <a:latin typeface="Cambria Math" panose="02040503050406030204" pitchFamily="18" charset="0"/>
+                                </a:rPr>
+                                <m:t>𝑩</m:t>
+                              </m:r>
+                            </m:e>
+                            <m:sup>
+                              <m:r>
+                                <a:rPr lang="en-US" altLang="zh-TW" sz="2000" b="1" i="1">
+                                  <a:solidFill>
+                                    <a:schemeClr val="accent2">
+                                      <a:lumMod val="50000"/>
+                                    </a:schemeClr>
+                                  </a:solidFill>
+                                  <a:latin typeface="Cambria Math" panose="02040503050406030204" pitchFamily="18" charset="0"/>
+                                </a:rPr>
+                                <m:t>′</m:t>
+                              </m:r>
+                            </m:sup>
+                          </m:sSup>
+                          <m:sSup>
+                            <m:sSupPr>
+                              <m:ctrlPr>
+                                <a:rPr lang="en-US" altLang="zh-TW" sz="2000" b="1" i="1">
+                                  <a:solidFill>
+                                    <a:schemeClr val="accent2">
+                                      <a:lumMod val="50000"/>
+                                    </a:schemeClr>
+                                  </a:solidFill>
+                                  <a:latin typeface="Cambria Math" panose="02040503050406030204" pitchFamily="18" charset="0"/>
+                                </a:rPr>
+                              </m:ctrlPr>
+                            </m:sSupPr>
+                            <m:e>
+                              <m:r>
+                                <a:rPr lang="en-US" altLang="zh-TW" sz="2000" b="1" i="1" smtClean="0">
+                                  <a:solidFill>
+                                    <a:schemeClr val="accent2">
+                                      <a:lumMod val="50000"/>
+                                    </a:schemeClr>
+                                  </a:solidFill>
+                                  <a:latin typeface="Cambria Math" panose="02040503050406030204" pitchFamily="18" charset="0"/>
+                                </a:rPr>
+                                <m:t>𝑪</m:t>
+                              </m:r>
+                            </m:e>
+                            <m:sup>
+                              <m:r>
+                                <a:rPr lang="en-US" altLang="zh-TW" sz="2000" b="1" i="1">
+                                  <a:solidFill>
+                                    <a:schemeClr val="accent2">
+                                      <a:lumMod val="50000"/>
+                                    </a:schemeClr>
+                                  </a:solidFill>
+                                  <a:latin typeface="Cambria Math" panose="02040503050406030204" pitchFamily="18" charset="0"/>
+                                </a:rPr>
+                                <m:t>′</m:t>
+                              </m:r>
+                            </m:sup>
+                          </m:sSup>
+                        </m:e>
+                      </m:acc>
+                      <m:r>
+                        <a:rPr lang="en-US" sz="2000" b="1" i="1" smtClean="0">
+                          <a:solidFill>
+                            <a:schemeClr val="accent2">
+                              <a:lumMod val="50000"/>
+                            </a:schemeClr>
+                          </a:solidFill>
+                          <a:latin typeface="Cambria Math" panose="02040503050406030204" pitchFamily="18" charset="0"/>
+                        </a:rPr>
+                        <m:t>)</m:t>
+                      </m:r>
+                    </m:oMath>
+                  </m:oMathPara>
+                </a14:m>
+                <a:endParaRPr lang="en-GB" sz="2000" b="1" i="1" dirty="0">
+                  <a:solidFill>
+                    <a:schemeClr val="accent2">
+                      <a:lumMod val="50000"/>
+                    </a:schemeClr>
+                  </a:solidFill>
+                </a:endParaRPr>
+              </a:p>
+            </p:txBody>
+          </p:sp>
+        </mc:Choice>
+        <mc:Fallback>
+          <p:sp>
+            <p:nvSpPr>
+              <p:cNvPr id="131" name="TextBox 130">
+                <a:extLst>
+                  <a:ext uri="{FF2B5EF4-FFF2-40B4-BE49-F238E27FC236}">
+                    <a16:creationId xmlns:a16="http://schemas.microsoft.com/office/drawing/2014/main" id="{CC8107D0-0F2C-29BC-9E1E-6563A73B5277}"/>
+                  </a:ext>
+                </a:extLst>
+              </p:cNvPr>
+              <p:cNvSpPr txBox="1">
+                <a:spLocks noRot="1" noChangeAspect="1" noMove="1" noResize="1" noEditPoints="1" noAdjustHandles="1" noChangeArrowheads="1" noChangeShapeType="1" noTextEdit="1"/>
+              </p:cNvSpPr>
+              <p:nvPr/>
+            </p:nvSpPr>
+            <p:spPr>
+              <a:xfrm>
+                <a:off x="4746816" y="9347563"/>
+                <a:ext cx="1266821" cy="309444"/>
+              </a:xfrm>
+              <a:prstGeom prst="rect">
+                <a:avLst/>
+              </a:prstGeom>
+              <a:blipFill>
+                <a:blip r:embed="rId3"/>
+                <a:stretch>
+                  <a:fillRect l="-4831" r="-7729" b="-35294"/>
+                </a:stretch>
+              </a:blipFill>
+            </p:spPr>
+            <p:txBody>
+              <a:bodyPr/>
+              <a:lstStyle/>
+              <a:p>
+                <a:r>
+                  <a:rPr lang="en-GB">
+                    <a:noFill/>
+                  </a:rPr>
+                  <a:t> </a:t>
+                </a:r>
+              </a:p>
+            </p:txBody>
+          </p:sp>
+        </mc:Fallback>
+      </mc:AlternateContent>
+      <p:sp>
+        <p:nvSpPr>
+          <p:cNvPr id="207" name="TextBox 206">
+            <a:extLst>
+              <a:ext uri="{FF2B5EF4-FFF2-40B4-BE49-F238E27FC236}">
+                <a16:creationId xmlns:a16="http://schemas.microsoft.com/office/drawing/2014/main" id="{0989DF36-C570-FBC0-88DF-0BBEAB1E16E5}"/>
+              </a:ext>
+            </a:extLst>
+          </p:cNvPr>
+          <p:cNvSpPr txBox="1"/>
+          <p:nvPr/>
+        </p:nvSpPr>
+        <p:spPr>
+          <a:xfrm>
+            <a:off x="5638800" y="4678680"/>
+            <a:ext cx="65" cy="276999"/>
+          </a:xfrm>
+          <a:prstGeom prst="rect">
+            <a:avLst/>
+          </a:prstGeom>
+          <a:noFill/>
+        </p:spPr>
+        <p:txBody>
+          <a:bodyPr wrap="none" lIns="0" tIns="0" rIns="0" bIns="0" rtlCol="0">
+            <a:spAutoFit/>
+          </a:bodyPr>
+          <a:lstStyle/>
+          <a:p>
+            <a:endParaRPr lang="en-GB" dirty="0"/>
+          </a:p>
+        </p:txBody>
+      </p:sp>
+      <p:sp>
+        <p:nvSpPr>
+          <p:cNvPr id="208" name="TextBox 207">
+            <a:extLst>
+              <a:ext uri="{FF2B5EF4-FFF2-40B4-BE49-F238E27FC236}">
+                <a16:creationId xmlns:a16="http://schemas.microsoft.com/office/drawing/2014/main" id="{489ECCAC-B0D7-4D23-EAB0-AF006FB88AEB}"/>
+              </a:ext>
+            </a:extLst>
+          </p:cNvPr>
+          <p:cNvSpPr txBox="1"/>
+          <p:nvPr/>
+        </p:nvSpPr>
+        <p:spPr>
+          <a:xfrm>
+            <a:off x="686421" y="1378107"/>
+            <a:ext cx="495649" cy="861774"/>
+          </a:xfrm>
+          <a:prstGeom prst="rect">
+            <a:avLst/>
+          </a:prstGeom>
+          <a:noFill/>
+        </p:spPr>
+        <p:txBody>
+          <a:bodyPr wrap="square" rtlCol="0">
+            <a:spAutoFit/>
+          </a:bodyPr>
+          <a:lstStyle/>
+          <a:p>
+            <a:r>
+              <a:rPr lang="en-GB" sz="5000" b="1" dirty="0">
+                <a:solidFill>
+                  <a:srgbClr val="002060"/>
+                </a:solidFill>
+                <a:latin typeface="Consolas" panose="020B0609020204030204" pitchFamily="49" charset="0"/>
+              </a:rPr>
+              <a:t>①</a:t>
+            </a:r>
+          </a:p>
+        </p:txBody>
+      </p:sp>
+      <p:sp>
+        <p:nvSpPr>
+          <p:cNvPr id="211" name="TextBox 210">
+            <a:extLst>
+              <a:ext uri="{FF2B5EF4-FFF2-40B4-BE49-F238E27FC236}">
+                <a16:creationId xmlns:a16="http://schemas.microsoft.com/office/drawing/2014/main" id="{ABB54927-5268-FD83-E6C5-D0FEAFB8676A}"/>
+              </a:ext>
+            </a:extLst>
+          </p:cNvPr>
+          <p:cNvSpPr txBox="1"/>
+          <p:nvPr/>
+        </p:nvSpPr>
+        <p:spPr>
+          <a:xfrm>
+            <a:off x="686421" y="3870840"/>
+            <a:ext cx="495649" cy="861774"/>
+          </a:xfrm>
+          <a:prstGeom prst="rect">
+            <a:avLst/>
+          </a:prstGeom>
+          <a:noFill/>
+        </p:spPr>
+        <p:txBody>
+          <a:bodyPr wrap="square" rtlCol="0">
+            <a:spAutoFit/>
+          </a:bodyPr>
+          <a:lstStyle/>
+          <a:p>
+            <a:r>
+              <a:rPr lang="en-GB" sz="5000" b="1" dirty="0">
+                <a:solidFill>
+                  <a:srgbClr val="002060"/>
+                </a:solidFill>
+                <a:latin typeface="Consolas" panose="020B0609020204030204" pitchFamily="49" charset="0"/>
+              </a:rPr>
+              <a:t>②</a:t>
+            </a:r>
+          </a:p>
+        </p:txBody>
+      </p:sp>
+      <p:sp>
+        <p:nvSpPr>
+          <p:cNvPr id="212" name="TextBox 211">
+            <a:extLst>
+              <a:ext uri="{FF2B5EF4-FFF2-40B4-BE49-F238E27FC236}">
+                <a16:creationId xmlns:a16="http://schemas.microsoft.com/office/drawing/2014/main" id="{8C77E5D0-9DB9-5608-1A19-432471CBD53E}"/>
+              </a:ext>
+            </a:extLst>
+          </p:cNvPr>
+          <p:cNvSpPr txBox="1"/>
+          <p:nvPr/>
+        </p:nvSpPr>
+        <p:spPr>
+          <a:xfrm>
+            <a:off x="686421" y="6576887"/>
+            <a:ext cx="495649" cy="861774"/>
+          </a:xfrm>
+          <a:prstGeom prst="rect">
+            <a:avLst/>
+          </a:prstGeom>
+          <a:noFill/>
+        </p:spPr>
+        <p:txBody>
+          <a:bodyPr wrap="square" rtlCol="0">
+            <a:spAutoFit/>
+          </a:bodyPr>
+          <a:lstStyle/>
+          <a:p>
+            <a:r>
+              <a:rPr lang="en-GB" sz="5000" b="1" dirty="0">
+                <a:solidFill>
+                  <a:srgbClr val="002060"/>
+                </a:solidFill>
+                <a:latin typeface="Consolas" panose="020B0609020204030204" pitchFamily="49" charset="0"/>
+              </a:rPr>
+              <a:t>③</a:t>
+            </a:r>
+          </a:p>
+        </p:txBody>
+      </p:sp>
+      <p:sp>
+        <p:nvSpPr>
+          <p:cNvPr id="213" name="TextBox 212">
+            <a:extLst>
+              <a:ext uri="{FF2B5EF4-FFF2-40B4-BE49-F238E27FC236}">
+                <a16:creationId xmlns:a16="http://schemas.microsoft.com/office/drawing/2014/main" id="{99BC7EF5-1975-E5DB-7D12-50410256A690}"/>
+              </a:ext>
+            </a:extLst>
+          </p:cNvPr>
+          <p:cNvSpPr txBox="1"/>
+          <p:nvPr/>
+        </p:nvSpPr>
+        <p:spPr>
+          <a:xfrm>
+            <a:off x="686421" y="9068094"/>
+            <a:ext cx="495649" cy="861774"/>
+          </a:xfrm>
+          <a:prstGeom prst="rect">
+            <a:avLst/>
+          </a:prstGeom>
+          <a:noFill/>
+        </p:spPr>
+        <p:txBody>
+          <a:bodyPr wrap="square" rtlCol="0">
+            <a:spAutoFit/>
+          </a:bodyPr>
+          <a:lstStyle/>
+          <a:p>
+            <a:r>
+              <a:rPr lang="en-GB" sz="5000" b="1" dirty="0">
+                <a:solidFill>
+                  <a:srgbClr val="002060"/>
+                </a:solidFill>
+                <a:latin typeface="Consolas" panose="020B0609020204030204" pitchFamily="49" charset="0"/>
+              </a:rPr>
+              <a:t>④</a:t>
+            </a:r>
+          </a:p>
+        </p:txBody>
+      </p:sp>
+    </p:spTree>
+    <p:extLst>
+      <p:ext uri="{BB962C8B-B14F-4D97-AF65-F5344CB8AC3E}">
+        <p14:creationId xmlns:p14="http://schemas.microsoft.com/office/powerpoint/2010/main" val="908935971"/>
+      </p:ext>
+    </p:extLst>
+  </p:cSld>
+  <p:clrMapOvr>
+    <a:masterClrMapping/>
+  </p:clrMapOvr>
+</p:sld>
+</file>
+
 <file path=ppt/theme/theme1.xml><?xml version="1.0" encoding="utf-8"?>
 <a:theme xmlns:a="http://schemas.openxmlformats.org/drawingml/2006/main" name="Office 佈景主題">
   <a:themeElements>
@@ -4743,4 +9864,299 @@
     </a:ext>
   </a:extLst>
 </a:theme>
+</file>
+
+<file path=ppt/theme/theme2.xml><?xml version="1.0" encoding="utf-8"?>
+<a:theme xmlns:a="http://schemas.openxmlformats.org/drawingml/2006/main" name="Office Theme">
+  <a:themeElements>
+    <a:clrScheme name="Office">
+      <a:dk1>
+        <a:sysClr val="windowText" lastClr="000000"/>
+      </a:dk1>
+      <a:lt1>
+        <a:sysClr val="window" lastClr="FFFFFF"/>
+      </a:lt1>
+      <a:dk2>
+        <a:srgbClr val="44546A"/>
+      </a:dk2>
+      <a:lt2>
+        <a:srgbClr val="E7E6E6"/>
+      </a:lt2>
+      <a:accent1>
+        <a:srgbClr val="4472C4"/>
+      </a:accent1>
+      <a:accent2>
+        <a:srgbClr val="ED7D31"/>
+      </a:accent2>
+      <a:accent3>
+        <a:srgbClr val="A5A5A5"/>
+      </a:accent3>
+      <a:accent4>
+        <a:srgbClr val="FFC000"/>
+      </a:accent4>
+      <a:accent5>
+        <a:srgbClr val="5B9BD5"/>
+      </a:accent5>
+      <a:accent6>
+        <a:srgbClr val="70AD47"/>
+      </a:accent6>
+      <a:hlink>
+        <a:srgbClr val="0563C1"/>
+      </a:hlink>
+      <a:folHlink>
+        <a:srgbClr val="954F72"/>
+      </a:folHlink>
+    </a:clrScheme>
+    <a:fontScheme name="Office">
+      <a:majorFont>
+        <a:latin typeface="Calibri Light" panose="020F0302020204030204"/>
+        <a:ea typeface=""/>
+        <a:cs typeface=""/>
+        <a:font script="Jpan" typeface="游ゴシック Light"/>
+        <a:font script="Hang" typeface="맑은 고딕"/>
+        <a:font script="Hans" typeface="等线 Light"/>
+        <a:font script="Hant" typeface="新細明體"/>
+        <a:font script="Arab" typeface="Times New Roman"/>
+        <a:font script="Hebr" typeface="Times New Roman"/>
+        <a:font script="Thai" typeface="Angsana New"/>
+        <a:font script="Ethi" typeface="Nyala"/>
+        <a:font script="Beng" typeface="Vrinda"/>
+        <a:font script="Gujr" typeface="Shruti"/>
+        <a:font script="Khmr" typeface="MoolBoran"/>
+        <a:font script="Knda" typeface="Tunga"/>
+        <a:font script="Guru" typeface="Raavi"/>
+        <a:font script="Cans" typeface="Euphemia"/>
+        <a:font script="Cher" typeface="Plantagenet Cherokee"/>
+        <a:font script="Yiii" typeface="Microsoft Yi Baiti"/>
+        <a:font script="Tibt" typeface="Microsoft Himalaya"/>
+        <a:font script="Thaa" typeface="MV Boli"/>
+        <a:font script="Deva" typeface="Mangal"/>
+        <a:font script="Telu" typeface="Gautami"/>
+        <a:font script="Taml" typeface="Latha"/>
+        <a:font script="Syrc" typeface="Estrangelo Edessa"/>
+        <a:font script="Orya" typeface="Kalinga"/>
+        <a:font script="Mlym" typeface="Kartika"/>
+        <a:font script="Laoo" typeface="DokChampa"/>
+        <a:font script="Sinh" typeface="Iskoola Pota"/>
+        <a:font script="Mong" typeface="Mongolian Baiti"/>
+        <a:font script="Viet" typeface="Times New Roman"/>
+        <a:font script="Uigh" typeface="Microsoft Uighur"/>
+        <a:font script="Geor" typeface="Sylfaen"/>
+        <a:font script="Armn" typeface="Arial"/>
+        <a:font script="Bugi" typeface="Leelawadee UI"/>
+        <a:font script="Bopo" typeface="Microsoft JhengHei"/>
+        <a:font script="Java" typeface="Javanese Text"/>
+        <a:font script="Lisu" typeface="Segoe UI"/>
+        <a:font script="Mymr" typeface="Myanmar Text"/>
+        <a:font script="Nkoo" typeface="Ebrima"/>
+        <a:font script="Olck" typeface="Nirmala UI"/>
+        <a:font script="Osma" typeface="Ebrima"/>
+        <a:font script="Phag" typeface="Phagspa"/>
+        <a:font script="Syrn" typeface="Estrangelo Edessa"/>
+        <a:font script="Syrj" typeface="Estrangelo Edessa"/>
+        <a:font script="Syre" typeface="Estrangelo Edessa"/>
+        <a:font script="Sora" typeface="Nirmala UI"/>
+        <a:font script="Tale" typeface="Microsoft Tai Le"/>
+        <a:font script="Talu" typeface="Microsoft New Tai Lue"/>
+        <a:font script="Tfng" typeface="Ebrima"/>
+      </a:majorFont>
+      <a:minorFont>
+        <a:latin typeface="Calibri" panose="020F0502020204030204"/>
+        <a:ea typeface=""/>
+        <a:cs typeface=""/>
+        <a:font script="Jpan" typeface="游ゴシック"/>
+        <a:font script="Hang" typeface="맑은 고딕"/>
+        <a:font script="Hans" typeface="等线"/>
+        <a:font script="Hant" typeface="新細明體"/>
+        <a:font script="Arab" typeface="Arial"/>
+        <a:font script="Hebr" typeface="Arial"/>
+        <a:font script="Thai" typeface="Cordia New"/>
+        <a:font script="Ethi" typeface="Nyala"/>
+        <a:font script="Beng" typeface="Vrinda"/>
+        <a:font script="Gujr" typeface="Shruti"/>
+        <a:font script="Khmr" typeface="DaunPenh"/>
+        <a:font script="Knda" typeface="Tunga"/>
+        <a:font script="Guru" typeface="Raavi"/>
+        <a:font script="Cans" typeface="Euphemia"/>
+        <a:font script="Cher" typeface="Plantagenet Cherokee"/>
+        <a:font script="Yiii" typeface="Microsoft Yi Baiti"/>
+        <a:font script="Tibt" typeface="Microsoft Himalaya"/>
+        <a:font script="Thaa" typeface="MV Boli"/>
+        <a:font script="Deva" typeface="Mangal"/>
+        <a:font script="Telu" typeface="Gautami"/>
+        <a:font script="Taml" typeface="Latha"/>
+        <a:font script="Syrc" typeface="Estrangelo Edessa"/>
+        <a:font script="Orya" typeface="Kalinga"/>
+        <a:font script="Mlym" typeface="Kartika"/>
+        <a:font script="Laoo" typeface="DokChampa"/>
+        <a:font script="Sinh" typeface="Iskoola Pota"/>
+        <a:font script="Mong" typeface="Mongolian Baiti"/>
+        <a:font script="Viet" typeface="Arial"/>
+        <a:font script="Uigh" typeface="Microsoft Uighur"/>
+        <a:font script="Geor" typeface="Sylfaen"/>
+        <a:font script="Armn" typeface="Arial"/>
+        <a:font script="Bugi" typeface="Leelawadee UI"/>
+        <a:font script="Bopo" typeface="Microsoft JhengHei"/>
+        <a:font script="Java" typeface="Javanese Text"/>
+        <a:font script="Lisu" typeface="Segoe UI"/>
+        <a:font script="Mymr" typeface="Myanmar Text"/>
+        <a:font script="Nkoo" typeface="Ebrima"/>
+        <a:font script="Olck" typeface="Nirmala UI"/>
+        <a:font script="Osma" typeface="Ebrima"/>
+        <a:font script="Phag" typeface="Phagspa"/>
+        <a:font script="Syrn" typeface="Estrangelo Edessa"/>
+        <a:font script="Syrj" typeface="Estrangelo Edessa"/>
+        <a:font script="Syre" typeface="Estrangelo Edessa"/>
+        <a:font script="Sora" typeface="Nirmala UI"/>
+        <a:font script="Tale" typeface="Microsoft Tai Le"/>
+        <a:font script="Talu" typeface="Microsoft New Tai Lue"/>
+        <a:font script="Tfng" typeface="Ebrima"/>
+      </a:minorFont>
+    </a:fontScheme>
+    <a:fmtScheme name="Office">
+      <a:fillStyleLst>
+        <a:solidFill>
+          <a:schemeClr val="phClr"/>
+        </a:solidFill>
+        <a:gradFill rotWithShape="1">
+          <a:gsLst>
+            <a:gs pos="0">
+              <a:schemeClr val="phClr">
+                <a:lumMod val="110000"/>
+                <a:satMod val="105000"/>
+                <a:tint val="67000"/>
+              </a:schemeClr>
+            </a:gs>
+            <a:gs pos="50000">
+              <a:schemeClr val="phClr">
+                <a:lumMod val="105000"/>
+                <a:satMod val="103000"/>
+                <a:tint val="73000"/>
+              </a:schemeClr>
+            </a:gs>
+            <a:gs pos="100000">
+              <a:schemeClr val="phClr">
+                <a:lumMod val="105000"/>
+                <a:satMod val="109000"/>
+                <a:tint val="81000"/>
+              </a:schemeClr>
+            </a:gs>
+          </a:gsLst>
+          <a:lin ang="5400000" scaled="0"/>
+        </a:gradFill>
+        <a:gradFill rotWithShape="1">
+          <a:gsLst>
+            <a:gs pos="0">
+              <a:schemeClr val="phClr">
+                <a:satMod val="103000"/>
+                <a:lumMod val="102000"/>
+                <a:tint val="94000"/>
+              </a:schemeClr>
+            </a:gs>
+            <a:gs pos="50000">
+              <a:schemeClr val="phClr">
+                <a:satMod val="110000"/>
+                <a:lumMod val="100000"/>
+                <a:shade val="100000"/>
+              </a:schemeClr>
+            </a:gs>
+            <a:gs pos="100000">
+              <a:schemeClr val="phClr">
+                <a:lumMod val="99000"/>
+                <a:satMod val="120000"/>
+                <a:shade val="78000"/>
+              </a:schemeClr>
+            </a:gs>
+          </a:gsLst>
+          <a:lin ang="5400000" scaled="0"/>
+        </a:gradFill>
+      </a:fillStyleLst>
+      <a:lnStyleLst>
+        <a:ln w="6350" cap="flat" cmpd="sng" algn="ctr">
+          <a:solidFill>
+            <a:schemeClr val="phClr"/>
+          </a:solidFill>
+          <a:prstDash val="solid"/>
+          <a:miter lim="800000"/>
+        </a:ln>
+        <a:ln w="12700" cap="flat" cmpd="sng" algn="ctr">
+          <a:solidFill>
+            <a:schemeClr val="phClr"/>
+          </a:solidFill>
+          <a:prstDash val="solid"/>
+          <a:miter lim="800000"/>
+        </a:ln>
+        <a:ln w="19050" cap="flat" cmpd="sng" algn="ctr">
+          <a:solidFill>
+            <a:schemeClr val="phClr"/>
+          </a:solidFill>
+          <a:prstDash val="solid"/>
+          <a:miter lim="800000"/>
+        </a:ln>
+      </a:lnStyleLst>
+      <a:effectStyleLst>
+        <a:effectStyle>
+          <a:effectLst/>
+        </a:effectStyle>
+        <a:effectStyle>
+          <a:effectLst/>
+        </a:effectStyle>
+        <a:effectStyle>
+          <a:effectLst>
+            <a:outerShdw blurRad="57150" dist="19050" dir="5400000" algn="ctr" rotWithShape="0">
+              <a:srgbClr val="000000">
+                <a:alpha val="63000"/>
+              </a:srgbClr>
+            </a:outerShdw>
+          </a:effectLst>
+        </a:effectStyle>
+      </a:effectStyleLst>
+      <a:bgFillStyleLst>
+        <a:solidFill>
+          <a:schemeClr val="phClr"/>
+        </a:solidFill>
+        <a:solidFill>
+          <a:schemeClr val="phClr">
+            <a:tint val="95000"/>
+            <a:satMod val="170000"/>
+          </a:schemeClr>
+        </a:solidFill>
+        <a:gradFill rotWithShape="1">
+          <a:gsLst>
+            <a:gs pos="0">
+              <a:schemeClr val="phClr">
+                <a:tint val="93000"/>
+                <a:satMod val="150000"/>
+                <a:shade val="98000"/>
+                <a:lumMod val="102000"/>
+              </a:schemeClr>
+            </a:gs>
+            <a:gs pos="50000">
+              <a:schemeClr val="phClr">
+                <a:tint val="98000"/>
+                <a:satMod val="130000"/>
+                <a:shade val="90000"/>
+                <a:lumMod val="103000"/>
+              </a:schemeClr>
+            </a:gs>
+            <a:gs pos="100000">
+              <a:schemeClr val="phClr">
+                <a:shade val="63000"/>
+                <a:satMod val="120000"/>
+              </a:schemeClr>
+            </a:gs>
+          </a:gsLst>
+          <a:lin ang="5400000" scaled="0"/>
+        </a:gradFill>
+      </a:bgFillStyleLst>
+    </a:fmtScheme>
+  </a:themeElements>
+  <a:objectDefaults/>
+  <a:extraClrSchemeLst/>
+  <a:extLst>
+    <a:ext uri="{05A4C25C-085E-4340-85A3-A5531E510DB2}">
+      <thm15:themeFamily xmlns:thm15="http://schemas.microsoft.com/office/thememl/2012/main" name="Office Theme" id="{62F939B6-93AF-4DB8-9C6B-D6C7DFDC589F}" vid="{4A3C46E8-61CC-4603-A589-7422A47A8E4A}"/>
+    </a:ext>
+  </a:extLst>
+</a:theme>
 </file>
--- a/figure/figure.pptx
+++ b/figure/figure.pptx
@@ -120,7 +120,7 @@
 <file path=ppt/revisionInfo.xml><?xml version="1.0" encoding="utf-8"?>
 <p1510:revInfo xmlns:a="http://schemas.openxmlformats.org/drawingml/2006/main" xmlns:r="http://schemas.openxmlformats.org/officeDocument/2006/relationships" xmlns:p1510="http://schemas.microsoft.com/office/powerpoint/2015/10/main">
   <p1510:revLst>
-    <p1510:client id="{03E5F488-4AE7-44EC-BCC8-445D3528E1AB}" v="136" dt="2023-09-06T05:28:35.542"/>
+    <p1510:client id="{03E5F488-4AE7-44EC-BCC8-445D3528E1AB}" v="137" dt="2023-09-06T08:16:07.392"/>
   </p1510:revLst>
 </p1510:revInfo>
 </file>
@@ -129,8 +129,8 @@
 <pc:chgInfo xmlns:a="http://schemas.openxmlformats.org/drawingml/2006/main" xmlns:r="http://schemas.openxmlformats.org/officeDocument/2006/relationships" xmlns:ac="http://schemas.microsoft.com/office/drawing/2013/main/command" xmlns:pc="http://schemas.microsoft.com/office/powerpoint/2013/main/command">
   <pc:docChgLst>
     <pc:chgData name="Chia-jung Yeh" userId="f328d6f4-0757-42dc-943f-c4685e047ee8" providerId="ADAL" clId="{03E5F488-4AE7-44EC-BCC8-445D3528E1AB}"/>
-    <pc:docChg chg="undo redo custSel addSld modSld">
-      <pc:chgData name="Chia-jung Yeh" userId="f328d6f4-0757-42dc-943f-c4685e047ee8" providerId="ADAL" clId="{03E5F488-4AE7-44EC-BCC8-445D3528E1AB}" dt="2023-09-06T05:30:19.919" v="611" actId="255"/>
+    <pc:docChg chg="undo redo custSel addSld delSld modSld">
+      <pc:chgData name="Chia-jung Yeh" userId="f328d6f4-0757-42dc-943f-c4685e047ee8" providerId="ADAL" clId="{03E5F488-4AE7-44EC-BCC8-445D3528E1AB}" dt="2023-09-06T08:16:17.255" v="616" actId="47"/>
       <pc:docMkLst>
         <pc:docMk/>
       </pc:docMkLst>
@@ -1985,6 +1985,245 @@
             <pc:docMk/>
             <pc:sldMk cId="908935971" sldId="258"/>
             <ac:cxnSpMk id="197" creationId="{28E3266F-A33F-68E0-E71A-364590C9B5A4}"/>
+          </ac:cxnSpMkLst>
+        </pc:cxnChg>
+      </pc:sldChg>
+      <pc:sldChg chg="addSp delSp modSp new del mod">
+        <pc:chgData name="Chia-jung Yeh" userId="f328d6f4-0757-42dc-943f-c4685e047ee8" providerId="ADAL" clId="{03E5F488-4AE7-44EC-BCC8-445D3528E1AB}" dt="2023-09-06T08:16:17.255" v="616" actId="47"/>
+        <pc:sldMkLst>
+          <pc:docMk/>
+          <pc:sldMk cId="3797483775" sldId="259"/>
+        </pc:sldMkLst>
+        <pc:spChg chg="del">
+          <ac:chgData name="Chia-jung Yeh" userId="f328d6f4-0757-42dc-943f-c4685e047ee8" providerId="ADAL" clId="{03E5F488-4AE7-44EC-BCC8-445D3528E1AB}" dt="2023-09-06T08:16:06.725" v="613" actId="478"/>
+          <ac:spMkLst>
+            <pc:docMk/>
+            <pc:sldMk cId="3797483775" sldId="259"/>
+            <ac:spMk id="2" creationId="{1DB0AE19-6634-02F2-CD6B-2086A754B69E}"/>
+          </ac:spMkLst>
+        </pc:spChg>
+        <pc:spChg chg="del">
+          <ac:chgData name="Chia-jung Yeh" userId="f328d6f4-0757-42dc-943f-c4685e047ee8" providerId="ADAL" clId="{03E5F488-4AE7-44EC-BCC8-445D3528E1AB}" dt="2023-09-06T08:16:06.725" v="613" actId="478"/>
+          <ac:spMkLst>
+            <pc:docMk/>
+            <pc:sldMk cId="3797483775" sldId="259"/>
+            <ac:spMk id="3" creationId="{309899B0-903B-0751-24C1-F33B234BEF03}"/>
+          </ac:spMkLst>
+        </pc:spChg>
+        <pc:spChg chg="add mod">
+          <ac:chgData name="Chia-jung Yeh" userId="f328d6f4-0757-42dc-943f-c4685e047ee8" providerId="ADAL" clId="{03E5F488-4AE7-44EC-BCC8-445D3528E1AB}" dt="2023-09-06T08:16:09.507" v="615" actId="1076"/>
+          <ac:spMkLst>
+            <pc:docMk/>
+            <pc:sldMk cId="3797483775" sldId="259"/>
+            <ac:spMk id="16" creationId="{BADFFA16-CCDF-7637-A55A-C7986867A1E5}"/>
+          </ac:spMkLst>
+        </pc:spChg>
+        <pc:spChg chg="add mod">
+          <ac:chgData name="Chia-jung Yeh" userId="f328d6f4-0757-42dc-943f-c4685e047ee8" providerId="ADAL" clId="{03E5F488-4AE7-44EC-BCC8-445D3528E1AB}" dt="2023-09-06T08:16:09.507" v="615" actId="1076"/>
+          <ac:spMkLst>
+            <pc:docMk/>
+            <pc:sldMk cId="3797483775" sldId="259"/>
+            <ac:spMk id="17" creationId="{86AF3E8E-EEA4-993E-C6F5-F5B8F0FA637A}"/>
+          </ac:spMkLst>
+        </pc:spChg>
+        <pc:spChg chg="add mod">
+          <ac:chgData name="Chia-jung Yeh" userId="f328d6f4-0757-42dc-943f-c4685e047ee8" providerId="ADAL" clId="{03E5F488-4AE7-44EC-BCC8-445D3528E1AB}" dt="2023-09-06T08:16:09.507" v="615" actId="1076"/>
+          <ac:spMkLst>
+            <pc:docMk/>
+            <pc:sldMk cId="3797483775" sldId="259"/>
+            <ac:spMk id="18" creationId="{25B46428-C38C-7560-2FE4-72851E7CBDD8}"/>
+          </ac:spMkLst>
+        </pc:spChg>
+        <pc:spChg chg="add mod">
+          <ac:chgData name="Chia-jung Yeh" userId="f328d6f4-0757-42dc-943f-c4685e047ee8" providerId="ADAL" clId="{03E5F488-4AE7-44EC-BCC8-445D3528E1AB}" dt="2023-09-06T08:16:09.507" v="615" actId="1076"/>
+          <ac:spMkLst>
+            <pc:docMk/>
+            <pc:sldMk cId="3797483775" sldId="259"/>
+            <ac:spMk id="19" creationId="{AE650402-F694-84D9-7C1C-6EF31510A24F}"/>
+          </ac:spMkLst>
+        </pc:spChg>
+        <pc:spChg chg="add mod">
+          <ac:chgData name="Chia-jung Yeh" userId="f328d6f4-0757-42dc-943f-c4685e047ee8" providerId="ADAL" clId="{03E5F488-4AE7-44EC-BCC8-445D3528E1AB}" dt="2023-09-06T08:16:09.507" v="615" actId="1076"/>
+          <ac:spMkLst>
+            <pc:docMk/>
+            <pc:sldMk cId="3797483775" sldId="259"/>
+            <ac:spMk id="20" creationId="{62532CEB-1046-ED39-A175-6828BBD8D3DB}"/>
+          </ac:spMkLst>
+        </pc:spChg>
+        <pc:spChg chg="add mod">
+          <ac:chgData name="Chia-jung Yeh" userId="f328d6f4-0757-42dc-943f-c4685e047ee8" providerId="ADAL" clId="{03E5F488-4AE7-44EC-BCC8-445D3528E1AB}" dt="2023-09-06T08:16:09.507" v="615" actId="1076"/>
+          <ac:spMkLst>
+            <pc:docMk/>
+            <pc:sldMk cId="3797483775" sldId="259"/>
+            <ac:spMk id="21" creationId="{9F27B568-6AFA-A1D3-2BED-6F0312CD31BA}"/>
+          </ac:spMkLst>
+        </pc:spChg>
+        <pc:spChg chg="add mod">
+          <ac:chgData name="Chia-jung Yeh" userId="f328d6f4-0757-42dc-943f-c4685e047ee8" providerId="ADAL" clId="{03E5F488-4AE7-44EC-BCC8-445D3528E1AB}" dt="2023-09-06T08:16:09.507" v="615" actId="1076"/>
+          <ac:spMkLst>
+            <pc:docMk/>
+            <pc:sldMk cId="3797483775" sldId="259"/>
+            <ac:spMk id="22" creationId="{01278F83-BEEA-663C-F6BF-FC8C72261A86}"/>
+          </ac:spMkLst>
+        </pc:spChg>
+        <pc:spChg chg="add mod">
+          <ac:chgData name="Chia-jung Yeh" userId="f328d6f4-0757-42dc-943f-c4685e047ee8" providerId="ADAL" clId="{03E5F488-4AE7-44EC-BCC8-445D3528E1AB}" dt="2023-09-06T08:16:09.507" v="615" actId="1076"/>
+          <ac:spMkLst>
+            <pc:docMk/>
+            <pc:sldMk cId="3797483775" sldId="259"/>
+            <ac:spMk id="23" creationId="{68CA1D37-F0CA-EB68-8C4E-37A63FDC49BC}"/>
+          </ac:spMkLst>
+        </pc:spChg>
+        <pc:spChg chg="add mod">
+          <ac:chgData name="Chia-jung Yeh" userId="f328d6f4-0757-42dc-943f-c4685e047ee8" providerId="ADAL" clId="{03E5F488-4AE7-44EC-BCC8-445D3528E1AB}" dt="2023-09-06T08:16:09.507" v="615" actId="1076"/>
+          <ac:spMkLst>
+            <pc:docMk/>
+            <pc:sldMk cId="3797483775" sldId="259"/>
+            <ac:spMk id="24" creationId="{4CE79105-376B-B225-6C3D-573C81D4B708}"/>
+          </ac:spMkLst>
+        </pc:spChg>
+        <pc:spChg chg="add mod">
+          <ac:chgData name="Chia-jung Yeh" userId="f328d6f4-0757-42dc-943f-c4685e047ee8" providerId="ADAL" clId="{03E5F488-4AE7-44EC-BCC8-445D3528E1AB}" dt="2023-09-06T08:16:09.507" v="615" actId="1076"/>
+          <ac:spMkLst>
+            <pc:docMk/>
+            <pc:sldMk cId="3797483775" sldId="259"/>
+            <ac:spMk id="25" creationId="{B50E1A2A-E309-A72F-CBBB-5EFBF99B4EDD}"/>
+          </ac:spMkLst>
+        </pc:spChg>
+        <pc:spChg chg="add mod">
+          <ac:chgData name="Chia-jung Yeh" userId="f328d6f4-0757-42dc-943f-c4685e047ee8" providerId="ADAL" clId="{03E5F488-4AE7-44EC-BCC8-445D3528E1AB}" dt="2023-09-06T08:16:09.507" v="615" actId="1076"/>
+          <ac:spMkLst>
+            <pc:docMk/>
+            <pc:sldMk cId="3797483775" sldId="259"/>
+            <ac:spMk id="26" creationId="{8D26BD49-04CF-9490-47EC-C5B578F69AA6}"/>
+          </ac:spMkLst>
+        </pc:spChg>
+        <pc:spChg chg="add mod">
+          <ac:chgData name="Chia-jung Yeh" userId="f328d6f4-0757-42dc-943f-c4685e047ee8" providerId="ADAL" clId="{03E5F488-4AE7-44EC-BCC8-445D3528E1AB}" dt="2023-09-06T08:16:09.507" v="615" actId="1076"/>
+          <ac:spMkLst>
+            <pc:docMk/>
+            <pc:sldMk cId="3797483775" sldId="259"/>
+            <ac:spMk id="27" creationId="{D08ABD04-F05C-FCA7-C58C-195C508FC7B8}"/>
+          </ac:spMkLst>
+        </pc:spChg>
+        <pc:spChg chg="add mod">
+          <ac:chgData name="Chia-jung Yeh" userId="f328d6f4-0757-42dc-943f-c4685e047ee8" providerId="ADAL" clId="{03E5F488-4AE7-44EC-BCC8-445D3528E1AB}" dt="2023-09-06T08:16:09.507" v="615" actId="1076"/>
+          <ac:spMkLst>
+            <pc:docMk/>
+            <pc:sldMk cId="3797483775" sldId="259"/>
+            <ac:spMk id="28" creationId="{8E60F6EF-AE37-22B3-D21D-A3BF0306980D}"/>
+          </ac:spMkLst>
+        </pc:spChg>
+        <pc:spChg chg="add mod">
+          <ac:chgData name="Chia-jung Yeh" userId="f328d6f4-0757-42dc-943f-c4685e047ee8" providerId="ADAL" clId="{03E5F488-4AE7-44EC-BCC8-445D3528E1AB}" dt="2023-09-06T08:16:09.507" v="615" actId="1076"/>
+          <ac:spMkLst>
+            <pc:docMk/>
+            <pc:sldMk cId="3797483775" sldId="259"/>
+            <ac:spMk id="29" creationId="{4B9E4511-55D0-591D-D560-6A7E32174928}"/>
+          </ac:spMkLst>
+        </pc:spChg>
+        <pc:spChg chg="add mod">
+          <ac:chgData name="Chia-jung Yeh" userId="f328d6f4-0757-42dc-943f-c4685e047ee8" providerId="ADAL" clId="{03E5F488-4AE7-44EC-BCC8-445D3528E1AB}" dt="2023-09-06T08:16:09.507" v="615" actId="1076"/>
+          <ac:spMkLst>
+            <pc:docMk/>
+            <pc:sldMk cId="3797483775" sldId="259"/>
+            <ac:spMk id="30" creationId="{A86DCAC0-F235-9BA8-D627-96385E6F1F97}"/>
+          </ac:spMkLst>
+        </pc:spChg>
+        <pc:cxnChg chg="add mod">
+          <ac:chgData name="Chia-jung Yeh" userId="f328d6f4-0757-42dc-943f-c4685e047ee8" providerId="ADAL" clId="{03E5F488-4AE7-44EC-BCC8-445D3528E1AB}" dt="2023-09-06T08:16:09.507" v="615" actId="1076"/>
+          <ac:cxnSpMkLst>
+            <pc:docMk/>
+            <pc:sldMk cId="3797483775" sldId="259"/>
+            <ac:cxnSpMk id="4" creationId="{571AA9D2-AF46-556B-01CC-CDDCA0FDF937}"/>
+          </ac:cxnSpMkLst>
+        </pc:cxnChg>
+        <pc:cxnChg chg="add mod">
+          <ac:chgData name="Chia-jung Yeh" userId="f328d6f4-0757-42dc-943f-c4685e047ee8" providerId="ADAL" clId="{03E5F488-4AE7-44EC-BCC8-445D3528E1AB}" dt="2023-09-06T08:16:09.507" v="615" actId="1076"/>
+          <ac:cxnSpMkLst>
+            <pc:docMk/>
+            <pc:sldMk cId="3797483775" sldId="259"/>
+            <ac:cxnSpMk id="5" creationId="{BA3A9C16-120B-73D5-183F-BE5B8A753F0C}"/>
+          </ac:cxnSpMkLst>
+        </pc:cxnChg>
+        <pc:cxnChg chg="add mod">
+          <ac:chgData name="Chia-jung Yeh" userId="f328d6f4-0757-42dc-943f-c4685e047ee8" providerId="ADAL" clId="{03E5F488-4AE7-44EC-BCC8-445D3528E1AB}" dt="2023-09-06T08:16:09.507" v="615" actId="1076"/>
+          <ac:cxnSpMkLst>
+            <pc:docMk/>
+            <pc:sldMk cId="3797483775" sldId="259"/>
+            <ac:cxnSpMk id="6" creationId="{251CD56C-CDF5-372F-24C9-3C0859CD530A}"/>
+          </ac:cxnSpMkLst>
+        </pc:cxnChg>
+        <pc:cxnChg chg="add mod">
+          <ac:chgData name="Chia-jung Yeh" userId="f328d6f4-0757-42dc-943f-c4685e047ee8" providerId="ADAL" clId="{03E5F488-4AE7-44EC-BCC8-445D3528E1AB}" dt="2023-09-06T08:16:09.507" v="615" actId="1076"/>
+          <ac:cxnSpMkLst>
+            <pc:docMk/>
+            <pc:sldMk cId="3797483775" sldId="259"/>
+            <ac:cxnSpMk id="7" creationId="{C3EC694B-EC13-C253-32CB-61AE735BB9EC}"/>
+          </ac:cxnSpMkLst>
+        </pc:cxnChg>
+        <pc:cxnChg chg="add mod">
+          <ac:chgData name="Chia-jung Yeh" userId="f328d6f4-0757-42dc-943f-c4685e047ee8" providerId="ADAL" clId="{03E5F488-4AE7-44EC-BCC8-445D3528E1AB}" dt="2023-09-06T08:16:09.507" v="615" actId="1076"/>
+          <ac:cxnSpMkLst>
+            <pc:docMk/>
+            <pc:sldMk cId="3797483775" sldId="259"/>
+            <ac:cxnSpMk id="8" creationId="{EC60B3ED-7DA4-DF73-9498-647983DA7374}"/>
+          </ac:cxnSpMkLst>
+        </pc:cxnChg>
+        <pc:cxnChg chg="add mod">
+          <ac:chgData name="Chia-jung Yeh" userId="f328d6f4-0757-42dc-943f-c4685e047ee8" providerId="ADAL" clId="{03E5F488-4AE7-44EC-BCC8-445D3528E1AB}" dt="2023-09-06T08:16:09.507" v="615" actId="1076"/>
+          <ac:cxnSpMkLst>
+            <pc:docMk/>
+            <pc:sldMk cId="3797483775" sldId="259"/>
+            <ac:cxnSpMk id="9" creationId="{C7A37C89-123A-B0D2-8772-AEB1992DC925}"/>
+          </ac:cxnSpMkLst>
+        </pc:cxnChg>
+        <pc:cxnChg chg="add mod">
+          <ac:chgData name="Chia-jung Yeh" userId="f328d6f4-0757-42dc-943f-c4685e047ee8" providerId="ADAL" clId="{03E5F488-4AE7-44EC-BCC8-445D3528E1AB}" dt="2023-09-06T08:16:09.507" v="615" actId="1076"/>
+          <ac:cxnSpMkLst>
+            <pc:docMk/>
+            <pc:sldMk cId="3797483775" sldId="259"/>
+            <ac:cxnSpMk id="10" creationId="{CF5850C1-CCBB-28F9-84A7-D9C859779D98}"/>
+          </ac:cxnSpMkLst>
+        </pc:cxnChg>
+        <pc:cxnChg chg="add mod">
+          <ac:chgData name="Chia-jung Yeh" userId="f328d6f4-0757-42dc-943f-c4685e047ee8" providerId="ADAL" clId="{03E5F488-4AE7-44EC-BCC8-445D3528E1AB}" dt="2023-09-06T08:16:09.507" v="615" actId="1076"/>
+          <ac:cxnSpMkLst>
+            <pc:docMk/>
+            <pc:sldMk cId="3797483775" sldId="259"/>
+            <ac:cxnSpMk id="11" creationId="{DF5B2426-2C37-2105-3D26-A9467F20F78A}"/>
+          </ac:cxnSpMkLst>
+        </pc:cxnChg>
+        <pc:cxnChg chg="add mod">
+          <ac:chgData name="Chia-jung Yeh" userId="f328d6f4-0757-42dc-943f-c4685e047ee8" providerId="ADAL" clId="{03E5F488-4AE7-44EC-BCC8-445D3528E1AB}" dt="2023-09-06T08:16:09.507" v="615" actId="1076"/>
+          <ac:cxnSpMkLst>
+            <pc:docMk/>
+            <pc:sldMk cId="3797483775" sldId="259"/>
+            <ac:cxnSpMk id="12" creationId="{2CD10D61-64C2-6664-16C0-87728447321A}"/>
+          </ac:cxnSpMkLst>
+        </pc:cxnChg>
+        <pc:cxnChg chg="add mod">
+          <ac:chgData name="Chia-jung Yeh" userId="f328d6f4-0757-42dc-943f-c4685e047ee8" providerId="ADAL" clId="{03E5F488-4AE7-44EC-BCC8-445D3528E1AB}" dt="2023-09-06T08:16:09.507" v="615" actId="1076"/>
+          <ac:cxnSpMkLst>
+            <pc:docMk/>
+            <pc:sldMk cId="3797483775" sldId="259"/>
+            <ac:cxnSpMk id="13" creationId="{24C9A444-E422-D233-F3BD-579916DAD1F2}"/>
+          </ac:cxnSpMkLst>
+        </pc:cxnChg>
+        <pc:cxnChg chg="add mod">
+          <ac:chgData name="Chia-jung Yeh" userId="f328d6f4-0757-42dc-943f-c4685e047ee8" providerId="ADAL" clId="{03E5F488-4AE7-44EC-BCC8-445D3528E1AB}" dt="2023-09-06T08:16:09.507" v="615" actId="1076"/>
+          <ac:cxnSpMkLst>
+            <pc:docMk/>
+            <pc:sldMk cId="3797483775" sldId="259"/>
+            <ac:cxnSpMk id="14" creationId="{4D1BF945-62A5-AD50-080D-C1D3162E3C57}"/>
+          </ac:cxnSpMkLst>
+        </pc:cxnChg>
+        <pc:cxnChg chg="add mod">
+          <ac:chgData name="Chia-jung Yeh" userId="f328d6f4-0757-42dc-943f-c4685e047ee8" providerId="ADAL" clId="{03E5F488-4AE7-44EC-BCC8-445D3528E1AB}" dt="2023-09-06T08:16:09.507" v="615" actId="1076"/>
+          <ac:cxnSpMkLst>
+            <pc:docMk/>
+            <pc:sldMk cId="3797483775" sldId="259"/>
+            <ac:cxnSpMk id="15" creationId="{B729DA37-9D75-1054-97A4-4BAE51C47E70}"/>
           </ac:cxnSpMkLst>
         </pc:cxnChg>
       </pc:sldChg>
@@ -8916,8 +9155,8 @@
           </a:p>
         </p:txBody>
       </p:sp>
-      <mc:AlternateContent xmlns:mc="http://schemas.openxmlformats.org/markup-compatibility/2006">
-        <mc:Choice xmlns:a14="http://schemas.microsoft.com/office/drawing/2010/main" Requires="a14">
+      <mc:AlternateContent xmlns:mc="http://schemas.openxmlformats.org/markup-compatibility/2006" xmlns:a14="http://schemas.microsoft.com/office/drawing/2010/main">
+        <mc:Choice Requires="a14">
           <p:sp>
             <p:nvSpPr>
               <p:cNvPr id="129" name="TextBox 128">
@@ -8946,6 +9185,7 @@
               </a:bodyPr>
               <a:lstStyle/>
               <a:p>
+                <a:pPr/>
                 <a14:m>
                   <m:oMathPara xmlns:m="http://schemas.openxmlformats.org/officeDocument/2006/math">
                     <m:oMathParaPr>
@@ -9096,7 +9336,7 @@
             </p:txBody>
           </p:sp>
         </mc:Choice>
-        <mc:Fallback>
+        <mc:Fallback xmlns="">
           <p:sp>
             <p:nvSpPr>
               <p:cNvPr id="129" name="TextBox 128">
@@ -9141,8 +9381,8 @@
           </p:sp>
         </mc:Fallback>
       </mc:AlternateContent>
-      <mc:AlternateContent xmlns:mc="http://schemas.openxmlformats.org/markup-compatibility/2006">
-        <mc:Choice xmlns:a14="http://schemas.microsoft.com/office/drawing/2010/main" Requires="a14">
+      <mc:AlternateContent xmlns:mc="http://schemas.openxmlformats.org/markup-compatibility/2006" xmlns:a14="http://schemas.microsoft.com/office/drawing/2010/main">
+        <mc:Choice Requires="a14">
           <p:sp>
             <p:nvSpPr>
               <p:cNvPr id="131" name="TextBox 130">
@@ -9171,6 +9411,7 @@
               </a:bodyPr>
               <a:lstStyle/>
               <a:p>
+                <a:pPr/>
                 <a14:m>
                   <m:oMathPara xmlns:m="http://schemas.openxmlformats.org/officeDocument/2006/math">
                     <m:oMathParaPr>
@@ -9321,7 +9562,7 @@
             </p:txBody>
           </p:sp>
         </mc:Choice>
-        <mc:Fallback>
+        <mc:Fallback xmlns="">
           <p:sp>
             <p:nvSpPr>
               <p:cNvPr id="131" name="TextBox 130">

--- a/figure/figure.pptx
+++ b/figure/figure.pptx
@@ -120,7 +120,7 @@
 <file path=ppt/revisionInfo.xml><?xml version="1.0" encoding="utf-8"?>
 <p1510:revInfo xmlns:a="http://schemas.openxmlformats.org/drawingml/2006/main" xmlns:r="http://schemas.openxmlformats.org/officeDocument/2006/relationships" xmlns:p1510="http://schemas.microsoft.com/office/powerpoint/2015/10/main">
   <p1510:revLst>
-    <p1510:client id="{03E5F488-4AE7-44EC-BCC8-445D3528E1AB}" v="137" dt="2023-09-06T08:16:07.392"/>
+    <p1510:client id="{03E5F488-4AE7-44EC-BCC8-445D3528E1AB}" v="143" dt="2023-09-17T05:52:46.153"/>
   </p1510:revLst>
 </p1510:revInfo>
 </file>
@@ -130,12 +130,12 @@
   <pc:docChgLst>
     <pc:chgData name="Chia-jung Yeh" userId="f328d6f4-0757-42dc-943f-c4685e047ee8" providerId="ADAL" clId="{03E5F488-4AE7-44EC-BCC8-445D3528E1AB}"/>
     <pc:docChg chg="undo redo custSel addSld delSld modSld">
-      <pc:chgData name="Chia-jung Yeh" userId="f328d6f4-0757-42dc-943f-c4685e047ee8" providerId="ADAL" clId="{03E5F488-4AE7-44EC-BCC8-445D3528E1AB}" dt="2023-09-06T08:16:17.255" v="616" actId="47"/>
+      <pc:chgData name="Chia-jung Yeh" userId="f328d6f4-0757-42dc-943f-c4685e047ee8" providerId="ADAL" clId="{03E5F488-4AE7-44EC-BCC8-445D3528E1AB}" dt="2023-09-17T05:53:41.856" v="693" actId="1076"/>
       <pc:docMkLst>
         <pc:docMk/>
       </pc:docMkLst>
       <pc:sldChg chg="addSp delSp modSp add mod">
-        <pc:chgData name="Chia-jung Yeh" userId="f328d6f4-0757-42dc-943f-c4685e047ee8" providerId="ADAL" clId="{03E5F488-4AE7-44EC-BCC8-445D3528E1AB}" dt="2023-09-05T12:11:54.408" v="156" actId="207"/>
+        <pc:chgData name="Chia-jung Yeh" userId="f328d6f4-0757-42dc-943f-c4685e047ee8" providerId="ADAL" clId="{03E5F488-4AE7-44EC-BCC8-445D3528E1AB}" dt="2023-09-17T05:53:41.856" v="693" actId="1076"/>
         <pc:sldMkLst>
           <pc:docMk/>
           <pc:sldMk cId="2631405588" sldId="257"/>
@@ -164,6 +164,14 @@
             <ac:picMk id="2" creationId="{3A804686-8507-FD95-61B5-BD40B982353E}"/>
           </ac:picMkLst>
         </pc:picChg>
+        <pc:picChg chg="add mod">
+          <ac:chgData name="Chia-jung Yeh" userId="f328d6f4-0757-42dc-943f-c4685e047ee8" providerId="ADAL" clId="{03E5F488-4AE7-44EC-BCC8-445D3528E1AB}" dt="2023-09-17T05:45:07.689" v="618" actId="1076"/>
+          <ac:picMkLst>
+            <pc:docMk/>
+            <pc:sldMk cId="2631405588" sldId="257"/>
+            <ac:picMk id="2" creationId="{6CE30ED6-2ECC-D33E-F068-74928A240F34}"/>
+          </ac:picMkLst>
+        </pc:picChg>
         <pc:picChg chg="mod">
           <ac:chgData name="Chia-jung Yeh" userId="f328d6f4-0757-42dc-943f-c4685e047ee8" providerId="ADAL" clId="{03E5F488-4AE7-44EC-BCC8-445D3528E1AB}" dt="2023-09-05T06:42:50.284" v="60" actId="1076"/>
           <ac:picMkLst>
@@ -173,7 +181,7 @@
           </ac:picMkLst>
         </pc:picChg>
         <pc:picChg chg="add mod">
-          <ac:chgData name="Chia-jung Yeh" userId="f328d6f4-0757-42dc-943f-c4685e047ee8" providerId="ADAL" clId="{03E5F488-4AE7-44EC-BCC8-445D3528E1AB}" dt="2023-09-05T06:42:50.284" v="60" actId="1076"/>
+          <ac:chgData name="Chia-jung Yeh" userId="f328d6f4-0757-42dc-943f-c4685e047ee8" providerId="ADAL" clId="{03E5F488-4AE7-44EC-BCC8-445D3528E1AB}" dt="2023-09-17T05:48:23.935" v="653" actId="1076"/>
           <ac:picMkLst>
             <pc:docMk/>
             <pc:sldMk cId="2631405588" sldId="257"/>
@@ -181,7 +189,7 @@
           </ac:picMkLst>
         </pc:picChg>
         <pc:picChg chg="add mod">
-          <ac:chgData name="Chia-jung Yeh" userId="f328d6f4-0757-42dc-943f-c4685e047ee8" providerId="ADAL" clId="{03E5F488-4AE7-44EC-BCC8-445D3528E1AB}" dt="2023-09-05T12:11:29.116" v="153" actId="1076"/>
+          <ac:chgData name="Chia-jung Yeh" userId="f328d6f4-0757-42dc-943f-c4685e047ee8" providerId="ADAL" clId="{03E5F488-4AE7-44EC-BCC8-445D3528E1AB}" dt="2023-09-17T05:48:13.003" v="647" actId="1076"/>
           <ac:picMkLst>
             <pc:docMk/>
             <pc:sldMk cId="2631405588" sldId="257"/>
@@ -204,12 +212,36 @@
             <ac:picMk id="7" creationId="{67EB584A-F5AE-44D9-8AEF-3C3C26B1FB2F}"/>
           </ac:picMkLst>
         </pc:picChg>
+        <pc:picChg chg="add mod">
+          <ac:chgData name="Chia-jung Yeh" userId="f328d6f4-0757-42dc-943f-c4685e047ee8" providerId="ADAL" clId="{03E5F488-4AE7-44EC-BCC8-445D3528E1AB}" dt="2023-09-17T05:53:35.058" v="690" actId="1076"/>
+          <ac:picMkLst>
+            <pc:docMk/>
+            <pc:sldMk cId="2631405588" sldId="257"/>
+            <ac:picMk id="7" creationId="{F11D0385-8757-9286-C8A9-6D6D1701875B}"/>
+          </ac:picMkLst>
+        </pc:picChg>
+        <pc:picChg chg="add mod">
+          <ac:chgData name="Chia-jung Yeh" userId="f328d6f4-0757-42dc-943f-c4685e047ee8" providerId="ADAL" clId="{03E5F488-4AE7-44EC-BCC8-445D3528E1AB}" dt="2023-09-17T05:53:35.058" v="690" actId="1076"/>
+          <ac:picMkLst>
+            <pc:docMk/>
+            <pc:sldMk cId="2631405588" sldId="257"/>
+            <ac:picMk id="8" creationId="{A0B6FD72-8E19-B4E5-5329-60A639D9D91D}"/>
+          </ac:picMkLst>
+        </pc:picChg>
         <pc:picChg chg="del">
           <ac:chgData name="Chia-jung Yeh" userId="f328d6f4-0757-42dc-943f-c4685e047ee8" providerId="ADAL" clId="{03E5F488-4AE7-44EC-BCC8-445D3528E1AB}" dt="2023-09-05T06:39:45.886" v="2" actId="478"/>
           <ac:picMkLst>
             <pc:docMk/>
             <pc:sldMk cId="2631405588" sldId="257"/>
             <ac:picMk id="9" creationId="{BDD51638-F118-4E4B-8540-E5DA1E0E9208}"/>
+          </ac:picMkLst>
+        </pc:picChg>
+        <pc:picChg chg="add mod">
+          <ac:chgData name="Chia-jung Yeh" userId="f328d6f4-0757-42dc-943f-c4685e047ee8" providerId="ADAL" clId="{03E5F488-4AE7-44EC-BCC8-445D3528E1AB}" dt="2023-09-17T05:53:06.646" v="677" actId="1076"/>
+          <ac:picMkLst>
+            <pc:docMk/>
+            <pc:sldMk cId="2631405588" sldId="257"/>
+            <ac:picMk id="10" creationId="{F501C0E3-0B05-CF26-CB78-FA839B60A67C}"/>
           </ac:picMkLst>
         </pc:picChg>
         <pc:picChg chg="del">
@@ -220,6 +252,14 @@
             <ac:picMk id="11" creationId="{0E7D40C1-3127-4C5D-B929-52893BFC4582}"/>
           </ac:picMkLst>
         </pc:picChg>
+        <pc:picChg chg="add mod">
+          <ac:chgData name="Chia-jung Yeh" userId="f328d6f4-0757-42dc-943f-c4685e047ee8" providerId="ADAL" clId="{03E5F488-4AE7-44EC-BCC8-445D3528E1AB}" dt="2023-09-17T05:53:12.089" v="679" actId="1076"/>
+          <ac:picMkLst>
+            <pc:docMk/>
+            <pc:sldMk cId="2631405588" sldId="257"/>
+            <ac:picMk id="11" creationId="{431E2344-402C-799E-16CD-E52CE5271E3D}"/>
+          </ac:picMkLst>
+        </pc:picChg>
         <pc:picChg chg="del">
           <ac:chgData name="Chia-jung Yeh" userId="f328d6f4-0757-42dc-943f-c4685e047ee8" providerId="ADAL" clId="{03E5F488-4AE7-44EC-BCC8-445D3528E1AB}" dt="2023-09-05T06:39:46.203" v="3" actId="478"/>
           <ac:picMkLst>
@@ -229,7 +269,7 @@
           </ac:picMkLst>
         </pc:picChg>
         <pc:picChg chg="add mod">
-          <ac:chgData name="Chia-jung Yeh" userId="f328d6f4-0757-42dc-943f-c4685e047ee8" providerId="ADAL" clId="{03E5F488-4AE7-44EC-BCC8-445D3528E1AB}" dt="2023-09-05T06:42:47.829" v="59" actId="1076"/>
+          <ac:chgData name="Chia-jung Yeh" userId="f328d6f4-0757-42dc-943f-c4685e047ee8" providerId="ADAL" clId="{03E5F488-4AE7-44EC-BCC8-445D3528E1AB}" dt="2023-09-17T05:53:06.237" v="676" actId="1076"/>
           <ac:picMkLst>
             <pc:docMk/>
             <pc:sldMk cId="2631405588" sldId="257"/>
@@ -285,7 +325,7 @@
           </ac:picMkLst>
         </pc:picChg>
         <pc:picChg chg="add mod">
-          <ac:chgData name="Chia-jung Yeh" userId="f328d6f4-0757-42dc-943f-c4685e047ee8" providerId="ADAL" clId="{03E5F488-4AE7-44EC-BCC8-445D3528E1AB}" dt="2023-09-05T12:09:57.521" v="138" actId="1076"/>
+          <ac:chgData name="Chia-jung Yeh" userId="f328d6f4-0757-42dc-943f-c4685e047ee8" providerId="ADAL" clId="{03E5F488-4AE7-44EC-BCC8-445D3528E1AB}" dt="2023-09-17T05:53:19.970" v="681" actId="1076"/>
           <ac:picMkLst>
             <pc:docMk/>
             <pc:sldMk cId="2631405588" sldId="257"/>
@@ -293,7 +333,7 @@
           </ac:picMkLst>
         </pc:picChg>
         <pc:picChg chg="add mod modCrop">
-          <ac:chgData name="Chia-jung Yeh" userId="f328d6f4-0757-42dc-943f-c4685e047ee8" providerId="ADAL" clId="{03E5F488-4AE7-44EC-BCC8-445D3528E1AB}" dt="2023-09-05T12:11:24.348" v="152" actId="1366"/>
+          <ac:chgData name="Chia-jung Yeh" userId="f328d6f4-0757-42dc-943f-c4685e047ee8" providerId="ADAL" clId="{03E5F488-4AE7-44EC-BCC8-445D3528E1AB}" dt="2023-09-17T05:53:37.118" v="692" actId="1076"/>
           <ac:picMkLst>
             <pc:docMk/>
             <pc:sldMk cId="2631405588" sldId="257"/>
@@ -301,7 +341,7 @@
           </ac:picMkLst>
         </pc:picChg>
         <pc:picChg chg="add mod">
-          <ac:chgData name="Chia-jung Yeh" userId="f328d6f4-0757-42dc-943f-c4685e047ee8" providerId="ADAL" clId="{03E5F488-4AE7-44EC-BCC8-445D3528E1AB}" dt="2023-09-05T12:09:14.185" v="127" actId="1076"/>
+          <ac:chgData name="Chia-jung Yeh" userId="f328d6f4-0757-42dc-943f-c4685e047ee8" providerId="ADAL" clId="{03E5F488-4AE7-44EC-BCC8-445D3528E1AB}" dt="2023-09-17T05:53:35.058" v="690" actId="1076"/>
           <ac:picMkLst>
             <pc:docMk/>
             <pc:sldMk cId="2631405588" sldId="257"/>
@@ -309,7 +349,7 @@
           </ac:picMkLst>
         </pc:picChg>
         <pc:picChg chg="add mod">
-          <ac:chgData name="Chia-jung Yeh" userId="f328d6f4-0757-42dc-943f-c4685e047ee8" providerId="ADAL" clId="{03E5F488-4AE7-44EC-BCC8-445D3528E1AB}" dt="2023-09-05T12:09:30.804" v="128" actId="571"/>
+          <ac:chgData name="Chia-jung Yeh" userId="f328d6f4-0757-42dc-943f-c4685e047ee8" providerId="ADAL" clId="{03E5F488-4AE7-44EC-BCC8-445D3528E1AB}" dt="2023-09-17T05:53:41.856" v="693" actId="1076"/>
           <ac:picMkLst>
             <pc:docMk/>
             <pc:sldMk cId="2631405588" sldId="257"/>
@@ -317,7 +357,7 @@
           </ac:picMkLst>
         </pc:picChg>
         <pc:picChg chg="add mod">
-          <ac:chgData name="Chia-jung Yeh" userId="f328d6f4-0757-42dc-943f-c4685e047ee8" providerId="ADAL" clId="{03E5F488-4AE7-44EC-BCC8-445D3528E1AB}" dt="2023-09-05T12:09:53.521" v="135" actId="1076"/>
+          <ac:chgData name="Chia-jung Yeh" userId="f328d6f4-0757-42dc-943f-c4685e047ee8" providerId="ADAL" clId="{03E5F488-4AE7-44EC-BCC8-445D3528E1AB}" dt="2023-09-17T05:45:07.689" v="618" actId="1076"/>
           <ac:picMkLst>
             <pc:docMk/>
             <pc:sldMk cId="2631405588" sldId="257"/>
@@ -341,7 +381,7 @@
           </ac:picMkLst>
         </pc:picChg>
         <pc:picChg chg="add mod modCrop">
-          <ac:chgData name="Chia-jung Yeh" userId="f328d6f4-0757-42dc-943f-c4685e047ee8" providerId="ADAL" clId="{03E5F488-4AE7-44EC-BCC8-445D3528E1AB}" dt="2023-09-05T12:10:42.096" v="151" actId="1076"/>
+          <ac:chgData name="Chia-jung Yeh" userId="f328d6f4-0757-42dc-943f-c4685e047ee8" providerId="ADAL" clId="{03E5F488-4AE7-44EC-BCC8-445D3528E1AB}" dt="2023-09-17T05:53:41.856" v="693" actId="1076"/>
           <ac:picMkLst>
             <pc:docMk/>
             <pc:sldMk cId="2631405588" sldId="257"/>
@@ -2314,7 +2354,7 @@
           <a:p>
             <a:fld id="{84C3027D-C01C-4C2F-B8C4-118253BF65DC}" type="datetimeFigureOut">
               <a:rPr lang="en-GB" smtClean="0"/>
-              <a:t>06/09/2023</a:t>
+              <a:t>17/09/2023</a:t>
             </a:fld>
             <a:endParaRPr lang="en-GB"/>
           </a:p>
@@ -2729,7 +2769,7 @@
           <a:p>
             <a:fld id="{D3EDB8CA-71FD-4DC9-833D-24632F66BB79}" type="datetimeFigureOut">
               <a:rPr lang="zh-TW" altLang="en-US" smtClean="0"/>
-              <a:t>2023/9/6</a:t>
+              <a:t>2023/9/17</a:t>
             </a:fld>
             <a:endParaRPr lang="zh-TW" altLang="en-US"/>
           </a:p>
@@ -2927,7 +2967,7 @@
           <a:p>
             <a:fld id="{D3EDB8CA-71FD-4DC9-833D-24632F66BB79}" type="datetimeFigureOut">
               <a:rPr lang="zh-TW" altLang="en-US" smtClean="0"/>
-              <a:t>2023/9/6</a:t>
+              <a:t>2023/9/17</a:t>
             </a:fld>
             <a:endParaRPr lang="zh-TW" altLang="en-US"/>
           </a:p>
@@ -3135,7 +3175,7 @@
           <a:p>
             <a:fld id="{D3EDB8CA-71FD-4DC9-833D-24632F66BB79}" type="datetimeFigureOut">
               <a:rPr lang="zh-TW" altLang="en-US" smtClean="0"/>
-              <a:t>2023/9/6</a:t>
+              <a:t>2023/9/17</a:t>
             </a:fld>
             <a:endParaRPr lang="zh-TW" altLang="en-US"/>
           </a:p>
@@ -3333,7 +3373,7 @@
           <a:p>
             <a:fld id="{D3EDB8CA-71FD-4DC9-833D-24632F66BB79}" type="datetimeFigureOut">
               <a:rPr lang="zh-TW" altLang="en-US" smtClean="0"/>
-              <a:t>2023/9/6</a:t>
+              <a:t>2023/9/17</a:t>
             </a:fld>
             <a:endParaRPr lang="zh-TW" altLang="en-US"/>
           </a:p>
@@ -3608,7 +3648,7 @@
           <a:p>
             <a:fld id="{D3EDB8CA-71FD-4DC9-833D-24632F66BB79}" type="datetimeFigureOut">
               <a:rPr lang="zh-TW" altLang="en-US" smtClean="0"/>
-              <a:t>2023/9/6</a:t>
+              <a:t>2023/9/17</a:t>
             </a:fld>
             <a:endParaRPr lang="zh-TW" altLang="en-US"/>
           </a:p>
@@ -3873,7 +3913,7 @@
           <a:p>
             <a:fld id="{D3EDB8CA-71FD-4DC9-833D-24632F66BB79}" type="datetimeFigureOut">
               <a:rPr lang="zh-TW" altLang="en-US" smtClean="0"/>
-              <a:t>2023/9/6</a:t>
+              <a:t>2023/9/17</a:t>
             </a:fld>
             <a:endParaRPr lang="zh-TW" altLang="en-US"/>
           </a:p>
@@ -4285,7 +4325,7 @@
           <a:p>
             <a:fld id="{D3EDB8CA-71FD-4DC9-833D-24632F66BB79}" type="datetimeFigureOut">
               <a:rPr lang="zh-TW" altLang="en-US" smtClean="0"/>
-              <a:t>2023/9/6</a:t>
+              <a:t>2023/9/17</a:t>
             </a:fld>
             <a:endParaRPr lang="zh-TW" altLang="en-US"/>
           </a:p>
@@ -4426,7 +4466,7 @@
           <a:p>
             <a:fld id="{D3EDB8CA-71FD-4DC9-833D-24632F66BB79}" type="datetimeFigureOut">
               <a:rPr lang="zh-TW" altLang="en-US" smtClean="0"/>
-              <a:t>2023/9/6</a:t>
+              <a:t>2023/9/17</a:t>
             </a:fld>
             <a:endParaRPr lang="zh-TW" altLang="en-US"/>
           </a:p>
@@ -4539,7 +4579,7 @@
           <a:p>
             <a:fld id="{D3EDB8CA-71FD-4DC9-833D-24632F66BB79}" type="datetimeFigureOut">
               <a:rPr lang="zh-TW" altLang="en-US" smtClean="0"/>
-              <a:t>2023/9/6</a:t>
+              <a:t>2023/9/17</a:t>
             </a:fld>
             <a:endParaRPr lang="zh-TW" altLang="en-US"/>
           </a:p>
@@ -4850,7 +4890,7 @@
           <a:p>
             <a:fld id="{D3EDB8CA-71FD-4DC9-833D-24632F66BB79}" type="datetimeFigureOut">
               <a:rPr lang="zh-TW" altLang="en-US" smtClean="0"/>
-              <a:t>2023/9/6</a:t>
+              <a:t>2023/9/17</a:t>
             </a:fld>
             <a:endParaRPr lang="zh-TW" altLang="en-US"/>
           </a:p>
@@ -5138,7 +5178,7 @@
           <a:p>
             <a:fld id="{D3EDB8CA-71FD-4DC9-833D-24632F66BB79}" type="datetimeFigureOut">
               <a:rPr lang="zh-TW" altLang="en-US" smtClean="0"/>
-              <a:t>2023/9/6</a:t>
+              <a:t>2023/9/17</a:t>
             </a:fld>
             <a:endParaRPr lang="zh-TW" altLang="en-US"/>
           </a:p>
@@ -5379,7 +5419,7 @@
           <a:p>
             <a:fld id="{D3EDB8CA-71FD-4DC9-833D-24632F66BB79}" type="datetimeFigureOut">
               <a:rPr lang="zh-TW" altLang="en-US" smtClean="0"/>
-              <a:t>2023/9/6</a:t>
+              <a:t>2023/9/17</a:t>
             </a:fld>
             <a:endParaRPr lang="zh-TW" altLang="en-US"/>
           </a:p>
@@ -6180,7 +6220,7 @@
         </p:blipFill>
         <p:spPr>
           <a:xfrm>
-            <a:off x="6218767" y="2144267"/>
+            <a:off x="6383957" y="2144267"/>
             <a:ext cx="3125654" cy="691939"/>
           </a:xfrm>
           <a:prstGeom prst="rect">
@@ -6210,8 +6250,8 @@
         </p:blipFill>
         <p:spPr>
           <a:xfrm>
-            <a:off x="3822382" y="3383000"/>
-            <a:ext cx="4547235" cy="470138"/>
+            <a:off x="2606967" y="3382611"/>
+            <a:ext cx="3611800" cy="373423"/>
           </a:xfrm>
           <a:prstGeom prst="rect">
             <a:avLst/>
@@ -6493,7 +6533,7 @@
         </p:blipFill>
         <p:spPr>
           <a:xfrm rot="5400000">
-            <a:off x="5362347" y="3698394"/>
+            <a:off x="3585169" y="3698394"/>
             <a:ext cx="734466" cy="734466"/>
           </a:xfrm>
           <a:prstGeom prst="rect">
@@ -6524,7 +6564,7 @@
         </p:blipFill>
         <p:spPr>
           <a:xfrm>
-            <a:off x="6278531" y="3936644"/>
+            <a:off x="4501353" y="3936644"/>
             <a:ext cx="880962" cy="220538"/>
           </a:xfrm>
           <a:prstGeom prst="rect">
@@ -6554,7 +6594,7 @@
         </p:blipFill>
         <p:spPr>
           <a:xfrm>
-            <a:off x="4290724" y="4863288"/>
+            <a:off x="3633518" y="4863288"/>
             <a:ext cx="519994" cy="519994"/>
           </a:xfrm>
           <a:prstGeom prst="rect">
@@ -6594,7 +6634,7 @@
         </p:blipFill>
         <p:spPr>
           <a:xfrm>
-            <a:off x="7380098" y="2774124"/>
+            <a:off x="7517111" y="2774124"/>
             <a:ext cx="511619" cy="469298"/>
           </a:xfrm>
           <a:prstGeom prst="rect">
@@ -6624,7 +6664,7 @@
         </p:blipFill>
         <p:spPr>
           <a:xfrm>
-            <a:off x="7978513" y="4892549"/>
+            <a:off x="7793913" y="4892549"/>
             <a:ext cx="421872" cy="421872"/>
           </a:xfrm>
           <a:prstGeom prst="rect">
@@ -6653,8 +6693,173 @@
         </p:blipFill>
         <p:spPr>
           <a:xfrm>
-            <a:off x="8052436" y="2805240"/>
+            <a:off x="8189449" y="2805240"/>
             <a:ext cx="842425" cy="378779"/>
+          </a:xfrm>
+          <a:prstGeom prst="rect">
+            <a:avLst/>
+          </a:prstGeom>
+        </p:spPr>
+      </p:pic>
+      <p:pic>
+        <p:nvPicPr>
+          <p:cNvPr id="2" name="Picture 1">
+            <a:extLst>
+              <a:ext uri="{FF2B5EF4-FFF2-40B4-BE49-F238E27FC236}">
+                <a16:creationId xmlns:a16="http://schemas.microsoft.com/office/drawing/2014/main" id="{6CE30ED6-2ECC-D33E-F068-74928A240F34}"/>
+              </a:ext>
+            </a:extLst>
+          </p:cNvPr>
+          <p:cNvPicPr>
+            <a:picLocks noChangeAspect="1"/>
+          </p:cNvPicPr>
+          <p:nvPr/>
+        </p:nvPicPr>
+        <p:blipFill>
+          <a:blip r:embed="rId11">
+            <a:clrChange>
+              <a:clrFrom>
+                <a:srgbClr val="FFFFFF"/>
+              </a:clrFrom>
+              <a:clrTo>
+                <a:srgbClr val="FFFFFF">
+                  <a:alpha val="0"/>
+                </a:srgbClr>
+              </a:clrTo>
+            </a:clrChange>
+          </a:blip>
+          <a:stretch>
+            <a:fillRect/>
+          </a:stretch>
+        </p:blipFill>
+        <p:spPr>
+          <a:xfrm>
+            <a:off x="8298953" y="4951998"/>
+            <a:ext cx="489807" cy="302973"/>
+          </a:xfrm>
+          <a:prstGeom prst="rect">
+            <a:avLst/>
+          </a:prstGeom>
+        </p:spPr>
+      </p:pic>
+      <p:pic>
+        <p:nvPicPr>
+          <p:cNvPr id="7" name="Picture 6">
+            <a:extLst>
+              <a:ext uri="{FF2B5EF4-FFF2-40B4-BE49-F238E27FC236}">
+                <a16:creationId xmlns:a16="http://schemas.microsoft.com/office/drawing/2014/main" id="{F11D0385-8757-9286-C8A9-6D6D1701875B}"/>
+              </a:ext>
+            </a:extLst>
+          </p:cNvPr>
+          <p:cNvPicPr>
+            <a:picLocks noChangeAspect="1"/>
+          </p:cNvPicPr>
+          <p:nvPr/>
+        </p:nvPicPr>
+        <p:blipFill>
+          <a:blip r:embed="rId17">
+            <a:grayscl/>
+          </a:blip>
+          <a:stretch>
+            <a:fillRect/>
+          </a:stretch>
+        </p:blipFill>
+        <p:spPr>
+          <a:xfrm>
+            <a:off x="4393535" y="4917956"/>
+            <a:ext cx="411705" cy="411705"/>
+          </a:xfrm>
+          <a:prstGeom prst="rect">
+            <a:avLst/>
+          </a:prstGeom>
+        </p:spPr>
+      </p:pic>
+      <p:pic>
+        <p:nvPicPr>
+          <p:cNvPr id="8" name="Picture 7">
+            <a:extLst>
+              <a:ext uri="{FF2B5EF4-FFF2-40B4-BE49-F238E27FC236}">
+                <a16:creationId xmlns:a16="http://schemas.microsoft.com/office/drawing/2014/main" id="{A0B6FD72-8E19-B4E5-5329-60A639D9D91D}"/>
+              </a:ext>
+            </a:extLst>
+          </p:cNvPr>
+          <p:cNvPicPr>
+            <a:picLocks noChangeAspect="1"/>
+          </p:cNvPicPr>
+          <p:nvPr/>
+        </p:nvPicPr>
+        <p:blipFill>
+          <a:blip r:embed="rId18">
+            <a:biLevel thresh="75000"/>
+          </a:blip>
+          <a:stretch>
+            <a:fillRect/>
+          </a:stretch>
+        </p:blipFill>
+        <p:spPr>
+          <a:xfrm>
+            <a:off x="5082665" y="4907804"/>
+            <a:ext cx="386638" cy="386638"/>
+          </a:xfrm>
+          <a:prstGeom prst="rect">
+            <a:avLst/>
+          </a:prstGeom>
+        </p:spPr>
+      </p:pic>
+      <p:pic>
+        <p:nvPicPr>
+          <p:cNvPr id="10" name="Picture 9">
+            <a:extLst>
+              <a:ext uri="{FF2B5EF4-FFF2-40B4-BE49-F238E27FC236}">
+                <a16:creationId xmlns:a16="http://schemas.microsoft.com/office/drawing/2014/main" id="{F501C0E3-0B05-CF26-CB78-FA839B60A67C}"/>
+              </a:ext>
+            </a:extLst>
+          </p:cNvPr>
+          <p:cNvPicPr>
+            <a:picLocks noChangeAspect="1"/>
+          </p:cNvPicPr>
+          <p:nvPr/>
+        </p:nvPicPr>
+        <p:blipFill>
+          <a:blip r:embed="rId19"/>
+          <a:stretch>
+            <a:fillRect/>
+          </a:stretch>
+        </p:blipFill>
+        <p:spPr>
+          <a:xfrm>
+            <a:off x="6598347" y="3316165"/>
+            <a:ext cx="2917120" cy="545411"/>
+          </a:xfrm>
+          <a:prstGeom prst="rect">
+            <a:avLst/>
+          </a:prstGeom>
+        </p:spPr>
+      </p:pic>
+      <p:pic>
+        <p:nvPicPr>
+          <p:cNvPr id="11" name="Picture 10">
+            <a:extLst>
+              <a:ext uri="{FF2B5EF4-FFF2-40B4-BE49-F238E27FC236}">
+                <a16:creationId xmlns:a16="http://schemas.microsoft.com/office/drawing/2014/main" id="{431E2344-402C-799E-16CD-E52CE5271E3D}"/>
+              </a:ext>
+            </a:extLst>
+          </p:cNvPr>
+          <p:cNvPicPr>
+            <a:picLocks noChangeAspect="1"/>
+          </p:cNvPicPr>
+          <p:nvPr/>
+        </p:nvPicPr>
+        <p:blipFill>
+          <a:blip r:embed="rId20"/>
+          <a:stretch>
+            <a:fillRect/>
+          </a:stretch>
+        </p:blipFill>
+        <p:spPr>
+          <a:xfrm>
+            <a:off x="8009778" y="3867043"/>
+            <a:ext cx="412014" cy="412014"/>
           </a:xfrm>
           <a:prstGeom prst="rect">
             <a:avLst/>

--- a/figure/figure.pptx
+++ b/figure/figure.pptx
@@ -120,7 +120,7 @@
 <file path=ppt/revisionInfo.xml><?xml version="1.0" encoding="utf-8"?>
 <p1510:revInfo xmlns:a="http://schemas.openxmlformats.org/drawingml/2006/main" xmlns:r="http://schemas.openxmlformats.org/officeDocument/2006/relationships" xmlns:p1510="http://schemas.microsoft.com/office/powerpoint/2015/10/main">
   <p1510:revLst>
-    <p1510:client id="{03E5F488-4AE7-44EC-BCC8-445D3528E1AB}" v="143" dt="2023-09-17T05:52:46.153"/>
+    <p1510:client id="{03E5F488-4AE7-44EC-BCC8-445D3528E1AB}" v="145" dt="2023-10-01T07:38:51.331"/>
   </p1510:revLst>
 </p1510:revInfo>
 </file>
@@ -130,12 +130,12 @@
   <pc:docChgLst>
     <pc:chgData name="Chia-jung Yeh" userId="f328d6f4-0757-42dc-943f-c4685e047ee8" providerId="ADAL" clId="{03E5F488-4AE7-44EC-BCC8-445D3528E1AB}"/>
     <pc:docChg chg="undo redo custSel addSld delSld modSld">
-      <pc:chgData name="Chia-jung Yeh" userId="f328d6f4-0757-42dc-943f-c4685e047ee8" providerId="ADAL" clId="{03E5F488-4AE7-44EC-BCC8-445D3528E1AB}" dt="2023-09-17T05:53:41.856" v="693" actId="1076"/>
+      <pc:chgData name="Chia-jung Yeh" userId="f328d6f4-0757-42dc-943f-c4685e047ee8" providerId="ADAL" clId="{03E5F488-4AE7-44EC-BCC8-445D3528E1AB}" dt="2023-10-01T07:39:39.768" v="725" actId="1076"/>
       <pc:docMkLst>
         <pc:docMk/>
       </pc:docMkLst>
       <pc:sldChg chg="addSp delSp modSp add mod">
-        <pc:chgData name="Chia-jung Yeh" userId="f328d6f4-0757-42dc-943f-c4685e047ee8" providerId="ADAL" clId="{03E5F488-4AE7-44EC-BCC8-445D3528E1AB}" dt="2023-09-17T05:53:41.856" v="693" actId="1076"/>
+        <pc:chgData name="Chia-jung Yeh" userId="f328d6f4-0757-42dc-943f-c4685e047ee8" providerId="ADAL" clId="{03E5F488-4AE7-44EC-BCC8-445D3528E1AB}" dt="2023-10-01T07:39:39.768" v="725" actId="1076"/>
         <pc:sldMkLst>
           <pc:docMk/>
           <pc:sldMk cId="2631405588" sldId="257"/>
@@ -213,7 +213,7 @@
           </ac:picMkLst>
         </pc:picChg>
         <pc:picChg chg="add mod">
-          <ac:chgData name="Chia-jung Yeh" userId="f328d6f4-0757-42dc-943f-c4685e047ee8" providerId="ADAL" clId="{03E5F488-4AE7-44EC-BCC8-445D3528E1AB}" dt="2023-09-17T05:53:35.058" v="690" actId="1076"/>
+          <ac:chgData name="Chia-jung Yeh" userId="f328d6f4-0757-42dc-943f-c4685e047ee8" providerId="ADAL" clId="{03E5F488-4AE7-44EC-BCC8-445D3528E1AB}" dt="2023-10-01T07:39:39.768" v="725" actId="1076"/>
           <ac:picMkLst>
             <pc:docMk/>
             <pc:sldMk cId="2631405588" sldId="257"/>
@@ -221,11 +221,19 @@
           </ac:picMkLst>
         </pc:picChg>
         <pc:picChg chg="add mod">
-          <ac:chgData name="Chia-jung Yeh" userId="f328d6f4-0757-42dc-943f-c4685e047ee8" providerId="ADAL" clId="{03E5F488-4AE7-44EC-BCC8-445D3528E1AB}" dt="2023-09-17T05:53:35.058" v="690" actId="1076"/>
+          <ac:chgData name="Chia-jung Yeh" userId="f328d6f4-0757-42dc-943f-c4685e047ee8" providerId="ADAL" clId="{03E5F488-4AE7-44EC-BCC8-445D3528E1AB}" dt="2023-10-01T07:39:39.768" v="725" actId="1076"/>
           <ac:picMkLst>
             <pc:docMk/>
             <pc:sldMk cId="2631405588" sldId="257"/>
             <ac:picMk id="8" creationId="{A0B6FD72-8E19-B4E5-5329-60A639D9D91D}"/>
+          </ac:picMkLst>
+        </pc:picChg>
+        <pc:picChg chg="add mod">
+          <ac:chgData name="Chia-jung Yeh" userId="f328d6f4-0757-42dc-943f-c4685e047ee8" providerId="ADAL" clId="{03E5F488-4AE7-44EC-BCC8-445D3528E1AB}" dt="2023-10-01T07:38:18.695" v="706" actId="1076"/>
+          <ac:picMkLst>
+            <pc:docMk/>
+            <pc:sldMk cId="2631405588" sldId="257"/>
+            <ac:picMk id="9" creationId="{810054D3-98DB-27D6-529A-7452DDAB0448}"/>
           </ac:picMkLst>
         </pc:picChg>
         <pc:picChg chg="del">
@@ -260,6 +268,14 @@
             <ac:picMk id="11" creationId="{431E2344-402C-799E-16CD-E52CE5271E3D}"/>
           </ac:picMkLst>
         </pc:picChg>
+        <pc:picChg chg="add mod modCrop">
+          <ac:chgData name="Chia-jung Yeh" userId="f328d6f4-0757-42dc-943f-c4685e047ee8" providerId="ADAL" clId="{03E5F488-4AE7-44EC-BCC8-445D3528E1AB}" dt="2023-10-01T07:39:39.768" v="725" actId="1076"/>
+          <ac:picMkLst>
+            <pc:docMk/>
+            <pc:sldMk cId="2631405588" sldId="257"/>
+            <ac:picMk id="12" creationId="{913850BC-5DA5-08D7-C8D7-F238461F2470}"/>
+          </ac:picMkLst>
+        </pc:picChg>
         <pc:picChg chg="del">
           <ac:chgData name="Chia-jung Yeh" userId="f328d6f4-0757-42dc-943f-c4685e047ee8" providerId="ADAL" clId="{03E5F488-4AE7-44EC-BCC8-445D3528E1AB}" dt="2023-09-05T06:39:46.203" v="3" actId="478"/>
           <ac:picMkLst>
@@ -285,7 +301,7 @@
           </ac:picMkLst>
         </pc:picChg>
         <pc:picChg chg="add mod modCrop">
-          <ac:chgData name="Chia-jung Yeh" userId="f328d6f4-0757-42dc-943f-c4685e047ee8" providerId="ADAL" clId="{03E5F488-4AE7-44EC-BCC8-445D3528E1AB}" dt="2023-09-05T06:43:45.132" v="72" actId="732"/>
+          <ac:chgData name="Chia-jung Yeh" userId="f328d6f4-0757-42dc-943f-c4685e047ee8" providerId="ADAL" clId="{03E5F488-4AE7-44EC-BCC8-445D3528E1AB}" dt="2023-10-01T07:37:57.089" v="697" actId="1076"/>
           <ac:picMkLst>
             <pc:docMk/>
             <pc:sldMk cId="2631405588" sldId="257"/>
@@ -293,7 +309,7 @@
           </ac:picMkLst>
         </pc:picChg>
         <pc:picChg chg="add mod">
-          <ac:chgData name="Chia-jung Yeh" userId="f328d6f4-0757-42dc-943f-c4685e047ee8" providerId="ADAL" clId="{03E5F488-4AE7-44EC-BCC8-445D3528E1AB}" dt="2023-09-05T12:06:59.331" v="102" actId="14100"/>
+          <ac:chgData name="Chia-jung Yeh" userId="f328d6f4-0757-42dc-943f-c4685e047ee8" providerId="ADAL" clId="{03E5F488-4AE7-44EC-BCC8-445D3528E1AB}" dt="2023-10-01T07:38:04.357" v="699" actId="1076"/>
           <ac:picMkLst>
             <pc:docMk/>
             <pc:sldMk cId="2631405588" sldId="257"/>
@@ -301,7 +317,7 @@
           </ac:picMkLst>
         </pc:picChg>
         <pc:picChg chg="add mod">
-          <ac:chgData name="Chia-jung Yeh" userId="f328d6f4-0757-42dc-943f-c4685e047ee8" providerId="ADAL" clId="{03E5F488-4AE7-44EC-BCC8-445D3528E1AB}" dt="2023-09-05T06:44:54.949" v="92" actId="1076"/>
+          <ac:chgData name="Chia-jung Yeh" userId="f328d6f4-0757-42dc-943f-c4685e047ee8" providerId="ADAL" clId="{03E5F488-4AE7-44EC-BCC8-445D3528E1AB}" dt="2023-10-01T07:38:06.292" v="700" actId="1076"/>
           <ac:picMkLst>
             <pc:docMk/>
             <pc:sldMk cId="2631405588" sldId="257"/>
@@ -309,7 +325,7 @@
           </ac:picMkLst>
         </pc:picChg>
         <pc:picChg chg="add mod">
-          <ac:chgData name="Chia-jung Yeh" userId="f328d6f4-0757-42dc-943f-c4685e047ee8" providerId="ADAL" clId="{03E5F488-4AE7-44EC-BCC8-445D3528E1AB}" dt="2023-09-05T06:44:47.310" v="90" actId="14100"/>
+          <ac:chgData name="Chia-jung Yeh" userId="f328d6f4-0757-42dc-943f-c4685e047ee8" providerId="ADAL" clId="{03E5F488-4AE7-44EC-BCC8-445D3528E1AB}" dt="2023-10-01T07:38:08.601" v="701" actId="1076"/>
           <ac:picMkLst>
             <pc:docMk/>
             <pc:sldMk cId="2631405588" sldId="257"/>
@@ -317,7 +333,7 @@
           </ac:picMkLst>
         </pc:picChg>
         <pc:picChg chg="add mod">
-          <ac:chgData name="Chia-jung Yeh" userId="f328d6f4-0757-42dc-943f-c4685e047ee8" providerId="ADAL" clId="{03E5F488-4AE7-44EC-BCC8-445D3528E1AB}" dt="2023-09-05T06:45:40.106" v="100" actId="1076"/>
+          <ac:chgData name="Chia-jung Yeh" userId="f328d6f4-0757-42dc-943f-c4685e047ee8" providerId="ADAL" clId="{03E5F488-4AE7-44EC-BCC8-445D3528E1AB}" dt="2023-10-01T07:38:11.865" v="702" actId="1076"/>
           <ac:picMkLst>
             <pc:docMk/>
             <pc:sldMk cId="2631405588" sldId="257"/>
@@ -341,7 +357,7 @@
           </ac:picMkLst>
         </pc:picChg>
         <pc:picChg chg="add mod">
-          <ac:chgData name="Chia-jung Yeh" userId="f328d6f4-0757-42dc-943f-c4685e047ee8" providerId="ADAL" clId="{03E5F488-4AE7-44EC-BCC8-445D3528E1AB}" dt="2023-09-17T05:53:35.058" v="690" actId="1076"/>
+          <ac:chgData name="Chia-jung Yeh" userId="f328d6f4-0757-42dc-943f-c4685e047ee8" providerId="ADAL" clId="{03E5F488-4AE7-44EC-BCC8-445D3528E1AB}" dt="2023-10-01T07:39:39.768" v="725" actId="1076"/>
           <ac:picMkLst>
             <pc:docMk/>
             <pc:sldMk cId="2631405588" sldId="257"/>
@@ -2354,7 +2370,7 @@
           <a:p>
             <a:fld id="{84C3027D-C01C-4C2F-B8C4-118253BF65DC}" type="datetimeFigureOut">
               <a:rPr lang="en-GB" smtClean="0"/>
-              <a:t>17/09/2023</a:t>
+              <a:t>01/10/2023</a:t>
             </a:fld>
             <a:endParaRPr lang="en-GB"/>
           </a:p>
@@ -2769,7 +2785,7 @@
           <a:p>
             <a:fld id="{D3EDB8CA-71FD-4DC9-833D-24632F66BB79}" type="datetimeFigureOut">
               <a:rPr lang="zh-TW" altLang="en-US" smtClean="0"/>
-              <a:t>2023/9/17</a:t>
+              <a:t>2023/10/1</a:t>
             </a:fld>
             <a:endParaRPr lang="zh-TW" altLang="en-US"/>
           </a:p>
@@ -2967,7 +2983,7 @@
           <a:p>
             <a:fld id="{D3EDB8CA-71FD-4DC9-833D-24632F66BB79}" type="datetimeFigureOut">
               <a:rPr lang="zh-TW" altLang="en-US" smtClean="0"/>
-              <a:t>2023/9/17</a:t>
+              <a:t>2023/10/1</a:t>
             </a:fld>
             <a:endParaRPr lang="zh-TW" altLang="en-US"/>
           </a:p>
@@ -3175,7 +3191,7 @@
           <a:p>
             <a:fld id="{D3EDB8CA-71FD-4DC9-833D-24632F66BB79}" type="datetimeFigureOut">
               <a:rPr lang="zh-TW" altLang="en-US" smtClean="0"/>
-              <a:t>2023/9/17</a:t>
+              <a:t>2023/10/1</a:t>
             </a:fld>
             <a:endParaRPr lang="zh-TW" altLang="en-US"/>
           </a:p>
@@ -3373,7 +3389,7 @@
           <a:p>
             <a:fld id="{D3EDB8CA-71FD-4DC9-833D-24632F66BB79}" type="datetimeFigureOut">
               <a:rPr lang="zh-TW" altLang="en-US" smtClean="0"/>
-              <a:t>2023/9/17</a:t>
+              <a:t>2023/10/1</a:t>
             </a:fld>
             <a:endParaRPr lang="zh-TW" altLang="en-US"/>
           </a:p>
@@ -3648,7 +3664,7 @@
           <a:p>
             <a:fld id="{D3EDB8CA-71FD-4DC9-833D-24632F66BB79}" type="datetimeFigureOut">
               <a:rPr lang="zh-TW" altLang="en-US" smtClean="0"/>
-              <a:t>2023/9/17</a:t>
+              <a:t>2023/10/1</a:t>
             </a:fld>
             <a:endParaRPr lang="zh-TW" altLang="en-US"/>
           </a:p>
@@ -3913,7 +3929,7 @@
           <a:p>
             <a:fld id="{D3EDB8CA-71FD-4DC9-833D-24632F66BB79}" type="datetimeFigureOut">
               <a:rPr lang="zh-TW" altLang="en-US" smtClean="0"/>
-              <a:t>2023/9/17</a:t>
+              <a:t>2023/10/1</a:t>
             </a:fld>
             <a:endParaRPr lang="zh-TW" altLang="en-US"/>
           </a:p>
@@ -4325,7 +4341,7 @@
           <a:p>
             <a:fld id="{D3EDB8CA-71FD-4DC9-833D-24632F66BB79}" type="datetimeFigureOut">
               <a:rPr lang="zh-TW" altLang="en-US" smtClean="0"/>
-              <a:t>2023/9/17</a:t>
+              <a:t>2023/10/1</a:t>
             </a:fld>
             <a:endParaRPr lang="zh-TW" altLang="en-US"/>
           </a:p>
@@ -4466,7 +4482,7 @@
           <a:p>
             <a:fld id="{D3EDB8CA-71FD-4DC9-833D-24632F66BB79}" type="datetimeFigureOut">
               <a:rPr lang="zh-TW" altLang="en-US" smtClean="0"/>
-              <a:t>2023/9/17</a:t>
+              <a:t>2023/10/1</a:t>
             </a:fld>
             <a:endParaRPr lang="zh-TW" altLang="en-US"/>
           </a:p>
@@ -4579,7 +4595,7 @@
           <a:p>
             <a:fld id="{D3EDB8CA-71FD-4DC9-833D-24632F66BB79}" type="datetimeFigureOut">
               <a:rPr lang="zh-TW" altLang="en-US" smtClean="0"/>
-              <a:t>2023/9/17</a:t>
+              <a:t>2023/10/1</a:t>
             </a:fld>
             <a:endParaRPr lang="zh-TW" altLang="en-US"/>
           </a:p>
@@ -4890,7 +4906,7 @@
           <a:p>
             <a:fld id="{D3EDB8CA-71FD-4DC9-833D-24632F66BB79}" type="datetimeFigureOut">
               <a:rPr lang="zh-TW" altLang="en-US" smtClean="0"/>
-              <a:t>2023/9/17</a:t>
+              <a:t>2023/10/1</a:t>
             </a:fld>
             <a:endParaRPr lang="zh-TW" altLang="en-US"/>
           </a:p>
@@ -5178,7 +5194,7 @@
           <a:p>
             <a:fld id="{D3EDB8CA-71FD-4DC9-833D-24632F66BB79}" type="datetimeFigureOut">
               <a:rPr lang="zh-TW" altLang="en-US" smtClean="0"/>
-              <a:t>2023/9/17</a:t>
+              <a:t>2023/10/1</a:t>
             </a:fld>
             <a:endParaRPr lang="zh-TW" altLang="en-US"/>
           </a:p>
@@ -5419,7 +5435,7 @@
           <a:p>
             <a:fld id="{D3EDB8CA-71FD-4DC9-833D-24632F66BB79}" type="datetimeFigureOut">
               <a:rPr lang="zh-TW" altLang="en-US" smtClean="0"/>
-              <a:t>2023/9/17</a:t>
+              <a:t>2023/10/1</a:t>
             </a:fld>
             <a:endParaRPr lang="zh-TW" altLang="en-US"/>
           </a:p>
@@ -6350,7 +6366,7 @@
         </p:blipFill>
         <p:spPr>
           <a:xfrm>
-            <a:off x="3121899" y="2774124"/>
+            <a:off x="2745310" y="2774124"/>
             <a:ext cx="511619" cy="469298"/>
           </a:xfrm>
           <a:prstGeom prst="rect">
@@ -6380,7 +6396,7 @@
         </p:blipFill>
         <p:spPr>
           <a:xfrm>
-            <a:off x="3709034" y="2791166"/>
+            <a:off x="3274540" y="2791166"/>
             <a:ext cx="272415" cy="409530"/>
           </a:xfrm>
           <a:prstGeom prst="rect">
@@ -6421,7 +6437,7 @@
         </p:blipFill>
         <p:spPr>
           <a:xfrm>
-            <a:off x="4006805" y="2697038"/>
+            <a:off x="3540877" y="2697038"/>
             <a:ext cx="595623" cy="595623"/>
           </a:xfrm>
           <a:prstGeom prst="rect">
@@ -6462,7 +6478,7 @@
         </p:blipFill>
         <p:spPr>
           <a:xfrm>
-            <a:off x="4646866" y="2807918"/>
+            <a:off x="4122983" y="2807918"/>
             <a:ext cx="373424" cy="373424"/>
           </a:xfrm>
           <a:prstGeom prst="rect">
@@ -6503,7 +6519,7 @@
         </p:blipFill>
         <p:spPr>
           <a:xfrm>
-            <a:off x="5129721" y="2871420"/>
+            <a:off x="4562628" y="2871420"/>
             <a:ext cx="489807" cy="302973"/>
           </a:xfrm>
           <a:prstGeom prst="rect">
@@ -6594,8 +6610,8 @@
         </p:blipFill>
         <p:spPr>
           <a:xfrm>
-            <a:off x="3633518" y="4863288"/>
-            <a:ext cx="519994" cy="519994"/>
+            <a:off x="3657657" y="4897508"/>
+            <a:ext cx="465326" cy="465326"/>
           </a:xfrm>
           <a:prstGeom prst="rect">
             <a:avLst/>
@@ -6766,7 +6782,7 @@
         </p:blipFill>
         <p:spPr>
           <a:xfrm>
-            <a:off x="4393535" y="4917956"/>
+            <a:off x="4206151" y="4917956"/>
             <a:ext cx="411705" cy="411705"/>
           </a:xfrm>
           <a:prstGeom prst="rect">
@@ -6798,8 +6814,8 @@
         </p:blipFill>
         <p:spPr>
           <a:xfrm>
-            <a:off x="5082665" y="4907804"/>
-            <a:ext cx="386638" cy="386638"/>
+            <a:off x="4701024" y="4915246"/>
+            <a:ext cx="414415" cy="414415"/>
           </a:xfrm>
           <a:prstGeom prst="rect">
             <a:avLst/>
@@ -6860,6 +6876,64 @@
           <a:xfrm>
             <a:off x="8009778" y="3867043"/>
             <a:ext cx="412014" cy="412014"/>
+          </a:xfrm>
+          <a:prstGeom prst="rect">
+            <a:avLst/>
+          </a:prstGeom>
+        </p:spPr>
+      </p:pic>
+      <p:pic>
+        <p:nvPicPr>
+          <p:cNvPr id="9" name="Picture 8">
+            <a:extLst>
+              <a:ext uri="{FF2B5EF4-FFF2-40B4-BE49-F238E27FC236}">
+                <a16:creationId xmlns:a16="http://schemas.microsoft.com/office/drawing/2014/main" id="{810054D3-98DB-27D6-529A-7452DDAB0448}"/>
+              </a:ext>
+            </a:extLst>
+          </p:cNvPr>
+          <p:cNvPicPr>
+            <a:picLocks noChangeAspect="1"/>
+          </p:cNvPicPr>
+          <p:nvPr/>
+        </p:nvPicPr>
+        <p:blipFill rotWithShape="1">
+          <a:blip r:embed="rId16"/>
+          <a:srcRect t="27747" b="27290"/>
+          <a:stretch/>
+        </p:blipFill>
+        <p:spPr>
+          <a:xfrm>
+            <a:off x="5125943" y="2851658"/>
+            <a:ext cx="739189" cy="332361"/>
+          </a:xfrm>
+          <a:prstGeom prst="rect">
+            <a:avLst/>
+          </a:prstGeom>
+        </p:spPr>
+      </p:pic>
+      <p:pic>
+        <p:nvPicPr>
+          <p:cNvPr id="12" name="Picture 11">
+            <a:extLst>
+              <a:ext uri="{FF2B5EF4-FFF2-40B4-BE49-F238E27FC236}">
+                <a16:creationId xmlns:a16="http://schemas.microsoft.com/office/drawing/2014/main" id="{913850BC-5DA5-08D7-C8D7-F238461F2470}"/>
+              </a:ext>
+            </a:extLst>
+          </p:cNvPr>
+          <p:cNvPicPr>
+            <a:picLocks noChangeAspect="1"/>
+          </p:cNvPicPr>
+          <p:nvPr/>
+        </p:nvPicPr>
+        <p:blipFill rotWithShape="1">
+          <a:blip r:embed="rId21"/>
+          <a:srcRect t="1" b="11682"/>
+          <a:stretch/>
+        </p:blipFill>
+        <p:spPr>
+          <a:xfrm>
+            <a:off x="5181390" y="4915246"/>
+            <a:ext cx="451977" cy="399176"/>
           </a:xfrm>
           <a:prstGeom prst="rect">
             <a:avLst/>

--- a/figure/figure.pptx
+++ b/figure/figure.pptx
@@ -5,12 +5,13 @@
     <p:sldMasterId id="2147483648" r:id="rId1"/>
   </p:sldMasterIdLst>
   <p:notesMasterIdLst>
-    <p:notesMasterId r:id="rId5"/>
+    <p:notesMasterId r:id="rId6"/>
   </p:notesMasterIdLst>
   <p:sldIdLst>
     <p:sldId id="256" r:id="rId2"/>
     <p:sldId id="257" r:id="rId3"/>
     <p:sldId id="258" r:id="rId4"/>
+    <p:sldId id="259" r:id="rId5"/>
   </p:sldIdLst>
   <p:sldSz cx="12192000" cy="6858000"/>
   <p:notesSz cx="6858000" cy="9144000"/>
@@ -117,14 +118,6 @@
 </p:presentation>
 </file>
 
-<file path=ppt/revisionInfo.xml><?xml version="1.0" encoding="utf-8"?>
-<p1510:revInfo xmlns:a="http://schemas.openxmlformats.org/drawingml/2006/main" xmlns:r="http://schemas.openxmlformats.org/officeDocument/2006/relationships" xmlns:p1510="http://schemas.microsoft.com/office/powerpoint/2015/10/main">
-  <p1510:revLst>
-    <p1510:client id="{03E5F488-4AE7-44EC-BCC8-445D3528E1AB}" v="145" dt="2023-10-01T07:38:51.331"/>
-  </p1510:revLst>
-</p1510:revInfo>
-</file>
-
 <file path=ppt/changesInfos/changesInfo1.xml><?xml version="1.0" encoding="utf-8"?>
 <pc:chgInfo xmlns:a="http://schemas.openxmlformats.org/drawingml/2006/main" xmlns:r="http://schemas.openxmlformats.org/officeDocument/2006/relationships" xmlns:ac="http://schemas.microsoft.com/office/drawing/2013/main/command" xmlns:pc="http://schemas.microsoft.com/office/powerpoint/2013/main/command">
   <pc:docChgLst>
@@ -2282,6 +2275,86 @@
             <ac:cxnSpMk id="15" creationId="{B729DA37-9D75-1054-97A4-4BAE51C47E70}"/>
           </ac:cxnSpMkLst>
         </pc:cxnChg>
+      </pc:sldChg>
+    </pc:docChg>
+  </pc:docChgLst>
+  <pc:docChgLst>
+    <pc:chgData name="Chia-jung Yeh" userId="f328d6f4-0757-42dc-943f-c4685e047ee8" providerId="ADAL" clId="{1F16D574-7ADE-4B73-BD14-005E72482AA0}"/>
+    <pc:docChg chg="undo custSel addSld modSld">
+      <pc:chgData name="Chia-jung Yeh" userId="f328d6f4-0757-42dc-943f-c4685e047ee8" providerId="ADAL" clId="{1F16D574-7ADE-4B73-BD14-005E72482AA0}" dt="2023-11-04T14:16:12.321" v="31" actId="478"/>
+      <pc:docMkLst>
+        <pc:docMk/>
+      </pc:docMkLst>
+      <pc:sldChg chg="addSp delSp modSp new mod">
+        <pc:chgData name="Chia-jung Yeh" userId="f328d6f4-0757-42dc-943f-c4685e047ee8" providerId="ADAL" clId="{1F16D574-7ADE-4B73-BD14-005E72482AA0}" dt="2023-11-04T14:16:12.321" v="31" actId="478"/>
+        <pc:sldMkLst>
+          <pc:docMk/>
+          <pc:sldMk cId="2205657746" sldId="259"/>
+        </pc:sldMkLst>
+        <pc:spChg chg="del">
+          <ac:chgData name="Chia-jung Yeh" userId="f328d6f4-0757-42dc-943f-c4685e047ee8" providerId="ADAL" clId="{1F16D574-7ADE-4B73-BD14-005E72482AA0}" dt="2023-11-04T13:05:57.096" v="1" actId="478"/>
+          <ac:spMkLst>
+            <pc:docMk/>
+            <pc:sldMk cId="2205657746" sldId="259"/>
+            <ac:spMk id="2" creationId="{8311AAA9-29FA-66D1-9554-31212DA8CA85}"/>
+          </ac:spMkLst>
+        </pc:spChg>
+        <pc:spChg chg="del">
+          <ac:chgData name="Chia-jung Yeh" userId="f328d6f4-0757-42dc-943f-c4685e047ee8" providerId="ADAL" clId="{1F16D574-7ADE-4B73-BD14-005E72482AA0}" dt="2023-11-04T13:05:57.096" v="1" actId="478"/>
+          <ac:spMkLst>
+            <pc:docMk/>
+            <pc:sldMk cId="2205657746" sldId="259"/>
+            <ac:spMk id="3" creationId="{426738AA-FA2F-2399-C52A-A5393AE62BBB}"/>
+          </ac:spMkLst>
+        </pc:spChg>
+        <pc:picChg chg="add del mod modCrop">
+          <ac:chgData name="Chia-jung Yeh" userId="f328d6f4-0757-42dc-943f-c4685e047ee8" providerId="ADAL" clId="{1F16D574-7ADE-4B73-BD14-005E72482AA0}" dt="2023-11-04T13:21:02.104" v="17" actId="478"/>
+          <ac:picMkLst>
+            <pc:docMk/>
+            <pc:sldMk cId="2205657746" sldId="259"/>
+            <ac:picMk id="5" creationId="{7F67D0C0-4900-598F-E8FB-BE1E991EF7DA}"/>
+          </ac:picMkLst>
+        </pc:picChg>
+        <pc:picChg chg="add del">
+          <ac:chgData name="Chia-jung Yeh" userId="f328d6f4-0757-42dc-943f-c4685e047ee8" providerId="ADAL" clId="{1F16D574-7ADE-4B73-BD14-005E72482AA0}" dt="2023-11-04T13:20:02.725" v="7" actId="22"/>
+          <ac:picMkLst>
+            <pc:docMk/>
+            <pc:sldMk cId="2205657746" sldId="259"/>
+            <ac:picMk id="7" creationId="{5D10088A-027D-51FA-F73F-DDEC105BA646}"/>
+          </ac:picMkLst>
+        </pc:picChg>
+        <pc:picChg chg="add mod modCrop">
+          <ac:chgData name="Chia-jung Yeh" userId="f328d6f4-0757-42dc-943f-c4685e047ee8" providerId="ADAL" clId="{1F16D574-7ADE-4B73-BD14-005E72482AA0}" dt="2023-11-04T13:21:45.914" v="23" actId="208"/>
+          <ac:picMkLst>
+            <pc:docMk/>
+            <pc:sldMk cId="2205657746" sldId="259"/>
+            <ac:picMk id="9" creationId="{4BFC2E1B-58BC-00E0-C0D8-521B2F34B9E6}"/>
+          </ac:picMkLst>
+        </pc:picChg>
+        <pc:picChg chg="add mod modCrop">
+          <ac:chgData name="Chia-jung Yeh" userId="f328d6f4-0757-42dc-943f-c4685e047ee8" providerId="ADAL" clId="{1F16D574-7ADE-4B73-BD14-005E72482AA0}" dt="2023-11-04T13:21:45.914" v="23" actId="208"/>
+          <ac:picMkLst>
+            <pc:docMk/>
+            <pc:sldMk cId="2205657746" sldId="259"/>
+            <ac:picMk id="11" creationId="{C3655E12-A58D-9CBC-A2A8-263A8FDE57A3}"/>
+          </ac:picMkLst>
+        </pc:picChg>
+        <pc:picChg chg="add del mod">
+          <ac:chgData name="Chia-jung Yeh" userId="f328d6f4-0757-42dc-943f-c4685e047ee8" providerId="ADAL" clId="{1F16D574-7ADE-4B73-BD14-005E72482AA0}" dt="2023-11-04T13:47:59.123" v="27" actId="478"/>
+          <ac:picMkLst>
+            <pc:docMk/>
+            <pc:sldMk cId="2205657746" sldId="259"/>
+            <ac:picMk id="13" creationId="{6BDD7038-4B49-5966-DA66-83089F136F9A}"/>
+          </ac:picMkLst>
+        </pc:picChg>
+        <pc:picChg chg="add del mod">
+          <ac:chgData name="Chia-jung Yeh" userId="f328d6f4-0757-42dc-943f-c4685e047ee8" providerId="ADAL" clId="{1F16D574-7ADE-4B73-BD14-005E72482AA0}" dt="2023-11-04T14:16:12.321" v="31" actId="478"/>
+          <ac:picMkLst>
+            <pc:docMk/>
+            <pc:sldMk cId="2205657746" sldId="259"/>
+            <ac:picMk id="15" creationId="{C3300814-8F9E-2B7B-908D-CD40F70CF5BD}"/>
+          </ac:picMkLst>
+        </pc:picChg>
       </pc:sldChg>
     </pc:docChg>
   </pc:docChgLst>
@@ -2370,7 +2443,7 @@
           <a:p>
             <a:fld id="{84C3027D-C01C-4C2F-B8C4-118253BF65DC}" type="datetimeFigureOut">
               <a:rPr lang="en-GB" smtClean="0"/>
-              <a:t>01/10/2023</a:t>
+              <a:t>05/11/2023</a:t>
             </a:fld>
             <a:endParaRPr lang="en-GB"/>
           </a:p>
@@ -2785,7 +2858,7 @@
           <a:p>
             <a:fld id="{D3EDB8CA-71FD-4DC9-833D-24632F66BB79}" type="datetimeFigureOut">
               <a:rPr lang="zh-TW" altLang="en-US" smtClean="0"/>
-              <a:t>2023/10/1</a:t>
+              <a:t>2023/11/5</a:t>
             </a:fld>
             <a:endParaRPr lang="zh-TW" altLang="en-US"/>
           </a:p>
@@ -2983,7 +3056,7 @@
           <a:p>
             <a:fld id="{D3EDB8CA-71FD-4DC9-833D-24632F66BB79}" type="datetimeFigureOut">
               <a:rPr lang="zh-TW" altLang="en-US" smtClean="0"/>
-              <a:t>2023/10/1</a:t>
+              <a:t>2023/11/5</a:t>
             </a:fld>
             <a:endParaRPr lang="zh-TW" altLang="en-US"/>
           </a:p>
@@ -3191,7 +3264,7 @@
           <a:p>
             <a:fld id="{D3EDB8CA-71FD-4DC9-833D-24632F66BB79}" type="datetimeFigureOut">
               <a:rPr lang="zh-TW" altLang="en-US" smtClean="0"/>
-              <a:t>2023/10/1</a:t>
+              <a:t>2023/11/5</a:t>
             </a:fld>
             <a:endParaRPr lang="zh-TW" altLang="en-US"/>
           </a:p>
@@ -3389,7 +3462,7 @@
           <a:p>
             <a:fld id="{D3EDB8CA-71FD-4DC9-833D-24632F66BB79}" type="datetimeFigureOut">
               <a:rPr lang="zh-TW" altLang="en-US" smtClean="0"/>
-              <a:t>2023/10/1</a:t>
+              <a:t>2023/11/5</a:t>
             </a:fld>
             <a:endParaRPr lang="zh-TW" altLang="en-US"/>
           </a:p>
@@ -3664,7 +3737,7 @@
           <a:p>
             <a:fld id="{D3EDB8CA-71FD-4DC9-833D-24632F66BB79}" type="datetimeFigureOut">
               <a:rPr lang="zh-TW" altLang="en-US" smtClean="0"/>
-              <a:t>2023/10/1</a:t>
+              <a:t>2023/11/5</a:t>
             </a:fld>
             <a:endParaRPr lang="zh-TW" altLang="en-US"/>
           </a:p>
@@ -3929,7 +4002,7 @@
           <a:p>
             <a:fld id="{D3EDB8CA-71FD-4DC9-833D-24632F66BB79}" type="datetimeFigureOut">
               <a:rPr lang="zh-TW" altLang="en-US" smtClean="0"/>
-              <a:t>2023/10/1</a:t>
+              <a:t>2023/11/5</a:t>
             </a:fld>
             <a:endParaRPr lang="zh-TW" altLang="en-US"/>
           </a:p>
@@ -4341,7 +4414,7 @@
           <a:p>
             <a:fld id="{D3EDB8CA-71FD-4DC9-833D-24632F66BB79}" type="datetimeFigureOut">
               <a:rPr lang="zh-TW" altLang="en-US" smtClean="0"/>
-              <a:t>2023/10/1</a:t>
+              <a:t>2023/11/5</a:t>
             </a:fld>
             <a:endParaRPr lang="zh-TW" altLang="en-US"/>
           </a:p>
@@ -4482,7 +4555,7 @@
           <a:p>
             <a:fld id="{D3EDB8CA-71FD-4DC9-833D-24632F66BB79}" type="datetimeFigureOut">
               <a:rPr lang="zh-TW" altLang="en-US" smtClean="0"/>
-              <a:t>2023/10/1</a:t>
+              <a:t>2023/11/5</a:t>
             </a:fld>
             <a:endParaRPr lang="zh-TW" altLang="en-US"/>
           </a:p>
@@ -4595,7 +4668,7 @@
           <a:p>
             <a:fld id="{D3EDB8CA-71FD-4DC9-833D-24632F66BB79}" type="datetimeFigureOut">
               <a:rPr lang="zh-TW" altLang="en-US" smtClean="0"/>
-              <a:t>2023/10/1</a:t>
+              <a:t>2023/11/5</a:t>
             </a:fld>
             <a:endParaRPr lang="zh-TW" altLang="en-US"/>
           </a:p>
@@ -4906,7 +4979,7 @@
           <a:p>
             <a:fld id="{D3EDB8CA-71FD-4DC9-833D-24632F66BB79}" type="datetimeFigureOut">
               <a:rPr lang="zh-TW" altLang="en-US" smtClean="0"/>
-              <a:t>2023/10/1</a:t>
+              <a:t>2023/11/5</a:t>
             </a:fld>
             <a:endParaRPr lang="zh-TW" altLang="en-US"/>
           </a:p>
@@ -5194,7 +5267,7 @@
           <a:p>
             <a:fld id="{D3EDB8CA-71FD-4DC9-833D-24632F66BB79}" type="datetimeFigureOut">
               <a:rPr lang="zh-TW" altLang="en-US" smtClean="0"/>
-              <a:t>2023/10/1</a:t>
+              <a:t>2023/11/5</a:t>
             </a:fld>
             <a:endParaRPr lang="zh-TW" altLang="en-US"/>
           </a:p>
@@ -5435,7 +5508,7 @@
           <a:p>
             <a:fld id="{D3EDB8CA-71FD-4DC9-833D-24632F66BB79}" type="datetimeFigureOut">
               <a:rPr lang="zh-TW" altLang="en-US" smtClean="0"/>
-              <a:t>2023/10/1</a:t>
+              <a:t>2023/11/5</a:t>
             </a:fld>
             <a:endParaRPr lang="zh-TW" altLang="en-US"/>
           </a:p>
@@ -10082,6 +10155,104 @@
     <p:extLst>
       <p:ext uri="{BB962C8B-B14F-4D97-AF65-F5344CB8AC3E}">
         <p14:creationId xmlns:p14="http://schemas.microsoft.com/office/powerpoint/2010/main" val="908935971"/>
+      </p:ext>
+    </p:extLst>
+  </p:cSld>
+  <p:clrMapOvr>
+    <a:masterClrMapping/>
+  </p:clrMapOvr>
+</p:sld>
+</file>
+
+<file path=ppt/slides/slide4.xml><?xml version="1.0" encoding="utf-8"?>
+<p:sld xmlns:a="http://schemas.openxmlformats.org/drawingml/2006/main" xmlns:r="http://schemas.openxmlformats.org/officeDocument/2006/relationships" xmlns:p="http://schemas.openxmlformats.org/presentationml/2006/main">
+  <p:cSld>
+    <p:spTree>
+      <p:nvGrpSpPr>
+        <p:cNvPr id="1" name=""/>
+        <p:cNvGrpSpPr/>
+        <p:nvPr/>
+      </p:nvGrpSpPr>
+      <p:grpSpPr>
+        <a:xfrm>
+          <a:off x="0" y="0"/>
+          <a:ext cx="0" cy="0"/>
+          <a:chOff x="0" y="0"/>
+          <a:chExt cx="0" cy="0"/>
+        </a:xfrm>
+      </p:grpSpPr>
+      <p:pic>
+        <p:nvPicPr>
+          <p:cNvPr id="9" name="Picture 8">
+            <a:extLst>
+              <a:ext uri="{FF2B5EF4-FFF2-40B4-BE49-F238E27FC236}">
+                <a16:creationId xmlns:a16="http://schemas.microsoft.com/office/drawing/2014/main" id="{4BFC2E1B-58BC-00E0-C0D8-521B2F34B9E6}"/>
+              </a:ext>
+            </a:extLst>
+          </p:cNvPr>
+          <p:cNvPicPr>
+            <a:picLocks noChangeAspect="1"/>
+          </p:cNvPicPr>
+          <p:nvPr/>
+        </p:nvPicPr>
+        <p:blipFill rotWithShape="1">
+          <a:blip r:embed="rId2"/>
+          <a:srcRect t="2716"/>
+          <a:stretch/>
+        </p:blipFill>
+        <p:spPr>
+          <a:xfrm>
+            <a:off x="0" y="3429000"/>
+            <a:ext cx="12192000" cy="4545589"/>
+          </a:xfrm>
+          <a:prstGeom prst="rect">
+            <a:avLst/>
+          </a:prstGeom>
+          <a:ln>
+            <a:solidFill>
+              <a:schemeClr val="tx1"/>
+            </a:solidFill>
+          </a:ln>
+        </p:spPr>
+      </p:pic>
+      <p:pic>
+        <p:nvPicPr>
+          <p:cNvPr id="11" name="Picture 10">
+            <a:extLst>
+              <a:ext uri="{FF2B5EF4-FFF2-40B4-BE49-F238E27FC236}">
+                <a16:creationId xmlns:a16="http://schemas.microsoft.com/office/drawing/2014/main" id="{C3655E12-A58D-9CBC-A2A8-263A8FDE57A3}"/>
+              </a:ext>
+            </a:extLst>
+          </p:cNvPr>
+          <p:cNvPicPr>
+            <a:picLocks noChangeAspect="1"/>
+          </p:cNvPicPr>
+          <p:nvPr/>
+        </p:nvPicPr>
+        <p:blipFill rotWithShape="1">
+          <a:blip r:embed="rId3"/>
+          <a:srcRect b="6304"/>
+          <a:stretch/>
+        </p:blipFill>
+        <p:spPr>
+          <a:xfrm>
+            <a:off x="0" y="-1211353"/>
+            <a:ext cx="12192000" cy="4640353"/>
+          </a:xfrm>
+          <a:prstGeom prst="rect">
+            <a:avLst/>
+          </a:prstGeom>
+          <a:ln>
+            <a:solidFill>
+              <a:schemeClr val="tx1"/>
+            </a:solidFill>
+          </a:ln>
+        </p:spPr>
+      </p:pic>
+    </p:spTree>
+    <p:extLst>
+      <p:ext uri="{BB962C8B-B14F-4D97-AF65-F5344CB8AC3E}">
+        <p14:creationId xmlns:p14="http://schemas.microsoft.com/office/powerpoint/2010/main" val="2205657746"/>
       </p:ext>
     </p:extLst>
   </p:cSld>
